--- a/Licenta2018MoroșanuGeorgeCosmin/MediArch.pptx
+++ b/Licenta2018MoroșanuGeorgeCosmin/MediArch.pptx
@@ -4,15 +4,18 @@
   <p:sldMasterIdLst>
     <p:sldMasterId id="2147483648" r:id="rId1"/>
   </p:sldMasterIdLst>
+  <p:notesMasterIdLst>
+    <p:notesMasterId r:id="rId11"/>
+  </p:notesMasterIdLst>
   <p:sldIdLst>
-    <p:sldId id="258" r:id="rId2"/>
-    <p:sldId id="270" r:id="rId3"/>
-    <p:sldId id="264" r:id="rId4"/>
-    <p:sldId id="261" r:id="rId5"/>
-    <p:sldId id="265" r:id="rId6"/>
+    <p:sldId id="273" r:id="rId2"/>
+    <p:sldId id="258" r:id="rId3"/>
+    <p:sldId id="270" r:id="rId4"/>
+    <p:sldId id="264" r:id="rId5"/>
+    <p:sldId id="271" r:id="rId6"/>
     <p:sldId id="267" r:id="rId7"/>
     <p:sldId id="263" r:id="rId8"/>
-    <p:sldId id="266" r:id="rId9"/>
+    <p:sldId id="272" r:id="rId9"/>
     <p:sldId id="269" r:id="rId10"/>
   </p:sldIdLst>
   <p:sldSz cx="12192000" cy="6858000"/>
@@ -112,7 +115,1391 @@
       </a:defRPr>
     </a:lvl9pPr>
   </p:defaultTextStyle>
+  <p:extLst>
+    <p:ext uri="{EFAFB233-063F-42B5-8137-9DF3F51BA10A}">
+      <p15:sldGuideLst xmlns:p15="http://schemas.microsoft.com/office/powerpoint/2012/main"/>
+    </p:ext>
+  </p:extLst>
 </p:presentation>
+</file>
+
+<file path=ppt/notesMasters/notesMaster1.xml><?xml version="1.0" encoding="utf-8"?>
+<p:notesMaster xmlns:a="http://schemas.openxmlformats.org/drawingml/2006/main" xmlns:r="http://schemas.openxmlformats.org/officeDocument/2006/relationships" xmlns:p="http://schemas.openxmlformats.org/presentationml/2006/main">
+  <p:cSld>
+    <p:bg>
+      <p:bgRef idx="1001">
+        <a:schemeClr val="bg1"/>
+      </p:bgRef>
+    </p:bg>
+    <p:spTree>
+      <p:nvGrpSpPr>
+        <p:cNvPr id="1" name=""/>
+        <p:cNvGrpSpPr/>
+        <p:nvPr/>
+      </p:nvGrpSpPr>
+      <p:grpSpPr>
+        <a:xfrm>
+          <a:off x="0" y="0"/>
+          <a:ext cx="0" cy="0"/>
+          <a:chOff x="0" y="0"/>
+          <a:chExt cx="0" cy="0"/>
+        </a:xfrm>
+      </p:grpSpPr>
+      <p:sp>
+        <p:nvSpPr>
+          <p:cNvPr id="2" name="Header Placeholder 1"/>
+          <p:cNvSpPr>
+            <a:spLocks noGrp="1"/>
+          </p:cNvSpPr>
+          <p:nvPr>
+            <p:ph type="hdr" sz="quarter"/>
+          </p:nvPr>
+        </p:nvSpPr>
+        <p:spPr>
+          <a:xfrm>
+            <a:off x="0" y="0"/>
+            <a:ext cx="2971800" cy="458788"/>
+          </a:xfrm>
+          <a:prstGeom prst="rect">
+            <a:avLst/>
+          </a:prstGeom>
+        </p:spPr>
+        <p:txBody>
+          <a:bodyPr vert="horz" lIns="91440" tIns="45720" rIns="91440" bIns="45720" rtlCol="0"/>
+          <a:lstStyle>
+            <a:lvl1pPr algn="l">
+              <a:defRPr sz="1200"/>
+            </a:lvl1pPr>
+          </a:lstStyle>
+          <a:p>
+            <a:endParaRPr lang="ro-RO"/>
+          </a:p>
+        </p:txBody>
+      </p:sp>
+      <p:sp>
+        <p:nvSpPr>
+          <p:cNvPr id="3" name="Date Placeholder 2"/>
+          <p:cNvSpPr>
+            <a:spLocks noGrp="1"/>
+          </p:cNvSpPr>
+          <p:nvPr>
+            <p:ph type="dt" idx="1"/>
+          </p:nvPr>
+        </p:nvSpPr>
+        <p:spPr>
+          <a:xfrm>
+            <a:off x="3884613" y="0"/>
+            <a:ext cx="2971800" cy="458788"/>
+          </a:xfrm>
+          <a:prstGeom prst="rect">
+            <a:avLst/>
+          </a:prstGeom>
+        </p:spPr>
+        <p:txBody>
+          <a:bodyPr vert="horz" lIns="91440" tIns="45720" rIns="91440" bIns="45720" rtlCol="0"/>
+          <a:lstStyle>
+            <a:lvl1pPr algn="r">
+              <a:defRPr sz="1200"/>
+            </a:lvl1pPr>
+          </a:lstStyle>
+          <a:p>
+            <a:fld id="{75ACD4F3-15DE-4D4F-AEC6-1F5D6AEE56EA}" type="datetimeFigureOut">
+              <a:rPr lang="ro-RO" smtClean="0"/>
+              <a:t>28.06.2018</a:t>
+            </a:fld>
+            <a:endParaRPr lang="ro-RO"/>
+          </a:p>
+        </p:txBody>
+      </p:sp>
+      <p:sp>
+        <p:nvSpPr>
+          <p:cNvPr id="4" name="Slide Image Placeholder 3"/>
+          <p:cNvSpPr>
+            <a:spLocks noGrp="1" noRot="1" noChangeAspect="1"/>
+          </p:cNvSpPr>
+          <p:nvPr>
+            <p:ph type="sldImg" idx="2"/>
+          </p:nvPr>
+        </p:nvSpPr>
+        <p:spPr>
+          <a:xfrm>
+            <a:off x="685800" y="1143000"/>
+            <a:ext cx="5486400" cy="3086100"/>
+          </a:xfrm>
+          <a:prstGeom prst="rect">
+            <a:avLst/>
+          </a:prstGeom>
+          <a:noFill/>
+          <a:ln w="12700">
+            <a:solidFill>
+              <a:prstClr val="black"/>
+            </a:solidFill>
+          </a:ln>
+        </p:spPr>
+        <p:txBody>
+          <a:bodyPr vert="horz" lIns="91440" tIns="45720" rIns="91440" bIns="45720" rtlCol="0" anchor="ctr"/>
+          <a:lstStyle/>
+          <a:p>
+            <a:endParaRPr lang="ro-RO"/>
+          </a:p>
+        </p:txBody>
+      </p:sp>
+      <p:sp>
+        <p:nvSpPr>
+          <p:cNvPr id="5" name="Notes Placeholder 4"/>
+          <p:cNvSpPr>
+            <a:spLocks noGrp="1"/>
+          </p:cNvSpPr>
+          <p:nvPr>
+            <p:ph type="body" sz="quarter" idx="3"/>
+          </p:nvPr>
+        </p:nvSpPr>
+        <p:spPr>
+          <a:xfrm>
+            <a:off x="685800" y="4400550"/>
+            <a:ext cx="5486400" cy="3600450"/>
+          </a:xfrm>
+          <a:prstGeom prst="rect">
+            <a:avLst/>
+          </a:prstGeom>
+        </p:spPr>
+        <p:txBody>
+          <a:bodyPr vert="horz" lIns="91440" tIns="45720" rIns="91440" bIns="45720" rtlCol="0"/>
+          <a:lstStyle/>
+          <a:p>
+            <a:pPr lvl="0"/>
+            <a:r>
+              <a:rPr lang="en-US"/>
+              <a:t>Edit Master text styles</a:t>
+            </a:r>
+          </a:p>
+          <a:p>
+            <a:pPr lvl="1"/>
+            <a:r>
+              <a:rPr lang="en-US"/>
+              <a:t>Second level</a:t>
+            </a:r>
+          </a:p>
+          <a:p>
+            <a:pPr lvl="2"/>
+            <a:r>
+              <a:rPr lang="en-US"/>
+              <a:t>Third level</a:t>
+            </a:r>
+          </a:p>
+          <a:p>
+            <a:pPr lvl="3"/>
+            <a:r>
+              <a:rPr lang="en-US"/>
+              <a:t>Fourth level</a:t>
+            </a:r>
+          </a:p>
+          <a:p>
+            <a:pPr lvl="4"/>
+            <a:r>
+              <a:rPr lang="en-US"/>
+              <a:t>Fifth level</a:t>
+            </a:r>
+            <a:endParaRPr lang="ro-RO"/>
+          </a:p>
+        </p:txBody>
+      </p:sp>
+      <p:sp>
+        <p:nvSpPr>
+          <p:cNvPr id="6" name="Footer Placeholder 5"/>
+          <p:cNvSpPr>
+            <a:spLocks noGrp="1"/>
+          </p:cNvSpPr>
+          <p:nvPr>
+            <p:ph type="ftr" sz="quarter" idx="4"/>
+          </p:nvPr>
+        </p:nvSpPr>
+        <p:spPr>
+          <a:xfrm>
+            <a:off x="0" y="8685213"/>
+            <a:ext cx="2971800" cy="458787"/>
+          </a:xfrm>
+          <a:prstGeom prst="rect">
+            <a:avLst/>
+          </a:prstGeom>
+        </p:spPr>
+        <p:txBody>
+          <a:bodyPr vert="horz" lIns="91440" tIns="45720" rIns="91440" bIns="45720" rtlCol="0" anchor="b"/>
+          <a:lstStyle>
+            <a:lvl1pPr algn="l">
+              <a:defRPr sz="1200"/>
+            </a:lvl1pPr>
+          </a:lstStyle>
+          <a:p>
+            <a:endParaRPr lang="ro-RO"/>
+          </a:p>
+        </p:txBody>
+      </p:sp>
+      <p:sp>
+        <p:nvSpPr>
+          <p:cNvPr id="7" name="Slide Number Placeholder 6"/>
+          <p:cNvSpPr>
+            <a:spLocks noGrp="1"/>
+          </p:cNvSpPr>
+          <p:nvPr>
+            <p:ph type="sldNum" sz="quarter" idx="5"/>
+          </p:nvPr>
+        </p:nvSpPr>
+        <p:spPr>
+          <a:xfrm>
+            <a:off x="3884613" y="8685213"/>
+            <a:ext cx="2971800" cy="458787"/>
+          </a:xfrm>
+          <a:prstGeom prst="rect">
+            <a:avLst/>
+          </a:prstGeom>
+        </p:spPr>
+        <p:txBody>
+          <a:bodyPr vert="horz" lIns="91440" tIns="45720" rIns="91440" bIns="45720" rtlCol="0" anchor="b"/>
+          <a:lstStyle>
+            <a:lvl1pPr algn="r">
+              <a:defRPr sz="1200"/>
+            </a:lvl1pPr>
+          </a:lstStyle>
+          <a:p>
+            <a:fld id="{2417832D-E652-4DC2-B104-B64B60858A77}" type="slidenum">
+              <a:rPr lang="ro-RO" smtClean="0"/>
+              <a:t>‹#›</a:t>
+            </a:fld>
+            <a:endParaRPr lang="ro-RO"/>
+          </a:p>
+        </p:txBody>
+      </p:sp>
+    </p:spTree>
+    <p:extLst>
+      <p:ext uri="{BB962C8B-B14F-4D97-AF65-F5344CB8AC3E}">
+        <p14:creationId xmlns:p14="http://schemas.microsoft.com/office/powerpoint/2010/main" val="129557211"/>
+      </p:ext>
+    </p:extLst>
+  </p:cSld>
+  <p:clrMap bg1="lt1" tx1="dk1" bg2="lt2" tx2="dk2" accent1="accent1" accent2="accent2" accent3="accent3" accent4="accent4" accent5="accent5" accent6="accent6" hlink="hlink" folHlink="folHlink"/>
+  <p:notesStyle>
+    <a:lvl1pPr marL="0" algn="l" defTabSz="914400" rtl="0" eaLnBrk="1" latinLnBrk="0" hangingPunct="1">
+      <a:defRPr sz="1200" kern="1200">
+        <a:solidFill>
+          <a:schemeClr val="tx1"/>
+        </a:solidFill>
+        <a:latin typeface="+mn-lt"/>
+        <a:ea typeface="+mn-ea"/>
+        <a:cs typeface="+mn-cs"/>
+      </a:defRPr>
+    </a:lvl1pPr>
+    <a:lvl2pPr marL="457200" algn="l" defTabSz="914400" rtl="0" eaLnBrk="1" latinLnBrk="0" hangingPunct="1">
+      <a:defRPr sz="1200" kern="1200">
+        <a:solidFill>
+          <a:schemeClr val="tx1"/>
+        </a:solidFill>
+        <a:latin typeface="+mn-lt"/>
+        <a:ea typeface="+mn-ea"/>
+        <a:cs typeface="+mn-cs"/>
+      </a:defRPr>
+    </a:lvl2pPr>
+    <a:lvl3pPr marL="914400" algn="l" defTabSz="914400" rtl="0" eaLnBrk="1" latinLnBrk="0" hangingPunct="1">
+      <a:defRPr sz="1200" kern="1200">
+        <a:solidFill>
+          <a:schemeClr val="tx1"/>
+        </a:solidFill>
+        <a:latin typeface="+mn-lt"/>
+        <a:ea typeface="+mn-ea"/>
+        <a:cs typeface="+mn-cs"/>
+      </a:defRPr>
+    </a:lvl3pPr>
+    <a:lvl4pPr marL="1371600" algn="l" defTabSz="914400" rtl="0" eaLnBrk="1" latinLnBrk="0" hangingPunct="1">
+      <a:defRPr sz="1200" kern="1200">
+        <a:solidFill>
+          <a:schemeClr val="tx1"/>
+        </a:solidFill>
+        <a:latin typeface="+mn-lt"/>
+        <a:ea typeface="+mn-ea"/>
+        <a:cs typeface="+mn-cs"/>
+      </a:defRPr>
+    </a:lvl4pPr>
+    <a:lvl5pPr marL="1828800" algn="l" defTabSz="914400" rtl="0" eaLnBrk="1" latinLnBrk="0" hangingPunct="1">
+      <a:defRPr sz="1200" kern="1200">
+        <a:solidFill>
+          <a:schemeClr val="tx1"/>
+        </a:solidFill>
+        <a:latin typeface="+mn-lt"/>
+        <a:ea typeface="+mn-ea"/>
+        <a:cs typeface="+mn-cs"/>
+      </a:defRPr>
+    </a:lvl5pPr>
+    <a:lvl6pPr marL="2286000" algn="l" defTabSz="914400" rtl="0" eaLnBrk="1" latinLnBrk="0" hangingPunct="1">
+      <a:defRPr sz="1200" kern="1200">
+        <a:solidFill>
+          <a:schemeClr val="tx1"/>
+        </a:solidFill>
+        <a:latin typeface="+mn-lt"/>
+        <a:ea typeface="+mn-ea"/>
+        <a:cs typeface="+mn-cs"/>
+      </a:defRPr>
+    </a:lvl6pPr>
+    <a:lvl7pPr marL="2743200" algn="l" defTabSz="914400" rtl="0" eaLnBrk="1" latinLnBrk="0" hangingPunct="1">
+      <a:defRPr sz="1200" kern="1200">
+        <a:solidFill>
+          <a:schemeClr val="tx1"/>
+        </a:solidFill>
+        <a:latin typeface="+mn-lt"/>
+        <a:ea typeface="+mn-ea"/>
+        <a:cs typeface="+mn-cs"/>
+      </a:defRPr>
+    </a:lvl7pPr>
+    <a:lvl8pPr marL="3200400" algn="l" defTabSz="914400" rtl="0" eaLnBrk="1" latinLnBrk="0" hangingPunct="1">
+      <a:defRPr sz="1200" kern="1200">
+        <a:solidFill>
+          <a:schemeClr val="tx1"/>
+        </a:solidFill>
+        <a:latin typeface="+mn-lt"/>
+        <a:ea typeface="+mn-ea"/>
+        <a:cs typeface="+mn-cs"/>
+      </a:defRPr>
+    </a:lvl8pPr>
+    <a:lvl9pPr marL="3657600" algn="l" defTabSz="914400" rtl="0" eaLnBrk="1" latinLnBrk="0" hangingPunct="1">
+      <a:defRPr sz="1200" kern="1200">
+        <a:solidFill>
+          <a:schemeClr val="tx1"/>
+        </a:solidFill>
+        <a:latin typeface="+mn-lt"/>
+        <a:ea typeface="+mn-ea"/>
+        <a:cs typeface="+mn-cs"/>
+      </a:defRPr>
+    </a:lvl9pPr>
+  </p:notesStyle>
+</p:notesMaster>
+</file>
+
+<file path=ppt/notesSlides/notesSlide1.xml><?xml version="1.0" encoding="utf-8"?>
+<p:notes xmlns:a="http://schemas.openxmlformats.org/drawingml/2006/main" xmlns:r="http://schemas.openxmlformats.org/officeDocument/2006/relationships" xmlns:p="http://schemas.openxmlformats.org/presentationml/2006/main">
+  <p:cSld>
+    <p:spTree>
+      <p:nvGrpSpPr>
+        <p:cNvPr id="1" name=""/>
+        <p:cNvGrpSpPr/>
+        <p:nvPr/>
+      </p:nvGrpSpPr>
+      <p:grpSpPr>
+        <a:xfrm>
+          <a:off x="0" y="0"/>
+          <a:ext cx="0" cy="0"/>
+          <a:chOff x="0" y="0"/>
+          <a:chExt cx="0" cy="0"/>
+        </a:xfrm>
+      </p:grpSpPr>
+      <p:sp>
+        <p:nvSpPr>
+          <p:cNvPr id="2" name="Slide Image Placeholder 1"/>
+          <p:cNvSpPr>
+            <a:spLocks noGrp="1" noRot="1" noChangeAspect="1"/>
+          </p:cNvSpPr>
+          <p:nvPr>
+            <p:ph type="sldImg"/>
+          </p:nvPr>
+        </p:nvSpPr>
+        <p:spPr/>
+      </p:sp>
+      <p:sp>
+        <p:nvSpPr>
+          <p:cNvPr id="3" name="Notes Placeholder 2"/>
+          <p:cNvSpPr>
+            <a:spLocks noGrp="1"/>
+          </p:cNvSpPr>
+          <p:nvPr>
+            <p:ph type="body" idx="1"/>
+          </p:nvPr>
+        </p:nvSpPr>
+        <p:spPr/>
+        <p:txBody>
+          <a:bodyPr/>
+          <a:lstStyle/>
+          <a:p>
+            <a:r>
+              <a:rPr lang="ro-RO" dirty="0"/>
+              <a:t> </a:t>
+            </a:r>
+          </a:p>
+        </p:txBody>
+      </p:sp>
+      <p:sp>
+        <p:nvSpPr>
+          <p:cNvPr id="4" name="Slide Number Placeholder 3"/>
+          <p:cNvSpPr>
+            <a:spLocks noGrp="1"/>
+          </p:cNvSpPr>
+          <p:nvPr>
+            <p:ph type="sldNum" sz="quarter" idx="10"/>
+          </p:nvPr>
+        </p:nvSpPr>
+        <p:spPr/>
+        <p:txBody>
+          <a:bodyPr/>
+          <a:lstStyle/>
+          <a:p>
+            <a:fld id="{2417832D-E652-4DC2-B104-B64B60858A77}" type="slidenum">
+              <a:rPr lang="ro-RO" smtClean="0"/>
+              <a:t>1</a:t>
+            </a:fld>
+            <a:endParaRPr lang="ro-RO"/>
+          </a:p>
+        </p:txBody>
+      </p:sp>
+    </p:spTree>
+    <p:extLst>
+      <p:ext uri="{BB962C8B-B14F-4D97-AF65-F5344CB8AC3E}">
+        <p14:creationId xmlns:p14="http://schemas.microsoft.com/office/powerpoint/2010/main" val="1012195325"/>
+      </p:ext>
+    </p:extLst>
+  </p:cSld>
+  <p:clrMapOvr>
+    <a:masterClrMapping/>
+  </p:clrMapOvr>
+</p:notes>
+</file>
+
+<file path=ppt/notesSlides/notesSlide2.xml><?xml version="1.0" encoding="utf-8"?>
+<p:notes xmlns:a="http://schemas.openxmlformats.org/drawingml/2006/main" xmlns:r="http://schemas.openxmlformats.org/officeDocument/2006/relationships" xmlns:p="http://schemas.openxmlformats.org/presentationml/2006/main">
+  <p:cSld>
+    <p:spTree>
+      <p:nvGrpSpPr>
+        <p:cNvPr id="1" name=""/>
+        <p:cNvGrpSpPr/>
+        <p:nvPr/>
+      </p:nvGrpSpPr>
+      <p:grpSpPr>
+        <a:xfrm>
+          <a:off x="0" y="0"/>
+          <a:ext cx="0" cy="0"/>
+          <a:chOff x="0" y="0"/>
+          <a:chExt cx="0" cy="0"/>
+        </a:xfrm>
+      </p:grpSpPr>
+      <p:sp>
+        <p:nvSpPr>
+          <p:cNvPr id="2" name="Slide Image Placeholder 1"/>
+          <p:cNvSpPr>
+            <a:spLocks noGrp="1" noRot="1" noChangeAspect="1"/>
+          </p:cNvSpPr>
+          <p:nvPr>
+            <p:ph type="sldImg"/>
+          </p:nvPr>
+        </p:nvSpPr>
+        <p:spPr/>
+      </p:sp>
+      <p:sp>
+        <p:nvSpPr>
+          <p:cNvPr id="3" name="Notes Placeholder 2"/>
+          <p:cNvSpPr>
+            <a:spLocks noGrp="1"/>
+          </p:cNvSpPr>
+          <p:nvPr>
+            <p:ph type="body" idx="1"/>
+          </p:nvPr>
+        </p:nvSpPr>
+        <p:spPr/>
+        <p:txBody>
+          <a:bodyPr/>
+          <a:lstStyle/>
+          <a:p>
+            <a:r>
+              <a:rPr lang="ro-RO" dirty="0"/>
+              <a:t> </a:t>
+            </a:r>
+          </a:p>
+        </p:txBody>
+      </p:sp>
+      <p:sp>
+        <p:nvSpPr>
+          <p:cNvPr id="4" name="Slide Number Placeholder 3"/>
+          <p:cNvSpPr>
+            <a:spLocks noGrp="1"/>
+          </p:cNvSpPr>
+          <p:nvPr>
+            <p:ph type="sldNum" sz="quarter" idx="10"/>
+          </p:nvPr>
+        </p:nvSpPr>
+        <p:spPr/>
+        <p:txBody>
+          <a:bodyPr/>
+          <a:lstStyle/>
+          <a:p>
+            <a:fld id="{2417832D-E652-4DC2-B104-B64B60858A77}" type="slidenum">
+              <a:rPr lang="ro-RO" smtClean="0"/>
+              <a:t>2</a:t>
+            </a:fld>
+            <a:endParaRPr lang="ro-RO"/>
+          </a:p>
+        </p:txBody>
+      </p:sp>
+    </p:spTree>
+    <p:extLst>
+      <p:ext uri="{BB962C8B-B14F-4D97-AF65-F5344CB8AC3E}">
+        <p14:creationId xmlns:p14="http://schemas.microsoft.com/office/powerpoint/2010/main" val="2559616468"/>
+      </p:ext>
+    </p:extLst>
+  </p:cSld>
+  <p:clrMapOvr>
+    <a:masterClrMapping/>
+  </p:clrMapOvr>
+</p:notes>
+</file>
+
+<file path=ppt/notesSlides/notesSlide3.xml><?xml version="1.0" encoding="utf-8"?>
+<p:notes xmlns:a="http://schemas.openxmlformats.org/drawingml/2006/main" xmlns:r="http://schemas.openxmlformats.org/officeDocument/2006/relationships" xmlns:p="http://schemas.openxmlformats.org/presentationml/2006/main">
+  <p:cSld>
+    <p:spTree>
+      <p:nvGrpSpPr>
+        <p:cNvPr id="1" name=""/>
+        <p:cNvGrpSpPr/>
+        <p:nvPr/>
+      </p:nvGrpSpPr>
+      <p:grpSpPr>
+        <a:xfrm>
+          <a:off x="0" y="0"/>
+          <a:ext cx="0" cy="0"/>
+          <a:chOff x="0" y="0"/>
+          <a:chExt cx="0" cy="0"/>
+        </a:xfrm>
+      </p:grpSpPr>
+      <p:sp>
+        <p:nvSpPr>
+          <p:cNvPr id="2" name="Slide Image Placeholder 1"/>
+          <p:cNvSpPr>
+            <a:spLocks noGrp="1" noRot="1" noChangeAspect="1"/>
+          </p:cNvSpPr>
+          <p:nvPr>
+            <p:ph type="sldImg"/>
+          </p:nvPr>
+        </p:nvSpPr>
+        <p:spPr/>
+      </p:sp>
+      <p:sp>
+        <p:nvSpPr>
+          <p:cNvPr id="3" name="Notes Placeholder 2"/>
+          <p:cNvSpPr>
+            <a:spLocks noGrp="1"/>
+          </p:cNvSpPr>
+          <p:nvPr>
+            <p:ph type="body" idx="1"/>
+          </p:nvPr>
+        </p:nvSpPr>
+        <p:spPr/>
+        <p:txBody>
+          <a:bodyPr/>
+          <a:lstStyle/>
+          <a:p>
+            <a:r>
+              <a:rPr lang="ro-RO" dirty="0"/>
+              <a:t>Aspecte pe care le voi aborda pe parcursul prezentării</a:t>
+            </a:r>
+            <a:r>
+              <a:rPr lang="en-US" dirty="0"/>
+              <a:t>:</a:t>
+            </a:r>
+            <a:endParaRPr lang="ro-RO" dirty="0"/>
+          </a:p>
+        </p:txBody>
+      </p:sp>
+      <p:sp>
+        <p:nvSpPr>
+          <p:cNvPr id="4" name="Slide Number Placeholder 3"/>
+          <p:cNvSpPr>
+            <a:spLocks noGrp="1"/>
+          </p:cNvSpPr>
+          <p:nvPr>
+            <p:ph type="sldNum" sz="quarter" idx="10"/>
+          </p:nvPr>
+        </p:nvSpPr>
+        <p:spPr/>
+        <p:txBody>
+          <a:bodyPr/>
+          <a:lstStyle/>
+          <a:p>
+            <a:fld id="{2417832D-E652-4DC2-B104-B64B60858A77}" type="slidenum">
+              <a:rPr lang="ro-RO" smtClean="0"/>
+              <a:t>3</a:t>
+            </a:fld>
+            <a:endParaRPr lang="ro-RO"/>
+          </a:p>
+        </p:txBody>
+      </p:sp>
+    </p:spTree>
+    <p:extLst>
+      <p:ext uri="{BB962C8B-B14F-4D97-AF65-F5344CB8AC3E}">
+        <p14:creationId xmlns:p14="http://schemas.microsoft.com/office/powerpoint/2010/main" val="707687072"/>
+      </p:ext>
+    </p:extLst>
+  </p:cSld>
+  <p:clrMapOvr>
+    <a:masterClrMapping/>
+  </p:clrMapOvr>
+</p:notes>
+</file>
+
+<file path=ppt/notesSlides/notesSlide4.xml><?xml version="1.0" encoding="utf-8"?>
+<p:notes xmlns:a="http://schemas.openxmlformats.org/drawingml/2006/main" xmlns:r="http://schemas.openxmlformats.org/officeDocument/2006/relationships" xmlns:p="http://schemas.openxmlformats.org/presentationml/2006/main">
+  <p:cSld>
+    <p:spTree>
+      <p:nvGrpSpPr>
+        <p:cNvPr id="1" name=""/>
+        <p:cNvGrpSpPr/>
+        <p:nvPr/>
+      </p:nvGrpSpPr>
+      <p:grpSpPr>
+        <a:xfrm>
+          <a:off x="0" y="0"/>
+          <a:ext cx="0" cy="0"/>
+          <a:chOff x="0" y="0"/>
+          <a:chExt cx="0" cy="0"/>
+        </a:xfrm>
+      </p:grpSpPr>
+      <p:sp>
+        <p:nvSpPr>
+          <p:cNvPr id="2" name="Slide Image Placeholder 1"/>
+          <p:cNvSpPr>
+            <a:spLocks noGrp="1" noRot="1" noChangeAspect="1"/>
+          </p:cNvSpPr>
+          <p:nvPr>
+            <p:ph type="sldImg"/>
+          </p:nvPr>
+        </p:nvSpPr>
+        <p:spPr/>
+      </p:sp>
+      <p:sp>
+        <p:nvSpPr>
+          <p:cNvPr id="3" name="Notes Placeholder 2"/>
+          <p:cNvSpPr>
+            <a:spLocks noGrp="1"/>
+          </p:cNvSpPr>
+          <p:nvPr>
+            <p:ph type="body" idx="1"/>
+          </p:nvPr>
+        </p:nvSpPr>
+        <p:spPr/>
+        <p:txBody>
+          <a:bodyPr/>
+          <a:lstStyle/>
+          <a:p>
+            <a:r>
+              <a:rPr lang="ro-RO" dirty="0"/>
+              <a:t> </a:t>
+            </a:r>
+          </a:p>
+        </p:txBody>
+      </p:sp>
+      <p:sp>
+        <p:nvSpPr>
+          <p:cNvPr id="4" name="Slide Number Placeholder 3"/>
+          <p:cNvSpPr>
+            <a:spLocks noGrp="1"/>
+          </p:cNvSpPr>
+          <p:nvPr>
+            <p:ph type="sldNum" sz="quarter" idx="10"/>
+          </p:nvPr>
+        </p:nvSpPr>
+        <p:spPr/>
+        <p:txBody>
+          <a:bodyPr/>
+          <a:lstStyle/>
+          <a:p>
+            <a:fld id="{2417832D-E652-4DC2-B104-B64B60858A77}" type="slidenum">
+              <a:rPr lang="ro-RO" smtClean="0"/>
+              <a:t>4</a:t>
+            </a:fld>
+            <a:endParaRPr lang="ro-RO"/>
+          </a:p>
+        </p:txBody>
+      </p:sp>
+    </p:spTree>
+    <p:extLst>
+      <p:ext uri="{BB962C8B-B14F-4D97-AF65-F5344CB8AC3E}">
+        <p14:creationId xmlns:p14="http://schemas.microsoft.com/office/powerpoint/2010/main" val="3401260461"/>
+      </p:ext>
+    </p:extLst>
+  </p:cSld>
+  <p:clrMapOvr>
+    <a:masterClrMapping/>
+  </p:clrMapOvr>
+</p:notes>
+</file>
+
+<file path=ppt/notesSlides/notesSlide5.xml><?xml version="1.0" encoding="utf-8"?>
+<p:notes xmlns:a="http://schemas.openxmlformats.org/drawingml/2006/main" xmlns:r="http://schemas.openxmlformats.org/officeDocument/2006/relationships" xmlns:p="http://schemas.openxmlformats.org/presentationml/2006/main">
+  <p:cSld>
+    <p:spTree>
+      <p:nvGrpSpPr>
+        <p:cNvPr id="1" name=""/>
+        <p:cNvGrpSpPr/>
+        <p:nvPr/>
+      </p:nvGrpSpPr>
+      <p:grpSpPr>
+        <a:xfrm>
+          <a:off x="0" y="0"/>
+          <a:ext cx="0" cy="0"/>
+          <a:chOff x="0" y="0"/>
+          <a:chExt cx="0" cy="0"/>
+        </a:xfrm>
+      </p:grpSpPr>
+      <p:sp>
+        <p:nvSpPr>
+          <p:cNvPr id="2" name="Slide Image Placeholder 1"/>
+          <p:cNvSpPr>
+            <a:spLocks noGrp="1" noRot="1" noChangeAspect="1"/>
+          </p:cNvSpPr>
+          <p:nvPr>
+            <p:ph type="sldImg"/>
+          </p:nvPr>
+        </p:nvSpPr>
+        <p:spPr/>
+      </p:sp>
+      <p:sp>
+        <p:nvSpPr>
+          <p:cNvPr id="3" name="Notes Placeholder 2"/>
+          <p:cNvSpPr>
+            <a:spLocks noGrp="1"/>
+          </p:cNvSpPr>
+          <p:nvPr>
+            <p:ph type="body" idx="1"/>
+          </p:nvPr>
+        </p:nvSpPr>
+        <p:spPr/>
+        <p:txBody>
+          <a:bodyPr/>
+          <a:lstStyle/>
+          <a:p>
+            <a:r>
+              <a:rPr lang="ro-RO" dirty="0"/>
+              <a:t>Am ales </a:t>
+            </a:r>
+            <a:r>
+              <a:rPr lang="ro-RO" dirty="0" err="1"/>
+              <a:t>ASP.NET</a:t>
+            </a:r>
+            <a:r>
+              <a:rPr lang="ro-RO" dirty="0"/>
+              <a:t> ca și tehnologie principală datorită proiectului la </a:t>
+            </a:r>
+            <a:r>
+              <a:rPr lang="en-US" dirty="0"/>
+              <a:t>“</a:t>
+            </a:r>
+            <a:r>
+              <a:rPr lang="ro-RO" dirty="0"/>
+              <a:t>Introducere în .NET</a:t>
+            </a:r>
+            <a:r>
+              <a:rPr lang="en-US" dirty="0"/>
+              <a:t>”</a:t>
+            </a:r>
+            <a:r>
+              <a:rPr lang="ro-RO" dirty="0"/>
+              <a:t> din semestrul 1, anul 3, </a:t>
+            </a:r>
+          </a:p>
+          <a:p>
+            <a:r>
+              <a:rPr lang="ro-RO" dirty="0"/>
+              <a:t>deoarece această materie mi-a trezit cu adevărat interesul</a:t>
+            </a:r>
+            <a:r>
+              <a:rPr lang="en-US" dirty="0"/>
+              <a:t>;</a:t>
+            </a:r>
+            <a:r>
+              <a:rPr lang="ro-RO" dirty="0"/>
+              <a:t> și am decis să </a:t>
+            </a:r>
+            <a:r>
+              <a:rPr lang="en-US" dirty="0" err="1"/>
+              <a:t>aprofundez</a:t>
+            </a:r>
+            <a:r>
+              <a:rPr lang="en-US" dirty="0"/>
+              <a:t> </a:t>
+            </a:r>
+            <a:r>
+              <a:rPr lang="ro-RO" dirty="0"/>
+              <a:t>acele informații.</a:t>
+            </a:r>
+          </a:p>
+        </p:txBody>
+      </p:sp>
+      <p:sp>
+        <p:nvSpPr>
+          <p:cNvPr id="4" name="Slide Number Placeholder 3"/>
+          <p:cNvSpPr>
+            <a:spLocks noGrp="1"/>
+          </p:cNvSpPr>
+          <p:nvPr>
+            <p:ph type="sldNum" sz="quarter" idx="10"/>
+          </p:nvPr>
+        </p:nvSpPr>
+        <p:spPr/>
+        <p:txBody>
+          <a:bodyPr/>
+          <a:lstStyle/>
+          <a:p>
+            <a:fld id="{2417832D-E652-4DC2-B104-B64B60858A77}" type="slidenum">
+              <a:rPr lang="ro-RO" smtClean="0"/>
+              <a:t>5</a:t>
+            </a:fld>
+            <a:endParaRPr lang="ro-RO"/>
+          </a:p>
+        </p:txBody>
+      </p:sp>
+    </p:spTree>
+    <p:extLst>
+      <p:ext uri="{BB962C8B-B14F-4D97-AF65-F5344CB8AC3E}">
+        <p14:creationId xmlns:p14="http://schemas.microsoft.com/office/powerpoint/2010/main" val="2583997264"/>
+      </p:ext>
+    </p:extLst>
+  </p:cSld>
+  <p:clrMapOvr>
+    <a:masterClrMapping/>
+  </p:clrMapOvr>
+</p:notes>
+</file>
+
+<file path=ppt/notesSlides/notesSlide6.xml><?xml version="1.0" encoding="utf-8"?>
+<p:notes xmlns:a="http://schemas.openxmlformats.org/drawingml/2006/main" xmlns:r="http://schemas.openxmlformats.org/officeDocument/2006/relationships" xmlns:p="http://schemas.openxmlformats.org/presentationml/2006/main">
+  <p:cSld>
+    <p:spTree>
+      <p:nvGrpSpPr>
+        <p:cNvPr id="1" name=""/>
+        <p:cNvGrpSpPr/>
+        <p:nvPr/>
+      </p:nvGrpSpPr>
+      <p:grpSpPr>
+        <a:xfrm>
+          <a:off x="0" y="0"/>
+          <a:ext cx="0" cy="0"/>
+          <a:chOff x="0" y="0"/>
+          <a:chExt cx="0" cy="0"/>
+        </a:xfrm>
+      </p:grpSpPr>
+      <p:sp>
+        <p:nvSpPr>
+          <p:cNvPr id="2" name="Slide Image Placeholder 1"/>
+          <p:cNvSpPr>
+            <a:spLocks noGrp="1" noRot="1" noChangeAspect="1"/>
+          </p:cNvSpPr>
+          <p:nvPr>
+            <p:ph type="sldImg"/>
+          </p:nvPr>
+        </p:nvSpPr>
+        <p:spPr/>
+      </p:sp>
+      <p:sp>
+        <p:nvSpPr>
+          <p:cNvPr id="3" name="Notes Placeholder 2"/>
+          <p:cNvSpPr>
+            <a:spLocks noGrp="1"/>
+          </p:cNvSpPr>
+          <p:nvPr>
+            <p:ph type="body" idx="1"/>
+          </p:nvPr>
+        </p:nvSpPr>
+        <p:spPr/>
+        <p:txBody>
+          <a:bodyPr/>
+          <a:lstStyle/>
+          <a:p>
+            <a:r>
+              <a:rPr lang="en-US" dirty="0" err="1">
+                <a:latin typeface="Times New Roman" panose="02020603050405020304" pitchFamily="18" charset="0"/>
+                <a:cs typeface="Times New Roman" panose="02020603050405020304" pitchFamily="18" charset="0"/>
+              </a:rPr>
+              <a:t>Printre</a:t>
+            </a:r>
+            <a:r>
+              <a:rPr lang="en-US" dirty="0">
+                <a:latin typeface="Times New Roman" panose="02020603050405020304" pitchFamily="18" charset="0"/>
+                <a:cs typeface="Times New Roman" panose="02020603050405020304" pitchFamily="18" charset="0"/>
+              </a:rPr>
+              <a:t> </a:t>
+            </a:r>
+            <a:r>
+              <a:rPr lang="en-US" dirty="0" err="1">
+                <a:latin typeface="Times New Roman" panose="02020603050405020304" pitchFamily="18" charset="0"/>
+                <a:cs typeface="Times New Roman" panose="02020603050405020304" pitchFamily="18" charset="0"/>
+              </a:rPr>
+              <a:t>contribu</a:t>
+            </a:r>
+            <a:r>
+              <a:rPr lang="ro-RO" dirty="0" err="1">
+                <a:latin typeface="Times New Roman" panose="02020603050405020304" pitchFamily="18" charset="0"/>
+                <a:cs typeface="Times New Roman" panose="02020603050405020304" pitchFamily="18" charset="0"/>
+              </a:rPr>
+              <a:t>țiile</a:t>
+            </a:r>
+            <a:r>
+              <a:rPr lang="ro-RO" dirty="0">
+                <a:latin typeface="Times New Roman" panose="02020603050405020304" pitchFamily="18" charset="0"/>
+                <a:cs typeface="Times New Roman" panose="02020603050405020304" pitchFamily="18" charset="0"/>
+              </a:rPr>
+              <a:t> principale se numără</a:t>
+            </a:r>
+            <a:r>
+              <a:rPr lang="en-US" dirty="0">
+                <a:latin typeface="Times New Roman" panose="02020603050405020304" pitchFamily="18" charset="0"/>
+                <a:cs typeface="Times New Roman" panose="02020603050405020304" pitchFamily="18" charset="0"/>
+              </a:rPr>
+              <a:t>:</a:t>
+            </a:r>
+          </a:p>
+          <a:p>
+            <a:r>
+              <a:rPr lang="en-US" dirty="0">
+                <a:latin typeface="Times New Roman" panose="02020603050405020304" pitchFamily="18" charset="0"/>
+                <a:cs typeface="Times New Roman" panose="02020603050405020304" pitchFamily="18" charset="0"/>
+              </a:rPr>
+              <a:t>  …</a:t>
+            </a:r>
+          </a:p>
+          <a:p>
+            <a:r>
+              <a:rPr lang="ro-RO" dirty="0">
+                <a:latin typeface="Times New Roman" panose="02020603050405020304" pitchFamily="18" charset="0"/>
+                <a:cs typeface="Times New Roman" panose="02020603050405020304" pitchFamily="18" charset="0"/>
+              </a:rPr>
+              <a:t>Este o aplicație ușor de gestionat datorită existenței secțiunii </a:t>
+            </a:r>
+            <a:r>
+              <a:rPr lang="en-US" dirty="0">
+                <a:latin typeface="Times New Roman" panose="02020603050405020304" pitchFamily="18" charset="0"/>
+                <a:cs typeface="Times New Roman" panose="02020603050405020304" pitchFamily="18" charset="0"/>
+              </a:rPr>
+              <a:t>“Data Records” – </a:t>
+            </a:r>
+            <a:r>
+              <a:rPr lang="en-US" dirty="0" err="1">
+                <a:latin typeface="Times New Roman" panose="02020603050405020304" pitchFamily="18" charset="0"/>
+                <a:cs typeface="Times New Roman" panose="02020603050405020304" pitchFamily="18" charset="0"/>
+              </a:rPr>
+              <a:t>locul</a:t>
+            </a:r>
+            <a:r>
+              <a:rPr lang="en-US" dirty="0">
+                <a:latin typeface="Times New Roman" panose="02020603050405020304" pitchFamily="18" charset="0"/>
+                <a:cs typeface="Times New Roman" panose="02020603050405020304" pitchFamily="18" charset="0"/>
+              </a:rPr>
+              <a:t> </a:t>
+            </a:r>
+            <a:r>
+              <a:rPr lang="en-US" dirty="0" err="1">
+                <a:latin typeface="Times New Roman" panose="02020603050405020304" pitchFamily="18" charset="0"/>
+                <a:cs typeface="Times New Roman" panose="02020603050405020304" pitchFamily="18" charset="0"/>
+              </a:rPr>
+              <a:t>unde</a:t>
+            </a:r>
+            <a:r>
+              <a:rPr lang="en-US" dirty="0">
+                <a:latin typeface="Times New Roman" panose="02020603050405020304" pitchFamily="18" charset="0"/>
+                <a:cs typeface="Times New Roman" panose="02020603050405020304" pitchFamily="18" charset="0"/>
+              </a:rPr>
+              <a:t> se g</a:t>
+            </a:r>
+            <a:r>
+              <a:rPr lang="ro-RO" dirty="0" err="1">
+                <a:latin typeface="Times New Roman" panose="02020603050405020304" pitchFamily="18" charset="0"/>
+                <a:cs typeface="Times New Roman" panose="02020603050405020304" pitchFamily="18" charset="0"/>
+              </a:rPr>
+              <a:t>ăsesc</a:t>
+            </a:r>
+            <a:r>
+              <a:rPr lang="ro-RO" dirty="0">
+                <a:latin typeface="Times New Roman" panose="02020603050405020304" pitchFamily="18" charset="0"/>
+                <a:cs typeface="Times New Roman" panose="02020603050405020304" pitchFamily="18" charset="0"/>
+              </a:rPr>
+              <a:t> toate datele relevante înregistrate pe aplicație în ultimele 2 săptămâni</a:t>
+            </a:r>
+            <a:r>
+              <a:rPr lang="en-US" dirty="0">
+                <a:latin typeface="Times New Roman" panose="02020603050405020304" pitchFamily="18" charset="0"/>
+                <a:cs typeface="Times New Roman" panose="02020603050405020304" pitchFamily="18" charset="0"/>
+              </a:rPr>
+              <a:t>.</a:t>
+            </a:r>
+            <a:endParaRPr lang="ro-RO" dirty="0">
+              <a:latin typeface="Times New Roman" panose="02020603050405020304" pitchFamily="18" charset="0"/>
+              <a:cs typeface="Times New Roman" panose="02020603050405020304" pitchFamily="18" charset="0"/>
+            </a:endParaRPr>
+          </a:p>
+        </p:txBody>
+      </p:sp>
+      <p:sp>
+        <p:nvSpPr>
+          <p:cNvPr id="4" name="Slide Number Placeholder 3"/>
+          <p:cNvSpPr>
+            <a:spLocks noGrp="1"/>
+          </p:cNvSpPr>
+          <p:nvPr>
+            <p:ph type="sldNum" sz="quarter" idx="10"/>
+          </p:nvPr>
+        </p:nvSpPr>
+        <p:spPr/>
+        <p:txBody>
+          <a:bodyPr/>
+          <a:lstStyle/>
+          <a:p>
+            <a:fld id="{2417832D-E652-4DC2-B104-B64B60858A77}" type="slidenum">
+              <a:rPr lang="ro-RO" smtClean="0"/>
+              <a:t>6</a:t>
+            </a:fld>
+            <a:endParaRPr lang="ro-RO"/>
+          </a:p>
+        </p:txBody>
+      </p:sp>
+    </p:spTree>
+    <p:extLst>
+      <p:ext uri="{BB962C8B-B14F-4D97-AF65-F5344CB8AC3E}">
+        <p14:creationId xmlns:p14="http://schemas.microsoft.com/office/powerpoint/2010/main" val="1920983661"/>
+      </p:ext>
+    </p:extLst>
+  </p:cSld>
+  <p:clrMapOvr>
+    <a:masterClrMapping/>
+  </p:clrMapOvr>
+</p:notes>
+</file>
+
+<file path=ppt/notesSlides/notesSlide7.xml><?xml version="1.0" encoding="utf-8"?>
+<p:notes xmlns:a="http://schemas.openxmlformats.org/drawingml/2006/main" xmlns:r="http://schemas.openxmlformats.org/officeDocument/2006/relationships" xmlns:p="http://schemas.openxmlformats.org/presentationml/2006/main">
+  <p:cSld>
+    <p:spTree>
+      <p:nvGrpSpPr>
+        <p:cNvPr id="1" name=""/>
+        <p:cNvGrpSpPr/>
+        <p:nvPr/>
+      </p:nvGrpSpPr>
+      <p:grpSpPr>
+        <a:xfrm>
+          <a:off x="0" y="0"/>
+          <a:ext cx="0" cy="0"/>
+          <a:chOff x="0" y="0"/>
+          <a:chExt cx="0" cy="0"/>
+        </a:xfrm>
+      </p:grpSpPr>
+      <p:sp>
+        <p:nvSpPr>
+          <p:cNvPr id="2" name="Slide Image Placeholder 1"/>
+          <p:cNvSpPr>
+            <a:spLocks noGrp="1" noRot="1" noChangeAspect="1"/>
+          </p:cNvSpPr>
+          <p:nvPr>
+            <p:ph type="sldImg"/>
+          </p:nvPr>
+        </p:nvSpPr>
+        <p:spPr/>
+      </p:sp>
+      <p:sp>
+        <p:nvSpPr>
+          <p:cNvPr id="3" name="Notes Placeholder 2"/>
+          <p:cNvSpPr>
+            <a:spLocks noGrp="1"/>
+          </p:cNvSpPr>
+          <p:nvPr>
+            <p:ph type="body" idx="1"/>
+          </p:nvPr>
+        </p:nvSpPr>
+        <p:spPr/>
+        <p:txBody>
+          <a:bodyPr/>
+          <a:lstStyle/>
+          <a:p>
+            <a:r>
+              <a:rPr lang="ro-RO" dirty="0"/>
+              <a:t>Navigarea prin aplicație din postura tuturor tipurilor de utilizatori, și parcurgerea tuturor funcționalităților.</a:t>
+            </a:r>
+          </a:p>
+        </p:txBody>
+      </p:sp>
+      <p:sp>
+        <p:nvSpPr>
+          <p:cNvPr id="4" name="Slide Number Placeholder 3"/>
+          <p:cNvSpPr>
+            <a:spLocks noGrp="1"/>
+          </p:cNvSpPr>
+          <p:nvPr>
+            <p:ph type="sldNum" sz="quarter" idx="10"/>
+          </p:nvPr>
+        </p:nvSpPr>
+        <p:spPr/>
+        <p:txBody>
+          <a:bodyPr/>
+          <a:lstStyle/>
+          <a:p>
+            <a:fld id="{2417832D-E652-4DC2-B104-B64B60858A77}" type="slidenum">
+              <a:rPr lang="ro-RO" smtClean="0"/>
+              <a:t>7</a:t>
+            </a:fld>
+            <a:endParaRPr lang="ro-RO"/>
+          </a:p>
+        </p:txBody>
+      </p:sp>
+    </p:spTree>
+    <p:extLst>
+      <p:ext uri="{BB962C8B-B14F-4D97-AF65-F5344CB8AC3E}">
+        <p14:creationId xmlns:p14="http://schemas.microsoft.com/office/powerpoint/2010/main" val="203783921"/>
+      </p:ext>
+    </p:extLst>
+  </p:cSld>
+  <p:clrMapOvr>
+    <a:masterClrMapping/>
+  </p:clrMapOvr>
+</p:notes>
+</file>
+
+<file path=ppt/notesSlides/notesSlide8.xml><?xml version="1.0" encoding="utf-8"?>
+<p:notes xmlns:a="http://schemas.openxmlformats.org/drawingml/2006/main" xmlns:r="http://schemas.openxmlformats.org/officeDocument/2006/relationships" xmlns:p="http://schemas.openxmlformats.org/presentationml/2006/main">
+  <p:cSld>
+    <p:spTree>
+      <p:nvGrpSpPr>
+        <p:cNvPr id="1" name=""/>
+        <p:cNvGrpSpPr/>
+        <p:nvPr/>
+      </p:nvGrpSpPr>
+      <p:grpSpPr>
+        <a:xfrm>
+          <a:off x="0" y="0"/>
+          <a:ext cx="0" cy="0"/>
+          <a:chOff x="0" y="0"/>
+          <a:chExt cx="0" cy="0"/>
+        </a:xfrm>
+      </p:grpSpPr>
+      <p:sp>
+        <p:nvSpPr>
+          <p:cNvPr id="2" name="Slide Image Placeholder 1"/>
+          <p:cNvSpPr>
+            <a:spLocks noGrp="1" noRot="1" noChangeAspect="1"/>
+          </p:cNvSpPr>
+          <p:nvPr>
+            <p:ph type="sldImg"/>
+          </p:nvPr>
+        </p:nvSpPr>
+        <p:spPr/>
+      </p:sp>
+      <p:sp>
+        <p:nvSpPr>
+          <p:cNvPr id="3" name="Notes Placeholder 2"/>
+          <p:cNvSpPr>
+            <a:spLocks noGrp="1"/>
+          </p:cNvSpPr>
+          <p:nvPr>
+            <p:ph type="body" idx="1"/>
+          </p:nvPr>
+        </p:nvSpPr>
+        <p:spPr/>
+        <p:txBody>
+          <a:bodyPr/>
+          <a:lstStyle/>
+          <a:p>
+            <a:r>
+              <a:rPr lang="en-US" dirty="0"/>
+              <a:t>-</a:t>
+            </a:r>
+          </a:p>
+          <a:p>
+            <a:r>
+              <a:rPr lang="ro-RO" dirty="0"/>
+              <a:t>Poate fi utilizată de doctori aparținând de diverse clinici, p</a:t>
+            </a:r>
+            <a:r>
+              <a:rPr lang="en-US" dirty="0" err="1"/>
+              <a:t>entru</a:t>
+            </a:r>
+            <a:r>
+              <a:rPr lang="en-US" dirty="0"/>
+              <a:t> a </a:t>
+            </a:r>
+            <a:r>
+              <a:rPr lang="en-US" dirty="0" err="1"/>
+              <a:t>avantaja</a:t>
+            </a:r>
+            <a:r>
+              <a:rPr lang="en-US" dirty="0"/>
+              <a:t> </a:t>
+            </a:r>
+            <a:r>
+              <a:rPr lang="en-US" dirty="0" err="1"/>
+              <a:t>pacien</a:t>
+            </a:r>
+            <a:r>
+              <a:rPr lang="ro-RO" dirty="0"/>
+              <a:t>ții.</a:t>
+            </a:r>
+          </a:p>
+          <a:p>
+            <a:r>
+              <a:rPr lang="ro-RO" dirty="0"/>
+              <a:t>Provocare atât pe front-</a:t>
+            </a:r>
+            <a:r>
+              <a:rPr lang="ro-RO" dirty="0" err="1"/>
+              <a:t>end</a:t>
+            </a:r>
+            <a:r>
+              <a:rPr lang="ro-RO" dirty="0"/>
+              <a:t> (deoarece nu m-am înțeles bine cu această parte la început, </a:t>
+            </a:r>
+          </a:p>
+          <a:p>
+            <a:r>
+              <a:rPr lang="ro-RO" dirty="0"/>
+              <a:t>    dar spre final m-am împăcat cu ea), cât și pe back-</a:t>
+            </a:r>
+            <a:r>
+              <a:rPr lang="ro-RO" dirty="0" err="1"/>
+              <a:t>end</a:t>
+            </a:r>
+            <a:r>
+              <a:rPr lang="ro-RO" dirty="0"/>
+              <a:t> (datorită erorilor întâmpinate).</a:t>
+            </a:r>
+            <a:endParaRPr lang="en-US" dirty="0"/>
+          </a:p>
+          <a:p>
+            <a:r>
+              <a:rPr lang="en-US" dirty="0"/>
+              <a:t>Am </a:t>
+            </a:r>
+            <a:r>
+              <a:rPr lang="ro-RO" dirty="0"/>
+              <a:t>învățat să îmi notez toate ideile care apar, deoarece poate exista potențial.</a:t>
+            </a:r>
+          </a:p>
+          <a:p>
+            <a:r>
+              <a:rPr lang="ro-RO" dirty="0"/>
+              <a:t>-</a:t>
+            </a:r>
+          </a:p>
+        </p:txBody>
+      </p:sp>
+      <p:sp>
+        <p:nvSpPr>
+          <p:cNvPr id="4" name="Slide Number Placeholder 3"/>
+          <p:cNvSpPr>
+            <a:spLocks noGrp="1"/>
+          </p:cNvSpPr>
+          <p:nvPr>
+            <p:ph type="sldNum" sz="quarter" idx="10"/>
+          </p:nvPr>
+        </p:nvSpPr>
+        <p:spPr/>
+        <p:txBody>
+          <a:bodyPr/>
+          <a:lstStyle/>
+          <a:p>
+            <a:fld id="{2417832D-E652-4DC2-B104-B64B60858A77}" type="slidenum">
+              <a:rPr lang="ro-RO" smtClean="0"/>
+              <a:t>8</a:t>
+            </a:fld>
+            <a:endParaRPr lang="ro-RO"/>
+          </a:p>
+        </p:txBody>
+      </p:sp>
+    </p:spTree>
+    <p:extLst>
+      <p:ext uri="{BB962C8B-B14F-4D97-AF65-F5344CB8AC3E}">
+        <p14:creationId xmlns:p14="http://schemas.microsoft.com/office/powerpoint/2010/main" val="413326989"/>
+      </p:ext>
+    </p:extLst>
+  </p:cSld>
+  <p:clrMapOvr>
+    <a:masterClrMapping/>
+  </p:clrMapOvr>
+</p:notes>
+</file>
+
+<file path=ppt/notesSlides/notesSlide9.xml><?xml version="1.0" encoding="utf-8"?>
+<p:notes xmlns:a="http://schemas.openxmlformats.org/drawingml/2006/main" xmlns:r="http://schemas.openxmlformats.org/officeDocument/2006/relationships" xmlns:p="http://schemas.openxmlformats.org/presentationml/2006/main">
+  <p:cSld>
+    <p:spTree>
+      <p:nvGrpSpPr>
+        <p:cNvPr id="1" name=""/>
+        <p:cNvGrpSpPr/>
+        <p:nvPr/>
+      </p:nvGrpSpPr>
+      <p:grpSpPr>
+        <a:xfrm>
+          <a:off x="0" y="0"/>
+          <a:ext cx="0" cy="0"/>
+          <a:chOff x="0" y="0"/>
+          <a:chExt cx="0" cy="0"/>
+        </a:xfrm>
+      </p:grpSpPr>
+      <p:sp>
+        <p:nvSpPr>
+          <p:cNvPr id="2" name="Slide Image Placeholder 1"/>
+          <p:cNvSpPr>
+            <a:spLocks noGrp="1" noRot="1" noChangeAspect="1"/>
+          </p:cNvSpPr>
+          <p:nvPr>
+            <p:ph type="sldImg"/>
+          </p:nvPr>
+        </p:nvSpPr>
+        <p:spPr/>
+      </p:sp>
+      <p:sp>
+        <p:nvSpPr>
+          <p:cNvPr id="3" name="Notes Placeholder 2"/>
+          <p:cNvSpPr>
+            <a:spLocks noGrp="1"/>
+          </p:cNvSpPr>
+          <p:nvPr>
+            <p:ph type="body" idx="1"/>
+          </p:nvPr>
+        </p:nvSpPr>
+        <p:spPr/>
+        <p:txBody>
+          <a:bodyPr/>
+          <a:lstStyle/>
+          <a:p>
+            <a:r>
+              <a:rPr lang="ro-RO" dirty="0"/>
+              <a:t> </a:t>
+            </a:r>
+          </a:p>
+        </p:txBody>
+      </p:sp>
+      <p:sp>
+        <p:nvSpPr>
+          <p:cNvPr id="4" name="Slide Number Placeholder 3"/>
+          <p:cNvSpPr>
+            <a:spLocks noGrp="1"/>
+          </p:cNvSpPr>
+          <p:nvPr>
+            <p:ph type="sldNum" sz="quarter" idx="10"/>
+          </p:nvPr>
+        </p:nvSpPr>
+        <p:spPr/>
+        <p:txBody>
+          <a:bodyPr/>
+          <a:lstStyle/>
+          <a:p>
+            <a:fld id="{2417832D-E652-4DC2-B104-B64B60858A77}" type="slidenum">
+              <a:rPr lang="ro-RO" smtClean="0"/>
+              <a:t>9</a:t>
+            </a:fld>
+            <a:endParaRPr lang="ro-RO"/>
+          </a:p>
+        </p:txBody>
+      </p:sp>
+    </p:spTree>
+    <p:extLst>
+      <p:ext uri="{BB962C8B-B14F-4D97-AF65-F5344CB8AC3E}">
+        <p14:creationId xmlns:p14="http://schemas.microsoft.com/office/powerpoint/2010/main" val="2731562851"/>
+      </p:ext>
+    </p:extLst>
+  </p:cSld>
+  <p:clrMapOvr>
+    <a:masterClrMapping/>
+  </p:clrMapOvr>
+</p:notes>
 </file>
 
 <file path=ppt/slideLayouts/slideLayout1.xml><?xml version="1.0" encoding="utf-8"?>
@@ -304,9 +1691,8 @@
           <a:bodyPr/>
           <a:lstStyle/>
           <a:p>
-            <a:fld id="{B61BEF0D-F0BB-DE4B-95CE-6DB70DBA9567}" type="datetimeFigureOut">
-              <a:rPr lang="en-US" dirty="0"/>
-              <a:pPr/>
+            <a:fld id="{C958B2B8-5FD4-4030-B628-1B443C369329}" type="datetime1">
+              <a:rPr lang="en-US" smtClean="0"/>
               <a:t>6/28/2018</a:t>
             </a:fld>
             <a:endParaRPr lang="en-US" dirty="0"/>
@@ -737,9 +2123,8 @@
           <a:bodyPr/>
           <a:lstStyle/>
           <a:p>
-            <a:fld id="{B61BEF0D-F0BB-DE4B-95CE-6DB70DBA9567}" type="datetimeFigureOut">
-              <a:rPr lang="en-US" dirty="0"/>
-              <a:pPr/>
+            <a:fld id="{1D802565-6F02-4A1A-83AC-1EA7FE8603A1}" type="datetime1">
+              <a:rPr lang="en-US" smtClean="0"/>
               <a:t>6/28/2018</a:t>
             </a:fld>
             <a:endParaRPr lang="en-US" dirty="0"/>
@@ -984,9 +2369,8 @@
           <a:bodyPr/>
           <a:lstStyle/>
           <a:p>
-            <a:fld id="{B61BEF0D-F0BB-DE4B-95CE-6DB70DBA9567}" type="datetimeFigureOut">
-              <a:rPr lang="en-US" dirty="0"/>
-              <a:pPr/>
+            <a:fld id="{0A6C096E-90A1-4C77-BB68-5F1F79236B47}" type="datetime1">
+              <a:rPr lang="en-US" smtClean="0"/>
               <a:t>6/28/2018</a:t>
             </a:fld>
             <a:endParaRPr lang="en-US" dirty="0"/>
@@ -1289,9 +2673,8 @@
           <a:bodyPr/>
           <a:lstStyle/>
           <a:p>
-            <a:fld id="{B61BEF0D-F0BB-DE4B-95CE-6DB70DBA9567}" type="datetimeFigureOut">
-              <a:rPr lang="en-US" dirty="0"/>
-              <a:pPr/>
+            <a:fld id="{2AF27C5E-9936-47B0-A7AB-8B5F9D97BF7F}" type="datetime1">
+              <a:rPr lang="en-US" smtClean="0"/>
               <a:t>6/28/2018</a:t>
             </a:fld>
             <a:endParaRPr lang="en-US" dirty="0"/>
@@ -1604,9 +2987,8 @@
           <a:bodyPr/>
           <a:lstStyle/>
           <a:p>
-            <a:fld id="{B61BEF0D-F0BB-DE4B-95CE-6DB70DBA9567}" type="datetimeFigureOut">
-              <a:rPr lang="en-US" dirty="0"/>
-              <a:pPr/>
+            <a:fld id="{45B85652-381A-43F0-83E5-5E7143C0D722}" type="datetime1">
+              <a:rPr lang="en-US" smtClean="0"/>
               <a:t>6/28/2018</a:t>
             </a:fld>
             <a:endParaRPr lang="en-US" dirty="0"/>
@@ -1903,9 +3285,8 @@
           <a:bodyPr/>
           <a:lstStyle/>
           <a:p>
-            <a:fld id="{B61BEF0D-F0BB-DE4B-95CE-6DB70DBA9567}" type="datetimeFigureOut">
-              <a:rPr lang="en-US" dirty="0"/>
-              <a:pPr/>
+            <a:fld id="{58252319-1FA4-4855-BFE5-707997E6B1B2}" type="datetime1">
+              <a:rPr lang="en-US" smtClean="0"/>
               <a:t>6/28/2018</a:t>
             </a:fld>
             <a:endParaRPr lang="en-US" dirty="0"/>
@@ -2267,9 +3648,8 @@
           <a:bodyPr/>
           <a:lstStyle/>
           <a:p>
-            <a:fld id="{B61BEF0D-F0BB-DE4B-95CE-6DB70DBA9567}" type="datetimeFigureOut">
-              <a:rPr lang="en-US" dirty="0"/>
-              <a:pPr/>
+            <a:fld id="{896CFD1C-58B6-4B7E-80C5-C431EDCE5E80}" type="datetime1">
+              <a:rPr lang="en-US" smtClean="0"/>
               <a:t>6/28/2018</a:t>
             </a:fld>
             <a:endParaRPr lang="en-US" dirty="0"/>
@@ -2438,9 +3818,8 @@
           <a:bodyPr/>
           <a:lstStyle/>
           <a:p>
-            <a:fld id="{B61BEF0D-F0BB-DE4B-95CE-6DB70DBA9567}" type="datetimeFigureOut">
-              <a:rPr lang="en-US" dirty="0"/>
-              <a:pPr/>
+            <a:fld id="{175F9B8A-C049-496A-B282-30964A6CE656}" type="datetime1">
+              <a:rPr lang="en-US" smtClean="0"/>
               <a:t>6/28/2018</a:t>
             </a:fld>
             <a:endParaRPr lang="en-US" dirty="0"/>
@@ -2615,9 +3994,8 @@
           <a:bodyPr/>
           <a:lstStyle/>
           <a:p>
-            <a:fld id="{B61BEF0D-F0BB-DE4B-95CE-6DB70DBA9567}" type="datetimeFigureOut">
-              <a:rPr lang="en-US" dirty="0"/>
-              <a:pPr/>
+            <a:fld id="{4F78F913-0A29-416B-9809-244D70044AE6}" type="datetime1">
+              <a:rPr lang="en-US" smtClean="0"/>
               <a:t>6/28/2018</a:t>
             </a:fld>
             <a:endParaRPr lang="en-US" dirty="0"/>
@@ -2782,9 +4160,8 @@
           <a:bodyPr/>
           <a:lstStyle/>
           <a:p>
-            <a:fld id="{B61BEF0D-F0BB-DE4B-95CE-6DB70DBA9567}" type="datetimeFigureOut">
-              <a:rPr lang="en-US" dirty="0"/>
-              <a:pPr/>
+            <a:fld id="{51F6254D-21E2-429F-B828-59B6F855C1D6}" type="datetime1">
+              <a:rPr lang="en-US" smtClean="0"/>
               <a:t>6/28/2018</a:t>
             </a:fld>
             <a:endParaRPr lang="en-US" dirty="0"/>
@@ -3029,9 +4406,8 @@
           <a:bodyPr/>
           <a:lstStyle/>
           <a:p>
-            <a:fld id="{B61BEF0D-F0BB-DE4B-95CE-6DB70DBA9567}" type="datetimeFigureOut">
-              <a:rPr lang="en-US" dirty="0"/>
-              <a:pPr/>
+            <a:fld id="{E06C85DE-F8B0-4C19-8645-E1AAF8C11D03}" type="datetime1">
+              <a:rPr lang="en-US" smtClean="0"/>
               <a:t>6/28/2018</a:t>
             </a:fld>
             <a:endParaRPr lang="en-US" dirty="0"/>
@@ -3262,9 +4638,8 @@
           <a:bodyPr/>
           <a:lstStyle/>
           <a:p>
-            <a:fld id="{B61BEF0D-F0BB-DE4B-95CE-6DB70DBA9567}" type="datetimeFigureOut">
-              <a:rPr lang="en-US" dirty="0"/>
-              <a:pPr/>
+            <a:fld id="{14665515-A5A2-45E2-9A85-819308C1EC03}" type="datetime1">
+              <a:rPr lang="en-US" smtClean="0"/>
               <a:t>6/28/2018</a:t>
             </a:fld>
             <a:endParaRPr lang="en-US" dirty="0"/>
@@ -3641,9 +5016,8 @@
           <a:bodyPr/>
           <a:lstStyle/>
           <a:p>
-            <a:fld id="{B61BEF0D-F0BB-DE4B-95CE-6DB70DBA9567}" type="datetimeFigureOut">
-              <a:rPr lang="en-US" dirty="0"/>
-              <a:pPr/>
+            <a:fld id="{0E9F3CE2-3339-45DD-AE9F-90F9BDB0384B}" type="datetime1">
+              <a:rPr lang="en-US" smtClean="0"/>
               <a:t>6/28/2018</a:t>
             </a:fld>
             <a:endParaRPr lang="en-US" dirty="0"/>
@@ -3756,9 +5130,8 @@
           <a:bodyPr/>
           <a:lstStyle/>
           <a:p>
-            <a:fld id="{B61BEF0D-F0BB-DE4B-95CE-6DB70DBA9567}" type="datetimeFigureOut">
-              <a:rPr lang="en-US" dirty="0"/>
-              <a:pPr/>
+            <a:fld id="{B722747C-D21A-4C05-AE56-93898B266987}" type="datetime1">
+              <a:rPr lang="en-US" smtClean="0"/>
               <a:t>6/28/2018</a:t>
             </a:fld>
             <a:endParaRPr lang="en-US" dirty="0"/>
@@ -3848,9 +5221,8 @@
           <a:bodyPr/>
           <a:lstStyle/>
           <a:p>
-            <a:fld id="{B61BEF0D-F0BB-DE4B-95CE-6DB70DBA9567}" type="datetimeFigureOut">
-              <a:rPr lang="en-US" dirty="0"/>
-              <a:pPr/>
+            <a:fld id="{1357CAB8-2962-4BCB-9060-900D11BE3456}" type="datetime1">
+              <a:rPr lang="en-US" smtClean="0"/>
               <a:t>6/28/2018</a:t>
             </a:fld>
             <a:endParaRPr lang="en-US" dirty="0"/>
@@ -4100,9 +5472,8 @@
           <a:bodyPr/>
           <a:lstStyle/>
           <a:p>
-            <a:fld id="{B61BEF0D-F0BB-DE4B-95CE-6DB70DBA9567}" type="datetimeFigureOut">
-              <a:rPr lang="en-US" dirty="0"/>
-              <a:pPr/>
+            <a:fld id="{5D8138E5-C557-4625-96B1-9DEC121BA909}" type="datetime1">
+              <a:rPr lang="en-US" smtClean="0"/>
               <a:t>6/28/2018</a:t>
             </a:fld>
             <a:endParaRPr lang="en-US" dirty="0"/>
@@ -4380,9 +5751,8 @@
           <a:bodyPr/>
           <a:lstStyle/>
           <a:p>
-            <a:fld id="{B61BEF0D-F0BB-DE4B-95CE-6DB70DBA9567}" type="datetimeFigureOut">
-              <a:rPr lang="en-US" dirty="0"/>
-              <a:pPr/>
+            <a:fld id="{674720CD-71A8-4CD4-8D68-650339AF4228}" type="datetime1">
+              <a:rPr lang="en-US" smtClean="0"/>
               <a:t>6/28/2018</a:t>
             </a:fld>
             <a:endParaRPr lang="en-US" dirty="0"/>
@@ -4783,9 +6153,8 @@
             </a:lvl1pPr>
           </a:lstStyle>
           <a:p>
-            <a:fld id="{B61BEF0D-F0BB-DE4B-95CE-6DB70DBA9567}" type="datetimeFigureOut">
-              <a:rPr lang="en-US" dirty="0"/>
-              <a:pPr/>
+            <a:fld id="{355DA942-3E01-4482-923D-88CEBE6B88B5}" type="datetime1">
+              <a:rPr lang="en-US" smtClean="0"/>
               <a:t>6/28/2018</a:t>
             </a:fld>
             <a:endParaRPr lang="en-US" dirty="0"/>
@@ -4897,6 +6266,7 @@
     <p:sldLayoutId id="2147483658" r:id="rId16"/>
     <p:sldLayoutId id="2147483659" r:id="rId17"/>
   </p:sldLayoutIdLst>
+  <p:hf hdr="0" ftr="0" dt="0"/>
   <p:txStyles>
     <p:titleStyle>
       <a:lvl1pPr algn="l" defTabSz="457200" rtl="0" eaLnBrk="1" latinLnBrk="0" hangingPunct="1">
@@ -5317,213 +6687,16 @@
           <a:chExt cx="0" cy="0"/>
         </a:xfrm>
       </p:grpSpPr>
-      <p:sp>
-        <p:nvSpPr>
-          <p:cNvPr id="2" name="Title 1">
-            <a:extLst>
-              <a:ext uri="{FF2B5EF4-FFF2-40B4-BE49-F238E27FC236}">
-                <a16:creationId xmlns:a16="http://schemas.microsoft.com/office/drawing/2014/main" id="{F78B8403-B59C-477E-9602-EFC469DC52E6}"/>
-              </a:ext>
-            </a:extLst>
-          </p:cNvPr>
-          <p:cNvSpPr>
-            <a:spLocks noGrp="1"/>
-          </p:cNvSpPr>
-          <p:nvPr>
-            <p:ph type="ctrTitle"/>
-          </p:nvPr>
-        </p:nvSpPr>
-        <p:spPr/>
-        <p:txBody>
-          <a:bodyPr>
-            <a:normAutofit/>
-          </a:bodyPr>
-          <a:lstStyle/>
-          <a:p>
-            <a:r>
-              <a:rPr lang="ro-RO" sz="11500" cap="none" dirty="0" err="1">
-                <a:latin typeface="Times New Roman" panose="02020603050405020304" pitchFamily="18" charset="0"/>
-                <a:cs typeface="Times New Roman" panose="02020603050405020304" pitchFamily="18" charset="0"/>
-              </a:rPr>
-              <a:t>MediArch</a:t>
-            </a:r>
-            <a:br>
-              <a:rPr lang="ro-RO" dirty="0"/>
-            </a:br>
-            <a:endParaRPr lang="ro-RO" dirty="0"/>
-          </a:p>
-        </p:txBody>
-      </p:sp>
-      <p:sp>
-        <p:nvSpPr>
-          <p:cNvPr id="3" name="Subtitle 2">
-            <a:extLst>
-              <a:ext uri="{FF2B5EF4-FFF2-40B4-BE49-F238E27FC236}">
-                <a16:creationId xmlns:a16="http://schemas.microsoft.com/office/drawing/2014/main" id="{C1B58685-9F5C-4A58-BC9B-FDF6E44E15E5}"/>
-              </a:ext>
-            </a:extLst>
-          </p:cNvPr>
-          <p:cNvSpPr>
-            <a:spLocks noGrp="1"/>
-          </p:cNvSpPr>
-          <p:nvPr>
-            <p:ph type="subTitle" idx="1"/>
-          </p:nvPr>
-        </p:nvSpPr>
-        <p:spPr>
-          <a:xfrm>
-            <a:off x="684212" y="3622040"/>
-            <a:ext cx="6895148" cy="2550161"/>
-          </a:xfrm>
-        </p:spPr>
-        <p:txBody>
-          <a:bodyPr>
-            <a:normAutofit lnSpcReduction="10000"/>
-          </a:bodyPr>
-          <a:lstStyle/>
-          <a:p>
-            <a:r>
-              <a:rPr lang="ro-RO" sz="3200" dirty="0">
-                <a:solidFill>
-                  <a:schemeClr val="tx1"/>
-                </a:solidFill>
-                <a:latin typeface="Times New Roman" panose="02020603050405020304" pitchFamily="18" charset="0"/>
-                <a:cs typeface="Times New Roman" panose="02020603050405020304" pitchFamily="18" charset="0"/>
-              </a:rPr>
-              <a:t> </a:t>
-            </a:r>
-            <a:r>
-              <a:rPr lang="en-US" sz="3200" dirty="0">
-                <a:solidFill>
-                  <a:schemeClr val="tx1"/>
-                </a:solidFill>
-                <a:latin typeface="Times New Roman" panose="02020603050405020304" pitchFamily="18" charset="0"/>
-                <a:cs typeface="Times New Roman" panose="02020603050405020304" pitchFamily="18" charset="0"/>
-              </a:rPr>
-              <a:t>Absolvent:</a:t>
-            </a:r>
-            <a:endParaRPr lang="ro-RO" sz="3200" dirty="0">
-              <a:solidFill>
-                <a:schemeClr val="tx1"/>
-              </a:solidFill>
-              <a:latin typeface="Times New Roman" panose="02020603050405020304" pitchFamily="18" charset="0"/>
-              <a:cs typeface="Times New Roman" panose="02020603050405020304" pitchFamily="18" charset="0"/>
-            </a:endParaRPr>
-          </a:p>
-          <a:p>
-            <a:r>
-              <a:rPr lang="ro-RO" sz="3200" dirty="0">
-                <a:solidFill>
-                  <a:schemeClr val="tx1"/>
-                </a:solidFill>
-                <a:latin typeface="Times New Roman" panose="02020603050405020304" pitchFamily="18" charset="0"/>
-                <a:cs typeface="Times New Roman" panose="02020603050405020304" pitchFamily="18" charset="0"/>
-              </a:rPr>
-              <a:t>	 George-Cosmin Moroșanu</a:t>
-            </a:r>
-            <a:endParaRPr lang="ro-RO" sz="2000" dirty="0">
-              <a:solidFill>
-                <a:schemeClr val="tx1"/>
-              </a:solidFill>
-              <a:latin typeface="Times New Roman" panose="02020603050405020304" pitchFamily="18" charset="0"/>
-              <a:cs typeface="Times New Roman" panose="02020603050405020304" pitchFamily="18" charset="0"/>
-            </a:endParaRPr>
-          </a:p>
-          <a:p>
-            <a:r>
-              <a:rPr lang="ro-RO" sz="3200" dirty="0">
-                <a:solidFill>
-                  <a:schemeClr val="tx1"/>
-                </a:solidFill>
-                <a:latin typeface="Times New Roman" panose="02020603050405020304" pitchFamily="18" charset="0"/>
-                <a:cs typeface="Times New Roman" panose="02020603050405020304" pitchFamily="18" charset="0"/>
-              </a:rPr>
-              <a:t> </a:t>
-            </a:r>
-            <a:r>
-              <a:rPr lang="en-US" sz="3200" dirty="0" err="1">
-                <a:solidFill>
-                  <a:schemeClr val="tx1"/>
-                </a:solidFill>
-                <a:latin typeface="Times New Roman" panose="02020603050405020304" pitchFamily="18" charset="0"/>
-                <a:cs typeface="Times New Roman" panose="02020603050405020304" pitchFamily="18" charset="0"/>
-              </a:rPr>
-              <a:t>Coordonator</a:t>
-            </a:r>
-            <a:r>
-              <a:rPr lang="en-US" sz="3200" dirty="0">
-                <a:solidFill>
-                  <a:schemeClr val="tx1"/>
-                </a:solidFill>
-                <a:latin typeface="Times New Roman" panose="02020603050405020304" pitchFamily="18" charset="0"/>
-                <a:cs typeface="Times New Roman" panose="02020603050405020304" pitchFamily="18" charset="0"/>
-              </a:rPr>
-              <a:t> </a:t>
-            </a:r>
-            <a:r>
-              <a:rPr lang="ro-RO" sz="3200" dirty="0">
-                <a:solidFill>
-                  <a:schemeClr val="tx1"/>
-                </a:solidFill>
-                <a:latin typeface="Times New Roman" panose="02020603050405020304" pitchFamily="18" charset="0"/>
-                <a:cs typeface="Times New Roman" panose="02020603050405020304" pitchFamily="18" charset="0"/>
-              </a:rPr>
-              <a:t>științific</a:t>
-            </a:r>
-            <a:r>
-              <a:rPr lang="en-US" sz="3200" dirty="0">
-                <a:solidFill>
-                  <a:schemeClr val="tx1"/>
-                </a:solidFill>
-                <a:latin typeface="Times New Roman" panose="02020603050405020304" pitchFamily="18" charset="0"/>
-                <a:cs typeface="Times New Roman" panose="02020603050405020304" pitchFamily="18" charset="0"/>
-              </a:rPr>
-              <a:t>: </a:t>
-            </a:r>
-            <a:endParaRPr lang="ro-RO" sz="3200" dirty="0">
-              <a:solidFill>
-                <a:schemeClr val="tx1"/>
-              </a:solidFill>
-              <a:latin typeface="Times New Roman" panose="02020603050405020304" pitchFamily="18" charset="0"/>
-              <a:cs typeface="Times New Roman" panose="02020603050405020304" pitchFamily="18" charset="0"/>
-            </a:endParaRPr>
-          </a:p>
-          <a:p>
-            <a:r>
-              <a:rPr lang="ro-RO" sz="3200" dirty="0">
-                <a:solidFill>
-                  <a:schemeClr val="tx1"/>
-                </a:solidFill>
-                <a:latin typeface="Times New Roman" panose="02020603050405020304" pitchFamily="18" charset="0"/>
-                <a:cs typeface="Times New Roman" panose="02020603050405020304" pitchFamily="18" charset="0"/>
-              </a:rPr>
-              <a:t>	 Drd. Colab. Florin Olariu</a:t>
-            </a:r>
-          </a:p>
-        </p:txBody>
-      </p:sp>
     </p:spTree>
     <p:extLst>
       <p:ext uri="{BB962C8B-B14F-4D97-AF65-F5344CB8AC3E}">
-        <p14:creationId xmlns:p14="http://schemas.microsoft.com/office/powerpoint/2010/main" val="3107854468"/>
+        <p14:creationId xmlns:p14="http://schemas.microsoft.com/office/powerpoint/2010/main" val="3101487051"/>
       </p:ext>
     </p:extLst>
   </p:cSld>
   <p:clrMapOvr>
     <a:masterClrMapping/>
   </p:clrMapOvr>
-  <mc:AlternateContent xmlns:mc="http://schemas.openxmlformats.org/markup-compatibility/2006">
-    <mc:Choice xmlns:p14="http://schemas.microsoft.com/office/powerpoint/2010/main" Requires="p14">
-      <p:transition spd="med" p14:dur="700">
-        <p:fade/>
-      </p:transition>
-    </mc:Choice>
-    <mc:Fallback>
-      <p:transition spd="med">
-        <p:fade/>
-      </p:transition>
-    </mc:Fallback>
-  </mc:AlternateContent>
 </p:sld>
 </file>
 
@@ -5546,468 +6719,53 @@
       </p:grpSpPr>
       <p:sp>
         <p:nvSpPr>
-          <p:cNvPr id="10" name="Title 1">
+          <p:cNvPr id="3" name="Subtitle 2">
             <a:extLst>
               <a:ext uri="{FF2B5EF4-FFF2-40B4-BE49-F238E27FC236}">
-                <a16:creationId xmlns:a16="http://schemas.microsoft.com/office/drawing/2014/main" id="{11255B02-C024-4A77-ADDD-1896DBD6602F}"/>
+                <a16:creationId xmlns:a16="http://schemas.microsoft.com/office/drawing/2014/main" id="{C1B58685-9F5C-4A58-BC9B-FDF6E44E15E5}"/>
               </a:ext>
             </a:extLst>
           </p:cNvPr>
-          <p:cNvSpPr txBox="1">
-            <a:spLocks/>
-          </p:cNvSpPr>
-          <p:nvPr/>
+          <p:cNvSpPr>
+            <a:spLocks noGrp="1"/>
+          </p:cNvSpPr>
+          <p:nvPr>
+            <p:ph type="subTitle" idx="1"/>
+          </p:nvPr>
         </p:nvSpPr>
         <p:spPr>
           <a:xfrm>
-            <a:off x="1610518" y="911012"/>
-            <a:ext cx="3916680" cy="1507067"/>
+            <a:off x="1229335" y="3718755"/>
+            <a:ext cx="6895148" cy="2550161"/>
           </a:xfrm>
-          <a:prstGeom prst="rect">
-            <a:avLst/>
-          </a:prstGeom>
-          <a:effectLst/>
         </p:spPr>
         <p:txBody>
-          <a:bodyPr vert="horz" lIns="91440" tIns="45720" rIns="91440" bIns="45720" rtlCol="0" anchor="t">
-            <a:normAutofit/>
+          <a:bodyPr>
+            <a:normAutofit lnSpcReduction="10000"/>
           </a:bodyPr>
-          <a:lstStyle>
-            <a:lvl1pPr algn="l" defTabSz="457200" rtl="0" eaLnBrk="1" latinLnBrk="0" hangingPunct="1">
-              <a:spcBef>
-                <a:spcPct val="0"/>
-              </a:spcBef>
-              <a:buNone/>
-              <a:defRPr sz="4800" kern="1200" cap="all">
-                <a:ln w="3175" cmpd="sng">
-                  <a:noFill/>
-                </a:ln>
+          <a:lstStyle/>
+          <a:p>
+            <a:r>
+              <a:rPr lang="ro-RO" sz="3200" dirty="0">
                 <a:solidFill>
                   <a:schemeClr val="tx1"/>
                 </a:solidFill>
-                <a:effectLst/>
-                <a:latin typeface="+mj-lt"/>
-                <a:ea typeface="+mj-ea"/>
-                <a:cs typeface="+mj-cs"/>
-              </a:defRPr>
-            </a:lvl1pPr>
-            <a:lvl2pPr eaLnBrk="1" hangingPunct="1">
-              <a:defRPr>
-                <a:solidFill>
-                  <a:schemeClr val="tx2"/>
-                </a:solidFill>
-              </a:defRPr>
-            </a:lvl2pPr>
-            <a:lvl3pPr eaLnBrk="1" hangingPunct="1">
-              <a:defRPr>
-                <a:solidFill>
-                  <a:schemeClr val="tx2"/>
-                </a:solidFill>
-              </a:defRPr>
-            </a:lvl3pPr>
-            <a:lvl4pPr eaLnBrk="1" hangingPunct="1">
-              <a:defRPr>
-                <a:solidFill>
-                  <a:schemeClr val="tx2"/>
-                </a:solidFill>
-              </a:defRPr>
-            </a:lvl4pPr>
-            <a:lvl5pPr eaLnBrk="1" hangingPunct="1">
-              <a:defRPr>
-                <a:solidFill>
-                  <a:schemeClr val="tx2"/>
-                </a:solidFill>
-              </a:defRPr>
-            </a:lvl5pPr>
-            <a:lvl6pPr eaLnBrk="1" hangingPunct="1">
-              <a:defRPr>
-                <a:solidFill>
-                  <a:schemeClr val="tx2"/>
-                </a:solidFill>
-              </a:defRPr>
-            </a:lvl6pPr>
-            <a:lvl7pPr eaLnBrk="1" hangingPunct="1">
-              <a:defRPr>
-                <a:solidFill>
-                  <a:schemeClr val="tx2"/>
-                </a:solidFill>
-              </a:defRPr>
-            </a:lvl7pPr>
-            <a:lvl8pPr eaLnBrk="1" hangingPunct="1">
-              <a:defRPr>
-                <a:solidFill>
-                  <a:schemeClr val="tx2"/>
-                </a:solidFill>
-              </a:defRPr>
-            </a:lvl8pPr>
-            <a:lvl9pPr eaLnBrk="1" hangingPunct="1">
-              <a:defRPr>
-                <a:solidFill>
-                  <a:schemeClr val="tx2"/>
-                </a:solidFill>
-              </a:defRPr>
-            </a:lvl9pPr>
-          </a:lstStyle>
-          <a:p>
-            <a:pPr algn="ctr"/>
-            <a:r>
-              <a:rPr lang="ro-RO" sz="4400" cap="none" dirty="0">
-                <a:latin typeface="Times New Roman" panose="02020603050405020304" pitchFamily="18" charset="0"/>
-                <a:cs typeface="Times New Roman" panose="02020603050405020304" pitchFamily="18" charset="0"/>
-              </a:rPr>
-              <a:t>Cuprins</a:t>
-            </a:r>
-            <a:endParaRPr lang="ro-RO" sz="4000" cap="none" dirty="0">
-              <a:latin typeface="Times New Roman" panose="02020603050405020304" pitchFamily="18" charset="0"/>
-              <a:cs typeface="Times New Roman" panose="02020603050405020304" pitchFamily="18" charset="0"/>
-            </a:endParaRPr>
-          </a:p>
-        </p:txBody>
-      </p:sp>
-      <p:sp>
-        <p:nvSpPr>
-          <p:cNvPr id="11" name="Content Placeholder 2">
-            <a:extLst>
-              <a:ext uri="{FF2B5EF4-FFF2-40B4-BE49-F238E27FC236}">
-                <a16:creationId xmlns:a16="http://schemas.microsoft.com/office/drawing/2014/main" id="{94AC42C0-3378-40DA-AD4D-AB7990D18D16}"/>
-              </a:ext>
-            </a:extLst>
-          </p:cNvPr>
-          <p:cNvSpPr txBox="1">
-            <a:spLocks/>
-          </p:cNvSpPr>
-          <p:nvPr/>
-        </p:nvSpPr>
-        <p:spPr>
-          <a:xfrm>
-            <a:off x="1610518" y="2240280"/>
-            <a:ext cx="3916680" cy="3615267"/>
-          </a:xfrm>
-          <a:prstGeom prst="rect">
-            <a:avLst/>
-          </a:prstGeom>
-        </p:spPr>
-        <p:txBody>
-          <a:bodyPr vert="horz" lIns="91440" tIns="45720" rIns="91440" bIns="45720" rtlCol="0" anchor="t">
-            <a:normAutofit/>
-          </a:bodyPr>
-          <a:lstStyle>
-            <a:lvl1pPr marL="0" indent="0" algn="l" defTabSz="457200" rtl="0" eaLnBrk="1" latinLnBrk="0" hangingPunct="1">
-              <a:spcBef>
-                <a:spcPct val="20000"/>
-              </a:spcBef>
-              <a:spcAft>
-                <a:spcPts val="600"/>
-              </a:spcAft>
-              <a:buClr>
-                <a:schemeClr val="tx1"/>
-              </a:buClr>
-              <a:buSzPct val="80000"/>
-              <a:buFont typeface="Wingdings 3" panose="05040102010807070707" pitchFamily="18" charset="2"/>
-              <a:buNone/>
-              <a:defRPr sz="2100" kern="1200" cap="none">
-                <a:solidFill>
-                  <a:schemeClr val="bg2">
-                    <a:lumMod val="75000"/>
-                  </a:schemeClr>
-                </a:solidFill>
-                <a:effectLst/>
-                <a:latin typeface="+mn-lt"/>
-                <a:ea typeface="+mn-ea"/>
-                <a:cs typeface="+mn-cs"/>
-              </a:defRPr>
-            </a:lvl1pPr>
-            <a:lvl2pPr marL="457200" indent="0" algn="ctr" defTabSz="457200" rtl="0" eaLnBrk="1" latinLnBrk="0" hangingPunct="1">
-              <a:spcBef>
-                <a:spcPct val="20000"/>
-              </a:spcBef>
-              <a:spcAft>
-                <a:spcPts val="600"/>
-              </a:spcAft>
-              <a:buClr>
-                <a:schemeClr val="tx1"/>
-              </a:buClr>
-              <a:buSzPct val="80000"/>
-              <a:buFont typeface="Wingdings 3" panose="05040102010807070707" pitchFamily="18" charset="2"/>
-              <a:buNone/>
-              <a:defRPr sz="1800" kern="1200" cap="none">
-                <a:solidFill>
-                  <a:schemeClr val="tx1">
-                    <a:tint val="75000"/>
-                  </a:schemeClr>
-                </a:solidFill>
-                <a:effectLst/>
-                <a:latin typeface="+mn-lt"/>
-                <a:ea typeface="+mn-ea"/>
-                <a:cs typeface="+mn-cs"/>
-              </a:defRPr>
-            </a:lvl2pPr>
-            <a:lvl3pPr marL="914400" indent="0" algn="ctr" defTabSz="457200" rtl="0" eaLnBrk="1" latinLnBrk="0" hangingPunct="1">
-              <a:spcBef>
-                <a:spcPct val="20000"/>
-              </a:spcBef>
-              <a:spcAft>
-                <a:spcPts val="600"/>
-              </a:spcAft>
-              <a:buClr>
-                <a:schemeClr val="tx1"/>
-              </a:buClr>
-              <a:buSzPct val="80000"/>
-              <a:buFont typeface="Wingdings 3" panose="05040102010807070707" pitchFamily="18" charset="2"/>
-              <a:buNone/>
-              <a:defRPr sz="1600" kern="1200" cap="none">
-                <a:solidFill>
-                  <a:schemeClr val="tx1">
-                    <a:tint val="75000"/>
-                  </a:schemeClr>
-                </a:solidFill>
-                <a:effectLst/>
-                <a:latin typeface="+mn-lt"/>
-                <a:ea typeface="+mn-ea"/>
-                <a:cs typeface="+mn-cs"/>
-              </a:defRPr>
-            </a:lvl3pPr>
-            <a:lvl4pPr marL="1371600" indent="0" algn="ctr" defTabSz="457200" rtl="0" eaLnBrk="1" latinLnBrk="0" hangingPunct="1">
-              <a:spcBef>
-                <a:spcPct val="20000"/>
-              </a:spcBef>
-              <a:spcAft>
-                <a:spcPts val="600"/>
-              </a:spcAft>
-              <a:buClr>
-                <a:schemeClr val="tx1"/>
-              </a:buClr>
-              <a:buSzPct val="80000"/>
-              <a:buFont typeface="Wingdings 3" panose="05040102010807070707" pitchFamily="18" charset="2"/>
-              <a:buNone/>
-              <a:defRPr sz="1400" kern="1200" cap="none">
-                <a:solidFill>
-                  <a:schemeClr val="tx1">
-                    <a:tint val="75000"/>
-                  </a:schemeClr>
-                </a:solidFill>
-                <a:effectLst/>
-                <a:latin typeface="+mn-lt"/>
-                <a:ea typeface="+mn-ea"/>
-                <a:cs typeface="+mn-cs"/>
-              </a:defRPr>
-            </a:lvl4pPr>
-            <a:lvl5pPr marL="1828800" indent="0" algn="ctr" defTabSz="457200" rtl="0" eaLnBrk="1" latinLnBrk="0" hangingPunct="1">
-              <a:spcBef>
-                <a:spcPct val="20000"/>
-              </a:spcBef>
-              <a:spcAft>
-                <a:spcPts val="600"/>
-              </a:spcAft>
-              <a:buClr>
-                <a:schemeClr val="tx1"/>
-              </a:buClr>
-              <a:buSzPct val="80000"/>
-              <a:buFont typeface="Wingdings 3" panose="05040102010807070707" pitchFamily="18" charset="2"/>
-              <a:buNone/>
-              <a:defRPr sz="1400" kern="1200" cap="none">
-                <a:solidFill>
-                  <a:schemeClr val="tx1">
-                    <a:tint val="75000"/>
-                  </a:schemeClr>
-                </a:solidFill>
-                <a:effectLst/>
-                <a:latin typeface="+mn-lt"/>
-                <a:ea typeface="+mn-ea"/>
-                <a:cs typeface="+mn-cs"/>
-              </a:defRPr>
-            </a:lvl5pPr>
-            <a:lvl6pPr marL="2286000" indent="0" algn="ctr" defTabSz="457200" rtl="0" eaLnBrk="1" latinLnBrk="0" hangingPunct="1">
-              <a:spcBef>
-                <a:spcPct val="20000"/>
-              </a:spcBef>
-              <a:spcAft>
-                <a:spcPts val="600"/>
-              </a:spcAft>
-              <a:buClr>
-                <a:schemeClr val="tx1"/>
-              </a:buClr>
-              <a:buSzPct val="80000"/>
-              <a:buFont typeface="Wingdings 3" panose="05040102010807070707" pitchFamily="18" charset="2"/>
-              <a:buNone/>
-              <a:defRPr sz="1400" kern="1200" cap="none">
-                <a:solidFill>
-                  <a:schemeClr val="tx1">
-                    <a:tint val="75000"/>
-                  </a:schemeClr>
-                </a:solidFill>
-                <a:effectLst/>
-                <a:latin typeface="+mn-lt"/>
-                <a:ea typeface="+mn-ea"/>
-                <a:cs typeface="+mn-cs"/>
-              </a:defRPr>
-            </a:lvl6pPr>
-            <a:lvl7pPr marL="2743200" indent="0" algn="ctr" defTabSz="457200" rtl="0" eaLnBrk="1" latinLnBrk="0" hangingPunct="1">
-              <a:spcBef>
-                <a:spcPct val="20000"/>
-              </a:spcBef>
-              <a:spcAft>
-                <a:spcPts val="600"/>
-              </a:spcAft>
-              <a:buClr>
-                <a:schemeClr val="tx1"/>
-              </a:buClr>
-              <a:buSzPct val="80000"/>
-              <a:buFont typeface="Wingdings 3" panose="05040102010807070707" pitchFamily="18" charset="2"/>
-              <a:buNone/>
-              <a:defRPr sz="1400" kern="1200" cap="none">
-                <a:solidFill>
-                  <a:schemeClr val="tx1">
-                    <a:tint val="75000"/>
-                  </a:schemeClr>
-                </a:solidFill>
-                <a:effectLst/>
-                <a:latin typeface="+mn-lt"/>
-                <a:ea typeface="+mn-ea"/>
-                <a:cs typeface="+mn-cs"/>
-              </a:defRPr>
-            </a:lvl7pPr>
-            <a:lvl8pPr marL="3200400" indent="0" algn="ctr" defTabSz="457200" rtl="0" eaLnBrk="1" latinLnBrk="0" hangingPunct="1">
-              <a:spcBef>
-                <a:spcPct val="20000"/>
-              </a:spcBef>
-              <a:spcAft>
-                <a:spcPts val="600"/>
-              </a:spcAft>
-              <a:buClr>
-                <a:schemeClr val="tx1"/>
-              </a:buClr>
-              <a:buSzPct val="80000"/>
-              <a:buFont typeface="Wingdings 3" panose="05040102010807070707" pitchFamily="18" charset="2"/>
-              <a:buNone/>
-              <a:defRPr sz="1400" kern="1200" cap="none">
-                <a:solidFill>
-                  <a:schemeClr val="tx1">
-                    <a:tint val="75000"/>
-                  </a:schemeClr>
-                </a:solidFill>
-                <a:effectLst/>
-                <a:latin typeface="+mn-lt"/>
-                <a:ea typeface="+mn-ea"/>
-                <a:cs typeface="+mn-cs"/>
-              </a:defRPr>
-            </a:lvl8pPr>
-            <a:lvl9pPr marL="3657600" indent="0" algn="ctr" defTabSz="457200" rtl="0" eaLnBrk="1" latinLnBrk="0" hangingPunct="1">
-              <a:spcBef>
-                <a:spcPct val="20000"/>
-              </a:spcBef>
-              <a:spcAft>
-                <a:spcPts val="600"/>
-              </a:spcAft>
-              <a:buClr>
-                <a:schemeClr val="tx1"/>
-              </a:buClr>
-              <a:buSzPct val="80000"/>
-              <a:buFont typeface="Wingdings 3" panose="05040102010807070707" pitchFamily="18" charset="2"/>
-              <a:buNone/>
-              <a:defRPr sz="1400" kern="1200" cap="none">
-                <a:solidFill>
-                  <a:schemeClr val="tx1">
-                    <a:tint val="75000"/>
-                  </a:schemeClr>
-                </a:solidFill>
-                <a:effectLst/>
-                <a:latin typeface="+mn-lt"/>
-                <a:ea typeface="+mn-ea"/>
-                <a:cs typeface="+mn-cs"/>
-              </a:defRPr>
-            </a:lvl9pPr>
-          </a:lstStyle>
-          <a:p>
-            <a:pPr algn="just">
-              <a:buFont typeface="Arial" panose="020B0604020202020204" pitchFamily="34" charset="0"/>
-              <a:buChar char="•"/>
-            </a:pPr>
-            <a:r>
-              <a:rPr lang="ro-RO" sz="2800" dirty="0">
+                <a:latin typeface="Times New Roman" panose="02020603050405020304" pitchFamily="18" charset="0"/>
+                <a:cs typeface="Times New Roman" panose="02020603050405020304" pitchFamily="18" charset="0"/>
+              </a:rPr>
+              <a:t> </a:t>
+            </a:r>
+            <a:r>
+              <a:rPr lang="en-US" sz="3200" dirty="0">
                 <a:solidFill>
                   <a:schemeClr val="tx1"/>
                 </a:solidFill>
                 <a:latin typeface="Times New Roman" panose="02020603050405020304" pitchFamily="18" charset="0"/>
                 <a:cs typeface="Times New Roman" panose="02020603050405020304" pitchFamily="18" charset="0"/>
               </a:rPr>
-              <a:t> Scopul aplicației</a:t>
-            </a:r>
-          </a:p>
-          <a:p>
-            <a:pPr algn="just">
-              <a:buFont typeface="Arial" panose="020B0604020202020204" pitchFamily="34" charset="0"/>
-              <a:buChar char="•"/>
-            </a:pPr>
-            <a:r>
-              <a:rPr lang="ro-RO" sz="2800" dirty="0">
-                <a:solidFill>
-                  <a:schemeClr val="tx1"/>
-                </a:solidFill>
-                <a:latin typeface="Times New Roman" panose="02020603050405020304" pitchFamily="18" charset="0"/>
-                <a:cs typeface="Times New Roman" panose="02020603050405020304" pitchFamily="18" charset="0"/>
-              </a:rPr>
-              <a:t> Motivația alegerii temei</a:t>
-            </a:r>
-          </a:p>
-          <a:p>
-            <a:pPr algn="just">
-              <a:buFont typeface="Arial" panose="020B0604020202020204" pitchFamily="34" charset="0"/>
-              <a:buChar char="•"/>
-            </a:pPr>
-            <a:r>
-              <a:rPr lang="ro-RO" sz="2800" dirty="0">
-                <a:solidFill>
-                  <a:schemeClr val="tx1"/>
-                </a:solidFill>
-                <a:latin typeface="Times New Roman" panose="02020603050405020304" pitchFamily="18" charset="0"/>
-                <a:cs typeface="Times New Roman" panose="02020603050405020304" pitchFamily="18" charset="0"/>
-              </a:rPr>
-              <a:t> Tehnologiile folosite</a:t>
-            </a:r>
-          </a:p>
-          <a:p>
-            <a:pPr algn="just">
-              <a:buFont typeface="Arial" panose="020B0604020202020204" pitchFamily="34" charset="0"/>
-              <a:buChar char="•"/>
-            </a:pPr>
-            <a:r>
-              <a:rPr lang="ro-RO" sz="2800" dirty="0">
-                <a:solidFill>
-                  <a:schemeClr val="tx1"/>
-                </a:solidFill>
-                <a:latin typeface="Times New Roman" panose="02020603050405020304" pitchFamily="18" charset="0"/>
-                <a:cs typeface="Times New Roman" panose="02020603050405020304" pitchFamily="18" charset="0"/>
-              </a:rPr>
-              <a:t> Contribuții</a:t>
-            </a:r>
-          </a:p>
-          <a:p>
-            <a:pPr algn="just">
-              <a:buFont typeface="Arial" panose="020B0604020202020204" pitchFamily="34" charset="0"/>
-              <a:buChar char="•"/>
-            </a:pPr>
-            <a:r>
-              <a:rPr lang="ro-RO" sz="2800" dirty="0">
-                <a:solidFill>
-                  <a:schemeClr val="tx1"/>
-                </a:solidFill>
-                <a:latin typeface="Times New Roman" panose="02020603050405020304" pitchFamily="18" charset="0"/>
-                <a:cs typeface="Times New Roman" panose="02020603050405020304" pitchFamily="18" charset="0"/>
-              </a:rPr>
-              <a:t> </a:t>
-            </a:r>
-            <a:r>
-              <a:rPr lang="ro-RO" sz="2800" dirty="0" err="1">
-                <a:solidFill>
-                  <a:schemeClr val="tx1"/>
-                </a:solidFill>
-                <a:latin typeface="Times New Roman" panose="02020603050405020304" pitchFamily="18" charset="0"/>
-                <a:cs typeface="Times New Roman" panose="02020603050405020304" pitchFamily="18" charset="0"/>
-              </a:rPr>
-              <a:t>Demo</a:t>
-            </a:r>
-            <a:endParaRPr lang="ro-RO" sz="2800" dirty="0">
+              <a:t>Absolvent:</a:t>
+            </a:r>
+            <a:endParaRPr lang="ro-RO" sz="3200" dirty="0">
               <a:solidFill>
                 <a:schemeClr val="tx1"/>
               </a:solidFill>
@@ -6016,40 +6774,178 @@
             </a:endParaRPr>
           </a:p>
           <a:p>
-            <a:pPr algn="just">
-              <a:buFont typeface="Arial" panose="020B0604020202020204" pitchFamily="34" charset="0"/>
-              <a:buChar char="•"/>
-            </a:pPr>
-            <a:r>
-              <a:rPr lang="ro-RO" sz="2800" dirty="0">
+            <a:r>
+              <a:rPr lang="ro-RO" sz="3200" dirty="0">
                 <a:solidFill>
                   <a:schemeClr val="tx1"/>
                 </a:solidFill>
                 <a:latin typeface="Times New Roman" panose="02020603050405020304" pitchFamily="18" charset="0"/>
                 <a:cs typeface="Times New Roman" panose="02020603050405020304" pitchFamily="18" charset="0"/>
               </a:rPr>
-              <a:t> Concluzii</a:t>
-            </a:r>
+              <a:t>	 George-Cosmin Moroșanu</a:t>
+            </a:r>
+            <a:endParaRPr lang="ro-RO" sz="2000" dirty="0">
+              <a:solidFill>
+                <a:schemeClr val="tx1"/>
+              </a:solidFill>
+              <a:latin typeface="Times New Roman" panose="02020603050405020304" pitchFamily="18" charset="0"/>
+              <a:cs typeface="Times New Roman" panose="02020603050405020304" pitchFamily="18" charset="0"/>
+            </a:endParaRPr>
+          </a:p>
+          <a:p>
+            <a:r>
+              <a:rPr lang="ro-RO" sz="3200" dirty="0">
+                <a:solidFill>
+                  <a:schemeClr val="tx1"/>
+                </a:solidFill>
+                <a:latin typeface="Times New Roman" panose="02020603050405020304" pitchFamily="18" charset="0"/>
+                <a:cs typeface="Times New Roman" panose="02020603050405020304" pitchFamily="18" charset="0"/>
+              </a:rPr>
+              <a:t> </a:t>
+            </a:r>
+            <a:r>
+              <a:rPr lang="en-US" sz="3200" dirty="0" err="1">
+                <a:solidFill>
+                  <a:schemeClr val="tx1"/>
+                </a:solidFill>
+                <a:latin typeface="Times New Roman" panose="02020603050405020304" pitchFamily="18" charset="0"/>
+                <a:cs typeface="Times New Roman" panose="02020603050405020304" pitchFamily="18" charset="0"/>
+              </a:rPr>
+              <a:t>Coordonator</a:t>
+            </a:r>
+            <a:r>
+              <a:rPr lang="en-US" sz="3200" dirty="0">
+                <a:solidFill>
+                  <a:schemeClr val="tx1"/>
+                </a:solidFill>
+                <a:latin typeface="Times New Roman" panose="02020603050405020304" pitchFamily="18" charset="0"/>
+                <a:cs typeface="Times New Roman" panose="02020603050405020304" pitchFamily="18" charset="0"/>
+              </a:rPr>
+              <a:t> </a:t>
+            </a:r>
+            <a:r>
+              <a:rPr lang="ro-RO" sz="3200" dirty="0">
+                <a:solidFill>
+                  <a:schemeClr val="tx1"/>
+                </a:solidFill>
+                <a:latin typeface="Times New Roman" panose="02020603050405020304" pitchFamily="18" charset="0"/>
+                <a:cs typeface="Times New Roman" panose="02020603050405020304" pitchFamily="18" charset="0"/>
+              </a:rPr>
+              <a:t>științific</a:t>
+            </a:r>
+            <a:r>
+              <a:rPr lang="en-US" sz="3200" dirty="0">
+                <a:solidFill>
+                  <a:schemeClr val="tx1"/>
+                </a:solidFill>
+                <a:latin typeface="Times New Roman" panose="02020603050405020304" pitchFamily="18" charset="0"/>
+                <a:cs typeface="Times New Roman" panose="02020603050405020304" pitchFamily="18" charset="0"/>
+              </a:rPr>
+              <a:t>: </a:t>
+            </a:r>
+            <a:endParaRPr lang="ro-RO" sz="3200" dirty="0">
+              <a:solidFill>
+                <a:schemeClr val="tx1"/>
+              </a:solidFill>
+              <a:latin typeface="Times New Roman" panose="02020603050405020304" pitchFamily="18" charset="0"/>
+              <a:cs typeface="Times New Roman" panose="02020603050405020304" pitchFamily="18" charset="0"/>
+            </a:endParaRPr>
+          </a:p>
+          <a:p>
+            <a:r>
+              <a:rPr lang="ro-RO" sz="3200" dirty="0">
+                <a:solidFill>
+                  <a:schemeClr val="tx1"/>
+                </a:solidFill>
+                <a:latin typeface="Times New Roman" panose="02020603050405020304" pitchFamily="18" charset="0"/>
+                <a:cs typeface="Times New Roman" panose="02020603050405020304" pitchFamily="18" charset="0"/>
+              </a:rPr>
+              <a:t>	 Drd. Colab. Florin Olariu</a:t>
+            </a:r>
+          </a:p>
+        </p:txBody>
+      </p:sp>
+      <p:pic>
+        <p:nvPicPr>
+          <p:cNvPr id="4" name="Content Placeholder 4">
+            <a:extLst>
+              <a:ext uri="{FF2B5EF4-FFF2-40B4-BE49-F238E27FC236}">
+                <a16:creationId xmlns:a16="http://schemas.microsoft.com/office/drawing/2014/main" id="{20FE00A8-2B2E-4401-BEE2-FFF4993E8792}"/>
+              </a:ext>
+            </a:extLst>
+          </p:cNvPr>
+          <p:cNvPicPr>
+            <a:picLocks noChangeAspect="1"/>
+          </p:cNvPicPr>
+          <p:nvPr/>
+        </p:nvPicPr>
+        <p:blipFill>
+          <a:blip r:embed="rId3"/>
+          <a:stretch>
+            <a:fillRect/>
+          </a:stretch>
+        </p:blipFill>
+        <p:spPr>
+          <a:xfrm>
+            <a:off x="684212" y="853119"/>
+            <a:ext cx="7083110" cy="2083901"/>
+          </a:xfrm>
+          <a:prstGeom prst="rect">
+            <a:avLst/>
+          </a:prstGeom>
+        </p:spPr>
+      </p:pic>
+      <p:sp>
+        <p:nvSpPr>
+          <p:cNvPr id="6" name="Slide Number Placeholder 5">
+            <a:extLst>
+              <a:ext uri="{FF2B5EF4-FFF2-40B4-BE49-F238E27FC236}">
+                <a16:creationId xmlns:a16="http://schemas.microsoft.com/office/drawing/2014/main" id="{27E10F85-E1F9-4DCD-99E2-B855351FFF05}"/>
+              </a:ext>
+            </a:extLst>
+          </p:cNvPr>
+          <p:cNvSpPr>
+            <a:spLocks noGrp="1"/>
+          </p:cNvSpPr>
+          <p:nvPr>
+            <p:ph type="sldNum" sz="quarter" idx="12"/>
+          </p:nvPr>
+        </p:nvSpPr>
+        <p:spPr>
+          <a:xfrm>
+            <a:off x="10363200" y="5578475"/>
+            <a:ext cx="1142245" cy="669925"/>
+          </a:xfrm>
+        </p:spPr>
+        <p:txBody>
+          <a:bodyPr/>
+          <a:lstStyle/>
+          <a:p>
+            <a:r>
+              <a:rPr lang="ro-RO" dirty="0"/>
+              <a:t>1</a:t>
+            </a:r>
+            <a:endParaRPr lang="en-US" dirty="0"/>
           </a:p>
         </p:txBody>
       </p:sp>
     </p:spTree>
     <p:extLst>
       <p:ext uri="{BB962C8B-B14F-4D97-AF65-F5344CB8AC3E}">
-        <p14:creationId xmlns:p14="http://schemas.microsoft.com/office/powerpoint/2010/main" val="2671620936"/>
+        <p14:creationId xmlns:p14="http://schemas.microsoft.com/office/powerpoint/2010/main" val="3107854468"/>
       </p:ext>
     </p:extLst>
   </p:cSld>
   <p:clrMapOvr>
     <a:masterClrMapping/>
   </p:clrMapOvr>
-  <mc:AlternateContent xmlns:mc="http://schemas.openxmlformats.org/markup-compatibility/2006">
-    <mc:Choice xmlns:p14="http://schemas.microsoft.com/office/powerpoint/2010/main" Requires="p14">
+  <mc:AlternateContent xmlns:mc="http://schemas.openxmlformats.org/markup-compatibility/2006" xmlns:p14="http://schemas.microsoft.com/office/powerpoint/2010/main">
+    <mc:Choice Requires="p14">
       <p:transition spd="med" p14:dur="700">
         <p:fade/>
       </p:transition>
     </mc:Choice>
-    <mc:Fallback>
+    <mc:Fallback xmlns="">
       <p:transition spd="med">
         <p:fade/>
       </p:transition>
@@ -6075,91 +6971,572 @@
           <a:chExt cx="0" cy="0"/>
         </a:xfrm>
       </p:grpSpPr>
-      <p:pic>
-        <p:nvPicPr>
-          <p:cNvPr id="5" name="Content Placeholder 4">
+      <p:sp>
+        <p:nvSpPr>
+          <p:cNvPr id="10" name="Title 1">
             <a:extLst>
               <a:ext uri="{FF2B5EF4-FFF2-40B4-BE49-F238E27FC236}">
-                <a16:creationId xmlns:a16="http://schemas.microsoft.com/office/drawing/2014/main" id="{486B91A4-77C4-4829-837D-C50DF1CFEE88}"/>
+                <a16:creationId xmlns:a16="http://schemas.microsoft.com/office/drawing/2014/main" id="{11255B02-C024-4A77-ADDD-1896DBD6602F}"/>
               </a:ext>
             </a:extLst>
           </p:cNvPr>
-          <p:cNvPicPr>
-            <a:picLocks noGrp="1" noChangeAspect="1"/>
-          </p:cNvPicPr>
-          <p:nvPr>
-            <p:ph idx="1"/>
-          </p:nvPr>
-        </p:nvPicPr>
-        <p:blipFill>
-          <a:blip r:embed="rId2"/>
-          <a:stretch>
-            <a:fillRect/>
-          </a:stretch>
-        </p:blipFill>
+          <p:cNvSpPr txBox="1">
+            <a:spLocks/>
+          </p:cNvSpPr>
+          <p:nvPr/>
+        </p:nvSpPr>
         <p:spPr>
           <a:xfrm>
-            <a:off x="642483" y="1220834"/>
-            <a:ext cx="10907033" cy="3208926"/>
-          </a:xfrm>
-        </p:spPr>
-      </p:pic>
-      <p:sp>
-        <p:nvSpPr>
-          <p:cNvPr id="7" name="TextBox 6">
-            <a:extLst>
-              <a:ext uri="{FF2B5EF4-FFF2-40B4-BE49-F238E27FC236}">
-                <a16:creationId xmlns:a16="http://schemas.microsoft.com/office/drawing/2014/main" id="{2F9DBB9D-B2CD-48C4-9A3C-26C9A524A502}"/>
-              </a:ext>
-            </a:extLst>
-          </p:cNvPr>
-          <p:cNvSpPr txBox="1"/>
-          <p:nvPr/>
-        </p:nvSpPr>
-        <p:spPr>
-          <a:xfrm>
-            <a:off x="4592330" y="544023"/>
-            <a:ext cx="3007338" cy="584775"/>
+            <a:off x="1610516" y="911012"/>
+            <a:ext cx="4368252" cy="1507067"/>
           </a:xfrm>
           <a:prstGeom prst="rect">
             <a:avLst/>
           </a:prstGeom>
-          <a:noFill/>
+          <a:effectLst/>
         </p:spPr>
         <p:txBody>
-          <a:bodyPr wrap="square" rtlCol="0">
-            <a:spAutoFit/>
+          <a:bodyPr vert="horz" lIns="91440" tIns="45720" rIns="91440" bIns="45720" rtlCol="0" anchor="t">
+            <a:normAutofit/>
           </a:bodyPr>
-          <a:lstStyle/>
+          <a:lstStyle>
+            <a:lvl1pPr algn="l" defTabSz="457200" rtl="0" eaLnBrk="1" latinLnBrk="0" hangingPunct="1">
+              <a:spcBef>
+                <a:spcPct val="0"/>
+              </a:spcBef>
+              <a:buNone/>
+              <a:defRPr sz="4800" kern="1200" cap="all">
+                <a:ln w="3175" cmpd="sng">
+                  <a:noFill/>
+                </a:ln>
+                <a:solidFill>
+                  <a:schemeClr val="tx1"/>
+                </a:solidFill>
+                <a:effectLst/>
+                <a:latin typeface="+mj-lt"/>
+                <a:ea typeface="+mj-ea"/>
+                <a:cs typeface="+mj-cs"/>
+              </a:defRPr>
+            </a:lvl1pPr>
+            <a:lvl2pPr eaLnBrk="1" hangingPunct="1">
+              <a:defRPr>
+                <a:solidFill>
+                  <a:schemeClr val="tx2"/>
+                </a:solidFill>
+              </a:defRPr>
+            </a:lvl2pPr>
+            <a:lvl3pPr eaLnBrk="1" hangingPunct="1">
+              <a:defRPr>
+                <a:solidFill>
+                  <a:schemeClr val="tx2"/>
+                </a:solidFill>
+              </a:defRPr>
+            </a:lvl3pPr>
+            <a:lvl4pPr eaLnBrk="1" hangingPunct="1">
+              <a:defRPr>
+                <a:solidFill>
+                  <a:schemeClr val="tx2"/>
+                </a:solidFill>
+              </a:defRPr>
+            </a:lvl4pPr>
+            <a:lvl5pPr eaLnBrk="1" hangingPunct="1">
+              <a:defRPr>
+                <a:solidFill>
+                  <a:schemeClr val="tx2"/>
+                </a:solidFill>
+              </a:defRPr>
+            </a:lvl5pPr>
+            <a:lvl6pPr eaLnBrk="1" hangingPunct="1">
+              <a:defRPr>
+                <a:solidFill>
+                  <a:schemeClr val="tx2"/>
+                </a:solidFill>
+              </a:defRPr>
+            </a:lvl6pPr>
+            <a:lvl7pPr eaLnBrk="1" hangingPunct="1">
+              <a:defRPr>
+                <a:solidFill>
+                  <a:schemeClr val="tx2"/>
+                </a:solidFill>
+              </a:defRPr>
+            </a:lvl7pPr>
+            <a:lvl8pPr eaLnBrk="1" hangingPunct="1">
+              <a:defRPr>
+                <a:solidFill>
+                  <a:schemeClr val="tx2"/>
+                </a:solidFill>
+              </a:defRPr>
+            </a:lvl8pPr>
+            <a:lvl9pPr eaLnBrk="1" hangingPunct="1">
+              <a:defRPr>
+                <a:solidFill>
+                  <a:schemeClr val="tx2"/>
+                </a:solidFill>
+              </a:defRPr>
+            </a:lvl9pPr>
+          </a:lstStyle>
           <a:p>
             <a:pPr algn="ctr"/>
             <a:r>
-              <a:rPr lang="ro-RO" sz="3200" dirty="0">
-                <a:latin typeface="Times New Roman" panose="02020603050405020304" pitchFamily="18" charset="0"/>
-                <a:cs typeface="Times New Roman" panose="02020603050405020304" pitchFamily="18" charset="0"/>
-              </a:rPr>
-              <a:t>Scopul aplicației</a:t>
-            </a:r>
+              <a:rPr lang="ro-RO" sz="4400" cap="none" dirty="0" err="1">
+                <a:latin typeface="Times New Roman" panose="02020603050405020304" pitchFamily="18" charset="0"/>
+                <a:cs typeface="Times New Roman" panose="02020603050405020304" pitchFamily="18" charset="0"/>
+              </a:rPr>
+              <a:t>Cuprin</a:t>
+            </a:r>
+            <a:r>
+              <a:rPr lang="en-US" sz="4400" cap="none" dirty="0">
+                <a:latin typeface="Times New Roman" panose="02020603050405020304" pitchFamily="18" charset="0"/>
+                <a:cs typeface="Times New Roman" panose="02020603050405020304" pitchFamily="18" charset="0"/>
+              </a:rPr>
+              <a:t>s</a:t>
+            </a:r>
+          </a:p>
+        </p:txBody>
+      </p:sp>
+      <p:sp>
+        <p:nvSpPr>
+          <p:cNvPr id="11" name="Content Placeholder 2">
+            <a:extLst>
+              <a:ext uri="{FF2B5EF4-FFF2-40B4-BE49-F238E27FC236}">
+                <a16:creationId xmlns:a16="http://schemas.microsoft.com/office/drawing/2014/main" id="{94AC42C0-3378-40DA-AD4D-AB7990D18D16}"/>
+              </a:ext>
+            </a:extLst>
+          </p:cNvPr>
+          <p:cNvSpPr txBox="1">
+            <a:spLocks/>
+          </p:cNvSpPr>
+          <p:nvPr/>
+        </p:nvSpPr>
+        <p:spPr>
+          <a:xfrm>
+            <a:off x="1610517" y="2240280"/>
+            <a:ext cx="4368252" cy="3615267"/>
+          </a:xfrm>
+          <a:prstGeom prst="rect">
+            <a:avLst/>
+          </a:prstGeom>
+        </p:spPr>
+        <p:txBody>
+          <a:bodyPr vert="horz" lIns="91440" tIns="45720" rIns="91440" bIns="45720" rtlCol="0" anchor="t">
+            <a:normAutofit/>
+          </a:bodyPr>
+          <a:lstStyle>
+            <a:lvl1pPr marL="0" indent="0" algn="l" defTabSz="457200" rtl="0" eaLnBrk="1" latinLnBrk="0" hangingPunct="1">
+              <a:spcBef>
+                <a:spcPct val="20000"/>
+              </a:spcBef>
+              <a:spcAft>
+                <a:spcPts val="600"/>
+              </a:spcAft>
+              <a:buClr>
+                <a:schemeClr val="tx1"/>
+              </a:buClr>
+              <a:buSzPct val="80000"/>
+              <a:buFont typeface="Wingdings 3" panose="05040102010807070707" pitchFamily="18" charset="2"/>
+              <a:buNone/>
+              <a:defRPr sz="2100" kern="1200" cap="none">
+                <a:solidFill>
+                  <a:schemeClr val="bg2">
+                    <a:lumMod val="75000"/>
+                  </a:schemeClr>
+                </a:solidFill>
+                <a:effectLst/>
+                <a:latin typeface="+mn-lt"/>
+                <a:ea typeface="+mn-ea"/>
+                <a:cs typeface="+mn-cs"/>
+              </a:defRPr>
+            </a:lvl1pPr>
+            <a:lvl2pPr marL="457200" indent="0" algn="ctr" defTabSz="457200" rtl="0" eaLnBrk="1" latinLnBrk="0" hangingPunct="1">
+              <a:spcBef>
+                <a:spcPct val="20000"/>
+              </a:spcBef>
+              <a:spcAft>
+                <a:spcPts val="600"/>
+              </a:spcAft>
+              <a:buClr>
+                <a:schemeClr val="tx1"/>
+              </a:buClr>
+              <a:buSzPct val="80000"/>
+              <a:buFont typeface="Wingdings 3" panose="05040102010807070707" pitchFamily="18" charset="2"/>
+              <a:buNone/>
+              <a:defRPr sz="1800" kern="1200" cap="none">
+                <a:solidFill>
+                  <a:schemeClr val="tx1">
+                    <a:tint val="75000"/>
+                  </a:schemeClr>
+                </a:solidFill>
+                <a:effectLst/>
+                <a:latin typeface="+mn-lt"/>
+                <a:ea typeface="+mn-ea"/>
+                <a:cs typeface="+mn-cs"/>
+              </a:defRPr>
+            </a:lvl2pPr>
+            <a:lvl3pPr marL="914400" indent="0" algn="ctr" defTabSz="457200" rtl="0" eaLnBrk="1" latinLnBrk="0" hangingPunct="1">
+              <a:spcBef>
+                <a:spcPct val="20000"/>
+              </a:spcBef>
+              <a:spcAft>
+                <a:spcPts val="600"/>
+              </a:spcAft>
+              <a:buClr>
+                <a:schemeClr val="tx1"/>
+              </a:buClr>
+              <a:buSzPct val="80000"/>
+              <a:buFont typeface="Wingdings 3" panose="05040102010807070707" pitchFamily="18" charset="2"/>
+              <a:buNone/>
+              <a:defRPr sz="1600" kern="1200" cap="none">
+                <a:solidFill>
+                  <a:schemeClr val="tx1">
+                    <a:tint val="75000"/>
+                  </a:schemeClr>
+                </a:solidFill>
+                <a:effectLst/>
+                <a:latin typeface="+mn-lt"/>
+                <a:ea typeface="+mn-ea"/>
+                <a:cs typeface="+mn-cs"/>
+              </a:defRPr>
+            </a:lvl3pPr>
+            <a:lvl4pPr marL="1371600" indent="0" algn="ctr" defTabSz="457200" rtl="0" eaLnBrk="1" latinLnBrk="0" hangingPunct="1">
+              <a:spcBef>
+                <a:spcPct val="20000"/>
+              </a:spcBef>
+              <a:spcAft>
+                <a:spcPts val="600"/>
+              </a:spcAft>
+              <a:buClr>
+                <a:schemeClr val="tx1"/>
+              </a:buClr>
+              <a:buSzPct val="80000"/>
+              <a:buFont typeface="Wingdings 3" panose="05040102010807070707" pitchFamily="18" charset="2"/>
+              <a:buNone/>
+              <a:defRPr sz="1400" kern="1200" cap="none">
+                <a:solidFill>
+                  <a:schemeClr val="tx1">
+                    <a:tint val="75000"/>
+                  </a:schemeClr>
+                </a:solidFill>
+                <a:effectLst/>
+                <a:latin typeface="+mn-lt"/>
+                <a:ea typeface="+mn-ea"/>
+                <a:cs typeface="+mn-cs"/>
+              </a:defRPr>
+            </a:lvl4pPr>
+            <a:lvl5pPr marL="1828800" indent="0" algn="ctr" defTabSz="457200" rtl="0" eaLnBrk="1" latinLnBrk="0" hangingPunct="1">
+              <a:spcBef>
+                <a:spcPct val="20000"/>
+              </a:spcBef>
+              <a:spcAft>
+                <a:spcPts val="600"/>
+              </a:spcAft>
+              <a:buClr>
+                <a:schemeClr val="tx1"/>
+              </a:buClr>
+              <a:buSzPct val="80000"/>
+              <a:buFont typeface="Wingdings 3" panose="05040102010807070707" pitchFamily="18" charset="2"/>
+              <a:buNone/>
+              <a:defRPr sz="1400" kern="1200" cap="none">
+                <a:solidFill>
+                  <a:schemeClr val="tx1">
+                    <a:tint val="75000"/>
+                  </a:schemeClr>
+                </a:solidFill>
+                <a:effectLst/>
+                <a:latin typeface="+mn-lt"/>
+                <a:ea typeface="+mn-ea"/>
+                <a:cs typeface="+mn-cs"/>
+              </a:defRPr>
+            </a:lvl5pPr>
+            <a:lvl6pPr marL="2286000" indent="0" algn="ctr" defTabSz="457200" rtl="0" eaLnBrk="1" latinLnBrk="0" hangingPunct="1">
+              <a:spcBef>
+                <a:spcPct val="20000"/>
+              </a:spcBef>
+              <a:spcAft>
+                <a:spcPts val="600"/>
+              </a:spcAft>
+              <a:buClr>
+                <a:schemeClr val="tx1"/>
+              </a:buClr>
+              <a:buSzPct val="80000"/>
+              <a:buFont typeface="Wingdings 3" panose="05040102010807070707" pitchFamily="18" charset="2"/>
+              <a:buNone/>
+              <a:defRPr sz="1400" kern="1200" cap="none">
+                <a:solidFill>
+                  <a:schemeClr val="tx1">
+                    <a:tint val="75000"/>
+                  </a:schemeClr>
+                </a:solidFill>
+                <a:effectLst/>
+                <a:latin typeface="+mn-lt"/>
+                <a:ea typeface="+mn-ea"/>
+                <a:cs typeface="+mn-cs"/>
+              </a:defRPr>
+            </a:lvl6pPr>
+            <a:lvl7pPr marL="2743200" indent="0" algn="ctr" defTabSz="457200" rtl="0" eaLnBrk="1" latinLnBrk="0" hangingPunct="1">
+              <a:spcBef>
+                <a:spcPct val="20000"/>
+              </a:spcBef>
+              <a:spcAft>
+                <a:spcPts val="600"/>
+              </a:spcAft>
+              <a:buClr>
+                <a:schemeClr val="tx1"/>
+              </a:buClr>
+              <a:buSzPct val="80000"/>
+              <a:buFont typeface="Wingdings 3" panose="05040102010807070707" pitchFamily="18" charset="2"/>
+              <a:buNone/>
+              <a:defRPr sz="1400" kern="1200" cap="none">
+                <a:solidFill>
+                  <a:schemeClr val="tx1">
+                    <a:tint val="75000"/>
+                  </a:schemeClr>
+                </a:solidFill>
+                <a:effectLst/>
+                <a:latin typeface="+mn-lt"/>
+                <a:ea typeface="+mn-ea"/>
+                <a:cs typeface="+mn-cs"/>
+              </a:defRPr>
+            </a:lvl7pPr>
+            <a:lvl8pPr marL="3200400" indent="0" algn="ctr" defTabSz="457200" rtl="0" eaLnBrk="1" latinLnBrk="0" hangingPunct="1">
+              <a:spcBef>
+                <a:spcPct val="20000"/>
+              </a:spcBef>
+              <a:spcAft>
+                <a:spcPts val="600"/>
+              </a:spcAft>
+              <a:buClr>
+                <a:schemeClr val="tx1"/>
+              </a:buClr>
+              <a:buSzPct val="80000"/>
+              <a:buFont typeface="Wingdings 3" panose="05040102010807070707" pitchFamily="18" charset="2"/>
+              <a:buNone/>
+              <a:defRPr sz="1400" kern="1200" cap="none">
+                <a:solidFill>
+                  <a:schemeClr val="tx1">
+                    <a:tint val="75000"/>
+                  </a:schemeClr>
+                </a:solidFill>
+                <a:effectLst/>
+                <a:latin typeface="+mn-lt"/>
+                <a:ea typeface="+mn-ea"/>
+                <a:cs typeface="+mn-cs"/>
+              </a:defRPr>
+            </a:lvl8pPr>
+            <a:lvl9pPr marL="3657600" indent="0" algn="ctr" defTabSz="457200" rtl="0" eaLnBrk="1" latinLnBrk="0" hangingPunct="1">
+              <a:spcBef>
+                <a:spcPct val="20000"/>
+              </a:spcBef>
+              <a:spcAft>
+                <a:spcPts val="600"/>
+              </a:spcAft>
+              <a:buClr>
+                <a:schemeClr val="tx1"/>
+              </a:buClr>
+              <a:buSzPct val="80000"/>
+              <a:buFont typeface="Wingdings 3" panose="05040102010807070707" pitchFamily="18" charset="2"/>
+              <a:buNone/>
+              <a:defRPr sz="1400" kern="1200" cap="none">
+                <a:solidFill>
+                  <a:schemeClr val="tx1">
+                    <a:tint val="75000"/>
+                  </a:schemeClr>
+                </a:solidFill>
+                <a:effectLst/>
+                <a:latin typeface="+mn-lt"/>
+                <a:ea typeface="+mn-ea"/>
+                <a:cs typeface="+mn-cs"/>
+              </a:defRPr>
+            </a:lvl9pPr>
+          </a:lstStyle>
+          <a:p>
+            <a:pPr algn="just">
+              <a:buFont typeface="Arial" panose="020B0604020202020204" pitchFamily="34" charset="0"/>
+              <a:buChar char="•"/>
+            </a:pPr>
+            <a:r>
+              <a:rPr lang="ro-RO" sz="2800" dirty="0">
+                <a:solidFill>
+                  <a:schemeClr val="tx1"/>
+                </a:solidFill>
+                <a:latin typeface="Times New Roman" panose="02020603050405020304" pitchFamily="18" charset="0"/>
+                <a:cs typeface="Times New Roman" panose="02020603050405020304" pitchFamily="18" charset="0"/>
+              </a:rPr>
+              <a:t> Motivația și tema aplicație</a:t>
+            </a:r>
+            <a:r>
+              <a:rPr lang="en-US" sz="2800" dirty="0" err="1">
+                <a:solidFill>
+                  <a:schemeClr val="tx1"/>
+                </a:solidFill>
+                <a:latin typeface="Times New Roman" panose="02020603050405020304" pitchFamily="18" charset="0"/>
+                <a:cs typeface="Times New Roman" panose="02020603050405020304" pitchFamily="18" charset="0"/>
+              </a:rPr>
+              <a:t>i</a:t>
+            </a:r>
+            <a:endParaRPr lang="ro-RO" sz="2800" dirty="0">
+              <a:solidFill>
+                <a:schemeClr val="tx1"/>
+              </a:solidFill>
+              <a:latin typeface="Times New Roman" panose="02020603050405020304" pitchFamily="18" charset="0"/>
+              <a:cs typeface="Times New Roman" panose="02020603050405020304" pitchFamily="18" charset="0"/>
+            </a:endParaRPr>
+          </a:p>
+          <a:p>
+            <a:pPr algn="just">
+              <a:buFont typeface="Arial" panose="020B0604020202020204" pitchFamily="34" charset="0"/>
+              <a:buChar char="•"/>
+            </a:pPr>
+            <a:r>
+              <a:rPr lang="en-US" sz="2800" dirty="0">
+                <a:solidFill>
+                  <a:schemeClr val="tx1"/>
+                </a:solidFill>
+                <a:latin typeface="Times New Roman" panose="02020603050405020304" pitchFamily="18" charset="0"/>
+                <a:cs typeface="Times New Roman" panose="02020603050405020304" pitchFamily="18" charset="0"/>
+              </a:rPr>
+              <a:t> </a:t>
+            </a:r>
+            <a:r>
+              <a:rPr lang="ro-RO" sz="2800" dirty="0">
+                <a:solidFill>
+                  <a:schemeClr val="tx1"/>
+                </a:solidFill>
+                <a:latin typeface="Times New Roman" panose="02020603050405020304" pitchFamily="18" charset="0"/>
+                <a:cs typeface="Times New Roman" panose="02020603050405020304" pitchFamily="18" charset="0"/>
+              </a:rPr>
+              <a:t>Tehnologii </a:t>
+            </a:r>
+            <a:r>
+              <a:rPr lang="en-US" sz="2800" dirty="0" err="1">
+                <a:solidFill>
+                  <a:schemeClr val="tx1"/>
+                </a:solidFill>
+                <a:latin typeface="Times New Roman" panose="02020603050405020304" pitchFamily="18" charset="0"/>
+                <a:cs typeface="Times New Roman" panose="02020603050405020304" pitchFamily="18" charset="0"/>
+              </a:rPr>
+              <a:t>utilizate</a:t>
+            </a:r>
+            <a:endParaRPr lang="ro-RO" sz="2800" dirty="0">
+              <a:solidFill>
+                <a:schemeClr val="tx1"/>
+              </a:solidFill>
+              <a:latin typeface="Times New Roman" panose="02020603050405020304" pitchFamily="18" charset="0"/>
+              <a:cs typeface="Times New Roman" panose="02020603050405020304" pitchFamily="18" charset="0"/>
+            </a:endParaRPr>
+          </a:p>
+          <a:p>
+            <a:pPr algn="just">
+              <a:buFont typeface="Arial" panose="020B0604020202020204" pitchFamily="34" charset="0"/>
+              <a:buChar char="•"/>
+            </a:pPr>
+            <a:r>
+              <a:rPr lang="ro-RO" sz="2800" dirty="0">
+                <a:solidFill>
+                  <a:schemeClr val="tx1"/>
+                </a:solidFill>
+                <a:latin typeface="Times New Roman" panose="02020603050405020304" pitchFamily="18" charset="0"/>
+                <a:cs typeface="Times New Roman" panose="02020603050405020304" pitchFamily="18" charset="0"/>
+              </a:rPr>
+              <a:t> Contribuții</a:t>
+            </a:r>
+          </a:p>
+          <a:p>
+            <a:pPr algn="just">
+              <a:buFont typeface="Arial" panose="020B0604020202020204" pitchFamily="34" charset="0"/>
+              <a:buChar char="•"/>
+            </a:pPr>
+            <a:r>
+              <a:rPr lang="ro-RO" sz="2800" dirty="0">
+                <a:solidFill>
+                  <a:schemeClr val="tx1"/>
+                </a:solidFill>
+                <a:latin typeface="Times New Roman" panose="02020603050405020304" pitchFamily="18" charset="0"/>
+                <a:cs typeface="Times New Roman" panose="02020603050405020304" pitchFamily="18" charset="0"/>
+              </a:rPr>
+              <a:t> </a:t>
+            </a:r>
+            <a:r>
+              <a:rPr lang="ro-RO" sz="2800" dirty="0" err="1">
+                <a:solidFill>
+                  <a:schemeClr val="tx1"/>
+                </a:solidFill>
+                <a:latin typeface="Times New Roman" panose="02020603050405020304" pitchFamily="18" charset="0"/>
+                <a:cs typeface="Times New Roman" panose="02020603050405020304" pitchFamily="18" charset="0"/>
+              </a:rPr>
+              <a:t>Demo</a:t>
+            </a:r>
+            <a:endParaRPr lang="ro-RO" sz="2800" dirty="0">
+              <a:solidFill>
+                <a:schemeClr val="tx1"/>
+              </a:solidFill>
+              <a:latin typeface="Times New Roman" panose="02020603050405020304" pitchFamily="18" charset="0"/>
+              <a:cs typeface="Times New Roman" panose="02020603050405020304" pitchFamily="18" charset="0"/>
+            </a:endParaRPr>
+          </a:p>
+          <a:p>
+            <a:pPr algn="just">
+              <a:buFont typeface="Arial" panose="020B0604020202020204" pitchFamily="34" charset="0"/>
+              <a:buChar char="•"/>
+            </a:pPr>
+            <a:r>
+              <a:rPr lang="ro-RO" sz="2800" dirty="0">
+                <a:solidFill>
+                  <a:schemeClr val="tx1"/>
+                </a:solidFill>
+                <a:latin typeface="Times New Roman" panose="02020603050405020304" pitchFamily="18" charset="0"/>
+                <a:cs typeface="Times New Roman" panose="02020603050405020304" pitchFamily="18" charset="0"/>
+              </a:rPr>
+              <a:t> Concluzii</a:t>
+            </a:r>
+          </a:p>
+        </p:txBody>
+      </p:sp>
+      <p:sp>
+        <p:nvSpPr>
+          <p:cNvPr id="4" name="Slide Number Placeholder 3">
+            <a:extLst>
+              <a:ext uri="{FF2B5EF4-FFF2-40B4-BE49-F238E27FC236}">
+                <a16:creationId xmlns:a16="http://schemas.microsoft.com/office/drawing/2014/main" id="{FE830B38-E125-4481-BED6-8B464B6CB7B3}"/>
+              </a:ext>
+            </a:extLst>
+          </p:cNvPr>
+          <p:cNvSpPr>
+            <a:spLocks noGrp="1"/>
+          </p:cNvSpPr>
+          <p:nvPr>
+            <p:ph type="sldNum" sz="quarter" idx="12"/>
+          </p:nvPr>
+        </p:nvSpPr>
+        <p:spPr/>
+        <p:txBody>
+          <a:bodyPr/>
+          <a:lstStyle/>
+          <a:p>
+            <a:r>
+              <a:rPr lang="ro-RO" dirty="0"/>
+              <a:t>2</a:t>
+            </a:r>
+            <a:endParaRPr lang="en-US" dirty="0"/>
           </a:p>
         </p:txBody>
       </p:sp>
     </p:spTree>
     <p:extLst>
       <p:ext uri="{BB962C8B-B14F-4D97-AF65-F5344CB8AC3E}">
-        <p14:creationId xmlns:p14="http://schemas.microsoft.com/office/powerpoint/2010/main" val="483427451"/>
+        <p14:creationId xmlns:p14="http://schemas.microsoft.com/office/powerpoint/2010/main" val="2671620936"/>
       </p:ext>
     </p:extLst>
   </p:cSld>
   <p:clrMapOvr>
     <a:masterClrMapping/>
   </p:clrMapOvr>
-  <mc:AlternateContent xmlns:mc="http://schemas.openxmlformats.org/markup-compatibility/2006">
-    <mc:Choice xmlns:p14="http://schemas.microsoft.com/office/powerpoint/2010/main" Requires="p14">
+  <mc:AlternateContent xmlns:mc="http://schemas.openxmlformats.org/markup-compatibility/2006" xmlns:p14="http://schemas.microsoft.com/office/powerpoint/2010/main">
+    <mc:Choice Requires="p14">
       <p:transition spd="med" p14:dur="700">
         <p:fade/>
       </p:transition>
     </mc:Choice>
-    <mc:Fallback>
+    <mc:Fallback xmlns="">
       <p:transition spd="med">
         <p:fade/>
       </p:transition>
@@ -6187,39 +7564,53 @@
       </p:grpSpPr>
       <p:sp>
         <p:nvSpPr>
-          <p:cNvPr id="2" name="Title 1">
+          <p:cNvPr id="7" name="TextBox 6">
             <a:extLst>
               <a:ext uri="{FF2B5EF4-FFF2-40B4-BE49-F238E27FC236}">
-                <a16:creationId xmlns:a16="http://schemas.microsoft.com/office/drawing/2014/main" id="{DE1AB039-1E5E-40C6-B9D5-B0D5745D0DE1}"/>
+                <a16:creationId xmlns:a16="http://schemas.microsoft.com/office/drawing/2014/main" id="{2F9DBB9D-B2CD-48C4-9A3C-26C9A524A502}"/>
               </a:ext>
             </a:extLst>
           </p:cNvPr>
-          <p:cNvSpPr>
-            <a:spLocks noGrp="1"/>
-          </p:cNvSpPr>
-          <p:nvPr>
-            <p:ph type="title"/>
-          </p:nvPr>
+          <p:cNvSpPr txBox="1"/>
+          <p:nvPr/>
         </p:nvSpPr>
         <p:spPr>
           <a:xfrm>
-            <a:off x="1828800" y="657012"/>
-            <a:ext cx="8534400" cy="1507067"/>
+            <a:off x="3613256" y="517646"/>
+            <a:ext cx="4965487" cy="584775"/>
           </a:xfrm>
+          <a:prstGeom prst="rect">
+            <a:avLst/>
+          </a:prstGeom>
+          <a:noFill/>
         </p:spPr>
         <p:txBody>
-          <a:bodyPr>
-            <a:normAutofit/>
+          <a:bodyPr wrap="square" rtlCol="0">
+            <a:spAutoFit/>
           </a:bodyPr>
           <a:lstStyle/>
           <a:p>
             <a:pPr algn="ctr"/>
             <a:r>
-              <a:rPr lang="ro-RO" sz="3200" cap="none" dirty="0">
-                <a:latin typeface="Times New Roman" panose="02020603050405020304" pitchFamily="18" charset="0"/>
-                <a:cs typeface="Times New Roman" panose="02020603050405020304" pitchFamily="18" charset="0"/>
-              </a:rPr>
-              <a:t>Motivația alegerii temei</a:t>
+              <a:rPr lang="en-US" sz="3200" dirty="0">
+                <a:latin typeface="Times New Roman" panose="02020603050405020304" pitchFamily="18" charset="0"/>
+                <a:cs typeface="Times New Roman" panose="02020603050405020304" pitchFamily="18" charset="0"/>
+              </a:rPr>
+              <a:t>Motiva</a:t>
+            </a:r>
+            <a:r>
+              <a:rPr lang="ro-RO" sz="3200" dirty="0" err="1">
+                <a:latin typeface="Times New Roman" panose="02020603050405020304" pitchFamily="18" charset="0"/>
+                <a:cs typeface="Times New Roman" panose="02020603050405020304" pitchFamily="18" charset="0"/>
+              </a:rPr>
+              <a:t>ția</a:t>
+            </a:r>
+            <a:r>
+              <a:rPr lang="ro-RO" sz="3200" dirty="0">
+                <a:latin typeface="Times New Roman" panose="02020603050405020304" pitchFamily="18" charset="0"/>
+                <a:cs typeface="Times New Roman" panose="02020603050405020304" pitchFamily="18" charset="0"/>
+              </a:rPr>
+              <a:t> și tema aplicației</a:t>
             </a:r>
           </a:p>
         </p:txBody>
@@ -6229,7 +7620,7 @@
           <p:cNvPr id="3" name="Content Placeholder 2">
             <a:extLst>
               <a:ext uri="{FF2B5EF4-FFF2-40B4-BE49-F238E27FC236}">
-                <a16:creationId xmlns:a16="http://schemas.microsoft.com/office/drawing/2014/main" id="{58AE9B0E-6218-4211-8D36-5D131D5749DD}"/>
+                <a16:creationId xmlns:a16="http://schemas.microsoft.com/office/drawing/2014/main" id="{0C216386-99E4-4D88-B0EB-083C6F76DBD5}"/>
               </a:ext>
             </a:extLst>
           </p:cNvPr>
@@ -6242,49 +7633,275 @@
         </p:nvSpPr>
         <p:spPr>
           <a:xfrm>
-            <a:off x="1513840" y="1925319"/>
-            <a:ext cx="8534400" cy="3615267"/>
+            <a:off x="732137" y="1345221"/>
+            <a:ext cx="10727723" cy="3191609"/>
           </a:xfrm>
         </p:spPr>
         <p:txBody>
           <a:bodyPr anchor="t">
-            <a:normAutofit/>
+            <a:noAutofit/>
           </a:bodyPr>
           <a:lstStyle/>
           <a:p>
-            <a:pPr marL="0" indent="0" algn="just">
+            <a:pPr marL="0" indent="0">
               <a:buNone/>
             </a:pPr>
             <a:r>
-              <a:rPr lang="ro-RO" sz="2800" dirty="0">
+              <a:rPr lang="ro-RO" sz="2400" dirty="0">
                 <a:solidFill>
                   <a:schemeClr val="tx1"/>
                 </a:solidFill>
                 <a:latin typeface="Times New Roman" panose="02020603050405020304" pitchFamily="18" charset="0"/>
                 <a:cs typeface="Times New Roman" panose="02020603050405020304" pitchFamily="18" charset="0"/>
               </a:rPr>
-              <a:t>Motivația ...</a:t>
-            </a:r>
+              <a:t>  În ultima vreme am observat o dezvoltare din ce în ce mai accentuată a domeniului medical și nevoia tot mai mare a unei platforme prin intermediul căreia pacienții să își acceseze datele </a:t>
+            </a:r>
+            <a:r>
+              <a:rPr lang="ro-RO" sz="2400" dirty="0" err="1">
+                <a:solidFill>
+                  <a:schemeClr val="tx1"/>
+                </a:solidFill>
+                <a:latin typeface="Times New Roman" panose="02020603050405020304" pitchFamily="18" charset="0"/>
+                <a:cs typeface="Times New Roman" panose="02020603050405020304" pitchFamily="18" charset="0"/>
+              </a:rPr>
+              <a:t>într</a:t>
+            </a:r>
+            <a:r>
+              <a:rPr lang="en-US" sz="2400" dirty="0">
+                <a:solidFill>
+                  <a:schemeClr val="tx1"/>
+                </a:solidFill>
+                <a:latin typeface="Times New Roman" panose="02020603050405020304" pitchFamily="18" charset="0"/>
+                <a:cs typeface="Times New Roman" panose="02020603050405020304" pitchFamily="18" charset="0"/>
+              </a:rPr>
+              <a:t>-</a:t>
+            </a:r>
+            <a:r>
+              <a:rPr lang="ro-RO" sz="2400" dirty="0">
+                <a:solidFill>
+                  <a:schemeClr val="tx1"/>
+                </a:solidFill>
+                <a:latin typeface="Times New Roman" panose="02020603050405020304" pitchFamily="18" charset="0"/>
+                <a:cs typeface="Times New Roman" panose="02020603050405020304" pitchFamily="18" charset="0"/>
+              </a:rPr>
+              <a:t>un mod sigur, oriunde s-ar afla.</a:t>
+            </a:r>
+            <a:r>
+              <a:rPr lang="en-US" sz="2400" dirty="0">
+                <a:solidFill>
+                  <a:schemeClr val="tx1"/>
+                </a:solidFill>
+                <a:latin typeface="Times New Roman" panose="02020603050405020304" pitchFamily="18" charset="0"/>
+                <a:cs typeface="Times New Roman" panose="02020603050405020304" pitchFamily="18" charset="0"/>
+              </a:rPr>
+              <a:t> </a:t>
+            </a:r>
+            <a:r>
+              <a:rPr lang="en-US" sz="2400" dirty="0" err="1">
+                <a:solidFill>
+                  <a:schemeClr val="tx1"/>
+                </a:solidFill>
+                <a:latin typeface="Times New Roman" panose="02020603050405020304" pitchFamily="18" charset="0"/>
+                <a:cs typeface="Times New Roman" panose="02020603050405020304" pitchFamily="18" charset="0"/>
+              </a:rPr>
+              <a:t>Astfel</a:t>
+            </a:r>
+            <a:r>
+              <a:rPr lang="en-US" sz="2400" dirty="0">
+                <a:solidFill>
+                  <a:schemeClr val="tx1"/>
+                </a:solidFill>
+                <a:latin typeface="Times New Roman" panose="02020603050405020304" pitchFamily="18" charset="0"/>
+                <a:cs typeface="Times New Roman" panose="02020603050405020304" pitchFamily="18" charset="0"/>
+              </a:rPr>
+              <a:t> a ap</a:t>
+            </a:r>
+            <a:r>
+              <a:rPr lang="ro-RO" sz="2400" dirty="0" err="1">
+                <a:solidFill>
+                  <a:schemeClr val="tx1"/>
+                </a:solidFill>
+                <a:latin typeface="Times New Roman" panose="02020603050405020304" pitchFamily="18" charset="0"/>
+                <a:cs typeface="Times New Roman" panose="02020603050405020304" pitchFamily="18" charset="0"/>
+              </a:rPr>
+              <a:t>ărut</a:t>
+            </a:r>
+            <a:r>
+              <a:rPr lang="ro-RO" sz="2400" dirty="0">
+                <a:solidFill>
+                  <a:schemeClr val="tx1"/>
+                </a:solidFill>
+                <a:latin typeface="Times New Roman" panose="02020603050405020304" pitchFamily="18" charset="0"/>
+                <a:cs typeface="Times New Roman" panose="02020603050405020304" pitchFamily="18" charset="0"/>
+              </a:rPr>
+              <a:t> tema acestui proiect.</a:t>
+            </a:r>
+            <a:endParaRPr lang="en-US" sz="2400" dirty="0">
+              <a:solidFill>
+                <a:schemeClr val="tx1"/>
+              </a:solidFill>
+              <a:latin typeface="Times New Roman" panose="02020603050405020304" pitchFamily="18" charset="0"/>
+              <a:cs typeface="Times New Roman" panose="02020603050405020304" pitchFamily="18" charset="0"/>
+            </a:endParaRPr>
+          </a:p>
+          <a:p>
+            <a:pPr marL="0" indent="0">
+              <a:buNone/>
+            </a:pPr>
+            <a:r>
+              <a:rPr lang="en-US" sz="2400" dirty="0">
+                <a:solidFill>
+                  <a:schemeClr val="tx1"/>
+                </a:solidFill>
+                <a:latin typeface="Times New Roman" panose="02020603050405020304" pitchFamily="18" charset="0"/>
+                <a:cs typeface="Times New Roman" panose="02020603050405020304" pitchFamily="18" charset="0"/>
+              </a:rPr>
+              <a:t>  </a:t>
+            </a:r>
+            <a:r>
+              <a:rPr lang="en-US" sz="2400" b="1" dirty="0" err="1">
+                <a:solidFill>
+                  <a:schemeClr val="tx1"/>
+                </a:solidFill>
+                <a:latin typeface="Times New Roman" panose="02020603050405020304" pitchFamily="18" charset="0"/>
+                <a:cs typeface="Times New Roman" panose="02020603050405020304" pitchFamily="18" charset="0"/>
+              </a:rPr>
+              <a:t>MediArch</a:t>
+            </a:r>
+            <a:r>
+              <a:rPr lang="en-US" sz="2400" dirty="0">
+                <a:solidFill>
+                  <a:schemeClr val="tx1"/>
+                </a:solidFill>
+                <a:latin typeface="Times New Roman" panose="02020603050405020304" pitchFamily="18" charset="0"/>
+                <a:cs typeface="Times New Roman" panose="02020603050405020304" pitchFamily="18" charset="0"/>
+              </a:rPr>
+              <a:t> (“Medical Archive”) </a:t>
+            </a:r>
+            <a:r>
+              <a:rPr lang="en-US" sz="2400" dirty="0" err="1">
+                <a:solidFill>
+                  <a:schemeClr val="tx1"/>
+                </a:solidFill>
+                <a:latin typeface="Times New Roman" panose="02020603050405020304" pitchFamily="18" charset="0"/>
+                <a:cs typeface="Times New Roman" panose="02020603050405020304" pitchFamily="18" charset="0"/>
+              </a:rPr>
+              <a:t>este</a:t>
+            </a:r>
+            <a:r>
+              <a:rPr lang="en-US" sz="2400" dirty="0">
+                <a:solidFill>
+                  <a:schemeClr val="tx1"/>
+                </a:solidFill>
+                <a:latin typeface="Times New Roman" panose="02020603050405020304" pitchFamily="18" charset="0"/>
+                <a:cs typeface="Times New Roman" panose="02020603050405020304" pitchFamily="18" charset="0"/>
+              </a:rPr>
+              <a:t> o </a:t>
+            </a:r>
+            <a:r>
+              <a:rPr lang="en-US" sz="2400" dirty="0" err="1">
+                <a:solidFill>
+                  <a:schemeClr val="tx1"/>
+                </a:solidFill>
+                <a:latin typeface="Times New Roman" panose="02020603050405020304" pitchFamily="18" charset="0"/>
+                <a:cs typeface="Times New Roman" panose="02020603050405020304" pitchFamily="18" charset="0"/>
+              </a:rPr>
+              <a:t>aplica</a:t>
+            </a:r>
+            <a:r>
+              <a:rPr lang="ro-RO" sz="2400" dirty="0">
+                <a:solidFill>
+                  <a:schemeClr val="tx1"/>
+                </a:solidFill>
+                <a:latin typeface="Times New Roman" panose="02020603050405020304" pitchFamily="18" charset="0"/>
+                <a:cs typeface="Times New Roman" panose="02020603050405020304" pitchFamily="18" charset="0"/>
+              </a:rPr>
+              <a:t>ție web</a:t>
+            </a:r>
+            <a:r>
+              <a:rPr lang="en-US" sz="2400" dirty="0">
+                <a:solidFill>
+                  <a:schemeClr val="tx1"/>
+                </a:solidFill>
+                <a:latin typeface="Times New Roman" panose="02020603050405020304" pitchFamily="18" charset="0"/>
+                <a:cs typeface="Times New Roman" panose="02020603050405020304" pitchFamily="18" charset="0"/>
+              </a:rPr>
+              <a:t>, </a:t>
+            </a:r>
+            <a:r>
+              <a:rPr lang="ro-RO" sz="2400" dirty="0">
+                <a:solidFill>
+                  <a:schemeClr val="tx1"/>
+                </a:solidFill>
+                <a:latin typeface="Times New Roman" panose="02020603050405020304" pitchFamily="18" charset="0"/>
+                <a:cs typeface="Times New Roman" panose="02020603050405020304" pitchFamily="18" charset="0"/>
+              </a:rPr>
+              <a:t>menită să servească numeroși clienți care doresc să aibă la dispoziție atât rezultatele la toate consultațiile anterioare, cât și prescripțiile și fișierele adiționale acordate de medicii care au participat la consultațiile respective.</a:t>
+            </a:r>
+          </a:p>
+          <a:p>
+            <a:pPr marL="0" indent="0">
+              <a:buNone/>
+            </a:pPr>
+            <a:r>
+              <a:rPr lang="ro-RO" sz="2400" dirty="0">
+                <a:solidFill>
+                  <a:schemeClr val="tx1"/>
+                </a:solidFill>
+                <a:latin typeface="Times New Roman" panose="02020603050405020304" pitchFamily="18" charset="0"/>
+                <a:cs typeface="Times New Roman" panose="02020603050405020304" pitchFamily="18" charset="0"/>
+              </a:rPr>
+              <a:t> </a:t>
+            </a:r>
+          </a:p>
+        </p:txBody>
+      </p:sp>
+      <p:sp>
+        <p:nvSpPr>
+          <p:cNvPr id="5" name="Slide Number Placeholder 4">
+            <a:extLst>
+              <a:ext uri="{FF2B5EF4-FFF2-40B4-BE49-F238E27FC236}">
+                <a16:creationId xmlns:a16="http://schemas.microsoft.com/office/drawing/2014/main" id="{832508AC-41F1-4888-A014-E92F858B4A62}"/>
+              </a:ext>
+            </a:extLst>
+          </p:cNvPr>
+          <p:cNvSpPr>
+            <a:spLocks noGrp="1"/>
+          </p:cNvSpPr>
+          <p:nvPr>
+            <p:ph type="sldNum" sz="quarter" idx="12"/>
+          </p:nvPr>
+        </p:nvSpPr>
+        <p:spPr/>
+        <p:txBody>
+          <a:bodyPr/>
+          <a:lstStyle/>
+          <a:p>
+            <a:r>
+              <a:rPr lang="ro-RO" dirty="0"/>
+              <a:t>3</a:t>
+            </a:r>
+            <a:endParaRPr lang="en-US" dirty="0"/>
           </a:p>
         </p:txBody>
       </p:sp>
     </p:spTree>
     <p:extLst>
       <p:ext uri="{BB962C8B-B14F-4D97-AF65-F5344CB8AC3E}">
-        <p14:creationId xmlns:p14="http://schemas.microsoft.com/office/powerpoint/2010/main" val="992859732"/>
+        <p14:creationId xmlns:p14="http://schemas.microsoft.com/office/powerpoint/2010/main" val="483427451"/>
       </p:ext>
     </p:extLst>
   </p:cSld>
   <p:clrMapOvr>
     <a:masterClrMapping/>
   </p:clrMapOvr>
-  <mc:AlternateContent xmlns:mc="http://schemas.openxmlformats.org/markup-compatibility/2006">
-    <mc:Choice xmlns:p14="http://schemas.microsoft.com/office/powerpoint/2010/main" Requires="p14">
+  <mc:AlternateContent xmlns:mc="http://schemas.openxmlformats.org/markup-compatibility/2006" xmlns:p14="http://schemas.microsoft.com/office/powerpoint/2010/main">
+    <mc:Choice Requires="p14">
       <p:transition spd="med" p14:dur="700">
         <p:fade/>
       </p:transition>
     </mc:Choice>
-    <mc:Fallback>
+    <mc:Fallback xmlns="">
       <p:transition spd="med">
         <p:fade/>
       </p:transition>
@@ -6344,8 +7961,26 @@
                 <a:latin typeface="Times New Roman" panose="02020603050405020304" pitchFamily="18" charset="0"/>
                 <a:cs typeface="Times New Roman" panose="02020603050405020304" pitchFamily="18" charset="0"/>
               </a:rPr>
-              <a:t>Tehnologiile folosite</a:t>
-            </a:r>
+              <a:t>Tehnologii</a:t>
+            </a:r>
+            <a:r>
+              <a:rPr lang="en-US" sz="3200" cap="none" dirty="0">
+                <a:latin typeface="Times New Roman" panose="02020603050405020304" pitchFamily="18" charset="0"/>
+                <a:cs typeface="Times New Roman" panose="02020603050405020304" pitchFamily="18" charset="0"/>
+              </a:rPr>
+              <a:t> </a:t>
+            </a:r>
+            <a:r>
+              <a:rPr lang="en-US" sz="3200" cap="none" dirty="0" err="1">
+                <a:latin typeface="Times New Roman" panose="02020603050405020304" pitchFamily="18" charset="0"/>
+                <a:cs typeface="Times New Roman" panose="02020603050405020304" pitchFamily="18" charset="0"/>
+              </a:rPr>
+              <a:t>utilizate</a:t>
+            </a:r>
+            <a:endParaRPr lang="ro-RO" sz="3200" cap="none" dirty="0">
+              <a:latin typeface="Times New Roman" panose="02020603050405020304" pitchFamily="18" charset="0"/>
+              <a:cs typeface="Times New Roman" panose="02020603050405020304" pitchFamily="18" charset="0"/>
+            </a:endParaRPr>
           </a:p>
         </p:txBody>
       </p:sp>
@@ -6368,12 +8003,12 @@
         <p:spPr>
           <a:xfrm>
             <a:off x="1513840" y="1904999"/>
-            <a:ext cx="8534400" cy="3615267"/>
+            <a:ext cx="8534400" cy="4434255"/>
           </a:xfrm>
         </p:spPr>
         <p:txBody>
           <a:bodyPr>
-            <a:normAutofit/>
+            <a:normAutofit lnSpcReduction="10000"/>
           </a:bodyPr>
           <a:lstStyle/>
           <a:p>
@@ -6382,16 +8017,76 @@
               <a:buChar char="•"/>
             </a:pPr>
             <a:r>
-              <a:rPr lang="ro-RO" sz="2800" dirty="0" err="1">
+              <a:rPr lang="en-US" sz="2400" dirty="0" err="1">
                 <a:solidFill>
                   <a:schemeClr val="tx1"/>
                 </a:solidFill>
                 <a:latin typeface="Times New Roman" panose="02020603050405020304" pitchFamily="18" charset="0"/>
                 <a:cs typeface="Times New Roman" panose="02020603050405020304" pitchFamily="18" charset="0"/>
               </a:rPr>
-              <a:t>Tehn1</a:t>
-            </a:r>
-            <a:endParaRPr lang="ro-RO" sz="2800" dirty="0">
+              <a:t>Tehnologi</a:t>
+            </a:r>
+            <a:r>
+              <a:rPr lang="ro-RO" sz="2400" dirty="0">
+                <a:solidFill>
+                  <a:schemeClr val="tx1"/>
+                </a:solidFill>
+                <a:latin typeface="Times New Roman" panose="02020603050405020304" pitchFamily="18" charset="0"/>
+                <a:cs typeface="Times New Roman" panose="02020603050405020304" pitchFamily="18" charset="0"/>
+              </a:rPr>
+              <a:t>e</a:t>
+            </a:r>
+            <a:r>
+              <a:rPr lang="en-US" sz="2400" dirty="0">
+                <a:solidFill>
+                  <a:schemeClr val="tx1"/>
+                </a:solidFill>
+                <a:latin typeface="Times New Roman" panose="02020603050405020304" pitchFamily="18" charset="0"/>
+                <a:cs typeface="Times New Roman" panose="02020603050405020304" pitchFamily="18" charset="0"/>
+              </a:rPr>
+              <a:t> principal</a:t>
+            </a:r>
+            <a:r>
+              <a:rPr lang="ro-RO" sz="2400" dirty="0">
+                <a:solidFill>
+                  <a:schemeClr val="tx1"/>
+                </a:solidFill>
+                <a:latin typeface="Times New Roman" panose="02020603050405020304" pitchFamily="18" charset="0"/>
+                <a:cs typeface="Times New Roman" panose="02020603050405020304" pitchFamily="18" charset="0"/>
+              </a:rPr>
+              <a:t>ă</a:t>
+            </a:r>
+            <a:r>
+              <a:rPr lang="en-US" sz="2400" dirty="0">
+                <a:solidFill>
+                  <a:schemeClr val="tx1"/>
+                </a:solidFill>
+                <a:latin typeface="Times New Roman" panose="02020603050405020304" pitchFamily="18" charset="0"/>
+                <a:cs typeface="Times New Roman" panose="02020603050405020304" pitchFamily="18" charset="0"/>
+              </a:rPr>
+              <a:t>:</a:t>
+            </a:r>
+            <a:r>
+              <a:rPr lang="ro-RO" sz="2400" dirty="0">
+                <a:solidFill>
+                  <a:schemeClr val="tx1"/>
+                </a:solidFill>
+                <a:latin typeface="Times New Roman" panose="02020603050405020304" pitchFamily="18" charset="0"/>
+                <a:cs typeface="Times New Roman" panose="02020603050405020304" pitchFamily="18" charset="0"/>
+              </a:rPr>
+              <a:t> </a:t>
+            </a:r>
+            <a:r>
+              <a:rPr lang="ro-RO" sz="2400" dirty="0" err="1">
+                <a:solidFill>
+                  <a:schemeClr val="tx1"/>
+                </a:solidFill>
+                <a:latin typeface="Times New Roman" panose="02020603050405020304" pitchFamily="18" charset="0"/>
+                <a:cs typeface="Times New Roman" panose="02020603050405020304" pitchFamily="18" charset="0"/>
+              </a:rPr>
+              <a:t>ASP.NET</a:t>
+            </a:r>
+            <a:endParaRPr lang="en-US" sz="2400" dirty="0">
               <a:solidFill>
                 <a:schemeClr val="tx1"/>
               </a:solidFill>
@@ -6405,16 +8100,26 @@
               <a:buChar char="•"/>
             </a:pPr>
             <a:r>
-              <a:rPr lang="ro-RO" sz="2800" dirty="0" err="1">
+              <a:rPr lang="ro-RO" sz="2400" dirty="0">
                 <a:solidFill>
                   <a:schemeClr val="tx1"/>
                 </a:solidFill>
                 <a:latin typeface="Times New Roman" panose="02020603050405020304" pitchFamily="18" charset="0"/>
                 <a:cs typeface="Times New Roman" panose="02020603050405020304" pitchFamily="18" charset="0"/>
               </a:rPr>
-              <a:t>Tehn2</a:t>
-            </a:r>
-            <a:endParaRPr lang="ro-RO" sz="2800" dirty="0">
+              <a:t>Baza de date</a:t>
+            </a:r>
+            <a:r>
+              <a:rPr lang="en-US" sz="2400" dirty="0">
+                <a:solidFill>
+                  <a:schemeClr val="tx1"/>
+                </a:solidFill>
+                <a:latin typeface="Times New Roman" panose="02020603050405020304" pitchFamily="18" charset="0"/>
+                <a:cs typeface="Times New Roman" panose="02020603050405020304" pitchFamily="18" charset="0"/>
+              </a:rPr>
+              <a:t>: SQL Server Express</a:t>
+            </a:r>
+            <a:endParaRPr lang="ro-RO" sz="2400" dirty="0">
               <a:solidFill>
                 <a:schemeClr val="tx1"/>
               </a:solidFill>
@@ -6428,16 +8133,96 @@
               <a:buChar char="•"/>
             </a:pPr>
             <a:r>
-              <a:rPr lang="ro-RO" sz="2800" dirty="0" err="1">
+              <a:rPr lang="ro-RO" sz="2400" dirty="0" err="1">
                 <a:solidFill>
                   <a:schemeClr val="tx1"/>
                 </a:solidFill>
                 <a:latin typeface="Times New Roman" panose="02020603050405020304" pitchFamily="18" charset="0"/>
                 <a:cs typeface="Times New Roman" panose="02020603050405020304" pitchFamily="18" charset="0"/>
               </a:rPr>
-              <a:t>Tehn3</a:t>
-            </a:r>
-            <a:endParaRPr lang="ro-RO" sz="2800" dirty="0">
+              <a:t>Version</a:t>
+            </a:r>
+            <a:r>
+              <a:rPr lang="ro-RO" sz="2400" dirty="0">
+                <a:solidFill>
+                  <a:schemeClr val="tx1"/>
+                </a:solidFill>
+                <a:latin typeface="Times New Roman" panose="02020603050405020304" pitchFamily="18" charset="0"/>
+                <a:cs typeface="Times New Roman" panose="02020603050405020304" pitchFamily="18" charset="0"/>
+              </a:rPr>
+              <a:t> Control</a:t>
+            </a:r>
+            <a:r>
+              <a:rPr lang="en-US" sz="2400" dirty="0">
+                <a:solidFill>
+                  <a:schemeClr val="tx1"/>
+                </a:solidFill>
+                <a:latin typeface="Times New Roman" panose="02020603050405020304" pitchFamily="18" charset="0"/>
+                <a:cs typeface="Times New Roman" panose="02020603050405020304" pitchFamily="18" charset="0"/>
+              </a:rPr>
+              <a:t>:</a:t>
+            </a:r>
+            <a:r>
+              <a:rPr lang="ro-RO" sz="2400" dirty="0">
+                <a:solidFill>
+                  <a:schemeClr val="tx1"/>
+                </a:solidFill>
+                <a:latin typeface="Times New Roman" panose="02020603050405020304" pitchFamily="18" charset="0"/>
+                <a:cs typeface="Times New Roman" panose="02020603050405020304" pitchFamily="18" charset="0"/>
+              </a:rPr>
+              <a:t> </a:t>
+            </a:r>
+            <a:r>
+              <a:rPr lang="ro-RO" sz="2400" dirty="0" err="1">
+                <a:solidFill>
+                  <a:schemeClr val="tx1"/>
+                </a:solidFill>
+                <a:latin typeface="Times New Roman" panose="02020603050405020304" pitchFamily="18" charset="0"/>
+                <a:cs typeface="Times New Roman" panose="02020603050405020304" pitchFamily="18" charset="0"/>
+              </a:rPr>
+              <a:t>GitHub</a:t>
+            </a:r>
+            <a:r>
+              <a:rPr lang="ro-RO" sz="2400" dirty="0">
+                <a:solidFill>
+                  <a:schemeClr val="tx1"/>
+                </a:solidFill>
+                <a:latin typeface="Times New Roman" panose="02020603050405020304" pitchFamily="18" charset="0"/>
+                <a:cs typeface="Times New Roman" panose="02020603050405020304" pitchFamily="18" charset="0"/>
+              </a:rPr>
+              <a:t> </a:t>
+            </a:r>
+            <a:r>
+              <a:rPr lang="en-US" sz="2400" dirty="0">
+                <a:solidFill>
+                  <a:schemeClr val="tx1"/>
+                </a:solidFill>
+                <a:latin typeface="Times New Roman" panose="02020603050405020304" pitchFamily="18" charset="0"/>
+                <a:cs typeface="Times New Roman" panose="02020603050405020304" pitchFamily="18" charset="0"/>
+              </a:rPr>
+              <a:t>(</a:t>
+            </a:r>
+            <a:r>
+              <a:rPr lang="ro-RO" sz="2400" dirty="0" err="1">
+                <a:solidFill>
+                  <a:schemeClr val="tx1"/>
+                </a:solidFill>
+                <a:latin typeface="Times New Roman" panose="02020603050405020304" pitchFamily="18" charset="0"/>
+                <a:cs typeface="Times New Roman" panose="02020603050405020304" pitchFamily="18" charset="0"/>
+              </a:rPr>
+              <a:t>GitKraken</a:t>
+            </a:r>
+            <a:r>
+              <a:rPr lang="ro-RO" sz="2400" dirty="0">
+                <a:solidFill>
+                  <a:schemeClr val="tx1"/>
+                </a:solidFill>
+                <a:latin typeface="Times New Roman" panose="02020603050405020304" pitchFamily="18" charset="0"/>
+                <a:cs typeface="Times New Roman" panose="02020603050405020304" pitchFamily="18" charset="0"/>
+              </a:rPr>
+              <a:t>)</a:t>
+            </a:r>
+            <a:endParaRPr lang="en-US" sz="2400" dirty="0">
               <a:solidFill>
                 <a:schemeClr val="tx1"/>
               </a:solidFill>
@@ -6451,16 +8236,39 @@
               <a:buChar char="•"/>
             </a:pPr>
             <a:r>
-              <a:rPr lang="ro-RO" sz="2800" dirty="0" err="1">
+              <a:rPr lang="ro-RO" sz="2400" dirty="0">
                 <a:solidFill>
                   <a:schemeClr val="tx1"/>
                 </a:solidFill>
                 <a:latin typeface="Times New Roman" panose="02020603050405020304" pitchFamily="18" charset="0"/>
                 <a:cs typeface="Times New Roman" panose="02020603050405020304" pitchFamily="18" charset="0"/>
               </a:rPr>
-              <a:t>Tehn4</a:t>
-            </a:r>
-            <a:endParaRPr lang="ro-RO" sz="2800" dirty="0">
+              <a:t>Tehnologii secundare</a:t>
+            </a:r>
+            <a:r>
+              <a:rPr lang="en-US" sz="2400" dirty="0">
+                <a:solidFill>
+                  <a:schemeClr val="tx1"/>
+                </a:solidFill>
+                <a:latin typeface="Times New Roman" panose="02020603050405020304" pitchFamily="18" charset="0"/>
+                <a:cs typeface="Times New Roman" panose="02020603050405020304" pitchFamily="18" charset="0"/>
+              </a:rPr>
+              <a:t>: </a:t>
+            </a:r>
+          </a:p>
+          <a:p>
+            <a:pPr lvl="1" algn="just"/>
+            <a:r>
+              <a:rPr lang="ro-RO" sz="2400" dirty="0" err="1">
+                <a:solidFill>
+                  <a:schemeClr val="tx1"/>
+                </a:solidFill>
+                <a:latin typeface="Times New Roman" panose="02020603050405020304" pitchFamily="18" charset="0"/>
+                <a:cs typeface="Times New Roman" panose="02020603050405020304" pitchFamily="18" charset="0"/>
+              </a:rPr>
+              <a:t>HTML</a:t>
+            </a:r>
+            <a:endParaRPr lang="en-US" sz="2400" dirty="0">
               <a:solidFill>
                 <a:schemeClr val="tx1"/>
               </a:solidFill>
@@ -6469,21 +8277,18 @@
             </a:endParaRPr>
           </a:p>
           <a:p>
-            <a:pPr algn="just">
-              <a:buFont typeface="Arial" panose="020B0604020202020204" pitchFamily="34" charset="0"/>
-              <a:buChar char="•"/>
-            </a:pPr>
-            <a:r>
-              <a:rPr lang="ro-RO" sz="2800" dirty="0" err="1">
+            <a:pPr lvl="1" algn="just"/>
+            <a:r>
+              <a:rPr lang="ro-RO" sz="2400" dirty="0">
                 <a:solidFill>
                   <a:schemeClr val="tx1"/>
                 </a:solidFill>
                 <a:latin typeface="Times New Roman" panose="02020603050405020304" pitchFamily="18" charset="0"/>
                 <a:cs typeface="Times New Roman" panose="02020603050405020304" pitchFamily="18" charset="0"/>
               </a:rPr>
-              <a:t>Tehn5</a:t>
-            </a:r>
-            <a:endParaRPr lang="ro-RO" sz="2800" dirty="0">
+              <a:t>CSS</a:t>
+            </a:r>
+            <a:endParaRPr lang="en-US" sz="2400" dirty="0">
               <a:solidFill>
                 <a:schemeClr val="tx1"/>
               </a:solidFill>
@@ -6492,39 +8297,171 @@
             </a:endParaRPr>
           </a:p>
           <a:p>
-            <a:pPr marL="0" indent="0" algn="just">
-              <a:buNone/>
+            <a:pPr lvl="1" algn="just"/>
+            <a:r>
+              <a:rPr lang="ro-RO" sz="2400" dirty="0" err="1">
+                <a:solidFill>
+                  <a:schemeClr val="tx1"/>
+                </a:solidFill>
+                <a:latin typeface="Times New Roman" panose="02020603050405020304" pitchFamily="18" charset="0"/>
+                <a:cs typeface="Times New Roman" panose="02020603050405020304" pitchFamily="18" charset="0"/>
+              </a:rPr>
+              <a:t>JavaScript</a:t>
+            </a:r>
+            <a:endParaRPr lang="en-US" sz="2400" dirty="0">
+              <a:solidFill>
+                <a:schemeClr val="tx1"/>
+              </a:solidFill>
+              <a:latin typeface="Times New Roman" panose="02020603050405020304" pitchFamily="18" charset="0"/>
+              <a:cs typeface="Times New Roman" panose="02020603050405020304" pitchFamily="18" charset="0"/>
+            </a:endParaRPr>
+          </a:p>
+          <a:p>
+            <a:pPr lvl="1" algn="just"/>
+            <a:r>
+              <a:rPr lang="ro-RO" sz="2400" dirty="0" err="1">
+                <a:solidFill>
+                  <a:schemeClr val="tx1"/>
+                </a:solidFill>
+                <a:latin typeface="Times New Roman" panose="02020603050405020304" pitchFamily="18" charset="0"/>
+                <a:cs typeface="Times New Roman" panose="02020603050405020304" pitchFamily="18" charset="0"/>
+              </a:rPr>
+              <a:t>Bootstrap</a:t>
+            </a:r>
+            <a:endParaRPr lang="en-US" sz="2400" dirty="0">
+              <a:solidFill>
+                <a:schemeClr val="tx1"/>
+              </a:solidFill>
+              <a:latin typeface="Times New Roman" panose="02020603050405020304" pitchFamily="18" charset="0"/>
+              <a:cs typeface="Times New Roman" panose="02020603050405020304" pitchFamily="18" charset="0"/>
+            </a:endParaRPr>
+          </a:p>
+          <a:p>
+            <a:pPr algn="just">
+              <a:buFont typeface="Arial" panose="020B0604020202020204" pitchFamily="34" charset="0"/>
+              <a:buChar char="•"/>
             </a:pPr>
             <a:r>
-              <a:rPr lang="ro-RO" sz="2800" dirty="0">
+              <a:rPr lang="en-US" sz="2400" dirty="0">
                 <a:solidFill>
                   <a:schemeClr val="tx1"/>
                 </a:solidFill>
                 <a:latin typeface="Times New Roman" panose="02020603050405020304" pitchFamily="18" charset="0"/>
                 <a:cs typeface="Times New Roman" panose="02020603050405020304" pitchFamily="18" charset="0"/>
               </a:rPr>
-              <a:t> (+Poza cu structura bazei de date?)</a:t>
-            </a:r>
+              <a:t>Logo </a:t>
+            </a:r>
+            <a:r>
+              <a:rPr lang="ro-RO" sz="2400" dirty="0">
+                <a:solidFill>
+                  <a:schemeClr val="tx1"/>
+                </a:solidFill>
+                <a:latin typeface="Times New Roman" panose="02020603050405020304" pitchFamily="18" charset="0"/>
+                <a:cs typeface="Times New Roman" panose="02020603050405020304" pitchFamily="18" charset="0"/>
+              </a:rPr>
+              <a:t>și </a:t>
+            </a:r>
+            <a:r>
+              <a:rPr lang="ro-RO" sz="2400" dirty="0" err="1">
+                <a:solidFill>
+                  <a:schemeClr val="tx1"/>
+                </a:solidFill>
+                <a:latin typeface="Times New Roman" panose="02020603050405020304" pitchFamily="18" charset="0"/>
+                <a:cs typeface="Times New Roman" panose="02020603050405020304" pitchFamily="18" charset="0"/>
+              </a:rPr>
+              <a:t>icons</a:t>
+            </a:r>
+            <a:r>
+              <a:rPr lang="en-US" sz="2400" dirty="0">
+                <a:solidFill>
+                  <a:schemeClr val="tx1"/>
+                </a:solidFill>
+                <a:latin typeface="Times New Roman" panose="02020603050405020304" pitchFamily="18" charset="0"/>
+                <a:cs typeface="Times New Roman" panose="02020603050405020304" pitchFamily="18" charset="0"/>
+              </a:rPr>
+              <a:t>: </a:t>
+            </a:r>
+            <a:r>
+              <a:rPr lang="ro-RO" sz="2400" dirty="0">
+                <a:solidFill>
+                  <a:schemeClr val="tx1"/>
+                </a:solidFill>
+                <a:latin typeface="Times New Roman" panose="02020603050405020304" pitchFamily="18" charset="0"/>
+                <a:cs typeface="Times New Roman" panose="02020603050405020304" pitchFamily="18" charset="0"/>
+              </a:rPr>
+              <a:t>Adobe </a:t>
+            </a:r>
+            <a:r>
+              <a:rPr lang="ro-RO" sz="2400" dirty="0" err="1">
+                <a:solidFill>
+                  <a:schemeClr val="tx1"/>
+                </a:solidFill>
+                <a:latin typeface="Times New Roman" panose="02020603050405020304" pitchFamily="18" charset="0"/>
+                <a:cs typeface="Times New Roman" panose="02020603050405020304" pitchFamily="18" charset="0"/>
+              </a:rPr>
+              <a:t>Illustrator</a:t>
+            </a:r>
+            <a:endParaRPr lang="ro-RO" sz="2400" dirty="0">
+              <a:solidFill>
+                <a:schemeClr val="tx1"/>
+              </a:solidFill>
+              <a:latin typeface="Times New Roman" panose="02020603050405020304" pitchFamily="18" charset="0"/>
+              <a:cs typeface="Times New Roman" panose="02020603050405020304" pitchFamily="18" charset="0"/>
+            </a:endParaRPr>
+          </a:p>
+        </p:txBody>
+      </p:sp>
+      <p:sp>
+        <p:nvSpPr>
+          <p:cNvPr id="6" name="Slide Number Placeholder 5">
+            <a:extLst>
+              <a:ext uri="{FF2B5EF4-FFF2-40B4-BE49-F238E27FC236}">
+                <a16:creationId xmlns:a16="http://schemas.microsoft.com/office/drawing/2014/main" id="{1A343845-0B29-4F40-AA0F-055A25494808}"/>
+              </a:ext>
+            </a:extLst>
+          </p:cNvPr>
+          <p:cNvSpPr>
+            <a:spLocks noGrp="1"/>
+          </p:cNvSpPr>
+          <p:nvPr>
+            <p:ph type="sldNum" sz="quarter" idx="12"/>
+          </p:nvPr>
+        </p:nvSpPr>
+        <p:spPr>
+          <a:xfrm>
+            <a:off x="10363200" y="5578475"/>
+            <a:ext cx="1142245" cy="669925"/>
+          </a:xfrm>
+        </p:spPr>
+        <p:txBody>
+          <a:bodyPr/>
+          <a:lstStyle/>
+          <a:p>
+            <a:r>
+              <a:rPr lang="ro-RO" dirty="0"/>
+              <a:t>4</a:t>
+            </a:r>
+            <a:endParaRPr lang="en-US" dirty="0"/>
           </a:p>
         </p:txBody>
       </p:sp>
     </p:spTree>
     <p:extLst>
       <p:ext uri="{BB962C8B-B14F-4D97-AF65-F5344CB8AC3E}">
-        <p14:creationId xmlns:p14="http://schemas.microsoft.com/office/powerpoint/2010/main" val="3136552965"/>
+        <p14:creationId xmlns:p14="http://schemas.microsoft.com/office/powerpoint/2010/main" val="3791107911"/>
       </p:ext>
     </p:extLst>
   </p:cSld>
   <p:clrMapOvr>
     <a:masterClrMapping/>
   </p:clrMapOvr>
-  <mc:AlternateContent xmlns:mc="http://schemas.openxmlformats.org/markup-compatibility/2006">
-    <mc:Choice xmlns:p14="http://schemas.microsoft.com/office/powerpoint/2010/main" Requires="p14">
+  <mc:AlternateContent xmlns:mc="http://schemas.openxmlformats.org/markup-compatibility/2006" xmlns:p14="http://schemas.microsoft.com/office/powerpoint/2010/main">
+    <mc:Choice Requires="p14">
       <p:transition spd="med" p14:dur="700">
         <p:fade/>
       </p:transition>
     </mc:Choice>
-    <mc:Fallback>
+    <mc:Fallback xmlns="">
       <p:transition spd="med">
         <p:fade/>
       </p:transition>
@@ -6608,11 +8545,11 @@
         <p:spPr>
           <a:xfrm>
             <a:off x="1513840" y="1904999"/>
-            <a:ext cx="8534400" cy="3615267"/>
+            <a:ext cx="9441375" cy="4434255"/>
           </a:xfrm>
         </p:spPr>
         <p:txBody>
-          <a:bodyPr>
+          <a:bodyPr anchor="t">
             <a:normAutofit/>
           </a:bodyPr>
           <a:lstStyle/>
@@ -6622,16 +8559,100 @@
               <a:buChar char="•"/>
             </a:pPr>
             <a:r>
-              <a:rPr lang="ro-RO" sz="2800" dirty="0" err="1">
+              <a:rPr lang="ro-RO" sz="2400" dirty="0">
                 <a:solidFill>
                   <a:schemeClr val="tx1"/>
                 </a:solidFill>
                 <a:latin typeface="Times New Roman" panose="02020603050405020304" pitchFamily="18" charset="0"/>
                 <a:cs typeface="Times New Roman" panose="02020603050405020304" pitchFamily="18" charset="0"/>
               </a:rPr>
-              <a:t>Contr1</a:t>
-            </a:r>
-            <a:endParaRPr lang="ro-RO" sz="2800" dirty="0">
+              <a:t>Afișarea informațiilor în mod privat pentru fiecare utilizator în parte</a:t>
+            </a:r>
+          </a:p>
+          <a:p>
+            <a:pPr algn="just">
+              <a:buFont typeface="Arial" panose="020B0604020202020204" pitchFamily="34" charset="0"/>
+              <a:buChar char="•"/>
+            </a:pPr>
+            <a:r>
+              <a:rPr lang="ro-RO" sz="2400" dirty="0">
+                <a:solidFill>
+                  <a:schemeClr val="tx1"/>
+                </a:solidFill>
+                <a:latin typeface="Times New Roman" panose="02020603050405020304" pitchFamily="18" charset="0"/>
+                <a:cs typeface="Times New Roman" panose="02020603050405020304" pitchFamily="18" charset="0"/>
+              </a:rPr>
+              <a:t>Lista cu toți Doctorii înregistrați</a:t>
+            </a:r>
+          </a:p>
+          <a:p>
+            <a:pPr algn="just">
+              <a:buFont typeface="Arial" panose="020B0604020202020204" pitchFamily="34" charset="0"/>
+              <a:buChar char="•"/>
+            </a:pPr>
+            <a:r>
+              <a:rPr lang="ro-RO" sz="2400" dirty="0">
+                <a:solidFill>
+                  <a:schemeClr val="tx1"/>
+                </a:solidFill>
+                <a:latin typeface="Times New Roman" panose="02020603050405020304" pitchFamily="18" charset="0"/>
+                <a:cs typeface="Times New Roman" panose="02020603050405020304" pitchFamily="18" charset="0"/>
+              </a:rPr>
+              <a:t>Existența unei liste de medicamente cu informații suplimentare</a:t>
+            </a:r>
+          </a:p>
+          <a:p>
+            <a:pPr algn="just">
+              <a:buFont typeface="Arial" panose="020B0604020202020204" pitchFamily="34" charset="0"/>
+              <a:buChar char="•"/>
+            </a:pPr>
+            <a:r>
+              <a:rPr lang="ro-RO" sz="2400" dirty="0">
+                <a:solidFill>
+                  <a:schemeClr val="tx1"/>
+                </a:solidFill>
+                <a:latin typeface="Times New Roman" panose="02020603050405020304" pitchFamily="18" charset="0"/>
+                <a:cs typeface="Times New Roman" panose="02020603050405020304" pitchFamily="18" charset="0"/>
+              </a:rPr>
+              <a:t>Secțiunea de Asistență (Întrebări și răspunsuri)</a:t>
+            </a:r>
+          </a:p>
+          <a:p>
+            <a:pPr algn="just">
+              <a:buFont typeface="Arial" panose="020B0604020202020204" pitchFamily="34" charset="0"/>
+              <a:buChar char="•"/>
+            </a:pPr>
+            <a:r>
+              <a:rPr lang="ro-RO" sz="2400" dirty="0" err="1">
+                <a:solidFill>
+                  <a:schemeClr val="tx1"/>
+                </a:solidFill>
+                <a:latin typeface="Times New Roman" panose="02020603050405020304" pitchFamily="18" charset="0"/>
+                <a:cs typeface="Times New Roman" panose="02020603050405020304" pitchFamily="18" charset="0"/>
+              </a:rPr>
+              <a:t>User</a:t>
+            </a:r>
+            <a:r>
+              <a:rPr lang="ro-RO" sz="2400" dirty="0">
+                <a:solidFill>
+                  <a:schemeClr val="tx1"/>
+                </a:solidFill>
+                <a:latin typeface="Times New Roman" panose="02020603050405020304" pitchFamily="18" charset="0"/>
+                <a:cs typeface="Times New Roman" panose="02020603050405020304" pitchFamily="18" charset="0"/>
+              </a:rPr>
+              <a:t> </a:t>
+            </a:r>
+            <a:r>
+              <a:rPr lang="ro-RO" sz="2400" dirty="0" err="1">
+                <a:solidFill>
+                  <a:schemeClr val="tx1"/>
+                </a:solidFill>
+                <a:latin typeface="Times New Roman" panose="02020603050405020304" pitchFamily="18" charset="0"/>
+                <a:cs typeface="Times New Roman" panose="02020603050405020304" pitchFamily="18" charset="0"/>
+              </a:rPr>
+              <a:t>friendly</a:t>
+            </a:r>
+            <a:endParaRPr lang="en-US" sz="2400" dirty="0">
               <a:solidFill>
                 <a:schemeClr val="tx1"/>
               </a:solidFill>
@@ -6645,16 +8666,58 @@
               <a:buChar char="•"/>
             </a:pPr>
             <a:r>
-              <a:rPr lang="ro-RO" sz="2800" dirty="0" err="1">
+              <a:rPr lang="en-US" sz="2400" dirty="0" err="1">
                 <a:solidFill>
                   <a:schemeClr val="tx1"/>
                 </a:solidFill>
                 <a:latin typeface="Times New Roman" panose="02020603050405020304" pitchFamily="18" charset="0"/>
                 <a:cs typeface="Times New Roman" panose="02020603050405020304" pitchFamily="18" charset="0"/>
               </a:rPr>
-              <a:t>Contr2</a:t>
-            </a:r>
-            <a:endParaRPr lang="ro-RO" sz="2800" dirty="0">
+              <a:t>Navigabilitate</a:t>
+            </a:r>
+            <a:r>
+              <a:rPr lang="en-US" sz="2400" dirty="0">
+                <a:solidFill>
+                  <a:schemeClr val="tx1"/>
+                </a:solidFill>
+                <a:latin typeface="Times New Roman" panose="02020603050405020304" pitchFamily="18" charset="0"/>
+                <a:cs typeface="Times New Roman" panose="02020603050405020304" pitchFamily="18" charset="0"/>
+              </a:rPr>
+              <a:t> fluent</a:t>
+            </a:r>
+            <a:r>
+              <a:rPr lang="ro-RO" sz="2400" dirty="0">
+                <a:solidFill>
+                  <a:schemeClr val="tx1"/>
+                </a:solidFill>
+                <a:latin typeface="Times New Roman" panose="02020603050405020304" pitchFamily="18" charset="0"/>
+                <a:cs typeface="Times New Roman" panose="02020603050405020304" pitchFamily="18" charset="0"/>
+              </a:rPr>
+              <a:t>ă</a:t>
+            </a:r>
+          </a:p>
+          <a:p>
+            <a:pPr algn="just">
+              <a:buFont typeface="Arial" panose="020B0604020202020204" pitchFamily="34" charset="0"/>
+              <a:buChar char="•"/>
+            </a:pPr>
+            <a:r>
+              <a:rPr lang="ro-RO" sz="2400" dirty="0">
+                <a:solidFill>
+                  <a:schemeClr val="tx1"/>
+                </a:solidFill>
+                <a:latin typeface="Times New Roman" panose="02020603050405020304" pitchFamily="18" charset="0"/>
+                <a:cs typeface="Times New Roman" panose="02020603050405020304" pitchFamily="18" charset="0"/>
+              </a:rPr>
+              <a:t>Aplicație ușor de gestionat</a:t>
+            </a:r>
+          </a:p>
+          <a:p>
+            <a:pPr algn="just">
+              <a:buFont typeface="Arial" panose="020B0604020202020204" pitchFamily="34" charset="0"/>
+              <a:buChar char="•"/>
+            </a:pPr>
+            <a:endParaRPr lang="ro-RO" sz="2400" dirty="0">
               <a:solidFill>
                 <a:schemeClr val="tx1"/>
               </a:solidFill>
@@ -6667,17 +8730,7 @@
               <a:buFont typeface="Arial" panose="020B0604020202020204" pitchFamily="34" charset="0"/>
               <a:buChar char="•"/>
             </a:pPr>
-            <a:r>
-              <a:rPr lang="ro-RO" sz="2800" dirty="0" err="1">
-                <a:solidFill>
-                  <a:schemeClr val="tx1"/>
-                </a:solidFill>
-                <a:latin typeface="Times New Roman" panose="02020603050405020304" pitchFamily="18" charset="0"/>
-                <a:cs typeface="Times New Roman" panose="02020603050405020304" pitchFamily="18" charset="0"/>
-              </a:rPr>
-              <a:t>Contr3</a:t>
-            </a:r>
-            <a:endParaRPr lang="ro-RO" sz="2800" dirty="0">
+            <a:endParaRPr lang="ro-RO" sz="2400" dirty="0">
               <a:solidFill>
                 <a:schemeClr val="tx1"/>
               </a:solidFill>
@@ -6685,67 +8738,34 @@
               <a:cs typeface="Times New Roman" panose="02020603050405020304" pitchFamily="18" charset="0"/>
             </a:endParaRPr>
           </a:p>
-          <a:p>
-            <a:pPr algn="just">
-              <a:buFont typeface="Arial" panose="020B0604020202020204" pitchFamily="34" charset="0"/>
-              <a:buChar char="•"/>
-            </a:pPr>
-            <a:r>
-              <a:rPr lang="ro-RO" sz="2800" dirty="0" err="1">
-                <a:solidFill>
-                  <a:schemeClr val="tx1"/>
-                </a:solidFill>
-                <a:latin typeface="Times New Roman" panose="02020603050405020304" pitchFamily="18" charset="0"/>
-                <a:cs typeface="Times New Roman" panose="02020603050405020304" pitchFamily="18" charset="0"/>
-              </a:rPr>
-              <a:t>Contr4</a:t>
-            </a:r>
-            <a:endParaRPr lang="ro-RO" sz="2800" dirty="0">
-              <a:solidFill>
-                <a:schemeClr val="tx1"/>
-              </a:solidFill>
-              <a:latin typeface="Times New Roman" panose="02020603050405020304" pitchFamily="18" charset="0"/>
-              <a:cs typeface="Times New Roman" panose="02020603050405020304" pitchFamily="18" charset="0"/>
-            </a:endParaRPr>
-          </a:p>
-          <a:p>
-            <a:pPr algn="just">
-              <a:buFont typeface="Arial" panose="020B0604020202020204" pitchFamily="34" charset="0"/>
-              <a:buChar char="•"/>
-            </a:pPr>
-            <a:r>
-              <a:rPr lang="ro-RO" sz="2800" dirty="0" err="1">
-                <a:solidFill>
-                  <a:schemeClr val="tx1"/>
-                </a:solidFill>
-                <a:latin typeface="Times New Roman" panose="02020603050405020304" pitchFamily="18" charset="0"/>
-                <a:cs typeface="Times New Roman" panose="02020603050405020304" pitchFamily="18" charset="0"/>
-              </a:rPr>
-              <a:t>Contr5</a:t>
-            </a:r>
-            <a:endParaRPr lang="ro-RO" sz="2800" dirty="0">
-              <a:solidFill>
-                <a:schemeClr val="tx1"/>
-              </a:solidFill>
-              <a:latin typeface="Times New Roman" panose="02020603050405020304" pitchFamily="18" charset="0"/>
-              <a:cs typeface="Times New Roman" panose="02020603050405020304" pitchFamily="18" charset="0"/>
-            </a:endParaRPr>
-          </a:p>
-          <a:p>
-            <a:pPr algn="just">
-              <a:buFont typeface="Arial" panose="020B0604020202020204" pitchFamily="34" charset="0"/>
-              <a:buChar char="•"/>
-            </a:pPr>
-            <a:r>
-              <a:rPr lang="ro-RO" sz="2800" dirty="0">
-                <a:solidFill>
-                  <a:schemeClr val="tx1"/>
-                </a:solidFill>
-                <a:latin typeface="Times New Roman" panose="02020603050405020304" pitchFamily="18" charset="0"/>
-                <a:cs typeface="Times New Roman" panose="02020603050405020304" pitchFamily="18" charset="0"/>
-              </a:rPr>
-              <a:t>...</a:t>
-            </a:r>
+        </p:txBody>
+      </p:sp>
+      <p:sp>
+        <p:nvSpPr>
+          <p:cNvPr id="6" name="Slide Number Placeholder 5">
+            <a:extLst>
+              <a:ext uri="{FF2B5EF4-FFF2-40B4-BE49-F238E27FC236}">
+                <a16:creationId xmlns:a16="http://schemas.microsoft.com/office/drawing/2014/main" id="{D1C60C3E-00A9-4360-B070-F8058FF9E61B}"/>
+              </a:ext>
+            </a:extLst>
+          </p:cNvPr>
+          <p:cNvSpPr>
+            <a:spLocks noGrp="1"/>
+          </p:cNvSpPr>
+          <p:nvPr>
+            <p:ph type="sldNum" sz="quarter" idx="12"/>
+          </p:nvPr>
+        </p:nvSpPr>
+        <p:spPr/>
+        <p:txBody>
+          <a:bodyPr/>
+          <a:lstStyle/>
+          <a:p>
+            <a:r>
+              <a:rPr lang="ro-RO" dirty="0"/>
+              <a:t>5</a:t>
+            </a:r>
+            <a:endParaRPr lang="en-US" dirty="0"/>
           </a:p>
         </p:txBody>
       </p:sp>
@@ -6759,13 +8779,13 @@
   <p:clrMapOvr>
     <a:masterClrMapping/>
   </p:clrMapOvr>
-  <mc:AlternateContent xmlns:mc="http://schemas.openxmlformats.org/markup-compatibility/2006">
-    <mc:Choice xmlns:p14="http://schemas.microsoft.com/office/powerpoint/2010/main" Requires="p14">
+  <mc:AlternateContent xmlns:mc="http://schemas.openxmlformats.org/markup-compatibility/2006" xmlns:p14="http://schemas.microsoft.com/office/powerpoint/2010/main">
+    <mc:Choice Requires="p14">
       <p:transition spd="med" p14:dur="700">
         <p:fade/>
       </p:transition>
     </mc:Choice>
-    <mc:Fallback>
+    <mc:Fallback xmlns="">
       <p:transition spd="med">
         <p:fade/>
       </p:transition>
@@ -6834,6 +8854,35 @@
           </a:p>
         </p:txBody>
       </p:sp>
+      <p:sp>
+        <p:nvSpPr>
+          <p:cNvPr id="5" name="Slide Number Placeholder 4">
+            <a:extLst>
+              <a:ext uri="{FF2B5EF4-FFF2-40B4-BE49-F238E27FC236}">
+                <a16:creationId xmlns:a16="http://schemas.microsoft.com/office/drawing/2014/main" id="{3C1B2175-FEA2-40C8-AB0B-EBFD1640A7D9}"/>
+              </a:ext>
+            </a:extLst>
+          </p:cNvPr>
+          <p:cNvSpPr>
+            <a:spLocks noGrp="1"/>
+          </p:cNvSpPr>
+          <p:nvPr>
+            <p:ph type="sldNum" sz="quarter" idx="12"/>
+          </p:nvPr>
+        </p:nvSpPr>
+        <p:spPr/>
+        <p:txBody>
+          <a:bodyPr/>
+          <a:lstStyle/>
+          <a:p>
+            <a:r>
+              <a:rPr lang="ro-RO" dirty="0"/>
+              <a:t>6</a:t>
+            </a:r>
+            <a:endParaRPr lang="en-US" dirty="0"/>
+          </a:p>
+        </p:txBody>
+      </p:sp>
     </p:spTree>
     <p:extLst>
       <p:ext uri="{BB962C8B-B14F-4D97-AF65-F5344CB8AC3E}">
@@ -6844,13 +8893,13 @@
   <p:clrMapOvr>
     <a:masterClrMapping/>
   </p:clrMapOvr>
-  <mc:AlternateContent xmlns:mc="http://schemas.openxmlformats.org/markup-compatibility/2006">
-    <mc:Choice xmlns:p14="http://schemas.microsoft.com/office/powerpoint/2010/main" Requires="p14">
+  <mc:AlternateContent xmlns:mc="http://schemas.openxmlformats.org/markup-compatibility/2006" xmlns:p14="http://schemas.microsoft.com/office/powerpoint/2010/main">
+    <mc:Choice Requires="p14">
       <p:transition spd="med" p14:dur="700">
         <p:fade/>
       </p:transition>
     </mc:Choice>
-    <mc:Fallback>
+    <mc:Fallback xmlns="">
       <p:transition spd="med">
         <p:fade/>
       </p:transition>
@@ -6906,12 +8955,16 @@
           <a:p>
             <a:pPr algn="ctr"/>
             <a:r>
-              <a:rPr lang="ro-RO" sz="3200" cap="none" dirty="0">
+              <a:rPr lang="en-US" sz="3200" cap="none" dirty="0" err="1">
                 <a:latin typeface="Times New Roman" panose="02020603050405020304" pitchFamily="18" charset="0"/>
                 <a:cs typeface="Times New Roman" panose="02020603050405020304" pitchFamily="18" charset="0"/>
               </a:rPr>
               <a:t>Concluzii</a:t>
             </a:r>
+            <a:endParaRPr lang="ro-RO" sz="3200" cap="none" dirty="0">
+              <a:latin typeface="Times New Roman" panose="02020603050405020304" pitchFamily="18" charset="0"/>
+              <a:cs typeface="Times New Roman" panose="02020603050405020304" pitchFamily="18" charset="0"/>
+            </a:endParaRPr>
           </a:p>
         </p:txBody>
       </p:sp>
@@ -6933,8 +8986,8 @@
         </p:nvSpPr>
         <p:spPr>
           <a:xfrm>
-            <a:off x="1828800" y="1925320"/>
-            <a:ext cx="8534400" cy="3615267"/>
+            <a:off x="1513840" y="1904999"/>
+            <a:ext cx="9441375" cy="4434255"/>
           </a:xfrm>
         </p:spPr>
         <p:txBody>
@@ -6943,55 +8996,70 @@
           </a:bodyPr>
           <a:lstStyle/>
           <a:p>
-            <a:pPr marL="0" indent="0" algn="just">
+            <a:pPr marL="0" indent="0">
               <a:buNone/>
             </a:pPr>
             <a:r>
-              <a:rPr lang="ro-RO" sz="2800" dirty="0" err="1">
+              <a:rPr lang="ro-RO" sz="2400" dirty="0">
                 <a:solidFill>
                   <a:schemeClr val="tx1"/>
                 </a:solidFill>
                 <a:latin typeface="Times New Roman" panose="02020603050405020304" pitchFamily="18" charset="0"/>
                 <a:cs typeface="Times New Roman" panose="02020603050405020304" pitchFamily="18" charset="0"/>
               </a:rPr>
+              <a:t>  </a:t>
+            </a:r>
+            <a:r>
+              <a:rPr lang="ro-RO" sz="2400" b="1" dirty="0" err="1">
+                <a:solidFill>
+                  <a:schemeClr val="tx1"/>
+                </a:solidFill>
+                <a:latin typeface="Times New Roman" panose="02020603050405020304" pitchFamily="18" charset="0"/>
+                <a:cs typeface="Times New Roman" panose="02020603050405020304" pitchFamily="18" charset="0"/>
+              </a:rPr>
               <a:t>MediArch</a:t>
             </a:r>
             <a:r>
-              <a:rPr lang="ro-RO" sz="2800" dirty="0">
+              <a:rPr lang="ro-RO" sz="2400" dirty="0">
                 <a:solidFill>
                   <a:schemeClr val="tx1"/>
                 </a:solidFill>
                 <a:latin typeface="Times New Roman" panose="02020603050405020304" pitchFamily="18" charset="0"/>
                 <a:cs typeface="Times New Roman" panose="02020603050405020304" pitchFamily="18" charset="0"/>
               </a:rPr>
-              <a:t> este ...</a:t>
-            </a:r>
-          </a:p>
-          <a:p>
-            <a:pPr marL="0" indent="0" algn="just">
+              <a:t> este o aplicație web, conturată pe domeniul medical, care va ține la loc sigur toate datele din istoricul medical al unei persoane.</a:t>
+            </a:r>
+          </a:p>
+          <a:p>
+            <a:pPr marL="0" indent="0">
               <a:buNone/>
             </a:pPr>
             <a:r>
-              <a:rPr lang="ro-RO" sz="2800" dirty="0">
+              <a:rPr lang="ro-RO" sz="2400" dirty="0">
                 <a:solidFill>
                   <a:schemeClr val="tx1"/>
                 </a:solidFill>
                 <a:latin typeface="Times New Roman" panose="02020603050405020304" pitchFamily="18" charset="0"/>
                 <a:cs typeface="Times New Roman" panose="02020603050405020304" pitchFamily="18" charset="0"/>
               </a:rPr>
-              <a:t>Amintirea </a:t>
-            </a:r>
-            <a:r>
-              <a:rPr lang="ro-RO" sz="2800" dirty="0" err="1">
+              <a:t>  Poate fi utilizată de doctori aparținând de diverse clinici.</a:t>
+            </a:r>
+          </a:p>
+          <a:p>
+            <a:pPr marL="0" indent="0">
+              <a:buNone/>
+            </a:pPr>
+            <a:r>
+              <a:rPr lang="ro-RO" sz="2400" dirty="0">
                 <a:solidFill>
                   <a:schemeClr val="tx1"/>
                 </a:solidFill>
                 <a:latin typeface="Times New Roman" panose="02020603050405020304" pitchFamily="18" charset="0"/>
                 <a:cs typeface="Times New Roman" panose="02020603050405020304" pitchFamily="18" charset="0"/>
               </a:rPr>
-              <a:t>contributiilor</a:t>
-            </a:r>
-            <a:endParaRPr lang="ro-RO" sz="2800" dirty="0">
+              <a:t>  A reprezentat o provocare dusă la bun sfârșit.</a:t>
+            </a:r>
+            <a:endParaRPr lang="en-US" sz="2400" dirty="0">
               <a:solidFill>
                 <a:schemeClr val="tx1"/>
               </a:solidFill>
@@ -7000,51 +9068,78 @@
             </a:endParaRPr>
           </a:p>
           <a:p>
-            <a:pPr marL="0" indent="0" algn="just">
+            <a:pPr marL="0" indent="0">
               <a:buNone/>
             </a:pPr>
-            <a:endParaRPr lang="ro-RO" sz="2800" dirty="0">
-              <a:solidFill>
-                <a:schemeClr val="tx1"/>
-              </a:solidFill>
-              <a:latin typeface="Times New Roman" panose="02020603050405020304" pitchFamily="18" charset="0"/>
-              <a:cs typeface="Times New Roman" panose="02020603050405020304" pitchFamily="18" charset="0"/>
-            </a:endParaRPr>
-          </a:p>
-          <a:p>
-            <a:pPr marL="0" indent="0" algn="just">
-              <a:buNone/>
-            </a:pPr>
-            <a:r>
-              <a:rPr lang="ro-RO" sz="2800" dirty="0">
+            <a:r>
+              <a:rPr lang="en-US" sz="2400" dirty="0">
                 <a:solidFill>
                   <a:schemeClr val="tx1"/>
                 </a:solidFill>
                 <a:latin typeface="Times New Roman" panose="02020603050405020304" pitchFamily="18" charset="0"/>
                 <a:cs typeface="Times New Roman" panose="02020603050405020304" pitchFamily="18" charset="0"/>
               </a:rPr>
-              <a:t>Planuri de viitor</a:t>
-            </a:r>
+              <a:t>  </a:t>
+            </a:r>
+            <a:r>
+              <a:rPr lang="ro-RO" sz="2400" dirty="0">
+                <a:solidFill>
+                  <a:schemeClr val="tx1"/>
+                </a:solidFill>
+                <a:latin typeface="Times New Roman" panose="02020603050405020304" pitchFamily="18" charset="0"/>
+                <a:cs typeface="Times New Roman" panose="02020603050405020304" pitchFamily="18" charset="0"/>
+              </a:rPr>
+              <a:t>Consider că această aplicație va ajuta extrem de mulți oameni pe viitor.</a:t>
+            </a:r>
+          </a:p>
+        </p:txBody>
+      </p:sp>
+      <p:sp>
+        <p:nvSpPr>
+          <p:cNvPr id="6" name="Slide Number Placeholder 5">
+            <a:extLst>
+              <a:ext uri="{FF2B5EF4-FFF2-40B4-BE49-F238E27FC236}">
+                <a16:creationId xmlns:a16="http://schemas.microsoft.com/office/drawing/2014/main" id="{86BADD99-1D18-428C-8A7A-66E14AA64E4E}"/>
+              </a:ext>
+            </a:extLst>
+          </p:cNvPr>
+          <p:cNvSpPr>
+            <a:spLocks noGrp="1"/>
+          </p:cNvSpPr>
+          <p:nvPr>
+            <p:ph type="sldNum" sz="quarter" idx="12"/>
+          </p:nvPr>
+        </p:nvSpPr>
+        <p:spPr/>
+        <p:txBody>
+          <a:bodyPr/>
+          <a:lstStyle/>
+          <a:p>
+            <a:r>
+              <a:rPr lang="ro-RO" dirty="0"/>
+              <a:t>7</a:t>
+            </a:r>
+            <a:endParaRPr lang="en-US" dirty="0"/>
           </a:p>
         </p:txBody>
       </p:sp>
     </p:spTree>
     <p:extLst>
       <p:ext uri="{BB962C8B-B14F-4D97-AF65-F5344CB8AC3E}">
-        <p14:creationId xmlns:p14="http://schemas.microsoft.com/office/powerpoint/2010/main" val="2186625668"/>
+        <p14:creationId xmlns:p14="http://schemas.microsoft.com/office/powerpoint/2010/main" val="900295600"/>
       </p:ext>
     </p:extLst>
   </p:cSld>
   <p:clrMapOvr>
     <a:masterClrMapping/>
   </p:clrMapOvr>
-  <mc:AlternateContent xmlns:mc="http://schemas.openxmlformats.org/markup-compatibility/2006">
-    <mc:Choice xmlns:p14="http://schemas.microsoft.com/office/powerpoint/2010/main" Requires="p14">
+  <mc:AlternateContent xmlns:mc="http://schemas.openxmlformats.org/markup-compatibility/2006" xmlns:p14="http://schemas.microsoft.com/office/powerpoint/2010/main">
+    <mc:Choice Requires="p14">
       <p:transition spd="med" p14:dur="700">
         <p:fade/>
       </p:transition>
     </mc:Choice>
-    <mc:Fallback>
+    <mc:Fallback xmlns="">
       <p:transition spd="med">
         <p:fade/>
       </p:transition>
@@ -7109,6 +9204,35 @@
           </a:p>
         </p:txBody>
       </p:sp>
+      <p:sp>
+        <p:nvSpPr>
+          <p:cNvPr id="5" name="Slide Number Placeholder 4">
+            <a:extLst>
+              <a:ext uri="{FF2B5EF4-FFF2-40B4-BE49-F238E27FC236}">
+                <a16:creationId xmlns:a16="http://schemas.microsoft.com/office/drawing/2014/main" id="{13BEB15C-E802-40B3-BEC8-BE3B0517DC44}"/>
+              </a:ext>
+            </a:extLst>
+          </p:cNvPr>
+          <p:cNvSpPr>
+            <a:spLocks noGrp="1"/>
+          </p:cNvSpPr>
+          <p:nvPr>
+            <p:ph type="sldNum" sz="quarter" idx="12"/>
+          </p:nvPr>
+        </p:nvSpPr>
+        <p:spPr/>
+        <p:txBody>
+          <a:bodyPr/>
+          <a:lstStyle/>
+          <a:p>
+            <a:r>
+              <a:rPr lang="ro-RO" dirty="0"/>
+              <a:t>8</a:t>
+            </a:r>
+            <a:endParaRPr lang="en-US" dirty="0"/>
+          </a:p>
+        </p:txBody>
+      </p:sp>
     </p:spTree>
     <p:extLst>
       <p:ext uri="{BB962C8B-B14F-4D97-AF65-F5344CB8AC3E}">
@@ -7119,13 +9243,13 @@
   <p:clrMapOvr>
     <a:masterClrMapping/>
   </p:clrMapOvr>
-  <mc:AlternateContent xmlns:mc="http://schemas.openxmlformats.org/markup-compatibility/2006">
-    <mc:Choice xmlns:p14="http://schemas.microsoft.com/office/powerpoint/2010/main" Requires="p14">
+  <mc:AlternateContent xmlns:mc="http://schemas.openxmlformats.org/markup-compatibility/2006" xmlns:p14="http://schemas.microsoft.com/office/powerpoint/2010/main">
+    <mc:Choice Requires="p14">
       <p:transition spd="med" p14:dur="700">
         <p:fade/>
       </p:transition>
     </mc:Choice>
-    <mc:Fallback>
+    <mc:Fallback xmlns="">
       <p:transition spd="med">
         <p:fade/>
       </p:transition>
@@ -7406,4 +9530,299 @@
     </a:ext>
   </a:extLst>
 </a:theme>
+</file>
+
+<file path=ppt/theme/theme2.xml><?xml version="1.0" encoding="utf-8"?>
+<a:theme xmlns:a="http://schemas.openxmlformats.org/drawingml/2006/main" name="Office Theme">
+  <a:themeElements>
+    <a:clrScheme name="Office">
+      <a:dk1>
+        <a:sysClr val="windowText" lastClr="000000"/>
+      </a:dk1>
+      <a:lt1>
+        <a:sysClr val="window" lastClr="FFFFFF"/>
+      </a:lt1>
+      <a:dk2>
+        <a:srgbClr val="44546A"/>
+      </a:dk2>
+      <a:lt2>
+        <a:srgbClr val="E7E6E6"/>
+      </a:lt2>
+      <a:accent1>
+        <a:srgbClr val="4472C4"/>
+      </a:accent1>
+      <a:accent2>
+        <a:srgbClr val="ED7D31"/>
+      </a:accent2>
+      <a:accent3>
+        <a:srgbClr val="A5A5A5"/>
+      </a:accent3>
+      <a:accent4>
+        <a:srgbClr val="FFC000"/>
+      </a:accent4>
+      <a:accent5>
+        <a:srgbClr val="5B9BD5"/>
+      </a:accent5>
+      <a:accent6>
+        <a:srgbClr val="70AD47"/>
+      </a:accent6>
+      <a:hlink>
+        <a:srgbClr val="0563C1"/>
+      </a:hlink>
+      <a:folHlink>
+        <a:srgbClr val="954F72"/>
+      </a:folHlink>
+    </a:clrScheme>
+    <a:fontScheme name="Office">
+      <a:majorFont>
+        <a:latin typeface="Calibri Light" panose="020F0302020204030204"/>
+        <a:ea typeface=""/>
+        <a:cs typeface=""/>
+        <a:font script="Jpan" typeface="游ゴシック Light"/>
+        <a:font script="Hang" typeface="맑은 고딕"/>
+        <a:font script="Hans" typeface="等线 Light"/>
+        <a:font script="Hant" typeface="新細明體"/>
+        <a:font script="Arab" typeface="Times New Roman"/>
+        <a:font script="Hebr" typeface="Times New Roman"/>
+        <a:font script="Thai" typeface="Angsana New"/>
+        <a:font script="Ethi" typeface="Nyala"/>
+        <a:font script="Beng" typeface="Vrinda"/>
+        <a:font script="Gujr" typeface="Shruti"/>
+        <a:font script="Khmr" typeface="MoolBoran"/>
+        <a:font script="Knda" typeface="Tunga"/>
+        <a:font script="Guru" typeface="Raavi"/>
+        <a:font script="Cans" typeface="Euphemia"/>
+        <a:font script="Cher" typeface="Plantagenet Cherokee"/>
+        <a:font script="Yiii" typeface="Microsoft Yi Baiti"/>
+        <a:font script="Tibt" typeface="Microsoft Himalaya"/>
+        <a:font script="Thaa" typeface="MV Boli"/>
+        <a:font script="Deva" typeface="Mangal"/>
+        <a:font script="Telu" typeface="Gautami"/>
+        <a:font script="Taml" typeface="Latha"/>
+        <a:font script="Syrc" typeface="Estrangelo Edessa"/>
+        <a:font script="Orya" typeface="Kalinga"/>
+        <a:font script="Mlym" typeface="Kartika"/>
+        <a:font script="Laoo" typeface="DokChampa"/>
+        <a:font script="Sinh" typeface="Iskoola Pota"/>
+        <a:font script="Mong" typeface="Mongolian Baiti"/>
+        <a:font script="Viet" typeface="Times New Roman"/>
+        <a:font script="Uigh" typeface="Microsoft Uighur"/>
+        <a:font script="Geor" typeface="Sylfaen"/>
+        <a:font script="Armn" typeface="Arial"/>
+        <a:font script="Bugi" typeface="Leelawadee UI"/>
+        <a:font script="Bopo" typeface="Microsoft JhengHei"/>
+        <a:font script="Java" typeface="Javanese Text"/>
+        <a:font script="Lisu" typeface="Segoe UI"/>
+        <a:font script="Mymr" typeface="Myanmar Text"/>
+        <a:font script="Nkoo" typeface="Ebrima"/>
+        <a:font script="Olck" typeface="Nirmala UI"/>
+        <a:font script="Osma" typeface="Ebrima"/>
+        <a:font script="Phag" typeface="Phagspa"/>
+        <a:font script="Syrn" typeface="Estrangelo Edessa"/>
+        <a:font script="Syrj" typeface="Estrangelo Edessa"/>
+        <a:font script="Syre" typeface="Estrangelo Edessa"/>
+        <a:font script="Sora" typeface="Nirmala UI"/>
+        <a:font script="Tale" typeface="Microsoft Tai Le"/>
+        <a:font script="Talu" typeface="Microsoft New Tai Lue"/>
+        <a:font script="Tfng" typeface="Ebrima"/>
+      </a:majorFont>
+      <a:minorFont>
+        <a:latin typeface="Calibri" panose="020F0502020204030204"/>
+        <a:ea typeface=""/>
+        <a:cs typeface=""/>
+        <a:font script="Jpan" typeface="游ゴシック"/>
+        <a:font script="Hang" typeface="맑은 고딕"/>
+        <a:font script="Hans" typeface="等线"/>
+        <a:font script="Hant" typeface="新細明體"/>
+        <a:font script="Arab" typeface="Arial"/>
+        <a:font script="Hebr" typeface="Arial"/>
+        <a:font script="Thai" typeface="Cordia New"/>
+        <a:font script="Ethi" typeface="Nyala"/>
+        <a:font script="Beng" typeface="Vrinda"/>
+        <a:font script="Gujr" typeface="Shruti"/>
+        <a:font script="Khmr" typeface="DaunPenh"/>
+        <a:font script="Knda" typeface="Tunga"/>
+        <a:font script="Guru" typeface="Raavi"/>
+        <a:font script="Cans" typeface="Euphemia"/>
+        <a:font script="Cher" typeface="Plantagenet Cherokee"/>
+        <a:font script="Yiii" typeface="Microsoft Yi Baiti"/>
+        <a:font script="Tibt" typeface="Microsoft Himalaya"/>
+        <a:font script="Thaa" typeface="MV Boli"/>
+        <a:font script="Deva" typeface="Mangal"/>
+        <a:font script="Telu" typeface="Gautami"/>
+        <a:font script="Taml" typeface="Latha"/>
+        <a:font script="Syrc" typeface="Estrangelo Edessa"/>
+        <a:font script="Orya" typeface="Kalinga"/>
+        <a:font script="Mlym" typeface="Kartika"/>
+        <a:font script="Laoo" typeface="DokChampa"/>
+        <a:font script="Sinh" typeface="Iskoola Pota"/>
+        <a:font script="Mong" typeface="Mongolian Baiti"/>
+        <a:font script="Viet" typeface="Arial"/>
+        <a:font script="Uigh" typeface="Microsoft Uighur"/>
+        <a:font script="Geor" typeface="Sylfaen"/>
+        <a:font script="Armn" typeface="Arial"/>
+        <a:font script="Bugi" typeface="Leelawadee UI"/>
+        <a:font script="Bopo" typeface="Microsoft JhengHei"/>
+        <a:font script="Java" typeface="Javanese Text"/>
+        <a:font script="Lisu" typeface="Segoe UI"/>
+        <a:font script="Mymr" typeface="Myanmar Text"/>
+        <a:font script="Nkoo" typeface="Ebrima"/>
+        <a:font script="Olck" typeface="Nirmala UI"/>
+        <a:font script="Osma" typeface="Ebrima"/>
+        <a:font script="Phag" typeface="Phagspa"/>
+        <a:font script="Syrn" typeface="Estrangelo Edessa"/>
+        <a:font script="Syrj" typeface="Estrangelo Edessa"/>
+        <a:font script="Syre" typeface="Estrangelo Edessa"/>
+        <a:font script="Sora" typeface="Nirmala UI"/>
+        <a:font script="Tale" typeface="Microsoft Tai Le"/>
+        <a:font script="Talu" typeface="Microsoft New Tai Lue"/>
+        <a:font script="Tfng" typeface="Ebrima"/>
+      </a:minorFont>
+    </a:fontScheme>
+    <a:fmtScheme name="Office">
+      <a:fillStyleLst>
+        <a:solidFill>
+          <a:schemeClr val="phClr"/>
+        </a:solidFill>
+        <a:gradFill rotWithShape="1">
+          <a:gsLst>
+            <a:gs pos="0">
+              <a:schemeClr val="phClr">
+                <a:lumMod val="110000"/>
+                <a:satMod val="105000"/>
+                <a:tint val="67000"/>
+              </a:schemeClr>
+            </a:gs>
+            <a:gs pos="50000">
+              <a:schemeClr val="phClr">
+                <a:lumMod val="105000"/>
+                <a:satMod val="103000"/>
+                <a:tint val="73000"/>
+              </a:schemeClr>
+            </a:gs>
+            <a:gs pos="100000">
+              <a:schemeClr val="phClr">
+                <a:lumMod val="105000"/>
+                <a:satMod val="109000"/>
+                <a:tint val="81000"/>
+              </a:schemeClr>
+            </a:gs>
+          </a:gsLst>
+          <a:lin ang="5400000" scaled="0"/>
+        </a:gradFill>
+        <a:gradFill rotWithShape="1">
+          <a:gsLst>
+            <a:gs pos="0">
+              <a:schemeClr val="phClr">
+                <a:satMod val="103000"/>
+                <a:lumMod val="102000"/>
+                <a:tint val="94000"/>
+              </a:schemeClr>
+            </a:gs>
+            <a:gs pos="50000">
+              <a:schemeClr val="phClr">
+                <a:satMod val="110000"/>
+                <a:lumMod val="100000"/>
+                <a:shade val="100000"/>
+              </a:schemeClr>
+            </a:gs>
+            <a:gs pos="100000">
+              <a:schemeClr val="phClr">
+                <a:lumMod val="99000"/>
+                <a:satMod val="120000"/>
+                <a:shade val="78000"/>
+              </a:schemeClr>
+            </a:gs>
+          </a:gsLst>
+          <a:lin ang="5400000" scaled="0"/>
+        </a:gradFill>
+      </a:fillStyleLst>
+      <a:lnStyleLst>
+        <a:ln w="6350" cap="flat" cmpd="sng" algn="ctr">
+          <a:solidFill>
+            <a:schemeClr val="phClr"/>
+          </a:solidFill>
+          <a:prstDash val="solid"/>
+          <a:miter lim="800000"/>
+        </a:ln>
+        <a:ln w="12700" cap="flat" cmpd="sng" algn="ctr">
+          <a:solidFill>
+            <a:schemeClr val="phClr"/>
+          </a:solidFill>
+          <a:prstDash val="solid"/>
+          <a:miter lim="800000"/>
+        </a:ln>
+        <a:ln w="19050" cap="flat" cmpd="sng" algn="ctr">
+          <a:solidFill>
+            <a:schemeClr val="phClr"/>
+          </a:solidFill>
+          <a:prstDash val="solid"/>
+          <a:miter lim="800000"/>
+        </a:ln>
+      </a:lnStyleLst>
+      <a:effectStyleLst>
+        <a:effectStyle>
+          <a:effectLst/>
+        </a:effectStyle>
+        <a:effectStyle>
+          <a:effectLst/>
+        </a:effectStyle>
+        <a:effectStyle>
+          <a:effectLst>
+            <a:outerShdw blurRad="57150" dist="19050" dir="5400000" algn="ctr" rotWithShape="0">
+              <a:srgbClr val="000000">
+                <a:alpha val="63000"/>
+              </a:srgbClr>
+            </a:outerShdw>
+          </a:effectLst>
+        </a:effectStyle>
+      </a:effectStyleLst>
+      <a:bgFillStyleLst>
+        <a:solidFill>
+          <a:schemeClr val="phClr"/>
+        </a:solidFill>
+        <a:solidFill>
+          <a:schemeClr val="phClr">
+            <a:tint val="95000"/>
+            <a:satMod val="170000"/>
+          </a:schemeClr>
+        </a:solidFill>
+        <a:gradFill rotWithShape="1">
+          <a:gsLst>
+            <a:gs pos="0">
+              <a:schemeClr val="phClr">
+                <a:tint val="93000"/>
+                <a:satMod val="150000"/>
+                <a:shade val="98000"/>
+                <a:lumMod val="102000"/>
+              </a:schemeClr>
+            </a:gs>
+            <a:gs pos="50000">
+              <a:schemeClr val="phClr">
+                <a:tint val="98000"/>
+                <a:satMod val="130000"/>
+                <a:shade val="90000"/>
+                <a:lumMod val="103000"/>
+              </a:schemeClr>
+            </a:gs>
+            <a:gs pos="100000">
+              <a:schemeClr val="phClr">
+                <a:shade val="63000"/>
+                <a:satMod val="120000"/>
+              </a:schemeClr>
+            </a:gs>
+          </a:gsLst>
+          <a:lin ang="5400000" scaled="0"/>
+        </a:gradFill>
+      </a:bgFillStyleLst>
+    </a:fmtScheme>
+  </a:themeElements>
+  <a:objectDefaults/>
+  <a:extraClrSchemeLst/>
+  <a:extLst>
+    <a:ext uri="{05A4C25C-085E-4340-85A3-A5531E510DB2}">
+      <thm15:themeFamily xmlns:thm15="http://schemas.microsoft.com/office/thememl/2012/main" name="Office Theme" id="{62F939B6-93AF-4DB8-9C6B-D6C7DFDC589F}" vid="{4A3C46E8-61CC-4603-A589-7422A47A8E4A}"/>
+    </a:ext>
+  </a:extLst>
+</a:theme>
 </file>
--- a/Licenta2018MoroșanuGeorgeCosmin/MediArch.pptx
+++ b/Licenta2018MoroșanuGeorgeCosmin/MediArch.pptx
@@ -205,7 +205,7 @@
           <a:p>
             <a:fld id="{75ACD4F3-15DE-4D4F-AEC6-1F5D6AEE56EA}" type="datetimeFigureOut">
               <a:rPr lang="ro-RO" smtClean="0"/>
-              <a:t>28.06.2018</a:t>
+              <a:t>29.06.2018</a:t>
             </a:fld>
             <a:endParaRPr lang="ro-RO"/>
           </a:p>
@@ -1214,6 +1214,97 @@
               <a:rPr lang="ro-RO" dirty="0"/>
               <a:t>Navigarea prin aplicație din postura tuturor tipurilor de utilizatori, și parcurgerea tuturor funcționalităților.</a:t>
             </a:r>
+            <a:endParaRPr lang="en-US" dirty="0"/>
+          </a:p>
+          <a:p>
+            <a:endParaRPr lang="en-US" dirty="0"/>
+          </a:p>
+          <a:p>
+            <a:r>
+              <a:rPr lang="en-US" dirty="0" err="1"/>
+              <a:t>Poze</a:t>
+            </a:r>
+            <a:r>
+              <a:rPr lang="en-US" dirty="0"/>
+              <a:t> </a:t>
+            </a:r>
+            <a:r>
+              <a:rPr lang="en-US" dirty="0" err="1"/>
+              <a:t>utilizatori</a:t>
+            </a:r>
+            <a:r>
+              <a:rPr lang="en-US" dirty="0"/>
+              <a:t> - https://</a:t>
+            </a:r>
+            <a:r>
+              <a:rPr lang="en-US" dirty="0" err="1"/>
+              <a:t>www.pexels.com</a:t>
+            </a:r>
+            <a:r>
+              <a:rPr lang="en-US" dirty="0"/>
+              <a:t>/search/face/</a:t>
+            </a:r>
+          </a:p>
+          <a:p>
+            <a:r>
+              <a:rPr lang="en-US" dirty="0" err="1"/>
+              <a:t>Detalii</a:t>
+            </a:r>
+            <a:r>
+              <a:rPr lang="en-US" dirty="0"/>
+              <a:t> </a:t>
+            </a:r>
+            <a:r>
+              <a:rPr lang="en-US" dirty="0" err="1"/>
+              <a:t>medicamente</a:t>
+            </a:r>
+            <a:r>
+              <a:rPr lang="en-US" dirty="0"/>
+              <a:t> - http://</a:t>
+            </a:r>
+            <a:r>
+              <a:rPr lang="en-US" dirty="0" err="1"/>
+              <a:t>www.sfatulmedicului.ro</a:t>
+            </a:r>
+            <a:r>
+              <a:rPr lang="en-US" dirty="0"/>
+              <a:t>/</a:t>
+            </a:r>
+            <a:r>
+              <a:rPr lang="en-US" dirty="0" err="1"/>
+              <a:t>medicamente</a:t>
+            </a:r>
+            <a:endParaRPr lang="ro-RO" dirty="0"/>
+          </a:p>
+          <a:p>
+            <a:endParaRPr lang="ro-RO" dirty="0"/>
+          </a:p>
+          <a:p>
+            <a:r>
+              <a:rPr lang="ro-RO" dirty="0"/>
+              <a:t>Backup - </a:t>
+            </a:r>
+            <a:r>
+              <a:rPr lang="ro-RO" dirty="0" err="1"/>
+              <a:t>https</a:t>
+            </a:r>
+            <a:r>
+              <a:rPr lang="ro-RO" dirty="0"/>
+              <a:t>://</a:t>
+            </a:r>
+            <a:r>
+              <a:rPr lang="ro-RO" dirty="0" err="1"/>
+              <a:t>youtu.be</a:t>
+            </a:r>
+            <a:r>
+              <a:rPr lang="ro-RO" dirty="0"/>
+              <a:t>/</a:t>
+            </a:r>
+            <a:r>
+              <a:rPr lang="ro-RO" dirty="0" err="1"/>
+              <a:t>3wNYpVMhC1I</a:t>
+            </a:r>
+            <a:endParaRPr lang="ro-RO" dirty="0"/>
           </a:p>
         </p:txBody>
       </p:sp>
@@ -1693,7 +1784,7 @@
           <a:p>
             <a:fld id="{C958B2B8-5FD4-4030-B628-1B443C369329}" type="datetime1">
               <a:rPr lang="en-US" smtClean="0"/>
-              <a:t>6/28/2018</a:t>
+              <a:t>6/29/2018</a:t>
             </a:fld>
             <a:endParaRPr lang="en-US" dirty="0"/>
           </a:p>
@@ -2125,7 +2216,7 @@
           <a:p>
             <a:fld id="{1D802565-6F02-4A1A-83AC-1EA7FE8603A1}" type="datetime1">
               <a:rPr lang="en-US" smtClean="0"/>
-              <a:t>6/28/2018</a:t>
+              <a:t>6/29/2018</a:t>
             </a:fld>
             <a:endParaRPr lang="en-US" dirty="0"/>
           </a:p>
@@ -2371,7 +2462,7 @@
           <a:p>
             <a:fld id="{0A6C096E-90A1-4C77-BB68-5F1F79236B47}" type="datetime1">
               <a:rPr lang="en-US" smtClean="0"/>
-              <a:t>6/28/2018</a:t>
+              <a:t>6/29/2018</a:t>
             </a:fld>
             <a:endParaRPr lang="en-US" dirty="0"/>
           </a:p>
@@ -2675,7 +2766,7 @@
           <a:p>
             <a:fld id="{2AF27C5E-9936-47B0-A7AB-8B5F9D97BF7F}" type="datetime1">
               <a:rPr lang="en-US" smtClean="0"/>
-              <a:t>6/28/2018</a:t>
+              <a:t>6/29/2018</a:t>
             </a:fld>
             <a:endParaRPr lang="en-US" dirty="0"/>
           </a:p>
@@ -2989,7 +3080,7 @@
           <a:p>
             <a:fld id="{45B85652-381A-43F0-83E5-5E7143C0D722}" type="datetime1">
               <a:rPr lang="en-US" smtClean="0"/>
-              <a:t>6/28/2018</a:t>
+              <a:t>6/29/2018</a:t>
             </a:fld>
             <a:endParaRPr lang="en-US" dirty="0"/>
           </a:p>
@@ -3287,7 +3378,7 @@
           <a:p>
             <a:fld id="{58252319-1FA4-4855-BFE5-707997E6B1B2}" type="datetime1">
               <a:rPr lang="en-US" smtClean="0"/>
-              <a:t>6/28/2018</a:t>
+              <a:t>6/29/2018</a:t>
             </a:fld>
             <a:endParaRPr lang="en-US" dirty="0"/>
           </a:p>
@@ -3650,7 +3741,7 @@
           <a:p>
             <a:fld id="{896CFD1C-58B6-4B7E-80C5-C431EDCE5E80}" type="datetime1">
               <a:rPr lang="en-US" smtClean="0"/>
-              <a:t>6/28/2018</a:t>
+              <a:t>6/29/2018</a:t>
             </a:fld>
             <a:endParaRPr lang="en-US" dirty="0"/>
           </a:p>
@@ -3820,7 +3911,7 @@
           <a:p>
             <a:fld id="{175F9B8A-C049-496A-B282-30964A6CE656}" type="datetime1">
               <a:rPr lang="en-US" smtClean="0"/>
-              <a:t>6/28/2018</a:t>
+              <a:t>6/29/2018</a:t>
             </a:fld>
             <a:endParaRPr lang="en-US" dirty="0"/>
           </a:p>
@@ -3996,7 +4087,7 @@
           <a:p>
             <a:fld id="{4F78F913-0A29-416B-9809-244D70044AE6}" type="datetime1">
               <a:rPr lang="en-US" smtClean="0"/>
-              <a:t>6/28/2018</a:t>
+              <a:t>6/29/2018</a:t>
             </a:fld>
             <a:endParaRPr lang="en-US" dirty="0"/>
           </a:p>
@@ -4162,7 +4253,7 @@
           <a:p>
             <a:fld id="{51F6254D-21E2-429F-B828-59B6F855C1D6}" type="datetime1">
               <a:rPr lang="en-US" smtClean="0"/>
-              <a:t>6/28/2018</a:t>
+              <a:t>6/29/2018</a:t>
             </a:fld>
             <a:endParaRPr lang="en-US" dirty="0"/>
           </a:p>
@@ -4408,7 +4499,7 @@
           <a:p>
             <a:fld id="{E06C85DE-F8B0-4C19-8645-E1AAF8C11D03}" type="datetime1">
               <a:rPr lang="en-US" smtClean="0"/>
-              <a:t>6/28/2018</a:t>
+              <a:t>6/29/2018</a:t>
             </a:fld>
             <a:endParaRPr lang="en-US" dirty="0"/>
           </a:p>
@@ -4640,7 +4731,7 @@
           <a:p>
             <a:fld id="{14665515-A5A2-45E2-9A85-819308C1EC03}" type="datetime1">
               <a:rPr lang="en-US" smtClean="0"/>
-              <a:t>6/28/2018</a:t>
+              <a:t>6/29/2018</a:t>
             </a:fld>
             <a:endParaRPr lang="en-US" dirty="0"/>
           </a:p>
@@ -5018,7 +5109,7 @@
           <a:p>
             <a:fld id="{0E9F3CE2-3339-45DD-AE9F-90F9BDB0384B}" type="datetime1">
               <a:rPr lang="en-US" smtClean="0"/>
-              <a:t>6/28/2018</a:t>
+              <a:t>6/29/2018</a:t>
             </a:fld>
             <a:endParaRPr lang="en-US" dirty="0"/>
           </a:p>
@@ -5132,7 +5223,7 @@
           <a:p>
             <a:fld id="{B722747C-D21A-4C05-AE56-93898B266987}" type="datetime1">
               <a:rPr lang="en-US" smtClean="0"/>
-              <a:t>6/28/2018</a:t>
+              <a:t>6/29/2018</a:t>
             </a:fld>
             <a:endParaRPr lang="en-US" dirty="0"/>
           </a:p>
@@ -5223,7 +5314,7 @@
           <a:p>
             <a:fld id="{1357CAB8-2962-4BCB-9060-900D11BE3456}" type="datetime1">
               <a:rPr lang="en-US" smtClean="0"/>
-              <a:t>6/28/2018</a:t>
+              <a:t>6/29/2018</a:t>
             </a:fld>
             <a:endParaRPr lang="en-US" dirty="0"/>
           </a:p>
@@ -5474,7 +5565,7 @@
           <a:p>
             <a:fld id="{5D8138E5-C557-4625-96B1-9DEC121BA909}" type="datetime1">
               <a:rPr lang="en-US" smtClean="0"/>
-              <a:t>6/28/2018</a:t>
+              <a:t>6/29/2018</a:t>
             </a:fld>
             <a:endParaRPr lang="en-US" dirty="0"/>
           </a:p>
@@ -5753,7 +5844,7 @@
           <a:p>
             <a:fld id="{674720CD-71A8-4CD4-8D68-650339AF4228}" type="datetime1">
               <a:rPr lang="en-US" smtClean="0"/>
-              <a:t>6/28/2018</a:t>
+              <a:t>6/29/2018</a:t>
             </a:fld>
             <a:endParaRPr lang="en-US" dirty="0"/>
           </a:p>
@@ -6155,7 +6246,7 @@
           <a:p>
             <a:fld id="{355DA942-3E01-4482-923D-88CEBE6B88B5}" type="datetime1">
               <a:rPr lang="en-US" smtClean="0"/>
-              <a:t>6/28/2018</a:t>
+              <a:t>6/29/2018</a:t>
             </a:fld>
             <a:endParaRPr lang="en-US" dirty="0"/>
           </a:p>

--- a/Licenta2018MoroșanuGeorgeCosmin/MediArch.pptx
+++ b/Licenta2018MoroșanuGeorgeCosmin/MediArch.pptx
@@ -8,14 +8,14 @@
     <p:notesMasterId r:id="rId11"/>
   </p:notesMasterIdLst>
   <p:sldIdLst>
-    <p:sldId id="273" r:id="rId2"/>
-    <p:sldId id="258" r:id="rId3"/>
-    <p:sldId id="270" r:id="rId4"/>
-    <p:sldId id="264" r:id="rId5"/>
-    <p:sldId id="271" r:id="rId6"/>
-    <p:sldId id="267" r:id="rId7"/>
-    <p:sldId id="263" r:id="rId8"/>
-    <p:sldId id="272" r:id="rId9"/>
+    <p:sldId id="258" r:id="rId2"/>
+    <p:sldId id="270" r:id="rId3"/>
+    <p:sldId id="264" r:id="rId4"/>
+    <p:sldId id="271" r:id="rId5"/>
+    <p:sldId id="267" r:id="rId6"/>
+    <p:sldId id="263" r:id="rId7"/>
+    <p:sldId id="272" r:id="rId8"/>
+    <p:sldId id="274" r:id="rId9"/>
     <p:sldId id="269" r:id="rId10"/>
   </p:sldIdLst>
   <p:sldSz cx="12192000" cy="6858000"/>
@@ -205,7 +205,7 @@
           <a:p>
             <a:fld id="{75ACD4F3-15DE-4D4F-AEC6-1F5D6AEE56EA}" type="datetimeFigureOut">
               <a:rPr lang="ro-RO" smtClean="0"/>
-              <a:t>29.06.2018</a:t>
+              <a:t>02.07.2018</a:t>
             </a:fld>
             <a:endParaRPr lang="ro-RO"/>
           </a:p>
@@ -519,8 +519,17 @@
           <a:p>
             <a:r>
               <a:rPr lang="ro-RO" dirty="0"/>
-              <a:t> </a:t>
-            </a:r>
+              <a:t> Bună, eu sunt George, și aceasta este tema licenței mele</a:t>
+            </a:r>
+            <a:r>
+              <a:rPr lang="en-US" dirty="0"/>
+              <a:t>: </a:t>
+            </a:r>
+            <a:r>
+              <a:rPr lang="en-US" dirty="0" err="1"/>
+              <a:t>MediArch</a:t>
+            </a:r>
+            <a:endParaRPr lang="ro-RO" dirty="0"/>
           </a:p>
         </p:txBody>
       </p:sp>
@@ -550,7 +559,7 @@
     </p:spTree>
     <p:extLst>
       <p:ext uri="{BB962C8B-B14F-4D97-AF65-F5344CB8AC3E}">
-        <p14:creationId xmlns:p14="http://schemas.microsoft.com/office/powerpoint/2010/main" val="1012195325"/>
+        <p14:creationId xmlns:p14="http://schemas.microsoft.com/office/powerpoint/2010/main" val="2559616468"/>
       </p:ext>
     </p:extLst>
   </p:cSld>
@@ -606,8 +615,13 @@
           <a:p>
             <a:r>
               <a:rPr lang="ro-RO" dirty="0"/>
-              <a:t> </a:t>
-            </a:r>
+              <a:t>Aspecte pe care le voi aborda pe parcursul acestei prezentări sunt</a:t>
+            </a:r>
+            <a:r>
+              <a:rPr lang="en-US" dirty="0"/>
+              <a:t>:</a:t>
+            </a:r>
+            <a:endParaRPr lang="ro-RO" dirty="0"/>
           </a:p>
         </p:txBody>
       </p:sp>
@@ -637,7 +651,7 @@
     </p:spTree>
     <p:extLst>
       <p:ext uri="{BB962C8B-B14F-4D97-AF65-F5344CB8AC3E}">
-        <p14:creationId xmlns:p14="http://schemas.microsoft.com/office/powerpoint/2010/main" val="2559616468"/>
+        <p14:creationId xmlns:p14="http://schemas.microsoft.com/office/powerpoint/2010/main" val="707687072"/>
       </p:ext>
     </p:extLst>
   </p:cSld>
@@ -693,13 +707,8 @@
           <a:p>
             <a:r>
               <a:rPr lang="ro-RO" dirty="0"/>
-              <a:t>Aspecte pe care le voi aborda pe parcursul prezentării</a:t>
-            </a:r>
-            <a:r>
-              <a:rPr lang="en-US" dirty="0"/>
-              <a:t>:</a:t>
-            </a:r>
-            <a:endParaRPr lang="ro-RO" dirty="0"/>
+              <a:t> </a:t>
+            </a:r>
           </a:p>
         </p:txBody>
       </p:sp>
@@ -729,7 +738,7 @@
     </p:spTree>
     <p:extLst>
       <p:ext uri="{BB962C8B-B14F-4D97-AF65-F5344CB8AC3E}">
-        <p14:creationId xmlns:p14="http://schemas.microsoft.com/office/powerpoint/2010/main" val="707687072"/>
+        <p14:creationId xmlns:p14="http://schemas.microsoft.com/office/powerpoint/2010/main" val="3401260461"/>
       </p:ext>
     </p:extLst>
   </p:cSld>
@@ -783,9 +792,81 @@
           <a:bodyPr/>
           <a:lstStyle/>
           <a:p>
+            <a:pPr marL="0" marR="0" lvl="0" indent="0" algn="l" defTabSz="914400" rtl="0" eaLnBrk="1" fontAlgn="auto" latinLnBrk="0" hangingPunct="1">
+              <a:lnSpc>
+                <a:spcPct val="100000"/>
+              </a:lnSpc>
+              <a:spcBef>
+                <a:spcPts val="0"/>
+              </a:spcBef>
+              <a:spcAft>
+                <a:spcPts val="0"/>
+              </a:spcAft>
+              <a:buClrTx/>
+              <a:buSzTx/>
+              <a:buFontTx/>
+              <a:buNone/>
+              <a:tabLst/>
+              <a:defRPr/>
+            </a:pPr>
+            <a:r>
+              <a:rPr lang="ro-RO" dirty="0"/>
+              <a:t>Ca și tehnologie principală am folosit ASP</a:t>
+            </a:r>
+            <a:r>
+              <a:rPr lang="en-US" dirty="0"/>
+              <a:t>.NET</a:t>
+            </a:r>
+            <a:r>
+              <a:rPr lang="ro-RO" dirty="0"/>
+              <a:t>, lucru datorat în mare parte proiectului dezvoltat la cursului de </a:t>
+            </a:r>
+            <a:r>
+              <a:rPr lang="en-US" dirty="0"/>
+              <a:t>“</a:t>
+            </a:r>
+            <a:r>
+              <a:rPr lang="ro-RO" dirty="0"/>
+              <a:t>Introducere în .NET</a:t>
+            </a:r>
+            <a:r>
+              <a:rPr lang="en-US" dirty="0"/>
+              <a:t>”</a:t>
+            </a:r>
             <a:r>
               <a:rPr lang="ro-RO" dirty="0"/>
               <a:t> </a:t>
+            </a:r>
+          </a:p>
+          <a:p>
+            <a:pPr marL="0" marR="0" lvl="0" indent="0" algn="l" defTabSz="914400" rtl="0" eaLnBrk="1" fontAlgn="auto" latinLnBrk="0" hangingPunct="1">
+              <a:lnSpc>
+                <a:spcPct val="100000"/>
+              </a:lnSpc>
+              <a:spcBef>
+                <a:spcPts val="0"/>
+              </a:spcBef>
+              <a:spcAft>
+                <a:spcPts val="0"/>
+              </a:spcAft>
+              <a:buClrTx/>
+              <a:buSzTx/>
+              <a:buFontTx/>
+              <a:buNone/>
+              <a:tabLst/>
+              <a:defRPr/>
+            </a:pPr>
+            <a:r>
+              <a:rPr lang="ro-RO" dirty="0"/>
+              <a:t>din anul 3, semestrul 1, unde au intervenit foarte multe lucruri interesante care mi-au deschis apetitul pentru </a:t>
+            </a:r>
+            <a:r>
+              <a:rPr lang="ro-RO" dirty="0" err="1"/>
+              <a:t>ASP.NET</a:t>
+            </a:r>
+            <a:r>
+              <a:rPr lang="ro-RO" dirty="0"/>
+              <a:t>.</a:t>
             </a:r>
           </a:p>
         </p:txBody>
@@ -816,7 +897,7 @@
     </p:spTree>
     <p:extLst>
       <p:ext uri="{BB962C8B-B14F-4D97-AF65-F5344CB8AC3E}">
-        <p14:creationId xmlns:p14="http://schemas.microsoft.com/office/powerpoint/2010/main" val="3401260461"/>
+        <p14:creationId xmlns:p14="http://schemas.microsoft.com/office/powerpoint/2010/main" val="2583997264"/>
       </p:ext>
     </p:extLst>
   </p:cSld>
@@ -871,59 +952,255 @@
           <a:lstStyle/>
           <a:p>
             <a:r>
-              <a:rPr lang="ro-RO" dirty="0"/>
-              <a:t>Am ales </a:t>
-            </a:r>
-            <a:r>
-              <a:rPr lang="ro-RO" dirty="0" err="1"/>
-              <a:t>ASP.NET</a:t>
-            </a:r>
-            <a:r>
-              <a:rPr lang="ro-RO" dirty="0"/>
-              <a:t> ca și tehnologie principală datorită proiectului la </a:t>
-            </a:r>
-            <a:r>
-              <a:rPr lang="en-US" dirty="0"/>
-              <a:t>“</a:t>
-            </a:r>
-            <a:r>
-              <a:rPr lang="ro-RO" dirty="0"/>
-              <a:t>Introducere în .NET</a:t>
-            </a:r>
-            <a:r>
-              <a:rPr lang="en-US" dirty="0"/>
-              <a:t>”</a:t>
-            </a:r>
-            <a:r>
-              <a:rPr lang="ro-RO" dirty="0"/>
-              <a:t> din semestrul 1, anul 3, </a:t>
-            </a:r>
-          </a:p>
-          <a:p>
-            <a:r>
-              <a:rPr lang="ro-RO" dirty="0"/>
-              <a:t>deoarece această materie mi-a trezit cu adevărat interesul</a:t>
-            </a:r>
-            <a:r>
-              <a:rPr lang="en-US" dirty="0"/>
-              <a:t>;</a:t>
-            </a:r>
-            <a:r>
-              <a:rPr lang="ro-RO" dirty="0"/>
-              <a:t> și am decis să </a:t>
-            </a:r>
-            <a:r>
-              <a:rPr lang="en-US" dirty="0" err="1"/>
-              <a:t>aprofundez</a:t>
-            </a:r>
-            <a:r>
-              <a:rPr lang="en-US" dirty="0"/>
+              <a:rPr lang="ro-RO" dirty="0">
+                <a:latin typeface="Times New Roman" panose="02020603050405020304" pitchFamily="18" charset="0"/>
+                <a:cs typeface="Times New Roman" panose="02020603050405020304" pitchFamily="18" charset="0"/>
+              </a:rPr>
+              <a:t>Deși există pe piață și aplicații similare (, cum ar fi aplicația de la Arcadia, sau </a:t>
+            </a:r>
+            <a:r>
+              <a:rPr lang="ro-RO" dirty="0" err="1">
+                <a:latin typeface="Times New Roman" panose="02020603050405020304" pitchFamily="18" charset="0"/>
+                <a:cs typeface="Times New Roman" panose="02020603050405020304" pitchFamily="18" charset="0"/>
+              </a:rPr>
+              <a:t>MedLife</a:t>
+            </a:r>
+            <a:r>
+              <a:rPr lang="ro-RO" dirty="0">
+                <a:latin typeface="Times New Roman" panose="02020603050405020304" pitchFamily="18" charset="0"/>
+                <a:cs typeface="Times New Roman" panose="02020603050405020304" pitchFamily="18" charset="0"/>
+              </a:rPr>
+              <a:t>), aplicația mea aduce următoarele </a:t>
+            </a:r>
+            <a:r>
+              <a:rPr lang="ro-RO" dirty="0" err="1">
+                <a:latin typeface="Times New Roman" panose="02020603050405020304" pitchFamily="18" charset="0"/>
+                <a:cs typeface="Times New Roman" panose="02020603050405020304" pitchFamily="18" charset="0"/>
+              </a:rPr>
+              <a:t>controbuții</a:t>
+            </a:r>
+            <a:r>
+              <a:rPr lang="en-US" dirty="0">
+                <a:latin typeface="Times New Roman" panose="02020603050405020304" pitchFamily="18" charset="0"/>
+                <a:cs typeface="Times New Roman" panose="02020603050405020304" pitchFamily="18" charset="0"/>
+              </a:rPr>
+              <a:t>:</a:t>
+            </a:r>
+          </a:p>
+          <a:p>
+            <a:r>
+              <a:rPr lang="en-US" dirty="0" err="1">
+                <a:latin typeface="Times New Roman" panose="02020603050405020304" pitchFamily="18" charset="0"/>
+                <a:cs typeface="Times New Roman" panose="02020603050405020304" pitchFamily="18" charset="0"/>
+              </a:rPr>
+              <a:t>Datorit</a:t>
+            </a:r>
+            <a:r>
+              <a:rPr lang="ro-RO" dirty="0">
+                <a:latin typeface="Times New Roman" panose="02020603050405020304" pitchFamily="18" charset="0"/>
+                <a:cs typeface="Times New Roman" panose="02020603050405020304" pitchFamily="18" charset="0"/>
+              </a:rPr>
+              <a:t>ă intrării în vigoare a </a:t>
+            </a:r>
+            <a:r>
+              <a:rPr lang="ro-RO" dirty="0" err="1">
+                <a:latin typeface="Times New Roman" panose="02020603050405020304" pitchFamily="18" charset="0"/>
+                <a:cs typeface="Times New Roman" panose="02020603050405020304" pitchFamily="18" charset="0"/>
+              </a:rPr>
+              <a:t>GDPR</a:t>
+            </a:r>
+            <a:r>
+              <a:rPr lang="ro-RO" dirty="0">
+                <a:latin typeface="Times New Roman" panose="02020603050405020304" pitchFamily="18" charset="0"/>
+                <a:cs typeface="Times New Roman" panose="02020603050405020304" pitchFamily="18" charset="0"/>
+              </a:rPr>
+              <a:t> (</a:t>
+            </a:r>
+            <a:r>
+              <a:rPr lang="ro-RO" sz="1200" b="0" i="0" kern="1200" dirty="0">
+                <a:solidFill>
+                  <a:schemeClr val="tx1"/>
+                </a:solidFill>
+                <a:effectLst/>
+                <a:latin typeface="+mn-lt"/>
+                <a:ea typeface="+mn-ea"/>
+                <a:cs typeface="+mn-cs"/>
+              </a:rPr>
+              <a:t>General Data </a:t>
+            </a:r>
+            <a:r>
+              <a:rPr lang="ro-RO" sz="1200" b="0" i="0" kern="1200" dirty="0" err="1">
+                <a:solidFill>
+                  <a:schemeClr val="tx1"/>
+                </a:solidFill>
+                <a:effectLst/>
+                <a:latin typeface="+mn-lt"/>
+                <a:ea typeface="+mn-ea"/>
+                <a:cs typeface="+mn-cs"/>
+              </a:rPr>
+              <a:t>Protection</a:t>
+            </a:r>
+            <a:r>
+              <a:rPr lang="ro-RO" sz="1200" b="0" i="0" kern="1200" dirty="0">
+                <a:solidFill>
+                  <a:schemeClr val="tx1"/>
+                </a:solidFill>
+                <a:effectLst/>
+                <a:latin typeface="+mn-lt"/>
+                <a:ea typeface="+mn-ea"/>
+                <a:cs typeface="+mn-cs"/>
+              </a:rPr>
               <a:t> </a:t>
             </a:r>
             <a:r>
-              <a:rPr lang="ro-RO" dirty="0"/>
-              <a:t>acele informații.</a:t>
-            </a:r>
+              <a:rPr lang="ro-RO" sz="1200" b="0" i="0" kern="1200" dirty="0" err="1">
+                <a:solidFill>
+                  <a:schemeClr val="tx1"/>
+                </a:solidFill>
+                <a:effectLst/>
+                <a:latin typeface="+mn-lt"/>
+                <a:ea typeface="+mn-ea"/>
+                <a:cs typeface="+mn-cs"/>
+              </a:rPr>
+              <a:t>Regulation</a:t>
+            </a:r>
+            <a:r>
+              <a:rPr lang="ro-RO" dirty="0">
+                <a:latin typeface="Times New Roman" panose="02020603050405020304" pitchFamily="18" charset="0"/>
+                <a:cs typeface="Times New Roman" panose="02020603050405020304" pitchFamily="18" charset="0"/>
+              </a:rPr>
+              <a:t>) din data de 25 a lunii Mai.</a:t>
+            </a:r>
+            <a:r>
+              <a:rPr lang="en-US" dirty="0">
+                <a:latin typeface="Times New Roman" panose="02020603050405020304" pitchFamily="18" charset="0"/>
+                <a:cs typeface="Times New Roman" panose="02020603050405020304" pitchFamily="18" charset="0"/>
+              </a:rPr>
+              <a:t> </a:t>
+            </a:r>
+            <a:r>
+              <a:rPr lang="en-US" dirty="0" err="1">
+                <a:latin typeface="Times New Roman" panose="02020603050405020304" pitchFamily="18" charset="0"/>
+                <a:cs typeface="Times New Roman" panose="02020603050405020304" pitchFamily="18" charset="0"/>
+              </a:rPr>
+              <a:t>Acest</a:t>
+            </a:r>
+            <a:r>
+              <a:rPr lang="en-US" dirty="0">
+                <a:latin typeface="Times New Roman" panose="02020603050405020304" pitchFamily="18" charset="0"/>
+                <a:cs typeface="Times New Roman" panose="02020603050405020304" pitchFamily="18" charset="0"/>
+              </a:rPr>
+              <a:t> </a:t>
+            </a:r>
+            <a:r>
+              <a:rPr lang="en-US" dirty="0" err="1">
+                <a:latin typeface="Times New Roman" panose="02020603050405020304" pitchFamily="18" charset="0"/>
+                <a:cs typeface="Times New Roman" panose="02020603050405020304" pitchFamily="18" charset="0"/>
+              </a:rPr>
+              <a:t>lucru</a:t>
+            </a:r>
+            <a:r>
+              <a:rPr lang="en-US" dirty="0">
+                <a:latin typeface="Times New Roman" panose="02020603050405020304" pitchFamily="18" charset="0"/>
+                <a:cs typeface="Times New Roman" panose="02020603050405020304" pitchFamily="18" charset="0"/>
+              </a:rPr>
+              <a:t> </a:t>
+            </a:r>
+            <a:r>
+              <a:rPr lang="en-US" dirty="0" err="1">
+                <a:latin typeface="Times New Roman" panose="02020603050405020304" pitchFamily="18" charset="0"/>
+                <a:cs typeface="Times New Roman" panose="02020603050405020304" pitchFamily="18" charset="0"/>
+              </a:rPr>
+              <a:t>implic</a:t>
+            </a:r>
+            <a:r>
+              <a:rPr lang="ro-RO" dirty="0">
+                <a:latin typeface="Times New Roman" panose="02020603050405020304" pitchFamily="18" charset="0"/>
+                <a:cs typeface="Times New Roman" panose="02020603050405020304" pitchFamily="18" charset="0"/>
+              </a:rPr>
+              <a:t>ă salvarea criptată a datelor senzitive.</a:t>
+            </a:r>
+            <a:endParaRPr lang="en-US" dirty="0">
+              <a:latin typeface="Times New Roman" panose="02020603050405020304" pitchFamily="18" charset="0"/>
+              <a:cs typeface="Times New Roman" panose="02020603050405020304" pitchFamily="18" charset="0"/>
+            </a:endParaRPr>
+          </a:p>
+          <a:p>
+            <a:r>
+              <a:rPr lang="en-US" dirty="0">
+                <a:latin typeface="Times New Roman" panose="02020603050405020304" pitchFamily="18" charset="0"/>
+                <a:cs typeface="Times New Roman" panose="02020603050405020304" pitchFamily="18" charset="0"/>
+              </a:rPr>
+              <a:t>…</a:t>
+            </a:r>
+            <a:endParaRPr lang="ro-RO" dirty="0">
+              <a:latin typeface="Times New Roman" panose="02020603050405020304" pitchFamily="18" charset="0"/>
+              <a:cs typeface="Times New Roman" panose="02020603050405020304" pitchFamily="18" charset="0"/>
+            </a:endParaRPr>
+          </a:p>
+          <a:p>
+            <a:endParaRPr lang="ro-RO" dirty="0">
+              <a:latin typeface="Times New Roman" panose="02020603050405020304" pitchFamily="18" charset="0"/>
+              <a:cs typeface="Times New Roman" panose="02020603050405020304" pitchFamily="18" charset="0"/>
+            </a:endParaRPr>
+          </a:p>
+          <a:p>
+            <a:r>
+              <a:rPr lang="ro-RO" dirty="0">
+                <a:latin typeface="Times New Roman" panose="02020603050405020304" pitchFamily="18" charset="0"/>
+                <a:cs typeface="Times New Roman" panose="02020603050405020304" pitchFamily="18" charset="0"/>
+              </a:rPr>
+              <a:t>Utilizatori normali – Doctori și Pacienți</a:t>
+            </a:r>
+          </a:p>
+          <a:p>
+            <a:r>
+              <a:rPr lang="ro-RO" dirty="0">
+                <a:latin typeface="Times New Roman" panose="02020603050405020304" pitchFamily="18" charset="0"/>
+                <a:cs typeface="Times New Roman" panose="02020603050405020304" pitchFamily="18" charset="0"/>
+              </a:rPr>
+              <a:t>Utilizatori speciali – </a:t>
+            </a:r>
+            <a:r>
+              <a:rPr lang="ro-RO" dirty="0" err="1">
+                <a:latin typeface="Times New Roman" panose="02020603050405020304" pitchFamily="18" charset="0"/>
+                <a:cs typeface="Times New Roman" panose="02020603050405020304" pitchFamily="18" charset="0"/>
+              </a:rPr>
+              <a:t>Ownerul</a:t>
+            </a:r>
+            <a:r>
+              <a:rPr lang="ro-RO" dirty="0">
+                <a:latin typeface="Times New Roman" panose="02020603050405020304" pitchFamily="18" charset="0"/>
+                <a:cs typeface="Times New Roman" panose="02020603050405020304" pitchFamily="18" charset="0"/>
+              </a:rPr>
+              <a:t> și Moderatorii</a:t>
+            </a:r>
+          </a:p>
+          <a:p>
+            <a:endParaRPr lang="en-US" dirty="0">
+              <a:latin typeface="Times New Roman" panose="02020603050405020304" pitchFamily="18" charset="0"/>
+              <a:cs typeface="Times New Roman" panose="02020603050405020304" pitchFamily="18" charset="0"/>
+            </a:endParaRPr>
+          </a:p>
+          <a:p>
+            <a:r>
+              <a:rPr lang="ro-RO" dirty="0">
+                <a:latin typeface="Times New Roman" panose="02020603050405020304" pitchFamily="18" charset="0"/>
+                <a:cs typeface="Times New Roman" panose="02020603050405020304" pitchFamily="18" charset="0"/>
+              </a:rPr>
+              <a:t>Este o aplicație ușor de gestionat, monitorizarea datelor făcându-se în secțiunea denumită </a:t>
+            </a:r>
+            <a:r>
+              <a:rPr lang="en-US" dirty="0">
+                <a:latin typeface="Times New Roman" panose="02020603050405020304" pitchFamily="18" charset="0"/>
+                <a:cs typeface="Times New Roman" panose="02020603050405020304" pitchFamily="18" charset="0"/>
+              </a:rPr>
+              <a:t>“Data Records”</a:t>
+            </a:r>
+            <a:endParaRPr lang="ro-RO" dirty="0">
+              <a:latin typeface="Times New Roman" panose="02020603050405020304" pitchFamily="18" charset="0"/>
+              <a:cs typeface="Times New Roman" panose="02020603050405020304" pitchFamily="18" charset="0"/>
+            </a:endParaRPr>
           </a:p>
         </p:txBody>
       </p:sp>
@@ -953,7 +1230,7 @@
     </p:spTree>
     <p:extLst>
       <p:ext uri="{BB962C8B-B14F-4D97-AF65-F5344CB8AC3E}">
-        <p14:creationId xmlns:p14="http://schemas.microsoft.com/office/powerpoint/2010/main" val="2583997264"/>
+        <p14:creationId xmlns:p14="http://schemas.microsoft.com/office/powerpoint/2010/main" val="1920983661"/>
       </p:ext>
     </p:extLst>
   </p:cSld>
@@ -1008,125 +1285,100 @@
           <a:lstStyle/>
           <a:p>
             <a:r>
-              <a:rPr lang="en-US" dirty="0" err="1">
-                <a:latin typeface="Times New Roman" panose="02020603050405020304" pitchFamily="18" charset="0"/>
-                <a:cs typeface="Times New Roman" panose="02020603050405020304" pitchFamily="18" charset="0"/>
-              </a:rPr>
-              <a:t>Printre</a:t>
-            </a:r>
-            <a:r>
-              <a:rPr lang="en-US" dirty="0">
-                <a:latin typeface="Times New Roman" panose="02020603050405020304" pitchFamily="18" charset="0"/>
-                <a:cs typeface="Times New Roman" panose="02020603050405020304" pitchFamily="18" charset="0"/>
-              </a:rPr>
+              <a:rPr lang="ro-RO" dirty="0"/>
+              <a:t>Navigarea prin aplicație din postura tuturor tipurilor de utilizatori, și parcurgerea tuturor funcționalităților.</a:t>
+            </a:r>
+            <a:endParaRPr lang="en-US" dirty="0"/>
+          </a:p>
+          <a:p>
+            <a:endParaRPr lang="en-US" dirty="0"/>
+          </a:p>
+          <a:p>
+            <a:r>
+              <a:rPr lang="en-US" dirty="0" err="1"/>
+              <a:t>Poze</a:t>
+            </a:r>
+            <a:r>
+              <a:rPr lang="en-US" dirty="0"/>
               <a:t> </a:t>
             </a:r>
             <a:r>
-              <a:rPr lang="en-US" dirty="0" err="1">
-                <a:latin typeface="Times New Roman" panose="02020603050405020304" pitchFamily="18" charset="0"/>
-                <a:cs typeface="Times New Roman" panose="02020603050405020304" pitchFamily="18" charset="0"/>
-              </a:rPr>
-              <a:t>contribu</a:t>
-            </a:r>
-            <a:r>
-              <a:rPr lang="ro-RO" dirty="0" err="1">
-                <a:latin typeface="Times New Roman" panose="02020603050405020304" pitchFamily="18" charset="0"/>
-                <a:cs typeface="Times New Roman" panose="02020603050405020304" pitchFamily="18" charset="0"/>
-              </a:rPr>
-              <a:t>țiile</a:t>
-            </a:r>
-            <a:r>
-              <a:rPr lang="ro-RO" dirty="0">
-                <a:latin typeface="Times New Roman" panose="02020603050405020304" pitchFamily="18" charset="0"/>
-                <a:cs typeface="Times New Roman" panose="02020603050405020304" pitchFamily="18" charset="0"/>
-              </a:rPr>
-              <a:t> principale se numără</a:t>
-            </a:r>
-            <a:r>
-              <a:rPr lang="en-US" dirty="0">
-                <a:latin typeface="Times New Roman" panose="02020603050405020304" pitchFamily="18" charset="0"/>
-                <a:cs typeface="Times New Roman" panose="02020603050405020304" pitchFamily="18" charset="0"/>
-              </a:rPr>
-              <a:t>:</a:t>
-            </a:r>
-          </a:p>
-          <a:p>
-            <a:r>
-              <a:rPr lang="en-US" dirty="0">
-                <a:latin typeface="Times New Roman" panose="02020603050405020304" pitchFamily="18" charset="0"/>
-                <a:cs typeface="Times New Roman" panose="02020603050405020304" pitchFamily="18" charset="0"/>
-              </a:rPr>
-              <a:t>  …</a:t>
-            </a:r>
-          </a:p>
-          <a:p>
-            <a:r>
-              <a:rPr lang="ro-RO" dirty="0">
-                <a:latin typeface="Times New Roman" panose="02020603050405020304" pitchFamily="18" charset="0"/>
-                <a:cs typeface="Times New Roman" panose="02020603050405020304" pitchFamily="18" charset="0"/>
-              </a:rPr>
-              <a:t>Este o aplicație ușor de gestionat datorită existenței secțiunii </a:t>
-            </a:r>
-            <a:r>
-              <a:rPr lang="en-US" dirty="0">
-                <a:latin typeface="Times New Roman" panose="02020603050405020304" pitchFamily="18" charset="0"/>
-                <a:cs typeface="Times New Roman" panose="02020603050405020304" pitchFamily="18" charset="0"/>
-              </a:rPr>
-              <a:t>“Data Records” – </a:t>
-            </a:r>
-            <a:r>
-              <a:rPr lang="en-US" dirty="0" err="1">
-                <a:latin typeface="Times New Roman" panose="02020603050405020304" pitchFamily="18" charset="0"/>
-                <a:cs typeface="Times New Roman" panose="02020603050405020304" pitchFamily="18" charset="0"/>
-              </a:rPr>
-              <a:t>locul</a:t>
-            </a:r>
-            <a:r>
-              <a:rPr lang="en-US" dirty="0">
-                <a:latin typeface="Times New Roman" panose="02020603050405020304" pitchFamily="18" charset="0"/>
-                <a:cs typeface="Times New Roman" panose="02020603050405020304" pitchFamily="18" charset="0"/>
-              </a:rPr>
+              <a:rPr lang="en-US" dirty="0" err="1"/>
+              <a:t>utilizatori</a:t>
+            </a:r>
+            <a:r>
+              <a:rPr lang="en-US" dirty="0"/>
+              <a:t> - https://</a:t>
+            </a:r>
+            <a:r>
+              <a:rPr lang="en-US" dirty="0" err="1"/>
+              <a:t>www.pexels.com</a:t>
+            </a:r>
+            <a:r>
+              <a:rPr lang="en-US" dirty="0"/>
+              <a:t>/search/face/</a:t>
+            </a:r>
+          </a:p>
+          <a:p>
+            <a:r>
+              <a:rPr lang="en-US" dirty="0" err="1"/>
+              <a:t>Detalii</a:t>
+            </a:r>
+            <a:r>
+              <a:rPr lang="en-US" dirty="0"/>
               <a:t> </a:t>
             </a:r>
             <a:r>
-              <a:rPr lang="en-US" dirty="0" err="1">
-                <a:latin typeface="Times New Roman" panose="02020603050405020304" pitchFamily="18" charset="0"/>
-                <a:cs typeface="Times New Roman" panose="02020603050405020304" pitchFamily="18" charset="0"/>
-              </a:rPr>
-              <a:t>unde</a:t>
-            </a:r>
-            <a:r>
-              <a:rPr lang="en-US" dirty="0">
-                <a:latin typeface="Times New Roman" panose="02020603050405020304" pitchFamily="18" charset="0"/>
-                <a:cs typeface="Times New Roman" panose="02020603050405020304" pitchFamily="18" charset="0"/>
-              </a:rPr>
-              <a:t> se g</a:t>
-            </a:r>
-            <a:r>
-              <a:rPr lang="ro-RO" dirty="0" err="1">
-                <a:latin typeface="Times New Roman" panose="02020603050405020304" pitchFamily="18" charset="0"/>
-                <a:cs typeface="Times New Roman" panose="02020603050405020304" pitchFamily="18" charset="0"/>
-              </a:rPr>
-              <a:t>ăsesc</a:t>
-            </a:r>
-            <a:r>
-              <a:rPr lang="ro-RO" dirty="0">
-                <a:latin typeface="Times New Roman" panose="02020603050405020304" pitchFamily="18" charset="0"/>
-                <a:cs typeface="Times New Roman" panose="02020603050405020304" pitchFamily="18" charset="0"/>
-              </a:rPr>
-              <a:t> toate datele relevante înregistrate pe aplicație în ultimele 2 săptămâni</a:t>
-            </a:r>
-            <a:r>
-              <a:rPr lang="en-US" dirty="0">
-                <a:latin typeface="Times New Roman" panose="02020603050405020304" pitchFamily="18" charset="0"/>
-                <a:cs typeface="Times New Roman" panose="02020603050405020304" pitchFamily="18" charset="0"/>
-              </a:rPr>
-              <a:t>.</a:t>
-            </a:r>
-            <a:endParaRPr lang="ro-RO" dirty="0">
-              <a:latin typeface="Times New Roman" panose="02020603050405020304" pitchFamily="18" charset="0"/>
-              <a:cs typeface="Times New Roman" panose="02020603050405020304" pitchFamily="18" charset="0"/>
-            </a:endParaRPr>
+              <a:rPr lang="en-US" dirty="0" err="1"/>
+              <a:t>medicamente</a:t>
+            </a:r>
+            <a:r>
+              <a:rPr lang="en-US" dirty="0"/>
+              <a:t> - http://</a:t>
+            </a:r>
+            <a:r>
+              <a:rPr lang="en-US" dirty="0" err="1"/>
+              <a:t>www.sfatulmedicului.ro</a:t>
+            </a:r>
+            <a:r>
+              <a:rPr lang="en-US" dirty="0"/>
+              <a:t>/</a:t>
+            </a:r>
+            <a:r>
+              <a:rPr lang="en-US" dirty="0" err="1"/>
+              <a:t>medicamente</a:t>
+            </a:r>
+            <a:endParaRPr lang="ro-RO" dirty="0"/>
+          </a:p>
+          <a:p>
+            <a:endParaRPr lang="ro-RO" dirty="0"/>
+          </a:p>
+          <a:p>
+            <a:r>
+              <a:rPr lang="ro-RO" dirty="0"/>
+              <a:t>Backup - </a:t>
+            </a:r>
+            <a:r>
+              <a:rPr lang="ro-RO" dirty="0" err="1"/>
+              <a:t>https</a:t>
+            </a:r>
+            <a:r>
+              <a:rPr lang="ro-RO" dirty="0"/>
+              <a:t>://</a:t>
+            </a:r>
+            <a:r>
+              <a:rPr lang="ro-RO" dirty="0" err="1"/>
+              <a:t>youtu.be</a:t>
+            </a:r>
+            <a:r>
+              <a:rPr lang="ro-RO" dirty="0"/>
+              <a:t>/</a:t>
+            </a:r>
+            <a:r>
+              <a:rPr lang="ro-RO" dirty="0" err="1"/>
+              <a:t>3wNYpVMhC1I</a:t>
+            </a:r>
+            <a:endParaRPr lang="ro-RO" dirty="0"/>
           </a:p>
         </p:txBody>
       </p:sp>
@@ -1156,7 +1408,7 @@
     </p:spTree>
     <p:extLst>
       <p:ext uri="{BB962C8B-B14F-4D97-AF65-F5344CB8AC3E}">
-        <p14:creationId xmlns:p14="http://schemas.microsoft.com/office/powerpoint/2010/main" val="1920983661"/>
+        <p14:creationId xmlns:p14="http://schemas.microsoft.com/office/powerpoint/2010/main" val="203783921"/>
       </p:ext>
     </p:extLst>
   </p:cSld>
@@ -1211,18 +1463,26 @@
           <a:lstStyle/>
           <a:p>
             <a:r>
+              <a:rPr lang="en-US" dirty="0"/>
+              <a:t>-</a:t>
+            </a:r>
+          </a:p>
+          <a:p>
+            <a:r>
               <a:rPr lang="ro-RO" dirty="0"/>
-              <a:t>Navigarea prin aplicație din postura tuturor tipurilor de utilizatori, și parcurgerea tuturor funcționalităților.</a:t>
-            </a:r>
-            <a:endParaRPr lang="en-US" dirty="0"/>
-          </a:p>
-          <a:p>
-            <a:endParaRPr lang="en-US" dirty="0"/>
-          </a:p>
-          <a:p>
+              <a:t>Poate fi utilizată de doctori aparținând de diverse clinici, p</a:t>
+            </a:r>
             <a:r>
               <a:rPr lang="en-US" dirty="0" err="1"/>
-              <a:t>Poze</a:t>
+              <a:t>entru</a:t>
+            </a:r>
+            <a:r>
+              <a:rPr lang="en-US" dirty="0"/>
+              <a:t> a </a:t>
+            </a:r>
+            <a:r>
+              <a:rPr lang="en-US" dirty="0" err="1"/>
+              <a:t>avantaja</a:t>
             </a:r>
             <a:r>
               <a:rPr lang="en-US" dirty="0"/>
@@ -1230,81 +1490,71 @@
             </a:r>
             <a:r>
               <a:rPr lang="en-US" dirty="0" err="1"/>
-              <a:t>utilizatori</a:t>
-            </a:r>
+              <a:t>pacien</a:t>
+            </a:r>
+            <a:r>
+              <a:rPr lang="ro-RO" dirty="0"/>
+              <a:t>ții.</a:t>
+            </a:r>
+          </a:p>
+          <a:p>
+            <a:r>
+              <a:rPr lang="ro-RO" dirty="0"/>
+              <a:t>Provocare atât pe front-</a:t>
+            </a:r>
+            <a:r>
+              <a:rPr lang="ro-RO" dirty="0" err="1"/>
+              <a:t>end</a:t>
+            </a:r>
+            <a:r>
+              <a:rPr lang="ro-RO" dirty="0"/>
+              <a:t> (deoarece nu m-am înțeles bine cu această parte la început, </a:t>
+            </a:r>
+          </a:p>
+          <a:p>
+            <a:r>
+              <a:rPr lang="ro-RO" dirty="0"/>
+              <a:t>    dar spre final m-am împăcat cu ea), cât și pe back-</a:t>
+            </a:r>
+            <a:r>
+              <a:rPr lang="ro-RO" dirty="0" err="1"/>
+              <a:t>end</a:t>
+            </a:r>
+            <a:r>
+              <a:rPr lang="ro-RO" dirty="0"/>
+              <a:t> (datorită erorilor întâmpinate).</a:t>
+            </a:r>
+            <a:endParaRPr lang="en-US" dirty="0"/>
+          </a:p>
+          <a:p>
             <a:r>
               <a:rPr lang="en-US" dirty="0"/>
-              <a:t> - https://</a:t>
-            </a:r>
-            <a:r>
-              <a:rPr lang="en-US" dirty="0" err="1"/>
-              <a:t>www.pexels.com</a:t>
-            </a:r>
-            <a:r>
-              <a:rPr lang="en-US" dirty="0"/>
-              <a:t>/search/face/</a:t>
-            </a:r>
-          </a:p>
-          <a:p>
-            <a:r>
-              <a:rPr lang="en-US" dirty="0" err="1"/>
-              <a:t>Detalii</a:t>
-            </a:r>
-            <a:r>
-              <a:rPr lang="en-US" dirty="0"/>
-              <a:t> </a:t>
-            </a:r>
-            <a:r>
-              <a:rPr lang="en-US" dirty="0" err="1"/>
-              <a:t>medicamente</a:t>
-            </a:r>
-            <a:r>
-              <a:rPr lang="en-US" dirty="0"/>
-              <a:t> - http://</a:t>
-            </a:r>
-            <a:r>
-              <a:rPr lang="en-US" dirty="0" err="1"/>
-              <a:t>www.sfatulmedicului.ro</a:t>
-            </a:r>
-            <a:r>
-              <a:rPr lang="en-US" dirty="0"/>
-              <a:t>/</a:t>
-            </a:r>
-            <a:r>
-              <a:rPr lang="en-US" dirty="0" err="1"/>
-              <a:t>medicamente</a:t>
-            </a:r>
-            <a:endParaRPr lang="ro-RO" dirty="0"/>
-          </a:p>
-          <a:p>
-            <a:endParaRPr lang="ro-RO" dirty="0"/>
-          </a:p>
-          <a:p>
+              <a:t>Am </a:t>
+            </a:r>
             <a:r>
               <a:rPr lang="ro-RO" dirty="0"/>
-              <a:t>Backup - </a:t>
+              <a:t>învățat să îmi notez toate ideile care apar, deoarece poate exista potențial.</a:t>
+            </a:r>
+          </a:p>
+          <a:p>
+            <a:r>
+              <a:rPr lang="ro-RO" dirty="0"/>
+              <a:t>-</a:t>
+            </a:r>
+          </a:p>
+          <a:p>
+            <a:r>
+              <a:rPr lang="ro-RO" dirty="0"/>
+              <a:t>M-a ajutat să </a:t>
             </a:r>
             <a:r>
               <a:rPr lang="ro-RO" dirty="0" err="1"/>
-              <a:t>https</a:t>
+              <a:t>înteleg</a:t>
             </a:r>
             <a:r>
               <a:rPr lang="ro-RO" dirty="0"/>
-              <a:t>://</a:t>
-            </a:r>
-            <a:r>
-              <a:rPr lang="ro-RO" dirty="0" err="1"/>
-              <a:t>youtu.be</a:t>
-            </a:r>
-            <a:r>
-              <a:rPr lang="ro-RO" dirty="0"/>
-              <a:t>/</a:t>
-            </a:r>
-            <a:r>
-              <a:rPr lang="ro-RO" dirty="0" err="1"/>
-              <a:t>3wNYpVMhC1I</a:t>
-            </a:r>
-            <a:endParaRPr lang="ro-RO" dirty="0"/>
+              <a:t> anumite aspecte</a:t>
+            </a:r>
           </a:p>
         </p:txBody>
       </p:sp>
@@ -1334,7 +1584,7 @@
     </p:spTree>
     <p:extLst>
       <p:ext uri="{BB962C8B-B14F-4D97-AF65-F5344CB8AC3E}">
-        <p14:creationId xmlns:p14="http://schemas.microsoft.com/office/powerpoint/2010/main" val="203783921"/>
+        <p14:creationId xmlns:p14="http://schemas.microsoft.com/office/powerpoint/2010/main" val="413326989"/>
       </p:ext>
     </p:extLst>
   </p:cSld>
@@ -1390,83 +1640,9 @@
           <a:p>
             <a:r>
               <a:rPr lang="en-US" dirty="0"/>
-              <a:t>-</a:t>
-            </a:r>
-          </a:p>
-          <a:p>
-            <a:r>
-              <a:rPr lang="ro-RO" dirty="0"/>
-              <a:t>Poate fi utilizată de doctori aparținând de diverse clinici, p</a:t>
-            </a:r>
-            <a:r>
-              <a:rPr lang="en-US" dirty="0" err="1"/>
-              <a:t>entru</a:t>
-            </a:r>
-            <a:r>
-              <a:rPr lang="en-US" dirty="0"/>
-              <a:t> a </a:t>
-            </a:r>
-            <a:r>
-              <a:rPr lang="en-US" dirty="0" err="1"/>
-              <a:t>avantaja</a:t>
-            </a:r>
-            <a:r>
-              <a:rPr lang="en-US" dirty="0"/>
               <a:t> </a:t>
             </a:r>
-            <a:r>
-              <a:rPr lang="en-US" dirty="0" err="1"/>
-              <a:t>pacien</a:t>
-            </a:r>
-            <a:r>
-              <a:rPr lang="ro-RO" dirty="0"/>
-              <a:t>ții.</a:t>
-            </a:r>
-          </a:p>
-          <a:p>
-            <a:r>
-              <a:rPr lang="ro-RO" dirty="0"/>
-              <a:t>Provocare atât pe front-</a:t>
-            </a:r>
-            <a:r>
-              <a:rPr lang="ro-RO" dirty="0" err="1"/>
-              <a:t>end</a:t>
-            </a:r>
-            <a:r>
-              <a:rPr lang="ro-RO" dirty="0"/>
-              <a:t> (deoarece nu m-am înțeles bine cu această parte la început, </a:t>
-            </a:r>
-          </a:p>
-          <a:p>
-            <a:r>
-              <a:rPr lang="ro-RO" dirty="0"/>
-              <a:t>    dar spre final m-am împăcat cu ea), cât și pe back-</a:t>
-            </a:r>
-            <a:r>
-              <a:rPr lang="ro-RO" dirty="0" err="1"/>
-              <a:t>end</a:t>
-            </a:r>
-            <a:r>
-              <a:rPr lang="ro-RO" dirty="0"/>
-              <a:t> (datorită erorilor întâmpinate).</a:t>
-            </a:r>
-            <a:endParaRPr lang="en-US" dirty="0"/>
-          </a:p>
-          <a:p>
-            <a:r>
-              <a:rPr lang="en-US" dirty="0"/>
-              <a:t>Am </a:t>
-            </a:r>
-            <a:r>
-              <a:rPr lang="ro-RO" dirty="0"/>
-              <a:t>învățat să îmi notez toate ideile care apar, deoarece poate exista potențial.</a:t>
-            </a:r>
-          </a:p>
-          <a:p>
-            <a:r>
-              <a:rPr lang="ro-RO" dirty="0"/>
-              <a:t>-</a:t>
-            </a:r>
+            <a:endParaRPr lang="ro-RO" dirty="0"/>
           </a:p>
         </p:txBody>
       </p:sp>
@@ -1496,7 +1672,7 @@
     </p:spTree>
     <p:extLst>
       <p:ext uri="{BB962C8B-B14F-4D97-AF65-F5344CB8AC3E}">
-        <p14:creationId xmlns:p14="http://schemas.microsoft.com/office/powerpoint/2010/main" val="413326989"/>
+        <p14:creationId xmlns:p14="http://schemas.microsoft.com/office/powerpoint/2010/main" val="217159824"/>
       </p:ext>
     </p:extLst>
   </p:cSld>
@@ -1784,7 +1960,7 @@
           <a:p>
             <a:fld id="{C958B2B8-5FD4-4030-B628-1B443C369329}" type="datetime1">
               <a:rPr lang="en-US" smtClean="0"/>
-              <a:t>6/29/2018</a:t>
+              <a:t>7/2/2018</a:t>
             </a:fld>
             <a:endParaRPr lang="en-US" dirty="0"/>
           </a:p>
@@ -2216,7 +2392,7 @@
           <a:p>
             <a:fld id="{1D802565-6F02-4A1A-83AC-1EA7FE8603A1}" type="datetime1">
               <a:rPr lang="en-US" smtClean="0"/>
-              <a:t>6/29/2018</a:t>
+              <a:t>7/2/2018</a:t>
             </a:fld>
             <a:endParaRPr lang="en-US" dirty="0"/>
           </a:p>
@@ -2462,7 +2638,7 @@
           <a:p>
             <a:fld id="{0A6C096E-90A1-4C77-BB68-5F1F79236B47}" type="datetime1">
               <a:rPr lang="en-US" smtClean="0"/>
-              <a:t>6/29/2018</a:t>
+              <a:t>7/2/2018</a:t>
             </a:fld>
             <a:endParaRPr lang="en-US" dirty="0"/>
           </a:p>
@@ -2766,7 +2942,7 @@
           <a:p>
             <a:fld id="{2AF27C5E-9936-47B0-A7AB-8B5F9D97BF7F}" type="datetime1">
               <a:rPr lang="en-US" smtClean="0"/>
-              <a:t>6/29/2018</a:t>
+              <a:t>7/2/2018</a:t>
             </a:fld>
             <a:endParaRPr lang="en-US" dirty="0"/>
           </a:p>
@@ -3080,7 +3256,7 @@
           <a:p>
             <a:fld id="{45B85652-381A-43F0-83E5-5E7143C0D722}" type="datetime1">
               <a:rPr lang="en-US" smtClean="0"/>
-              <a:t>6/29/2018</a:t>
+              <a:t>7/2/2018</a:t>
             </a:fld>
             <a:endParaRPr lang="en-US" dirty="0"/>
           </a:p>
@@ -3378,7 +3554,7 @@
           <a:p>
             <a:fld id="{58252319-1FA4-4855-BFE5-707997E6B1B2}" type="datetime1">
               <a:rPr lang="en-US" smtClean="0"/>
-              <a:t>6/29/2018</a:t>
+              <a:t>7/2/2018</a:t>
             </a:fld>
             <a:endParaRPr lang="en-US" dirty="0"/>
           </a:p>
@@ -3741,7 +3917,7 @@
           <a:p>
             <a:fld id="{896CFD1C-58B6-4B7E-80C5-C431EDCE5E80}" type="datetime1">
               <a:rPr lang="en-US" smtClean="0"/>
-              <a:t>6/29/2018</a:t>
+              <a:t>7/2/2018</a:t>
             </a:fld>
             <a:endParaRPr lang="en-US" dirty="0"/>
           </a:p>
@@ -3911,7 +4087,7 @@
           <a:p>
             <a:fld id="{175F9B8A-C049-496A-B282-30964A6CE656}" type="datetime1">
               <a:rPr lang="en-US" smtClean="0"/>
-              <a:t>6/29/2018</a:t>
+              <a:t>7/2/2018</a:t>
             </a:fld>
             <a:endParaRPr lang="en-US" dirty="0"/>
           </a:p>
@@ -4087,7 +4263,7 @@
           <a:p>
             <a:fld id="{4F78F913-0A29-416B-9809-244D70044AE6}" type="datetime1">
               <a:rPr lang="en-US" smtClean="0"/>
-              <a:t>6/29/2018</a:t>
+              <a:t>7/2/2018</a:t>
             </a:fld>
             <a:endParaRPr lang="en-US" dirty="0"/>
           </a:p>
@@ -4253,7 +4429,7 @@
           <a:p>
             <a:fld id="{51F6254D-21E2-429F-B828-59B6F855C1D6}" type="datetime1">
               <a:rPr lang="en-US" smtClean="0"/>
-              <a:t>6/29/2018</a:t>
+              <a:t>7/2/2018</a:t>
             </a:fld>
             <a:endParaRPr lang="en-US" dirty="0"/>
           </a:p>
@@ -4499,7 +4675,7 @@
           <a:p>
             <a:fld id="{E06C85DE-F8B0-4C19-8645-E1AAF8C11D03}" type="datetime1">
               <a:rPr lang="en-US" smtClean="0"/>
-              <a:t>6/29/2018</a:t>
+              <a:t>7/2/2018</a:t>
             </a:fld>
             <a:endParaRPr lang="en-US" dirty="0"/>
           </a:p>
@@ -4731,7 +4907,7 @@
           <a:p>
             <a:fld id="{14665515-A5A2-45E2-9A85-819308C1EC03}" type="datetime1">
               <a:rPr lang="en-US" smtClean="0"/>
-              <a:t>6/29/2018</a:t>
+              <a:t>7/2/2018</a:t>
             </a:fld>
             <a:endParaRPr lang="en-US" dirty="0"/>
           </a:p>
@@ -5109,7 +5285,7 @@
           <a:p>
             <a:fld id="{0E9F3CE2-3339-45DD-AE9F-90F9BDB0384B}" type="datetime1">
               <a:rPr lang="en-US" smtClean="0"/>
-              <a:t>6/29/2018</a:t>
+              <a:t>7/2/2018</a:t>
             </a:fld>
             <a:endParaRPr lang="en-US" dirty="0"/>
           </a:p>
@@ -5223,7 +5399,7 @@
           <a:p>
             <a:fld id="{B722747C-D21A-4C05-AE56-93898B266987}" type="datetime1">
               <a:rPr lang="en-US" smtClean="0"/>
-              <a:t>6/29/2018</a:t>
+              <a:t>7/2/2018</a:t>
             </a:fld>
             <a:endParaRPr lang="en-US" dirty="0"/>
           </a:p>
@@ -5314,7 +5490,7 @@
           <a:p>
             <a:fld id="{1357CAB8-2962-4BCB-9060-900D11BE3456}" type="datetime1">
               <a:rPr lang="en-US" smtClean="0"/>
-              <a:t>6/29/2018</a:t>
+              <a:t>7/2/2018</a:t>
             </a:fld>
             <a:endParaRPr lang="en-US" dirty="0"/>
           </a:p>
@@ -5565,7 +5741,7 @@
           <a:p>
             <a:fld id="{5D8138E5-C557-4625-96B1-9DEC121BA909}" type="datetime1">
               <a:rPr lang="en-US" smtClean="0"/>
-              <a:t>6/29/2018</a:t>
+              <a:t>7/2/2018</a:t>
             </a:fld>
             <a:endParaRPr lang="en-US" dirty="0"/>
           </a:p>
@@ -5844,7 +6020,7 @@
           <a:p>
             <a:fld id="{674720CD-71A8-4CD4-8D68-650339AF4228}" type="datetime1">
               <a:rPr lang="en-US" smtClean="0"/>
-              <a:t>6/29/2018</a:t>
+              <a:t>7/2/2018</a:t>
             </a:fld>
             <a:endParaRPr lang="en-US" dirty="0"/>
           </a:p>
@@ -6246,7 +6422,7 @@
           <a:p>
             <a:fld id="{355DA942-3E01-4482-923D-88CEBE6B88B5}" type="datetime1">
               <a:rPr lang="en-US" smtClean="0"/>
-              <a:t>6/29/2018</a:t>
+              <a:t>7/2/2018</a:t>
             </a:fld>
             <a:endParaRPr lang="en-US" dirty="0"/>
           </a:p>
@@ -6778,36 +6954,6 @@
           <a:chExt cx="0" cy="0"/>
         </a:xfrm>
       </p:grpSpPr>
-    </p:spTree>
-    <p:extLst>
-      <p:ext uri="{BB962C8B-B14F-4D97-AF65-F5344CB8AC3E}">
-        <p14:creationId xmlns:p14="http://schemas.microsoft.com/office/powerpoint/2010/main" val="3101487051"/>
-      </p:ext>
-    </p:extLst>
-  </p:cSld>
-  <p:clrMapOvr>
-    <a:masterClrMapping/>
-  </p:clrMapOvr>
-</p:sld>
-</file>
-
-<file path=ppt/slides/slide2.xml><?xml version="1.0" encoding="utf-8"?>
-<p:sld xmlns:a="http://schemas.openxmlformats.org/drawingml/2006/main" xmlns:r="http://schemas.openxmlformats.org/officeDocument/2006/relationships" xmlns:p="http://schemas.openxmlformats.org/presentationml/2006/main">
-  <p:cSld>
-    <p:spTree>
-      <p:nvGrpSpPr>
-        <p:cNvPr id="1" name=""/>
-        <p:cNvGrpSpPr/>
-        <p:nvPr/>
-      </p:nvGrpSpPr>
-      <p:grpSpPr>
-        <a:xfrm>
-          <a:off x="0" y="0"/>
-          <a:ext cx="0" cy="0"/>
-          <a:chOff x="0" y="0"/>
-          <a:chExt cx="0" cy="0"/>
-        </a:xfrm>
-      </p:grpSpPr>
       <p:sp>
         <p:nvSpPr>
           <p:cNvPr id="3" name="Subtitle 2">
@@ -7024,6 +7170,658 @@
     <p:extLst>
       <p:ext uri="{BB962C8B-B14F-4D97-AF65-F5344CB8AC3E}">
         <p14:creationId xmlns:p14="http://schemas.microsoft.com/office/powerpoint/2010/main" val="3107854468"/>
+      </p:ext>
+    </p:extLst>
+  </p:cSld>
+  <p:clrMapOvr>
+    <a:masterClrMapping/>
+  </p:clrMapOvr>
+  <mc:AlternateContent xmlns:mc="http://schemas.openxmlformats.org/markup-compatibility/2006" xmlns:p14="http://schemas.microsoft.com/office/powerpoint/2010/main">
+    <mc:Choice Requires="p14">
+      <p:transition spd="med" p14:dur="700">
+        <p:fade/>
+      </p:transition>
+    </mc:Choice>
+    <mc:Fallback xmlns="">
+      <p:transition spd="med">
+        <p:fade/>
+      </p:transition>
+    </mc:Fallback>
+  </mc:AlternateContent>
+</p:sld>
+</file>
+
+<file path=ppt/slides/slide2.xml><?xml version="1.0" encoding="utf-8"?>
+<p:sld xmlns:a="http://schemas.openxmlformats.org/drawingml/2006/main" xmlns:r="http://schemas.openxmlformats.org/officeDocument/2006/relationships" xmlns:p="http://schemas.openxmlformats.org/presentationml/2006/main">
+  <p:cSld>
+    <p:spTree>
+      <p:nvGrpSpPr>
+        <p:cNvPr id="1" name=""/>
+        <p:cNvGrpSpPr/>
+        <p:nvPr/>
+      </p:nvGrpSpPr>
+      <p:grpSpPr>
+        <a:xfrm>
+          <a:off x="0" y="0"/>
+          <a:ext cx="0" cy="0"/>
+          <a:chOff x="0" y="0"/>
+          <a:chExt cx="0" cy="0"/>
+        </a:xfrm>
+      </p:grpSpPr>
+      <p:sp>
+        <p:nvSpPr>
+          <p:cNvPr id="10" name="Title 1">
+            <a:extLst>
+              <a:ext uri="{FF2B5EF4-FFF2-40B4-BE49-F238E27FC236}">
+                <a16:creationId xmlns:a16="http://schemas.microsoft.com/office/drawing/2014/main" id="{11255B02-C024-4A77-ADDD-1896DBD6602F}"/>
+              </a:ext>
+            </a:extLst>
+          </p:cNvPr>
+          <p:cNvSpPr txBox="1">
+            <a:spLocks/>
+          </p:cNvSpPr>
+          <p:nvPr/>
+        </p:nvSpPr>
+        <p:spPr>
+          <a:xfrm>
+            <a:off x="1610516" y="911012"/>
+            <a:ext cx="4368252" cy="1507067"/>
+          </a:xfrm>
+          <a:prstGeom prst="rect">
+            <a:avLst/>
+          </a:prstGeom>
+          <a:effectLst/>
+        </p:spPr>
+        <p:txBody>
+          <a:bodyPr vert="horz" lIns="91440" tIns="45720" rIns="91440" bIns="45720" rtlCol="0" anchor="t">
+            <a:normAutofit/>
+          </a:bodyPr>
+          <a:lstStyle>
+            <a:lvl1pPr algn="l" defTabSz="457200" rtl="0" eaLnBrk="1" latinLnBrk="0" hangingPunct="1">
+              <a:spcBef>
+                <a:spcPct val="0"/>
+              </a:spcBef>
+              <a:buNone/>
+              <a:defRPr sz="4800" kern="1200" cap="all">
+                <a:ln w="3175" cmpd="sng">
+                  <a:noFill/>
+                </a:ln>
+                <a:solidFill>
+                  <a:schemeClr val="tx1"/>
+                </a:solidFill>
+                <a:effectLst/>
+                <a:latin typeface="+mj-lt"/>
+                <a:ea typeface="+mj-ea"/>
+                <a:cs typeface="+mj-cs"/>
+              </a:defRPr>
+            </a:lvl1pPr>
+            <a:lvl2pPr eaLnBrk="1" hangingPunct="1">
+              <a:defRPr>
+                <a:solidFill>
+                  <a:schemeClr val="tx2"/>
+                </a:solidFill>
+              </a:defRPr>
+            </a:lvl2pPr>
+            <a:lvl3pPr eaLnBrk="1" hangingPunct="1">
+              <a:defRPr>
+                <a:solidFill>
+                  <a:schemeClr val="tx2"/>
+                </a:solidFill>
+              </a:defRPr>
+            </a:lvl3pPr>
+            <a:lvl4pPr eaLnBrk="1" hangingPunct="1">
+              <a:defRPr>
+                <a:solidFill>
+                  <a:schemeClr val="tx2"/>
+                </a:solidFill>
+              </a:defRPr>
+            </a:lvl4pPr>
+            <a:lvl5pPr eaLnBrk="1" hangingPunct="1">
+              <a:defRPr>
+                <a:solidFill>
+                  <a:schemeClr val="tx2"/>
+                </a:solidFill>
+              </a:defRPr>
+            </a:lvl5pPr>
+            <a:lvl6pPr eaLnBrk="1" hangingPunct="1">
+              <a:defRPr>
+                <a:solidFill>
+                  <a:schemeClr val="tx2"/>
+                </a:solidFill>
+              </a:defRPr>
+            </a:lvl6pPr>
+            <a:lvl7pPr eaLnBrk="1" hangingPunct="1">
+              <a:defRPr>
+                <a:solidFill>
+                  <a:schemeClr val="tx2"/>
+                </a:solidFill>
+              </a:defRPr>
+            </a:lvl7pPr>
+            <a:lvl8pPr eaLnBrk="1" hangingPunct="1">
+              <a:defRPr>
+                <a:solidFill>
+                  <a:schemeClr val="tx2"/>
+                </a:solidFill>
+              </a:defRPr>
+            </a:lvl8pPr>
+            <a:lvl9pPr eaLnBrk="1" hangingPunct="1">
+              <a:defRPr>
+                <a:solidFill>
+                  <a:schemeClr val="tx2"/>
+                </a:solidFill>
+              </a:defRPr>
+            </a:lvl9pPr>
+          </a:lstStyle>
+          <a:p>
+            <a:pPr algn="ctr"/>
+            <a:r>
+              <a:rPr lang="ro-RO" sz="4400" cap="none" dirty="0">
+                <a:latin typeface="Times New Roman" panose="02020603050405020304" pitchFamily="18" charset="0"/>
+                <a:cs typeface="Times New Roman" panose="02020603050405020304" pitchFamily="18" charset="0"/>
+              </a:rPr>
+              <a:t>Aspect</a:t>
+            </a:r>
+            <a:r>
+              <a:rPr lang="en-US" sz="4400" cap="none" dirty="0">
+                <a:latin typeface="Times New Roman" panose="02020603050405020304" pitchFamily="18" charset="0"/>
+                <a:cs typeface="Times New Roman" panose="02020603050405020304" pitchFamily="18" charset="0"/>
+              </a:rPr>
+              <a:t>e </a:t>
+            </a:r>
+            <a:r>
+              <a:rPr lang="en-US" sz="4400" cap="none" dirty="0" err="1">
+                <a:latin typeface="Times New Roman" panose="02020603050405020304" pitchFamily="18" charset="0"/>
+                <a:cs typeface="Times New Roman" panose="02020603050405020304" pitchFamily="18" charset="0"/>
+              </a:rPr>
+              <a:t>abordate</a:t>
+            </a:r>
+            <a:endParaRPr lang="en-US" sz="4400" cap="none" dirty="0">
+              <a:latin typeface="Times New Roman" panose="02020603050405020304" pitchFamily="18" charset="0"/>
+              <a:cs typeface="Times New Roman" panose="02020603050405020304" pitchFamily="18" charset="0"/>
+            </a:endParaRPr>
+          </a:p>
+        </p:txBody>
+      </p:sp>
+      <p:sp>
+        <p:nvSpPr>
+          <p:cNvPr id="11" name="Content Placeholder 2">
+            <a:extLst>
+              <a:ext uri="{FF2B5EF4-FFF2-40B4-BE49-F238E27FC236}">
+                <a16:creationId xmlns:a16="http://schemas.microsoft.com/office/drawing/2014/main" id="{94AC42C0-3378-40DA-AD4D-AB7990D18D16}"/>
+              </a:ext>
+            </a:extLst>
+          </p:cNvPr>
+          <p:cNvSpPr txBox="1">
+            <a:spLocks/>
+          </p:cNvSpPr>
+          <p:nvPr/>
+        </p:nvSpPr>
+        <p:spPr>
+          <a:xfrm>
+            <a:off x="1610517" y="2240280"/>
+            <a:ext cx="4368252" cy="3615267"/>
+          </a:xfrm>
+          <a:prstGeom prst="rect">
+            <a:avLst/>
+          </a:prstGeom>
+        </p:spPr>
+        <p:txBody>
+          <a:bodyPr vert="horz" lIns="91440" tIns="45720" rIns="91440" bIns="45720" rtlCol="0" anchor="t">
+            <a:normAutofit/>
+          </a:bodyPr>
+          <a:lstStyle>
+            <a:lvl1pPr marL="0" indent="0" algn="l" defTabSz="457200" rtl="0" eaLnBrk="1" latinLnBrk="0" hangingPunct="1">
+              <a:spcBef>
+                <a:spcPct val="20000"/>
+              </a:spcBef>
+              <a:spcAft>
+                <a:spcPts val="600"/>
+              </a:spcAft>
+              <a:buClr>
+                <a:schemeClr val="tx1"/>
+              </a:buClr>
+              <a:buSzPct val="80000"/>
+              <a:buFont typeface="Wingdings 3" panose="05040102010807070707" pitchFamily="18" charset="2"/>
+              <a:buNone/>
+              <a:defRPr sz="2100" kern="1200" cap="none">
+                <a:solidFill>
+                  <a:schemeClr val="bg2">
+                    <a:lumMod val="75000"/>
+                  </a:schemeClr>
+                </a:solidFill>
+                <a:effectLst/>
+                <a:latin typeface="+mn-lt"/>
+                <a:ea typeface="+mn-ea"/>
+                <a:cs typeface="+mn-cs"/>
+              </a:defRPr>
+            </a:lvl1pPr>
+            <a:lvl2pPr marL="457200" indent="0" algn="ctr" defTabSz="457200" rtl="0" eaLnBrk="1" latinLnBrk="0" hangingPunct="1">
+              <a:spcBef>
+                <a:spcPct val="20000"/>
+              </a:spcBef>
+              <a:spcAft>
+                <a:spcPts val="600"/>
+              </a:spcAft>
+              <a:buClr>
+                <a:schemeClr val="tx1"/>
+              </a:buClr>
+              <a:buSzPct val="80000"/>
+              <a:buFont typeface="Wingdings 3" panose="05040102010807070707" pitchFamily="18" charset="2"/>
+              <a:buNone/>
+              <a:defRPr sz="1800" kern="1200" cap="none">
+                <a:solidFill>
+                  <a:schemeClr val="tx1">
+                    <a:tint val="75000"/>
+                  </a:schemeClr>
+                </a:solidFill>
+                <a:effectLst/>
+                <a:latin typeface="+mn-lt"/>
+                <a:ea typeface="+mn-ea"/>
+                <a:cs typeface="+mn-cs"/>
+              </a:defRPr>
+            </a:lvl2pPr>
+            <a:lvl3pPr marL="914400" indent="0" algn="ctr" defTabSz="457200" rtl="0" eaLnBrk="1" latinLnBrk="0" hangingPunct="1">
+              <a:spcBef>
+                <a:spcPct val="20000"/>
+              </a:spcBef>
+              <a:spcAft>
+                <a:spcPts val="600"/>
+              </a:spcAft>
+              <a:buClr>
+                <a:schemeClr val="tx1"/>
+              </a:buClr>
+              <a:buSzPct val="80000"/>
+              <a:buFont typeface="Wingdings 3" panose="05040102010807070707" pitchFamily="18" charset="2"/>
+              <a:buNone/>
+              <a:defRPr sz="1600" kern="1200" cap="none">
+                <a:solidFill>
+                  <a:schemeClr val="tx1">
+                    <a:tint val="75000"/>
+                  </a:schemeClr>
+                </a:solidFill>
+                <a:effectLst/>
+                <a:latin typeface="+mn-lt"/>
+                <a:ea typeface="+mn-ea"/>
+                <a:cs typeface="+mn-cs"/>
+              </a:defRPr>
+            </a:lvl3pPr>
+            <a:lvl4pPr marL="1371600" indent="0" algn="ctr" defTabSz="457200" rtl="0" eaLnBrk="1" latinLnBrk="0" hangingPunct="1">
+              <a:spcBef>
+                <a:spcPct val="20000"/>
+              </a:spcBef>
+              <a:spcAft>
+                <a:spcPts val="600"/>
+              </a:spcAft>
+              <a:buClr>
+                <a:schemeClr val="tx1"/>
+              </a:buClr>
+              <a:buSzPct val="80000"/>
+              <a:buFont typeface="Wingdings 3" panose="05040102010807070707" pitchFamily="18" charset="2"/>
+              <a:buNone/>
+              <a:defRPr sz="1400" kern="1200" cap="none">
+                <a:solidFill>
+                  <a:schemeClr val="tx1">
+                    <a:tint val="75000"/>
+                  </a:schemeClr>
+                </a:solidFill>
+                <a:effectLst/>
+                <a:latin typeface="+mn-lt"/>
+                <a:ea typeface="+mn-ea"/>
+                <a:cs typeface="+mn-cs"/>
+              </a:defRPr>
+            </a:lvl4pPr>
+            <a:lvl5pPr marL="1828800" indent="0" algn="ctr" defTabSz="457200" rtl="0" eaLnBrk="1" latinLnBrk="0" hangingPunct="1">
+              <a:spcBef>
+                <a:spcPct val="20000"/>
+              </a:spcBef>
+              <a:spcAft>
+                <a:spcPts val="600"/>
+              </a:spcAft>
+              <a:buClr>
+                <a:schemeClr val="tx1"/>
+              </a:buClr>
+              <a:buSzPct val="80000"/>
+              <a:buFont typeface="Wingdings 3" panose="05040102010807070707" pitchFamily="18" charset="2"/>
+              <a:buNone/>
+              <a:defRPr sz="1400" kern="1200" cap="none">
+                <a:solidFill>
+                  <a:schemeClr val="tx1">
+                    <a:tint val="75000"/>
+                  </a:schemeClr>
+                </a:solidFill>
+                <a:effectLst/>
+                <a:latin typeface="+mn-lt"/>
+                <a:ea typeface="+mn-ea"/>
+                <a:cs typeface="+mn-cs"/>
+              </a:defRPr>
+            </a:lvl5pPr>
+            <a:lvl6pPr marL="2286000" indent="0" algn="ctr" defTabSz="457200" rtl="0" eaLnBrk="1" latinLnBrk="0" hangingPunct="1">
+              <a:spcBef>
+                <a:spcPct val="20000"/>
+              </a:spcBef>
+              <a:spcAft>
+                <a:spcPts val="600"/>
+              </a:spcAft>
+              <a:buClr>
+                <a:schemeClr val="tx1"/>
+              </a:buClr>
+              <a:buSzPct val="80000"/>
+              <a:buFont typeface="Wingdings 3" panose="05040102010807070707" pitchFamily="18" charset="2"/>
+              <a:buNone/>
+              <a:defRPr sz="1400" kern="1200" cap="none">
+                <a:solidFill>
+                  <a:schemeClr val="tx1">
+                    <a:tint val="75000"/>
+                  </a:schemeClr>
+                </a:solidFill>
+                <a:effectLst/>
+                <a:latin typeface="+mn-lt"/>
+                <a:ea typeface="+mn-ea"/>
+                <a:cs typeface="+mn-cs"/>
+              </a:defRPr>
+            </a:lvl6pPr>
+            <a:lvl7pPr marL="2743200" indent="0" algn="ctr" defTabSz="457200" rtl="0" eaLnBrk="1" latinLnBrk="0" hangingPunct="1">
+              <a:spcBef>
+                <a:spcPct val="20000"/>
+              </a:spcBef>
+              <a:spcAft>
+                <a:spcPts val="600"/>
+              </a:spcAft>
+              <a:buClr>
+                <a:schemeClr val="tx1"/>
+              </a:buClr>
+              <a:buSzPct val="80000"/>
+              <a:buFont typeface="Wingdings 3" panose="05040102010807070707" pitchFamily="18" charset="2"/>
+              <a:buNone/>
+              <a:defRPr sz="1400" kern="1200" cap="none">
+                <a:solidFill>
+                  <a:schemeClr val="tx1">
+                    <a:tint val="75000"/>
+                  </a:schemeClr>
+                </a:solidFill>
+                <a:effectLst/>
+                <a:latin typeface="+mn-lt"/>
+                <a:ea typeface="+mn-ea"/>
+                <a:cs typeface="+mn-cs"/>
+              </a:defRPr>
+            </a:lvl7pPr>
+            <a:lvl8pPr marL="3200400" indent="0" algn="ctr" defTabSz="457200" rtl="0" eaLnBrk="1" latinLnBrk="0" hangingPunct="1">
+              <a:spcBef>
+                <a:spcPct val="20000"/>
+              </a:spcBef>
+              <a:spcAft>
+                <a:spcPts val="600"/>
+              </a:spcAft>
+              <a:buClr>
+                <a:schemeClr val="tx1"/>
+              </a:buClr>
+              <a:buSzPct val="80000"/>
+              <a:buFont typeface="Wingdings 3" panose="05040102010807070707" pitchFamily="18" charset="2"/>
+              <a:buNone/>
+              <a:defRPr sz="1400" kern="1200" cap="none">
+                <a:solidFill>
+                  <a:schemeClr val="tx1">
+                    <a:tint val="75000"/>
+                  </a:schemeClr>
+                </a:solidFill>
+                <a:effectLst/>
+                <a:latin typeface="+mn-lt"/>
+                <a:ea typeface="+mn-ea"/>
+                <a:cs typeface="+mn-cs"/>
+              </a:defRPr>
+            </a:lvl8pPr>
+            <a:lvl9pPr marL="3657600" indent="0" algn="ctr" defTabSz="457200" rtl="0" eaLnBrk="1" latinLnBrk="0" hangingPunct="1">
+              <a:spcBef>
+                <a:spcPct val="20000"/>
+              </a:spcBef>
+              <a:spcAft>
+                <a:spcPts val="600"/>
+              </a:spcAft>
+              <a:buClr>
+                <a:schemeClr val="tx1"/>
+              </a:buClr>
+              <a:buSzPct val="80000"/>
+              <a:buFont typeface="Wingdings 3" panose="05040102010807070707" pitchFamily="18" charset="2"/>
+              <a:buNone/>
+              <a:defRPr sz="1400" kern="1200" cap="none">
+                <a:solidFill>
+                  <a:schemeClr val="tx1">
+                    <a:tint val="75000"/>
+                  </a:schemeClr>
+                </a:solidFill>
+                <a:effectLst/>
+                <a:latin typeface="+mn-lt"/>
+                <a:ea typeface="+mn-ea"/>
+                <a:cs typeface="+mn-cs"/>
+              </a:defRPr>
+            </a:lvl9pPr>
+          </a:lstStyle>
+          <a:p>
+            <a:pPr algn="just">
+              <a:buFont typeface="Arial" panose="020B0604020202020204" pitchFamily="34" charset="0"/>
+              <a:buChar char="•"/>
+            </a:pPr>
+            <a:r>
+              <a:rPr lang="ro-RO" sz="2800" dirty="0">
+                <a:solidFill>
+                  <a:schemeClr val="tx1"/>
+                </a:solidFill>
+                <a:latin typeface="Times New Roman" panose="02020603050405020304" pitchFamily="18" charset="0"/>
+                <a:cs typeface="Times New Roman" panose="02020603050405020304" pitchFamily="18" charset="0"/>
+              </a:rPr>
+              <a:t> Motivația și tema aplicație</a:t>
+            </a:r>
+            <a:r>
+              <a:rPr lang="en-US" sz="2800" dirty="0" err="1">
+                <a:solidFill>
+                  <a:schemeClr val="tx1"/>
+                </a:solidFill>
+                <a:latin typeface="Times New Roman" panose="02020603050405020304" pitchFamily="18" charset="0"/>
+                <a:cs typeface="Times New Roman" panose="02020603050405020304" pitchFamily="18" charset="0"/>
+              </a:rPr>
+              <a:t>i</a:t>
+            </a:r>
+            <a:endParaRPr lang="ro-RO" sz="2800" dirty="0">
+              <a:solidFill>
+                <a:schemeClr val="tx1"/>
+              </a:solidFill>
+              <a:latin typeface="Times New Roman" panose="02020603050405020304" pitchFamily="18" charset="0"/>
+              <a:cs typeface="Times New Roman" panose="02020603050405020304" pitchFamily="18" charset="0"/>
+            </a:endParaRPr>
+          </a:p>
+          <a:p>
+            <a:pPr algn="just">
+              <a:buFont typeface="Arial" panose="020B0604020202020204" pitchFamily="34" charset="0"/>
+              <a:buChar char="•"/>
+            </a:pPr>
+            <a:r>
+              <a:rPr lang="en-US" sz="2800" dirty="0">
+                <a:solidFill>
+                  <a:schemeClr val="tx1"/>
+                </a:solidFill>
+                <a:latin typeface="Times New Roman" panose="02020603050405020304" pitchFamily="18" charset="0"/>
+                <a:cs typeface="Times New Roman" panose="02020603050405020304" pitchFamily="18" charset="0"/>
+              </a:rPr>
+              <a:t> </a:t>
+            </a:r>
+            <a:r>
+              <a:rPr lang="ro-RO" sz="2800" dirty="0">
+                <a:solidFill>
+                  <a:schemeClr val="tx1"/>
+                </a:solidFill>
+                <a:latin typeface="Times New Roman" panose="02020603050405020304" pitchFamily="18" charset="0"/>
+                <a:cs typeface="Times New Roman" panose="02020603050405020304" pitchFamily="18" charset="0"/>
+              </a:rPr>
+              <a:t>Tehnologii </a:t>
+            </a:r>
+            <a:r>
+              <a:rPr lang="en-US" sz="2800" dirty="0" err="1">
+                <a:solidFill>
+                  <a:schemeClr val="tx1"/>
+                </a:solidFill>
+                <a:latin typeface="Times New Roman" panose="02020603050405020304" pitchFamily="18" charset="0"/>
+                <a:cs typeface="Times New Roman" panose="02020603050405020304" pitchFamily="18" charset="0"/>
+              </a:rPr>
+              <a:t>utilizate</a:t>
+            </a:r>
+            <a:endParaRPr lang="ro-RO" sz="2800" dirty="0">
+              <a:solidFill>
+                <a:schemeClr val="tx1"/>
+              </a:solidFill>
+              <a:latin typeface="Times New Roman" panose="02020603050405020304" pitchFamily="18" charset="0"/>
+              <a:cs typeface="Times New Roman" panose="02020603050405020304" pitchFamily="18" charset="0"/>
+            </a:endParaRPr>
+          </a:p>
+          <a:p>
+            <a:pPr algn="just">
+              <a:buFont typeface="Arial" panose="020B0604020202020204" pitchFamily="34" charset="0"/>
+              <a:buChar char="•"/>
+            </a:pPr>
+            <a:r>
+              <a:rPr lang="ro-RO" sz="2800" dirty="0">
+                <a:solidFill>
+                  <a:schemeClr val="tx1"/>
+                </a:solidFill>
+                <a:latin typeface="Times New Roman" panose="02020603050405020304" pitchFamily="18" charset="0"/>
+                <a:cs typeface="Times New Roman" panose="02020603050405020304" pitchFamily="18" charset="0"/>
+              </a:rPr>
+              <a:t> Contribuții</a:t>
+            </a:r>
+          </a:p>
+          <a:p>
+            <a:pPr algn="just">
+              <a:buFont typeface="Arial" panose="020B0604020202020204" pitchFamily="34" charset="0"/>
+              <a:buChar char="•"/>
+            </a:pPr>
+            <a:r>
+              <a:rPr lang="ro-RO" sz="2800" dirty="0">
+                <a:solidFill>
+                  <a:schemeClr val="tx1"/>
+                </a:solidFill>
+                <a:latin typeface="Times New Roman" panose="02020603050405020304" pitchFamily="18" charset="0"/>
+                <a:cs typeface="Times New Roman" panose="02020603050405020304" pitchFamily="18" charset="0"/>
+              </a:rPr>
+              <a:t> </a:t>
+            </a:r>
+            <a:r>
+              <a:rPr lang="ro-RO" sz="2800" dirty="0" err="1">
+                <a:solidFill>
+                  <a:schemeClr val="tx1"/>
+                </a:solidFill>
+                <a:latin typeface="Times New Roman" panose="02020603050405020304" pitchFamily="18" charset="0"/>
+                <a:cs typeface="Times New Roman" panose="02020603050405020304" pitchFamily="18" charset="0"/>
+              </a:rPr>
+              <a:t>Demo</a:t>
+            </a:r>
+            <a:endParaRPr lang="en-US" sz="2800" dirty="0">
+              <a:solidFill>
+                <a:schemeClr val="tx1"/>
+              </a:solidFill>
+              <a:latin typeface="Times New Roman" panose="02020603050405020304" pitchFamily="18" charset="0"/>
+              <a:cs typeface="Times New Roman" panose="02020603050405020304" pitchFamily="18" charset="0"/>
+            </a:endParaRPr>
+          </a:p>
+          <a:p>
+            <a:pPr algn="just">
+              <a:buFont typeface="Arial" panose="020B0604020202020204" pitchFamily="34" charset="0"/>
+              <a:buChar char="•"/>
+            </a:pPr>
+            <a:r>
+              <a:rPr lang="en-US" sz="2800" dirty="0">
+                <a:solidFill>
+                  <a:schemeClr val="tx1"/>
+                </a:solidFill>
+                <a:latin typeface="Times New Roman" panose="02020603050405020304" pitchFamily="18" charset="0"/>
+                <a:cs typeface="Times New Roman" panose="02020603050405020304" pitchFamily="18" charset="0"/>
+              </a:rPr>
+              <a:t> </a:t>
+            </a:r>
+            <a:r>
+              <a:rPr lang="en-US" sz="2800" dirty="0" err="1">
+                <a:solidFill>
+                  <a:schemeClr val="tx1"/>
+                </a:solidFill>
+                <a:latin typeface="Times New Roman" panose="02020603050405020304" pitchFamily="18" charset="0"/>
+                <a:cs typeface="Times New Roman" panose="02020603050405020304" pitchFamily="18" charset="0"/>
+              </a:rPr>
+              <a:t>Concluzii</a:t>
+            </a:r>
+            <a:endParaRPr lang="ro-RO" sz="2800" dirty="0">
+              <a:solidFill>
+                <a:schemeClr val="tx1"/>
+              </a:solidFill>
+              <a:latin typeface="Times New Roman" panose="02020603050405020304" pitchFamily="18" charset="0"/>
+              <a:cs typeface="Times New Roman" panose="02020603050405020304" pitchFamily="18" charset="0"/>
+            </a:endParaRPr>
+          </a:p>
+          <a:p>
+            <a:pPr algn="just">
+              <a:buFont typeface="Arial" panose="020B0604020202020204" pitchFamily="34" charset="0"/>
+              <a:buChar char="•"/>
+            </a:pPr>
+            <a:r>
+              <a:rPr lang="ro-RO" sz="2800" dirty="0">
+                <a:solidFill>
+                  <a:schemeClr val="tx1"/>
+                </a:solidFill>
+                <a:latin typeface="Times New Roman" panose="02020603050405020304" pitchFamily="18" charset="0"/>
+                <a:cs typeface="Times New Roman" panose="02020603050405020304" pitchFamily="18" charset="0"/>
+              </a:rPr>
+              <a:t> </a:t>
+            </a:r>
+            <a:r>
+              <a:rPr lang="ro-RO" sz="2800" dirty="0" err="1">
+                <a:solidFill>
+                  <a:schemeClr val="tx1"/>
+                </a:solidFill>
+                <a:latin typeface="Times New Roman" panose="02020603050405020304" pitchFamily="18" charset="0"/>
+                <a:cs typeface="Times New Roman" panose="02020603050405020304" pitchFamily="18" charset="0"/>
+              </a:rPr>
+              <a:t>Q&amp;A</a:t>
+            </a:r>
+            <a:endParaRPr lang="ro-RO" sz="2800" dirty="0">
+              <a:solidFill>
+                <a:schemeClr val="tx1"/>
+              </a:solidFill>
+              <a:latin typeface="Times New Roman" panose="02020603050405020304" pitchFamily="18" charset="0"/>
+              <a:cs typeface="Times New Roman" panose="02020603050405020304" pitchFamily="18" charset="0"/>
+            </a:endParaRPr>
+          </a:p>
+        </p:txBody>
+      </p:sp>
+      <p:sp>
+        <p:nvSpPr>
+          <p:cNvPr id="4" name="Slide Number Placeholder 3">
+            <a:extLst>
+              <a:ext uri="{FF2B5EF4-FFF2-40B4-BE49-F238E27FC236}">
+                <a16:creationId xmlns:a16="http://schemas.microsoft.com/office/drawing/2014/main" id="{FE830B38-E125-4481-BED6-8B464B6CB7B3}"/>
+              </a:ext>
+            </a:extLst>
+          </p:cNvPr>
+          <p:cNvSpPr>
+            <a:spLocks noGrp="1"/>
+          </p:cNvSpPr>
+          <p:nvPr>
+            <p:ph type="sldNum" sz="quarter" idx="12"/>
+          </p:nvPr>
+        </p:nvSpPr>
+        <p:spPr/>
+        <p:txBody>
+          <a:bodyPr/>
+          <a:lstStyle/>
+          <a:p>
+            <a:r>
+              <a:rPr lang="ro-RO" dirty="0"/>
+              <a:t>2</a:t>
+            </a:r>
+            <a:endParaRPr lang="en-US" dirty="0"/>
+          </a:p>
+        </p:txBody>
+      </p:sp>
+    </p:spTree>
+    <p:extLst>
+      <p:ext uri="{BB962C8B-B14F-4D97-AF65-F5344CB8AC3E}">
+        <p14:creationId xmlns:p14="http://schemas.microsoft.com/office/powerpoint/2010/main" val="2671620936"/>
       </p:ext>
     </p:extLst>
   </p:cSld>
@@ -7064,407 +7862,219 @@
       </p:grpSpPr>
       <p:sp>
         <p:nvSpPr>
-          <p:cNvPr id="10" name="Title 1">
+          <p:cNvPr id="7" name="TextBox 6">
             <a:extLst>
               <a:ext uri="{FF2B5EF4-FFF2-40B4-BE49-F238E27FC236}">
-                <a16:creationId xmlns:a16="http://schemas.microsoft.com/office/drawing/2014/main" id="{11255B02-C024-4A77-ADDD-1896DBD6602F}"/>
+                <a16:creationId xmlns:a16="http://schemas.microsoft.com/office/drawing/2014/main" id="{2F9DBB9D-B2CD-48C4-9A3C-26C9A524A502}"/>
               </a:ext>
             </a:extLst>
           </p:cNvPr>
-          <p:cNvSpPr txBox="1">
-            <a:spLocks/>
-          </p:cNvSpPr>
+          <p:cNvSpPr txBox="1"/>
           <p:nvPr/>
         </p:nvSpPr>
         <p:spPr>
           <a:xfrm>
-            <a:off x="1610516" y="911012"/>
-            <a:ext cx="4368252" cy="1507067"/>
+            <a:off x="3613256" y="517646"/>
+            <a:ext cx="4965487" cy="584775"/>
           </a:xfrm>
           <a:prstGeom prst="rect">
             <a:avLst/>
           </a:prstGeom>
-          <a:effectLst/>
+          <a:noFill/>
         </p:spPr>
         <p:txBody>
-          <a:bodyPr vert="horz" lIns="91440" tIns="45720" rIns="91440" bIns="45720" rtlCol="0" anchor="t">
-            <a:normAutofit/>
+          <a:bodyPr wrap="square" rtlCol="0">
+            <a:spAutoFit/>
           </a:bodyPr>
-          <a:lstStyle>
-            <a:lvl1pPr algn="l" defTabSz="457200" rtl="0" eaLnBrk="1" latinLnBrk="0" hangingPunct="1">
-              <a:spcBef>
-                <a:spcPct val="0"/>
-              </a:spcBef>
-              <a:buNone/>
-              <a:defRPr sz="4800" kern="1200" cap="all">
-                <a:ln w="3175" cmpd="sng">
-                  <a:noFill/>
-                </a:ln>
-                <a:solidFill>
-                  <a:schemeClr val="tx1"/>
-                </a:solidFill>
-                <a:effectLst/>
-                <a:latin typeface="+mj-lt"/>
-                <a:ea typeface="+mj-ea"/>
-                <a:cs typeface="+mj-cs"/>
-              </a:defRPr>
-            </a:lvl1pPr>
-            <a:lvl2pPr eaLnBrk="1" hangingPunct="1">
-              <a:defRPr>
-                <a:solidFill>
-                  <a:schemeClr val="tx2"/>
-                </a:solidFill>
-              </a:defRPr>
-            </a:lvl2pPr>
-            <a:lvl3pPr eaLnBrk="1" hangingPunct="1">
-              <a:defRPr>
-                <a:solidFill>
-                  <a:schemeClr val="tx2"/>
-                </a:solidFill>
-              </a:defRPr>
-            </a:lvl3pPr>
-            <a:lvl4pPr eaLnBrk="1" hangingPunct="1">
-              <a:defRPr>
-                <a:solidFill>
-                  <a:schemeClr val="tx2"/>
-                </a:solidFill>
-              </a:defRPr>
-            </a:lvl4pPr>
-            <a:lvl5pPr eaLnBrk="1" hangingPunct="1">
-              <a:defRPr>
-                <a:solidFill>
-                  <a:schemeClr val="tx2"/>
-                </a:solidFill>
-              </a:defRPr>
-            </a:lvl5pPr>
-            <a:lvl6pPr eaLnBrk="1" hangingPunct="1">
-              <a:defRPr>
-                <a:solidFill>
-                  <a:schemeClr val="tx2"/>
-                </a:solidFill>
-              </a:defRPr>
-            </a:lvl6pPr>
-            <a:lvl7pPr eaLnBrk="1" hangingPunct="1">
-              <a:defRPr>
-                <a:solidFill>
-                  <a:schemeClr val="tx2"/>
-                </a:solidFill>
-              </a:defRPr>
-            </a:lvl7pPr>
-            <a:lvl8pPr eaLnBrk="1" hangingPunct="1">
-              <a:defRPr>
-                <a:solidFill>
-                  <a:schemeClr val="tx2"/>
-                </a:solidFill>
-              </a:defRPr>
-            </a:lvl8pPr>
-            <a:lvl9pPr eaLnBrk="1" hangingPunct="1">
-              <a:defRPr>
-                <a:solidFill>
-                  <a:schemeClr val="tx2"/>
-                </a:solidFill>
-              </a:defRPr>
-            </a:lvl9pPr>
-          </a:lstStyle>
+          <a:lstStyle/>
           <a:p>
             <a:pPr algn="ctr"/>
             <a:r>
-              <a:rPr lang="ro-RO" sz="4400" cap="none" dirty="0" err="1">
-                <a:latin typeface="Times New Roman" panose="02020603050405020304" pitchFamily="18" charset="0"/>
-                <a:cs typeface="Times New Roman" panose="02020603050405020304" pitchFamily="18" charset="0"/>
-              </a:rPr>
-              <a:t>Cuprin</a:t>
-            </a:r>
-            <a:r>
-              <a:rPr lang="en-US" sz="4400" cap="none" dirty="0">
-                <a:latin typeface="Times New Roman" panose="02020603050405020304" pitchFamily="18" charset="0"/>
-                <a:cs typeface="Times New Roman" panose="02020603050405020304" pitchFamily="18" charset="0"/>
-              </a:rPr>
-              <a:t>s</a:t>
-            </a:r>
-          </a:p>
-        </p:txBody>
-      </p:sp>
-      <p:sp>
-        <p:nvSpPr>
-          <p:cNvPr id="11" name="Content Placeholder 2">
+              <a:rPr lang="en-US" sz="3200" dirty="0">
+                <a:latin typeface="Times New Roman" panose="02020603050405020304" pitchFamily="18" charset="0"/>
+                <a:cs typeface="Times New Roman" panose="02020603050405020304" pitchFamily="18" charset="0"/>
+              </a:rPr>
+              <a:t>Motiva</a:t>
+            </a:r>
+            <a:r>
+              <a:rPr lang="ro-RO" sz="3200" dirty="0" err="1">
+                <a:latin typeface="Times New Roman" panose="02020603050405020304" pitchFamily="18" charset="0"/>
+                <a:cs typeface="Times New Roman" panose="02020603050405020304" pitchFamily="18" charset="0"/>
+              </a:rPr>
+              <a:t>ția</a:t>
+            </a:r>
+            <a:r>
+              <a:rPr lang="ro-RO" sz="3200" dirty="0">
+                <a:latin typeface="Times New Roman" panose="02020603050405020304" pitchFamily="18" charset="0"/>
+                <a:cs typeface="Times New Roman" panose="02020603050405020304" pitchFamily="18" charset="0"/>
+              </a:rPr>
+              <a:t> și tema aplicației</a:t>
+            </a:r>
+          </a:p>
+        </p:txBody>
+      </p:sp>
+      <p:sp>
+        <p:nvSpPr>
+          <p:cNvPr id="3" name="Content Placeholder 2">
             <a:extLst>
               <a:ext uri="{FF2B5EF4-FFF2-40B4-BE49-F238E27FC236}">
-                <a16:creationId xmlns:a16="http://schemas.microsoft.com/office/drawing/2014/main" id="{94AC42C0-3378-40DA-AD4D-AB7990D18D16}"/>
+                <a16:creationId xmlns:a16="http://schemas.microsoft.com/office/drawing/2014/main" id="{0C216386-99E4-4D88-B0EB-083C6F76DBD5}"/>
               </a:ext>
             </a:extLst>
           </p:cNvPr>
-          <p:cNvSpPr txBox="1">
-            <a:spLocks/>
-          </p:cNvSpPr>
-          <p:nvPr/>
+          <p:cNvSpPr>
+            <a:spLocks noGrp="1"/>
+          </p:cNvSpPr>
+          <p:nvPr>
+            <p:ph idx="1"/>
+          </p:nvPr>
         </p:nvSpPr>
         <p:spPr>
           <a:xfrm>
-            <a:off x="1610517" y="2240280"/>
-            <a:ext cx="4368252" cy="3615267"/>
+            <a:off x="732137" y="1345221"/>
+            <a:ext cx="10727723" cy="3191609"/>
           </a:xfrm>
-          <a:prstGeom prst="rect">
-            <a:avLst/>
-          </a:prstGeom>
         </p:spPr>
         <p:txBody>
-          <a:bodyPr vert="horz" lIns="91440" tIns="45720" rIns="91440" bIns="45720" rtlCol="0" anchor="t">
-            <a:normAutofit/>
+          <a:bodyPr anchor="t">
+            <a:noAutofit/>
           </a:bodyPr>
-          <a:lstStyle>
-            <a:lvl1pPr marL="0" indent="0" algn="l" defTabSz="457200" rtl="0" eaLnBrk="1" latinLnBrk="0" hangingPunct="1">
-              <a:spcBef>
-                <a:spcPct val="20000"/>
-              </a:spcBef>
-              <a:spcAft>
-                <a:spcPts val="600"/>
-              </a:spcAft>
-              <a:buClr>
-                <a:schemeClr val="tx1"/>
-              </a:buClr>
-              <a:buSzPct val="80000"/>
-              <a:buFont typeface="Wingdings 3" panose="05040102010807070707" pitchFamily="18" charset="2"/>
-              <a:buNone/>
-              <a:defRPr sz="2100" kern="1200" cap="none">
-                <a:solidFill>
-                  <a:schemeClr val="bg2">
-                    <a:lumMod val="75000"/>
-                  </a:schemeClr>
-                </a:solidFill>
-                <a:effectLst/>
-                <a:latin typeface="+mn-lt"/>
-                <a:ea typeface="+mn-ea"/>
-                <a:cs typeface="+mn-cs"/>
-              </a:defRPr>
-            </a:lvl1pPr>
-            <a:lvl2pPr marL="457200" indent="0" algn="ctr" defTabSz="457200" rtl="0" eaLnBrk="1" latinLnBrk="0" hangingPunct="1">
-              <a:spcBef>
-                <a:spcPct val="20000"/>
-              </a:spcBef>
-              <a:spcAft>
-                <a:spcPts val="600"/>
-              </a:spcAft>
-              <a:buClr>
-                <a:schemeClr val="tx1"/>
-              </a:buClr>
-              <a:buSzPct val="80000"/>
-              <a:buFont typeface="Wingdings 3" panose="05040102010807070707" pitchFamily="18" charset="2"/>
-              <a:buNone/>
-              <a:defRPr sz="1800" kern="1200" cap="none">
-                <a:solidFill>
-                  <a:schemeClr val="tx1">
-                    <a:tint val="75000"/>
-                  </a:schemeClr>
-                </a:solidFill>
-                <a:effectLst/>
-                <a:latin typeface="+mn-lt"/>
-                <a:ea typeface="+mn-ea"/>
-                <a:cs typeface="+mn-cs"/>
-              </a:defRPr>
-            </a:lvl2pPr>
-            <a:lvl3pPr marL="914400" indent="0" algn="ctr" defTabSz="457200" rtl="0" eaLnBrk="1" latinLnBrk="0" hangingPunct="1">
-              <a:spcBef>
-                <a:spcPct val="20000"/>
-              </a:spcBef>
-              <a:spcAft>
-                <a:spcPts val="600"/>
-              </a:spcAft>
-              <a:buClr>
-                <a:schemeClr val="tx1"/>
-              </a:buClr>
-              <a:buSzPct val="80000"/>
-              <a:buFont typeface="Wingdings 3" panose="05040102010807070707" pitchFamily="18" charset="2"/>
-              <a:buNone/>
-              <a:defRPr sz="1600" kern="1200" cap="none">
-                <a:solidFill>
-                  <a:schemeClr val="tx1">
-                    <a:tint val="75000"/>
-                  </a:schemeClr>
-                </a:solidFill>
-                <a:effectLst/>
-                <a:latin typeface="+mn-lt"/>
-                <a:ea typeface="+mn-ea"/>
-                <a:cs typeface="+mn-cs"/>
-              </a:defRPr>
-            </a:lvl3pPr>
-            <a:lvl4pPr marL="1371600" indent="0" algn="ctr" defTabSz="457200" rtl="0" eaLnBrk="1" latinLnBrk="0" hangingPunct="1">
-              <a:spcBef>
-                <a:spcPct val="20000"/>
-              </a:spcBef>
-              <a:spcAft>
-                <a:spcPts val="600"/>
-              </a:spcAft>
-              <a:buClr>
-                <a:schemeClr val="tx1"/>
-              </a:buClr>
-              <a:buSzPct val="80000"/>
-              <a:buFont typeface="Wingdings 3" panose="05040102010807070707" pitchFamily="18" charset="2"/>
-              <a:buNone/>
-              <a:defRPr sz="1400" kern="1200" cap="none">
-                <a:solidFill>
-                  <a:schemeClr val="tx1">
-                    <a:tint val="75000"/>
-                  </a:schemeClr>
-                </a:solidFill>
-                <a:effectLst/>
-                <a:latin typeface="+mn-lt"/>
-                <a:ea typeface="+mn-ea"/>
-                <a:cs typeface="+mn-cs"/>
-              </a:defRPr>
-            </a:lvl4pPr>
-            <a:lvl5pPr marL="1828800" indent="0" algn="ctr" defTabSz="457200" rtl="0" eaLnBrk="1" latinLnBrk="0" hangingPunct="1">
-              <a:spcBef>
-                <a:spcPct val="20000"/>
-              </a:spcBef>
-              <a:spcAft>
-                <a:spcPts val="600"/>
-              </a:spcAft>
-              <a:buClr>
-                <a:schemeClr val="tx1"/>
-              </a:buClr>
-              <a:buSzPct val="80000"/>
-              <a:buFont typeface="Wingdings 3" panose="05040102010807070707" pitchFamily="18" charset="2"/>
-              <a:buNone/>
-              <a:defRPr sz="1400" kern="1200" cap="none">
-                <a:solidFill>
-                  <a:schemeClr val="tx1">
-                    <a:tint val="75000"/>
-                  </a:schemeClr>
-                </a:solidFill>
-                <a:effectLst/>
-                <a:latin typeface="+mn-lt"/>
-                <a:ea typeface="+mn-ea"/>
-                <a:cs typeface="+mn-cs"/>
-              </a:defRPr>
-            </a:lvl5pPr>
-            <a:lvl6pPr marL="2286000" indent="0" algn="ctr" defTabSz="457200" rtl="0" eaLnBrk="1" latinLnBrk="0" hangingPunct="1">
-              <a:spcBef>
-                <a:spcPct val="20000"/>
-              </a:spcBef>
-              <a:spcAft>
-                <a:spcPts val="600"/>
-              </a:spcAft>
-              <a:buClr>
-                <a:schemeClr val="tx1"/>
-              </a:buClr>
-              <a:buSzPct val="80000"/>
-              <a:buFont typeface="Wingdings 3" panose="05040102010807070707" pitchFamily="18" charset="2"/>
-              <a:buNone/>
-              <a:defRPr sz="1400" kern="1200" cap="none">
-                <a:solidFill>
-                  <a:schemeClr val="tx1">
-                    <a:tint val="75000"/>
-                  </a:schemeClr>
-                </a:solidFill>
-                <a:effectLst/>
-                <a:latin typeface="+mn-lt"/>
-                <a:ea typeface="+mn-ea"/>
-                <a:cs typeface="+mn-cs"/>
-              </a:defRPr>
-            </a:lvl6pPr>
-            <a:lvl7pPr marL="2743200" indent="0" algn="ctr" defTabSz="457200" rtl="0" eaLnBrk="1" latinLnBrk="0" hangingPunct="1">
-              <a:spcBef>
-                <a:spcPct val="20000"/>
-              </a:spcBef>
-              <a:spcAft>
-                <a:spcPts val="600"/>
-              </a:spcAft>
-              <a:buClr>
-                <a:schemeClr val="tx1"/>
-              </a:buClr>
-              <a:buSzPct val="80000"/>
-              <a:buFont typeface="Wingdings 3" panose="05040102010807070707" pitchFamily="18" charset="2"/>
-              <a:buNone/>
-              <a:defRPr sz="1400" kern="1200" cap="none">
-                <a:solidFill>
-                  <a:schemeClr val="tx1">
-                    <a:tint val="75000"/>
-                  </a:schemeClr>
-                </a:solidFill>
-                <a:effectLst/>
-                <a:latin typeface="+mn-lt"/>
-                <a:ea typeface="+mn-ea"/>
-                <a:cs typeface="+mn-cs"/>
-              </a:defRPr>
-            </a:lvl7pPr>
-            <a:lvl8pPr marL="3200400" indent="0" algn="ctr" defTabSz="457200" rtl="0" eaLnBrk="1" latinLnBrk="0" hangingPunct="1">
-              <a:spcBef>
-                <a:spcPct val="20000"/>
-              </a:spcBef>
-              <a:spcAft>
-                <a:spcPts val="600"/>
-              </a:spcAft>
-              <a:buClr>
-                <a:schemeClr val="tx1"/>
-              </a:buClr>
-              <a:buSzPct val="80000"/>
-              <a:buFont typeface="Wingdings 3" panose="05040102010807070707" pitchFamily="18" charset="2"/>
-              <a:buNone/>
-              <a:defRPr sz="1400" kern="1200" cap="none">
-                <a:solidFill>
-                  <a:schemeClr val="tx1">
-                    <a:tint val="75000"/>
-                  </a:schemeClr>
-                </a:solidFill>
-                <a:effectLst/>
-                <a:latin typeface="+mn-lt"/>
-                <a:ea typeface="+mn-ea"/>
-                <a:cs typeface="+mn-cs"/>
-              </a:defRPr>
-            </a:lvl8pPr>
-            <a:lvl9pPr marL="3657600" indent="0" algn="ctr" defTabSz="457200" rtl="0" eaLnBrk="1" latinLnBrk="0" hangingPunct="1">
-              <a:spcBef>
-                <a:spcPct val="20000"/>
-              </a:spcBef>
-              <a:spcAft>
-                <a:spcPts val="600"/>
-              </a:spcAft>
-              <a:buClr>
-                <a:schemeClr val="tx1"/>
-              </a:buClr>
-              <a:buSzPct val="80000"/>
-              <a:buFont typeface="Wingdings 3" panose="05040102010807070707" pitchFamily="18" charset="2"/>
-              <a:buNone/>
-              <a:defRPr sz="1400" kern="1200" cap="none">
-                <a:solidFill>
-                  <a:schemeClr val="tx1">
-                    <a:tint val="75000"/>
-                  </a:schemeClr>
-                </a:solidFill>
-                <a:effectLst/>
-                <a:latin typeface="+mn-lt"/>
-                <a:ea typeface="+mn-ea"/>
-                <a:cs typeface="+mn-cs"/>
-              </a:defRPr>
-            </a:lvl9pPr>
-          </a:lstStyle>
-          <a:p>
-            <a:pPr algn="just">
-              <a:buFont typeface="Arial" panose="020B0604020202020204" pitchFamily="34" charset="0"/>
-              <a:buChar char="•"/>
+          <a:lstStyle/>
+          <a:p>
+            <a:pPr marL="0" indent="0">
+              <a:buNone/>
             </a:pPr>
             <a:r>
-              <a:rPr lang="ro-RO" sz="2800" dirty="0">
-                <a:solidFill>
-                  <a:schemeClr val="tx1"/>
-                </a:solidFill>
-                <a:latin typeface="Times New Roman" panose="02020603050405020304" pitchFamily="18" charset="0"/>
-                <a:cs typeface="Times New Roman" panose="02020603050405020304" pitchFamily="18" charset="0"/>
-              </a:rPr>
-              <a:t> Motivația și tema aplicație</a:t>
-            </a:r>
-            <a:r>
-              <a:rPr lang="en-US" sz="2800" dirty="0" err="1">
-                <a:solidFill>
-                  <a:schemeClr val="tx1"/>
-                </a:solidFill>
-                <a:latin typeface="Times New Roman" panose="02020603050405020304" pitchFamily="18" charset="0"/>
-                <a:cs typeface="Times New Roman" panose="02020603050405020304" pitchFamily="18" charset="0"/>
-              </a:rPr>
-              <a:t>i</a:t>
-            </a:r>
-            <a:endParaRPr lang="ro-RO" sz="2800" dirty="0">
+              <a:rPr lang="ro-RO" sz="2400" dirty="0">
+                <a:solidFill>
+                  <a:schemeClr val="tx1"/>
+                </a:solidFill>
+                <a:latin typeface="Times New Roman" panose="02020603050405020304" pitchFamily="18" charset="0"/>
+                <a:cs typeface="Times New Roman" panose="02020603050405020304" pitchFamily="18" charset="0"/>
+              </a:rPr>
+              <a:t>  În ultima vreme am observat o dezvoltare din ce în ce mai accentuată a domeniului medical și nevoia tot mai mare a unei platforme prin intermediul căreia </a:t>
+            </a:r>
+            <a:r>
+              <a:rPr lang="en-US" sz="2400" dirty="0" err="1">
+                <a:solidFill>
+                  <a:schemeClr val="tx1"/>
+                </a:solidFill>
+                <a:latin typeface="Times New Roman" panose="02020603050405020304" pitchFamily="18" charset="0"/>
+                <a:cs typeface="Times New Roman" panose="02020603050405020304" pitchFamily="18" charset="0"/>
+              </a:rPr>
+              <a:t>utilizatorii</a:t>
+            </a:r>
+            <a:r>
+              <a:rPr lang="ro-RO" sz="2400" dirty="0">
+                <a:solidFill>
+                  <a:schemeClr val="tx1"/>
+                </a:solidFill>
+                <a:latin typeface="Times New Roman" panose="02020603050405020304" pitchFamily="18" charset="0"/>
+                <a:cs typeface="Times New Roman" panose="02020603050405020304" pitchFamily="18" charset="0"/>
+              </a:rPr>
+              <a:t> să își acceseze datele </a:t>
+            </a:r>
+            <a:r>
+              <a:rPr lang="ro-RO" sz="2400" dirty="0" err="1">
+                <a:solidFill>
+                  <a:schemeClr val="tx1"/>
+                </a:solidFill>
+                <a:latin typeface="Times New Roman" panose="02020603050405020304" pitchFamily="18" charset="0"/>
+                <a:cs typeface="Times New Roman" panose="02020603050405020304" pitchFamily="18" charset="0"/>
+              </a:rPr>
+              <a:t>într</a:t>
+            </a:r>
+            <a:r>
+              <a:rPr lang="en-US" sz="2400" dirty="0">
+                <a:solidFill>
+                  <a:schemeClr val="tx1"/>
+                </a:solidFill>
+                <a:latin typeface="Times New Roman" panose="02020603050405020304" pitchFamily="18" charset="0"/>
+                <a:cs typeface="Times New Roman" panose="02020603050405020304" pitchFamily="18" charset="0"/>
+              </a:rPr>
+              <a:t>-</a:t>
+            </a:r>
+            <a:r>
+              <a:rPr lang="ro-RO" sz="2400" dirty="0">
+                <a:solidFill>
+                  <a:schemeClr val="tx1"/>
+                </a:solidFill>
+                <a:latin typeface="Times New Roman" panose="02020603050405020304" pitchFamily="18" charset="0"/>
+                <a:cs typeface="Times New Roman" panose="02020603050405020304" pitchFamily="18" charset="0"/>
+              </a:rPr>
+              <a:t>un mod sigur, </a:t>
+            </a:r>
+            <a:r>
+              <a:rPr lang="en-US" sz="2400" dirty="0">
+                <a:solidFill>
+                  <a:schemeClr val="tx1"/>
+                </a:solidFill>
+                <a:latin typeface="Times New Roman" panose="02020603050405020304" pitchFamily="18" charset="0"/>
+                <a:cs typeface="Times New Roman" panose="02020603050405020304" pitchFamily="18" charset="0"/>
+              </a:rPr>
+              <a:t>de </a:t>
+            </a:r>
+            <a:r>
+              <a:rPr lang="ro-RO" sz="2400" dirty="0">
+                <a:solidFill>
+                  <a:schemeClr val="tx1"/>
+                </a:solidFill>
+                <a:latin typeface="Times New Roman" panose="02020603050405020304" pitchFamily="18" charset="0"/>
+                <a:cs typeface="Times New Roman" panose="02020603050405020304" pitchFamily="18" charset="0"/>
+              </a:rPr>
+              <a:t>oriunde s-ar afla.</a:t>
+            </a:r>
+            <a:r>
+              <a:rPr lang="en-US" sz="2400" dirty="0">
+                <a:solidFill>
+                  <a:schemeClr val="tx1"/>
+                </a:solidFill>
+                <a:latin typeface="Times New Roman" panose="02020603050405020304" pitchFamily="18" charset="0"/>
+                <a:cs typeface="Times New Roman" panose="02020603050405020304" pitchFamily="18" charset="0"/>
+              </a:rPr>
+              <a:t> </a:t>
+            </a:r>
+            <a:r>
+              <a:rPr lang="en-US" sz="2400" dirty="0" err="1">
+                <a:solidFill>
+                  <a:schemeClr val="tx1"/>
+                </a:solidFill>
+                <a:latin typeface="Times New Roman" panose="02020603050405020304" pitchFamily="18" charset="0"/>
+                <a:cs typeface="Times New Roman" panose="02020603050405020304" pitchFamily="18" charset="0"/>
+              </a:rPr>
+              <a:t>Astfel</a:t>
+            </a:r>
+            <a:r>
+              <a:rPr lang="en-US" sz="2400" dirty="0">
+                <a:solidFill>
+                  <a:schemeClr val="tx1"/>
+                </a:solidFill>
+                <a:latin typeface="Times New Roman" panose="02020603050405020304" pitchFamily="18" charset="0"/>
+                <a:cs typeface="Times New Roman" panose="02020603050405020304" pitchFamily="18" charset="0"/>
+              </a:rPr>
+              <a:t> a ap</a:t>
+            </a:r>
+            <a:r>
+              <a:rPr lang="ro-RO" sz="2400" dirty="0" err="1">
+                <a:solidFill>
+                  <a:schemeClr val="tx1"/>
+                </a:solidFill>
+                <a:latin typeface="Times New Roman" panose="02020603050405020304" pitchFamily="18" charset="0"/>
+                <a:cs typeface="Times New Roman" panose="02020603050405020304" pitchFamily="18" charset="0"/>
+              </a:rPr>
+              <a:t>ărut</a:t>
+            </a:r>
+            <a:r>
+              <a:rPr lang="ro-RO" sz="2400" dirty="0">
+                <a:solidFill>
+                  <a:schemeClr val="tx1"/>
+                </a:solidFill>
+                <a:latin typeface="Times New Roman" panose="02020603050405020304" pitchFamily="18" charset="0"/>
+                <a:cs typeface="Times New Roman" panose="02020603050405020304" pitchFamily="18" charset="0"/>
+              </a:rPr>
+              <a:t> tema acestui proiect.</a:t>
+            </a:r>
+            <a:endParaRPr lang="en-US" sz="2400" dirty="0">
               <a:solidFill>
                 <a:schemeClr val="tx1"/>
               </a:solidFill>
@@ -7473,12 +8083,111 @@
             </a:endParaRPr>
           </a:p>
           <a:p>
-            <a:pPr algn="just">
-              <a:buFont typeface="Arial" panose="020B0604020202020204" pitchFamily="34" charset="0"/>
-              <a:buChar char="•"/>
+            <a:pPr marL="0" indent="0">
+              <a:buNone/>
             </a:pPr>
             <a:r>
-              <a:rPr lang="en-US" sz="2800" dirty="0">
+              <a:rPr lang="en-US" sz="2400" dirty="0">
+                <a:solidFill>
+                  <a:schemeClr val="tx1"/>
+                </a:solidFill>
+                <a:latin typeface="Times New Roman" panose="02020603050405020304" pitchFamily="18" charset="0"/>
+                <a:cs typeface="Times New Roman" panose="02020603050405020304" pitchFamily="18" charset="0"/>
+              </a:rPr>
+              <a:t>  </a:t>
+            </a:r>
+            <a:r>
+              <a:rPr lang="en-US" sz="2400" b="1" dirty="0" err="1">
+                <a:solidFill>
+                  <a:schemeClr val="tx1"/>
+                </a:solidFill>
+                <a:latin typeface="Times New Roman" panose="02020603050405020304" pitchFamily="18" charset="0"/>
+                <a:cs typeface="Times New Roman" panose="02020603050405020304" pitchFamily="18" charset="0"/>
+              </a:rPr>
+              <a:t>MediArch</a:t>
+            </a:r>
+            <a:r>
+              <a:rPr lang="en-US" sz="2400" dirty="0">
+                <a:solidFill>
+                  <a:schemeClr val="tx1"/>
+                </a:solidFill>
+                <a:latin typeface="Times New Roman" panose="02020603050405020304" pitchFamily="18" charset="0"/>
+                <a:cs typeface="Times New Roman" panose="02020603050405020304" pitchFamily="18" charset="0"/>
+              </a:rPr>
+              <a:t> (“Medical Archive”) </a:t>
+            </a:r>
+            <a:r>
+              <a:rPr lang="en-US" sz="2400" dirty="0" err="1">
+                <a:solidFill>
+                  <a:schemeClr val="tx1"/>
+                </a:solidFill>
+                <a:latin typeface="Times New Roman" panose="02020603050405020304" pitchFamily="18" charset="0"/>
+                <a:cs typeface="Times New Roman" panose="02020603050405020304" pitchFamily="18" charset="0"/>
+              </a:rPr>
+              <a:t>este</a:t>
+            </a:r>
+            <a:r>
+              <a:rPr lang="en-US" sz="2400" dirty="0">
+                <a:solidFill>
+                  <a:schemeClr val="tx1"/>
+                </a:solidFill>
+                <a:latin typeface="Times New Roman" panose="02020603050405020304" pitchFamily="18" charset="0"/>
+                <a:cs typeface="Times New Roman" panose="02020603050405020304" pitchFamily="18" charset="0"/>
+              </a:rPr>
+              <a:t> o </a:t>
+            </a:r>
+            <a:r>
+              <a:rPr lang="en-US" sz="2400" dirty="0" err="1">
+                <a:solidFill>
+                  <a:schemeClr val="tx1"/>
+                </a:solidFill>
+                <a:latin typeface="Times New Roman" panose="02020603050405020304" pitchFamily="18" charset="0"/>
+                <a:cs typeface="Times New Roman" panose="02020603050405020304" pitchFamily="18" charset="0"/>
+              </a:rPr>
+              <a:t>aplica</a:t>
+            </a:r>
+            <a:r>
+              <a:rPr lang="ro-RO" sz="2400" dirty="0">
+                <a:solidFill>
+                  <a:schemeClr val="tx1"/>
+                </a:solidFill>
+                <a:latin typeface="Times New Roman" panose="02020603050405020304" pitchFamily="18" charset="0"/>
+                <a:cs typeface="Times New Roman" panose="02020603050405020304" pitchFamily="18" charset="0"/>
+              </a:rPr>
+              <a:t>ție web</a:t>
+            </a:r>
+            <a:r>
+              <a:rPr lang="en-US" sz="2400" dirty="0">
+                <a:solidFill>
+                  <a:schemeClr val="tx1"/>
+                </a:solidFill>
+                <a:latin typeface="Times New Roman" panose="02020603050405020304" pitchFamily="18" charset="0"/>
+                <a:cs typeface="Times New Roman" panose="02020603050405020304" pitchFamily="18" charset="0"/>
+              </a:rPr>
+              <a:t>, </a:t>
+            </a:r>
+            <a:r>
+              <a:rPr lang="ro-RO" sz="2400" dirty="0">
+                <a:solidFill>
+                  <a:schemeClr val="tx1"/>
+                </a:solidFill>
+                <a:latin typeface="Times New Roman" panose="02020603050405020304" pitchFamily="18" charset="0"/>
+                <a:cs typeface="Times New Roman" panose="02020603050405020304" pitchFamily="18" charset="0"/>
+              </a:rPr>
+              <a:t>menită să servească numeroși clienți care doresc să aibă la dispoziție toate </a:t>
+            </a:r>
+            <a:r>
+              <a:rPr lang="en-US" sz="2400" dirty="0" err="1">
+                <a:solidFill>
+                  <a:schemeClr val="tx1"/>
+                </a:solidFill>
+                <a:latin typeface="Times New Roman" panose="02020603050405020304" pitchFamily="18" charset="0"/>
+                <a:cs typeface="Times New Roman" panose="02020603050405020304" pitchFamily="18" charset="0"/>
+              </a:rPr>
+              <a:t>datele</a:t>
+            </a:r>
+            <a:r>
+              <a:rPr lang="en-US" sz="2400" dirty="0">
                 <a:solidFill>
                   <a:schemeClr val="tx1"/>
                 </a:solidFill>
@@ -7488,26 +8197,46 @@
               <a:t> </a:t>
             </a:r>
             <a:r>
-              <a:rPr lang="ro-RO" sz="2800" dirty="0">
-                <a:solidFill>
-                  <a:schemeClr val="tx1"/>
-                </a:solidFill>
-                <a:latin typeface="Times New Roman" panose="02020603050405020304" pitchFamily="18" charset="0"/>
-                <a:cs typeface="Times New Roman" panose="02020603050405020304" pitchFamily="18" charset="0"/>
-              </a:rPr>
-              <a:t>Tehnologii </a:t>
-            </a:r>
-            <a:r>
-              <a:rPr lang="en-US" sz="2800" dirty="0" err="1">
-                <a:solidFill>
-                  <a:schemeClr val="tx1"/>
-                </a:solidFill>
-                <a:latin typeface="Times New Roman" panose="02020603050405020304" pitchFamily="18" charset="0"/>
-                <a:cs typeface="Times New Roman" panose="02020603050405020304" pitchFamily="18" charset="0"/>
-              </a:rPr>
-              <a:t>utilizate</a:t>
-            </a:r>
-            <a:endParaRPr lang="ro-RO" sz="2800" dirty="0">
+              <a:rPr lang="ro-RO" sz="2400" dirty="0">
+                <a:solidFill>
+                  <a:schemeClr val="tx1"/>
+                </a:solidFill>
+                <a:latin typeface="Times New Roman" panose="02020603050405020304" pitchFamily="18" charset="0"/>
+                <a:cs typeface="Times New Roman" panose="02020603050405020304" pitchFamily="18" charset="0"/>
+              </a:rPr>
+              <a:t>consultații</a:t>
+            </a:r>
+            <a:r>
+              <a:rPr lang="en-US" sz="2400" dirty="0" err="1">
+                <a:solidFill>
+                  <a:schemeClr val="tx1"/>
+                </a:solidFill>
+                <a:latin typeface="Times New Roman" panose="02020603050405020304" pitchFamily="18" charset="0"/>
+                <a:cs typeface="Times New Roman" panose="02020603050405020304" pitchFamily="18" charset="0"/>
+              </a:rPr>
+              <a:t>lor</a:t>
+            </a:r>
+            <a:r>
+              <a:rPr lang="ro-RO" sz="2400" dirty="0">
+                <a:solidFill>
+                  <a:schemeClr val="tx1"/>
+                </a:solidFill>
+                <a:latin typeface="Times New Roman" panose="02020603050405020304" pitchFamily="18" charset="0"/>
+                <a:cs typeface="Times New Roman" panose="02020603050405020304" pitchFamily="18" charset="0"/>
+              </a:rPr>
+              <a:t> anterioare</a:t>
+            </a:r>
+            <a:r>
+              <a:rPr lang="en-US" sz="2400" dirty="0">
+                <a:solidFill>
+                  <a:schemeClr val="tx1"/>
+                </a:solidFill>
+                <a:latin typeface="Times New Roman" panose="02020603050405020304" pitchFamily="18" charset="0"/>
+                <a:cs typeface="Times New Roman" panose="02020603050405020304" pitchFamily="18" charset="0"/>
+              </a:rPr>
+              <a:t>.</a:t>
+            </a:r>
+            <a:endParaRPr lang="ro-RO" sz="2400" dirty="0">
               <a:solidFill>
                 <a:schemeClr val="tx1"/>
               </a:solidFill>
@@ -7515,79 +8244,14 @@
               <a:cs typeface="Times New Roman" panose="02020603050405020304" pitchFamily="18" charset="0"/>
             </a:endParaRPr>
           </a:p>
-          <a:p>
-            <a:pPr algn="just">
-              <a:buFont typeface="Arial" panose="020B0604020202020204" pitchFamily="34" charset="0"/>
-              <a:buChar char="•"/>
-            </a:pPr>
-            <a:r>
-              <a:rPr lang="ro-RO" sz="2800" dirty="0">
-                <a:solidFill>
-                  <a:schemeClr val="tx1"/>
-                </a:solidFill>
-                <a:latin typeface="Times New Roman" panose="02020603050405020304" pitchFamily="18" charset="0"/>
-                <a:cs typeface="Times New Roman" panose="02020603050405020304" pitchFamily="18" charset="0"/>
-              </a:rPr>
-              <a:t> Contribuții</a:t>
-            </a:r>
-          </a:p>
-          <a:p>
-            <a:pPr algn="just">
-              <a:buFont typeface="Arial" panose="020B0604020202020204" pitchFamily="34" charset="0"/>
-              <a:buChar char="•"/>
-            </a:pPr>
-            <a:r>
-              <a:rPr lang="ro-RO" sz="2800" dirty="0">
-                <a:solidFill>
-                  <a:schemeClr val="tx1"/>
-                </a:solidFill>
-                <a:latin typeface="Times New Roman" panose="02020603050405020304" pitchFamily="18" charset="0"/>
-                <a:cs typeface="Times New Roman" panose="02020603050405020304" pitchFamily="18" charset="0"/>
-              </a:rPr>
-              <a:t> </a:t>
-            </a:r>
-            <a:r>
-              <a:rPr lang="ro-RO" sz="2800" dirty="0" err="1">
-                <a:solidFill>
-                  <a:schemeClr val="tx1"/>
-                </a:solidFill>
-                <a:latin typeface="Times New Roman" panose="02020603050405020304" pitchFamily="18" charset="0"/>
-                <a:cs typeface="Times New Roman" panose="02020603050405020304" pitchFamily="18" charset="0"/>
-              </a:rPr>
-              <a:t>Demo</a:t>
-            </a:r>
-            <a:endParaRPr lang="ro-RO" sz="2800" dirty="0">
-              <a:solidFill>
-                <a:schemeClr val="tx1"/>
-              </a:solidFill>
-              <a:latin typeface="Times New Roman" panose="02020603050405020304" pitchFamily="18" charset="0"/>
-              <a:cs typeface="Times New Roman" panose="02020603050405020304" pitchFamily="18" charset="0"/>
-            </a:endParaRPr>
-          </a:p>
-          <a:p>
-            <a:pPr algn="just">
-              <a:buFont typeface="Arial" panose="020B0604020202020204" pitchFamily="34" charset="0"/>
-              <a:buChar char="•"/>
-            </a:pPr>
-            <a:r>
-              <a:rPr lang="ro-RO" sz="2800" dirty="0">
-                <a:solidFill>
-                  <a:schemeClr val="tx1"/>
-                </a:solidFill>
-                <a:latin typeface="Times New Roman" panose="02020603050405020304" pitchFamily="18" charset="0"/>
-                <a:cs typeface="Times New Roman" panose="02020603050405020304" pitchFamily="18" charset="0"/>
-              </a:rPr>
-              <a:t> Concluzii</a:t>
-            </a:r>
-          </a:p>
-        </p:txBody>
-      </p:sp>
-      <p:sp>
-        <p:nvSpPr>
-          <p:cNvPr id="4" name="Slide Number Placeholder 3">
+        </p:txBody>
+      </p:sp>
+      <p:sp>
+        <p:nvSpPr>
+          <p:cNvPr id="5" name="Slide Number Placeholder 4">
             <a:extLst>
               <a:ext uri="{FF2B5EF4-FFF2-40B4-BE49-F238E27FC236}">
-                <a16:creationId xmlns:a16="http://schemas.microsoft.com/office/drawing/2014/main" id="{FE830B38-E125-4481-BED6-8B464B6CB7B3}"/>
+                <a16:creationId xmlns:a16="http://schemas.microsoft.com/office/drawing/2014/main" id="{832508AC-41F1-4888-A014-E92F858B4A62}"/>
               </a:ext>
             </a:extLst>
           </p:cNvPr>
@@ -7605,7 +8269,7 @@
           <a:p>
             <a:r>
               <a:rPr lang="ro-RO" dirty="0"/>
-              <a:t>2</a:t>
+              <a:t>3</a:t>
             </a:r>
             <a:endParaRPr lang="en-US" dirty="0"/>
           </a:p>
@@ -7614,7 +8278,7 @@
     </p:spTree>
     <p:extLst>
       <p:ext uri="{BB962C8B-B14F-4D97-AF65-F5344CB8AC3E}">
-        <p14:creationId xmlns:p14="http://schemas.microsoft.com/office/powerpoint/2010/main" val="2671620936"/>
+        <p14:creationId xmlns:p14="http://schemas.microsoft.com/office/powerpoint/2010/main" val="483427451"/>
       </p:ext>
     </p:extLst>
   </p:cSld>
@@ -7655,54 +8319,58 @@
       </p:grpSpPr>
       <p:sp>
         <p:nvSpPr>
-          <p:cNvPr id="7" name="TextBox 6">
+          <p:cNvPr id="2" name="Title 1">
             <a:extLst>
               <a:ext uri="{FF2B5EF4-FFF2-40B4-BE49-F238E27FC236}">
-                <a16:creationId xmlns:a16="http://schemas.microsoft.com/office/drawing/2014/main" id="{2F9DBB9D-B2CD-48C4-9A3C-26C9A524A502}"/>
+                <a16:creationId xmlns:a16="http://schemas.microsoft.com/office/drawing/2014/main" id="{DE1AB039-1E5E-40C6-B9D5-B0D5745D0DE1}"/>
               </a:ext>
             </a:extLst>
           </p:cNvPr>
-          <p:cNvSpPr txBox="1"/>
-          <p:nvPr/>
+          <p:cNvSpPr>
+            <a:spLocks noGrp="1"/>
+          </p:cNvSpPr>
+          <p:nvPr>
+            <p:ph type="title"/>
+          </p:nvPr>
         </p:nvSpPr>
         <p:spPr>
           <a:xfrm>
-            <a:off x="3613256" y="517646"/>
-            <a:ext cx="4965487" cy="584775"/>
+            <a:off x="1828800" y="657012"/>
+            <a:ext cx="8534400" cy="1507067"/>
           </a:xfrm>
-          <a:prstGeom prst="rect">
-            <a:avLst/>
-          </a:prstGeom>
-          <a:noFill/>
         </p:spPr>
         <p:txBody>
-          <a:bodyPr wrap="square" rtlCol="0">
-            <a:spAutoFit/>
+          <a:bodyPr>
+            <a:normAutofit/>
           </a:bodyPr>
           <a:lstStyle/>
           <a:p>
             <a:pPr algn="ctr"/>
             <a:r>
-              <a:rPr lang="en-US" sz="3200" dirty="0">
-                <a:latin typeface="Times New Roman" panose="02020603050405020304" pitchFamily="18" charset="0"/>
-                <a:cs typeface="Times New Roman" panose="02020603050405020304" pitchFamily="18" charset="0"/>
-              </a:rPr>
-              <a:t>Motiva</a:t>
-            </a:r>
-            <a:r>
-              <a:rPr lang="ro-RO" sz="3200" dirty="0" err="1">
-                <a:latin typeface="Times New Roman" panose="02020603050405020304" pitchFamily="18" charset="0"/>
-                <a:cs typeface="Times New Roman" panose="02020603050405020304" pitchFamily="18" charset="0"/>
-              </a:rPr>
-              <a:t>ția</a:t>
-            </a:r>
-            <a:r>
-              <a:rPr lang="ro-RO" sz="3200" dirty="0">
-                <a:latin typeface="Times New Roman" panose="02020603050405020304" pitchFamily="18" charset="0"/>
-                <a:cs typeface="Times New Roman" panose="02020603050405020304" pitchFamily="18" charset="0"/>
-              </a:rPr>
-              <a:t> și tema aplicației</a:t>
-            </a:r>
+              <a:rPr lang="ro-RO" sz="3200" cap="none" dirty="0">
+                <a:latin typeface="Times New Roman" panose="02020603050405020304" pitchFamily="18" charset="0"/>
+                <a:cs typeface="Times New Roman" panose="02020603050405020304" pitchFamily="18" charset="0"/>
+              </a:rPr>
+              <a:t>Tehnologii</a:t>
+            </a:r>
+            <a:r>
+              <a:rPr lang="en-US" sz="3200" cap="none" dirty="0">
+                <a:latin typeface="Times New Roman" panose="02020603050405020304" pitchFamily="18" charset="0"/>
+                <a:cs typeface="Times New Roman" panose="02020603050405020304" pitchFamily="18" charset="0"/>
+              </a:rPr>
+              <a:t> </a:t>
+            </a:r>
+            <a:r>
+              <a:rPr lang="en-US" sz="3200" cap="none" dirty="0" err="1">
+                <a:latin typeface="Times New Roman" panose="02020603050405020304" pitchFamily="18" charset="0"/>
+                <a:cs typeface="Times New Roman" panose="02020603050405020304" pitchFamily="18" charset="0"/>
+              </a:rPr>
+              <a:t>utilizate</a:t>
+            </a:r>
+            <a:endParaRPr lang="ro-RO" sz="3200" cap="none" dirty="0">
+              <a:latin typeface="Times New Roman" panose="02020603050405020304" pitchFamily="18" charset="0"/>
+              <a:cs typeface="Times New Roman" panose="02020603050405020304" pitchFamily="18" charset="0"/>
+            </a:endParaRPr>
           </a:p>
         </p:txBody>
       </p:sp>
@@ -7711,7 +8379,7 @@
           <p:cNvPr id="3" name="Content Placeholder 2">
             <a:extLst>
               <a:ext uri="{FF2B5EF4-FFF2-40B4-BE49-F238E27FC236}">
-                <a16:creationId xmlns:a16="http://schemas.microsoft.com/office/drawing/2014/main" id="{0C216386-99E4-4D88-B0EB-083C6F76DBD5}"/>
+                <a16:creationId xmlns:a16="http://schemas.microsoft.com/office/drawing/2014/main" id="{58AE9B0E-6218-4211-8D36-5D131D5749DD}"/>
               </a:ext>
             </a:extLst>
           </p:cNvPr>
@@ -7724,20 +8392,31 @@
         </p:nvSpPr>
         <p:spPr>
           <a:xfrm>
-            <a:off x="732137" y="1345221"/>
-            <a:ext cx="10727723" cy="3191609"/>
+            <a:off x="1513840" y="1904999"/>
+            <a:ext cx="8534400" cy="4434255"/>
           </a:xfrm>
         </p:spPr>
         <p:txBody>
-          <a:bodyPr anchor="t">
-            <a:noAutofit/>
+          <a:bodyPr>
+            <a:normAutofit lnSpcReduction="10000"/>
           </a:bodyPr>
           <a:lstStyle/>
           <a:p>
-            <a:pPr marL="0" indent="0">
-              <a:buNone/>
+            <a:pPr algn="just">
+              <a:buFont typeface="Arial" panose="020B0604020202020204" pitchFamily="34" charset="0"/>
+              <a:buChar char="•"/>
             </a:pPr>
             <a:r>
+              <a:rPr lang="en-US" sz="2400" dirty="0" err="1">
+                <a:solidFill>
+                  <a:schemeClr val="tx1"/>
+                </a:solidFill>
+                <a:latin typeface="Times New Roman" panose="02020603050405020304" pitchFamily="18" charset="0"/>
+                <a:cs typeface="Times New Roman" panose="02020603050405020304" pitchFamily="18" charset="0"/>
+              </a:rPr>
+              <a:t>Tehnologi</a:t>
+            </a:r>
+            <a:r>
               <a:rPr lang="ro-RO" sz="2400" dirty="0">
                 <a:solidFill>
                   <a:schemeClr val="tx1"/>
@@ -7745,7 +8424,47 @@
                 <a:latin typeface="Times New Roman" panose="02020603050405020304" pitchFamily="18" charset="0"/>
                 <a:cs typeface="Times New Roman" panose="02020603050405020304" pitchFamily="18" charset="0"/>
               </a:rPr>
-              <a:t>  În ultima vreme am observat o dezvoltare din ce în ce mai accentuată a domeniului medical și nevoia tot mai mare a unei platforme prin intermediul căreia pacienții să își acceseze datele </a:t>
+              <a:t>e</a:t>
+            </a:r>
+            <a:r>
+              <a:rPr lang="en-US" sz="2400" dirty="0">
+                <a:solidFill>
+                  <a:schemeClr val="tx1"/>
+                </a:solidFill>
+                <a:latin typeface="Times New Roman" panose="02020603050405020304" pitchFamily="18" charset="0"/>
+                <a:cs typeface="Times New Roman" panose="02020603050405020304" pitchFamily="18" charset="0"/>
+              </a:rPr>
+              <a:t> principal</a:t>
+            </a:r>
+            <a:r>
+              <a:rPr lang="ro-RO" sz="2400" dirty="0">
+                <a:solidFill>
+                  <a:schemeClr val="tx1"/>
+                </a:solidFill>
+                <a:latin typeface="Times New Roman" panose="02020603050405020304" pitchFamily="18" charset="0"/>
+                <a:cs typeface="Times New Roman" panose="02020603050405020304" pitchFamily="18" charset="0"/>
+              </a:rPr>
+              <a:t>ă</a:t>
+            </a:r>
+            <a:r>
+              <a:rPr lang="en-US" sz="2400" dirty="0">
+                <a:solidFill>
+                  <a:schemeClr val="tx1"/>
+                </a:solidFill>
+                <a:latin typeface="Times New Roman" panose="02020603050405020304" pitchFamily="18" charset="0"/>
+                <a:cs typeface="Times New Roman" panose="02020603050405020304" pitchFamily="18" charset="0"/>
+              </a:rPr>
+              <a:t>:</a:t>
+            </a:r>
+            <a:r>
+              <a:rPr lang="ro-RO" sz="2400" dirty="0">
+                <a:solidFill>
+                  <a:schemeClr val="tx1"/>
+                </a:solidFill>
+                <a:latin typeface="Times New Roman" panose="02020603050405020304" pitchFamily="18" charset="0"/>
+                <a:cs typeface="Times New Roman" panose="02020603050405020304" pitchFamily="18" charset="0"/>
+              </a:rPr>
+              <a:t> </a:t>
             </a:r>
             <a:r>
               <a:rPr lang="ro-RO" sz="2400" dirty="0" err="1">
@@ -7755,77 +8474,7 @@
                 <a:latin typeface="Times New Roman" panose="02020603050405020304" pitchFamily="18" charset="0"/>
                 <a:cs typeface="Times New Roman" panose="02020603050405020304" pitchFamily="18" charset="0"/>
               </a:rPr>
-              <a:t>într</a:t>
-            </a:r>
-            <a:r>
-              <a:rPr lang="en-US" sz="2400" dirty="0">
-                <a:solidFill>
-                  <a:schemeClr val="tx1"/>
-                </a:solidFill>
-                <a:latin typeface="Times New Roman" panose="02020603050405020304" pitchFamily="18" charset="0"/>
-                <a:cs typeface="Times New Roman" panose="02020603050405020304" pitchFamily="18" charset="0"/>
-              </a:rPr>
-              <a:t>-</a:t>
-            </a:r>
-            <a:r>
-              <a:rPr lang="ro-RO" sz="2400" dirty="0">
-                <a:solidFill>
-                  <a:schemeClr val="tx1"/>
-                </a:solidFill>
-                <a:latin typeface="Times New Roman" panose="02020603050405020304" pitchFamily="18" charset="0"/>
-                <a:cs typeface="Times New Roman" panose="02020603050405020304" pitchFamily="18" charset="0"/>
-              </a:rPr>
-              <a:t>un mod sigur, oriunde s-ar afla.</a:t>
-            </a:r>
-            <a:r>
-              <a:rPr lang="en-US" sz="2400" dirty="0">
-                <a:solidFill>
-                  <a:schemeClr val="tx1"/>
-                </a:solidFill>
-                <a:latin typeface="Times New Roman" panose="02020603050405020304" pitchFamily="18" charset="0"/>
-                <a:cs typeface="Times New Roman" panose="02020603050405020304" pitchFamily="18" charset="0"/>
-              </a:rPr>
-              <a:t> </a:t>
-            </a:r>
-            <a:r>
-              <a:rPr lang="en-US" sz="2400" dirty="0" err="1">
-                <a:solidFill>
-                  <a:schemeClr val="tx1"/>
-                </a:solidFill>
-                <a:latin typeface="Times New Roman" panose="02020603050405020304" pitchFamily="18" charset="0"/>
-                <a:cs typeface="Times New Roman" panose="02020603050405020304" pitchFamily="18" charset="0"/>
-              </a:rPr>
-              <a:t>Astfel</a:t>
-            </a:r>
-            <a:r>
-              <a:rPr lang="en-US" sz="2400" dirty="0">
-                <a:solidFill>
-                  <a:schemeClr val="tx1"/>
-                </a:solidFill>
-                <a:latin typeface="Times New Roman" panose="02020603050405020304" pitchFamily="18" charset="0"/>
-                <a:cs typeface="Times New Roman" panose="02020603050405020304" pitchFamily="18" charset="0"/>
-              </a:rPr>
-              <a:t> a ap</a:t>
-            </a:r>
-            <a:r>
-              <a:rPr lang="ro-RO" sz="2400" dirty="0" err="1">
-                <a:solidFill>
-                  <a:schemeClr val="tx1"/>
-                </a:solidFill>
-                <a:latin typeface="Times New Roman" panose="02020603050405020304" pitchFamily="18" charset="0"/>
-                <a:cs typeface="Times New Roman" panose="02020603050405020304" pitchFamily="18" charset="0"/>
-              </a:rPr>
-              <a:t>ărut</a:t>
-            </a:r>
-            <a:r>
-              <a:rPr lang="ro-RO" sz="2400" dirty="0">
-                <a:solidFill>
-                  <a:schemeClr val="tx1"/>
-                </a:solidFill>
-                <a:latin typeface="Times New Roman" panose="02020603050405020304" pitchFamily="18" charset="0"/>
-                <a:cs typeface="Times New Roman" panose="02020603050405020304" pitchFamily="18" charset="0"/>
-              </a:rPr>
-              <a:t> tema acestui proiect.</a:t>
+              <a:t>ASP.NET</a:t>
             </a:r>
             <a:endParaRPr lang="en-US" sz="2400" dirty="0">
               <a:solidFill>
@@ -7836,10 +8485,21 @@
             </a:endParaRPr>
           </a:p>
           <a:p>
-            <a:pPr marL="0" indent="0">
-              <a:buNone/>
+            <a:pPr algn="just">
+              <a:buFont typeface="Arial" panose="020B0604020202020204" pitchFamily="34" charset="0"/>
+              <a:buChar char="•"/>
             </a:pPr>
             <a:r>
+              <a:rPr lang="ro-RO" sz="2400" dirty="0">
+                <a:solidFill>
+                  <a:schemeClr val="tx1"/>
+                </a:solidFill>
+                <a:latin typeface="Times New Roman" panose="02020603050405020304" pitchFamily="18" charset="0"/>
+                <a:cs typeface="Times New Roman" panose="02020603050405020304" pitchFamily="18" charset="0"/>
+              </a:rPr>
+              <a:t>Baza de date</a:t>
+            </a:r>
+            <a:r>
               <a:rPr lang="en-US" sz="2400" dirty="0">
                 <a:solidFill>
                   <a:schemeClr val="tx1"/>
@@ -7847,17 +8507,40 @@
                 <a:latin typeface="Times New Roman" panose="02020603050405020304" pitchFamily="18" charset="0"/>
                 <a:cs typeface="Times New Roman" panose="02020603050405020304" pitchFamily="18" charset="0"/>
               </a:rPr>
-              <a:t>  </a:t>
-            </a:r>
-            <a:r>
-              <a:rPr lang="en-US" sz="2400" b="1" dirty="0" err="1">
-                <a:solidFill>
-                  <a:schemeClr val="tx1"/>
-                </a:solidFill>
-                <a:latin typeface="Times New Roman" panose="02020603050405020304" pitchFamily="18" charset="0"/>
-                <a:cs typeface="Times New Roman" panose="02020603050405020304" pitchFamily="18" charset="0"/>
-              </a:rPr>
-              <a:t>MediArch</a:t>
+              <a:t>: SQL Server Express</a:t>
+            </a:r>
+            <a:endParaRPr lang="ro-RO" sz="2400" dirty="0">
+              <a:solidFill>
+                <a:schemeClr val="tx1"/>
+              </a:solidFill>
+              <a:latin typeface="Times New Roman" panose="02020603050405020304" pitchFamily="18" charset="0"/>
+              <a:cs typeface="Times New Roman" panose="02020603050405020304" pitchFamily="18" charset="0"/>
+            </a:endParaRPr>
+          </a:p>
+          <a:p>
+            <a:pPr algn="just">
+              <a:buFont typeface="Arial" panose="020B0604020202020204" pitchFamily="34" charset="0"/>
+              <a:buChar char="•"/>
+            </a:pPr>
+            <a:r>
+              <a:rPr lang="ro-RO" sz="2400" dirty="0" err="1">
+                <a:solidFill>
+                  <a:schemeClr val="tx1"/>
+                </a:solidFill>
+                <a:latin typeface="Times New Roman" panose="02020603050405020304" pitchFamily="18" charset="0"/>
+                <a:cs typeface="Times New Roman" panose="02020603050405020304" pitchFamily="18" charset="0"/>
+              </a:rPr>
+              <a:t>Version</a:t>
+            </a:r>
+            <a:r>
+              <a:rPr lang="ro-RO" sz="2400" dirty="0">
+                <a:solidFill>
+                  <a:schemeClr val="tx1"/>
+                </a:solidFill>
+                <a:latin typeface="Times New Roman" panose="02020603050405020304" pitchFamily="18" charset="0"/>
+                <a:cs typeface="Times New Roman" panose="02020603050405020304" pitchFamily="18" charset="0"/>
+              </a:rPr>
+              <a:t> Control</a:t>
             </a:r>
             <a:r>
               <a:rPr lang="en-US" sz="2400" dirty="0">
@@ -7867,17 +8550,37 @@
                 <a:latin typeface="Times New Roman" panose="02020603050405020304" pitchFamily="18" charset="0"/>
                 <a:cs typeface="Times New Roman" panose="02020603050405020304" pitchFamily="18" charset="0"/>
               </a:rPr>
-              <a:t> (“Medical Archive”) </a:t>
-            </a:r>
-            <a:r>
-              <a:rPr lang="en-US" sz="2400" dirty="0" err="1">
-                <a:solidFill>
-                  <a:schemeClr val="tx1"/>
-                </a:solidFill>
-                <a:latin typeface="Times New Roman" panose="02020603050405020304" pitchFamily="18" charset="0"/>
-                <a:cs typeface="Times New Roman" panose="02020603050405020304" pitchFamily="18" charset="0"/>
-              </a:rPr>
-              <a:t>este</a:t>
+              <a:t>:</a:t>
+            </a:r>
+            <a:r>
+              <a:rPr lang="ro-RO" sz="2400" dirty="0">
+                <a:solidFill>
+                  <a:schemeClr val="tx1"/>
+                </a:solidFill>
+                <a:latin typeface="Times New Roman" panose="02020603050405020304" pitchFamily="18" charset="0"/>
+                <a:cs typeface="Times New Roman" panose="02020603050405020304" pitchFamily="18" charset="0"/>
+              </a:rPr>
+              <a:t> </a:t>
+            </a:r>
+            <a:r>
+              <a:rPr lang="ro-RO" sz="2400" dirty="0" err="1">
+                <a:solidFill>
+                  <a:schemeClr val="tx1"/>
+                </a:solidFill>
+                <a:latin typeface="Times New Roman" panose="02020603050405020304" pitchFamily="18" charset="0"/>
+                <a:cs typeface="Times New Roman" panose="02020603050405020304" pitchFamily="18" charset="0"/>
+              </a:rPr>
+              <a:t>GitHub</a:t>
+            </a:r>
+            <a:r>
+              <a:rPr lang="ro-RO" sz="2400" dirty="0">
+                <a:solidFill>
+                  <a:schemeClr val="tx1"/>
+                </a:solidFill>
+                <a:latin typeface="Times New Roman" panose="02020603050405020304" pitchFamily="18" charset="0"/>
+                <a:cs typeface="Times New Roman" panose="02020603050405020304" pitchFamily="18" charset="0"/>
+              </a:rPr>
+              <a:t> </a:t>
             </a:r>
             <a:r>
               <a:rPr lang="en-US" sz="2400" dirty="0">
@@ -7887,17 +8590,17 @@
                 <a:latin typeface="Times New Roman" panose="02020603050405020304" pitchFamily="18" charset="0"/>
                 <a:cs typeface="Times New Roman" panose="02020603050405020304" pitchFamily="18" charset="0"/>
               </a:rPr>
-              <a:t> o </a:t>
-            </a:r>
-            <a:r>
-              <a:rPr lang="en-US" sz="2400" dirty="0" err="1">
-                <a:solidFill>
-                  <a:schemeClr val="tx1"/>
-                </a:solidFill>
-                <a:latin typeface="Times New Roman" panose="02020603050405020304" pitchFamily="18" charset="0"/>
-                <a:cs typeface="Times New Roman" panose="02020603050405020304" pitchFamily="18" charset="0"/>
-              </a:rPr>
-              <a:t>aplica</a:t>
+              <a:t>(</a:t>
+            </a:r>
+            <a:r>
+              <a:rPr lang="ro-RO" sz="2400" dirty="0" err="1">
+                <a:solidFill>
+                  <a:schemeClr val="tx1"/>
+                </a:solidFill>
+                <a:latin typeface="Times New Roman" panose="02020603050405020304" pitchFamily="18" charset="0"/>
+                <a:cs typeface="Times New Roman" panose="02020603050405020304" pitchFamily="18" charset="0"/>
+              </a:rPr>
+              <a:t>GitKraken</a:t>
             </a:r>
             <a:r>
               <a:rPr lang="ro-RO" sz="2400" dirty="0">
@@ -7907,7 +8610,30 @@
                 <a:latin typeface="Times New Roman" panose="02020603050405020304" pitchFamily="18" charset="0"/>
                 <a:cs typeface="Times New Roman" panose="02020603050405020304" pitchFamily="18" charset="0"/>
               </a:rPr>
-              <a:t>ție web</a:t>
+              <a:t>)</a:t>
+            </a:r>
+            <a:endParaRPr lang="en-US" sz="2400" dirty="0">
+              <a:solidFill>
+                <a:schemeClr val="tx1"/>
+              </a:solidFill>
+              <a:latin typeface="Times New Roman" panose="02020603050405020304" pitchFamily="18" charset="0"/>
+              <a:cs typeface="Times New Roman" panose="02020603050405020304" pitchFamily="18" charset="0"/>
+            </a:endParaRPr>
+          </a:p>
+          <a:p>
+            <a:pPr algn="just">
+              <a:buFont typeface="Arial" panose="020B0604020202020204" pitchFamily="34" charset="0"/>
+              <a:buChar char="•"/>
+            </a:pPr>
+            <a:r>
+              <a:rPr lang="ro-RO" sz="2400" dirty="0">
+                <a:solidFill>
+                  <a:schemeClr val="tx1"/>
+                </a:solidFill>
+                <a:latin typeface="Times New Roman" panose="02020603050405020304" pitchFamily="18" charset="0"/>
+                <a:cs typeface="Times New Roman" panose="02020603050405020304" pitchFamily="18" charset="0"/>
+              </a:rPr>
+              <a:t>Tehnologii secundare</a:t>
             </a:r>
             <a:r>
               <a:rPr lang="en-US" sz="2400" dirty="0">
@@ -7917,8 +8643,31 @@
                 <a:latin typeface="Times New Roman" panose="02020603050405020304" pitchFamily="18" charset="0"/>
                 <a:cs typeface="Times New Roman" panose="02020603050405020304" pitchFamily="18" charset="0"/>
               </a:rPr>
-              <a:t>, </a:t>
-            </a:r>
+              <a:t>: </a:t>
+            </a:r>
+          </a:p>
+          <a:p>
+            <a:pPr lvl="1" algn="just"/>
+            <a:r>
+              <a:rPr lang="ro-RO" sz="2400" dirty="0" err="1">
+                <a:solidFill>
+                  <a:schemeClr val="tx1"/>
+                </a:solidFill>
+                <a:latin typeface="Times New Roman" panose="02020603050405020304" pitchFamily="18" charset="0"/>
+                <a:cs typeface="Times New Roman" panose="02020603050405020304" pitchFamily="18" charset="0"/>
+              </a:rPr>
+              <a:t>HTML</a:t>
+            </a:r>
+            <a:endParaRPr lang="en-US" sz="2400" dirty="0">
+              <a:solidFill>
+                <a:schemeClr val="tx1"/>
+              </a:solidFill>
+              <a:latin typeface="Times New Roman" panose="02020603050405020304" pitchFamily="18" charset="0"/>
+              <a:cs typeface="Times New Roman" panose="02020603050405020304" pitchFamily="18" charset="0"/>
+            </a:endParaRPr>
+          </a:p>
+          <a:p>
+            <a:pPr lvl="1" algn="just"/>
             <a:r>
               <a:rPr lang="ro-RO" sz="2400" dirty="0">
                 <a:solidFill>
@@ -7927,14 +8676,72 @@
                 <a:latin typeface="Times New Roman" panose="02020603050405020304" pitchFamily="18" charset="0"/>
                 <a:cs typeface="Times New Roman" panose="02020603050405020304" pitchFamily="18" charset="0"/>
               </a:rPr>
-              <a:t>menită să servească numeroși clienți care doresc să aibă la dispoziție atât rezultatele la toate consultațiile anterioare, cât și prescripțiile și fișierele adiționale acordate de medicii care au participat la consultațiile respective.</a:t>
-            </a:r>
-          </a:p>
-          <a:p>
-            <a:pPr marL="0" indent="0">
-              <a:buNone/>
+              <a:t>CSS</a:t>
+            </a:r>
+            <a:endParaRPr lang="en-US" sz="2400" dirty="0">
+              <a:solidFill>
+                <a:schemeClr val="tx1"/>
+              </a:solidFill>
+              <a:latin typeface="Times New Roman" panose="02020603050405020304" pitchFamily="18" charset="0"/>
+              <a:cs typeface="Times New Roman" panose="02020603050405020304" pitchFamily="18" charset="0"/>
+            </a:endParaRPr>
+          </a:p>
+          <a:p>
+            <a:pPr lvl="1" algn="just"/>
+            <a:r>
+              <a:rPr lang="ro-RO" sz="2400" dirty="0" err="1">
+                <a:solidFill>
+                  <a:schemeClr val="tx1"/>
+                </a:solidFill>
+                <a:latin typeface="Times New Roman" panose="02020603050405020304" pitchFamily="18" charset="0"/>
+                <a:cs typeface="Times New Roman" panose="02020603050405020304" pitchFamily="18" charset="0"/>
+              </a:rPr>
+              <a:t>JavaScript</a:t>
+            </a:r>
+            <a:endParaRPr lang="en-US" sz="2400" dirty="0">
+              <a:solidFill>
+                <a:schemeClr val="tx1"/>
+              </a:solidFill>
+              <a:latin typeface="Times New Roman" panose="02020603050405020304" pitchFamily="18" charset="0"/>
+              <a:cs typeface="Times New Roman" panose="02020603050405020304" pitchFamily="18" charset="0"/>
+            </a:endParaRPr>
+          </a:p>
+          <a:p>
+            <a:pPr lvl="1" algn="just"/>
+            <a:r>
+              <a:rPr lang="ro-RO" sz="2400" dirty="0" err="1">
+                <a:solidFill>
+                  <a:schemeClr val="tx1"/>
+                </a:solidFill>
+                <a:latin typeface="Times New Roman" panose="02020603050405020304" pitchFamily="18" charset="0"/>
+                <a:cs typeface="Times New Roman" panose="02020603050405020304" pitchFamily="18" charset="0"/>
+              </a:rPr>
+              <a:t>Bootstrap</a:t>
+            </a:r>
+            <a:endParaRPr lang="en-US" sz="2400" dirty="0">
+              <a:solidFill>
+                <a:schemeClr val="tx1"/>
+              </a:solidFill>
+              <a:latin typeface="Times New Roman" panose="02020603050405020304" pitchFamily="18" charset="0"/>
+              <a:cs typeface="Times New Roman" panose="02020603050405020304" pitchFamily="18" charset="0"/>
+            </a:endParaRPr>
+          </a:p>
+          <a:p>
+            <a:pPr algn="just">
+              <a:buFont typeface="Arial" panose="020B0604020202020204" pitchFamily="34" charset="0"/>
+              <a:buChar char="•"/>
             </a:pPr>
             <a:r>
+              <a:rPr lang="en-US" sz="2400" dirty="0">
+                <a:solidFill>
+                  <a:schemeClr val="tx1"/>
+                </a:solidFill>
+                <a:latin typeface="Times New Roman" panose="02020603050405020304" pitchFamily="18" charset="0"/>
+                <a:cs typeface="Times New Roman" panose="02020603050405020304" pitchFamily="18" charset="0"/>
+              </a:rPr>
+              <a:t>Logo </a:t>
+            </a:r>
+            <a:r>
               <a:rPr lang="ro-RO" sz="2400" dirty="0">
                 <a:solidFill>
                   <a:schemeClr val="tx1"/>
@@ -7942,17 +8749,64 @@
                 <a:latin typeface="Times New Roman" panose="02020603050405020304" pitchFamily="18" charset="0"/>
                 <a:cs typeface="Times New Roman" panose="02020603050405020304" pitchFamily="18" charset="0"/>
               </a:rPr>
-              <a:t> </a:t>
-            </a:r>
-          </a:p>
-        </p:txBody>
-      </p:sp>
-      <p:sp>
-        <p:nvSpPr>
-          <p:cNvPr id="5" name="Slide Number Placeholder 4">
+              <a:t>și </a:t>
+            </a:r>
+            <a:r>
+              <a:rPr lang="ro-RO" sz="2400" dirty="0" err="1">
+                <a:solidFill>
+                  <a:schemeClr val="tx1"/>
+                </a:solidFill>
+                <a:latin typeface="Times New Roman" panose="02020603050405020304" pitchFamily="18" charset="0"/>
+                <a:cs typeface="Times New Roman" panose="02020603050405020304" pitchFamily="18" charset="0"/>
+              </a:rPr>
+              <a:t>icons</a:t>
+            </a:r>
+            <a:r>
+              <a:rPr lang="en-US" sz="2400" dirty="0">
+                <a:solidFill>
+                  <a:schemeClr val="tx1"/>
+                </a:solidFill>
+                <a:latin typeface="Times New Roman" panose="02020603050405020304" pitchFamily="18" charset="0"/>
+                <a:cs typeface="Times New Roman" panose="02020603050405020304" pitchFamily="18" charset="0"/>
+              </a:rPr>
+              <a:t>: </a:t>
+            </a:r>
+            <a:r>
+              <a:rPr lang="ro-RO" sz="2400" dirty="0">
+                <a:solidFill>
+                  <a:schemeClr val="tx1"/>
+                </a:solidFill>
+                <a:latin typeface="Times New Roman" panose="02020603050405020304" pitchFamily="18" charset="0"/>
+                <a:cs typeface="Times New Roman" panose="02020603050405020304" pitchFamily="18" charset="0"/>
+              </a:rPr>
+              <a:t>Adobe </a:t>
+            </a:r>
+            <a:r>
+              <a:rPr lang="ro-RO" sz="2400" dirty="0" err="1">
+                <a:solidFill>
+                  <a:schemeClr val="tx1"/>
+                </a:solidFill>
+                <a:latin typeface="Times New Roman" panose="02020603050405020304" pitchFamily="18" charset="0"/>
+                <a:cs typeface="Times New Roman" panose="02020603050405020304" pitchFamily="18" charset="0"/>
+              </a:rPr>
+              <a:t>Illustrator</a:t>
+            </a:r>
+            <a:endParaRPr lang="ro-RO" sz="2400" dirty="0">
+              <a:solidFill>
+                <a:schemeClr val="tx1"/>
+              </a:solidFill>
+              <a:latin typeface="Times New Roman" panose="02020603050405020304" pitchFamily="18" charset="0"/>
+              <a:cs typeface="Times New Roman" panose="02020603050405020304" pitchFamily="18" charset="0"/>
+            </a:endParaRPr>
+          </a:p>
+        </p:txBody>
+      </p:sp>
+      <p:sp>
+        <p:nvSpPr>
+          <p:cNvPr id="6" name="Slide Number Placeholder 5">
             <a:extLst>
               <a:ext uri="{FF2B5EF4-FFF2-40B4-BE49-F238E27FC236}">
-                <a16:creationId xmlns:a16="http://schemas.microsoft.com/office/drawing/2014/main" id="{832508AC-41F1-4888-A014-E92F858B4A62}"/>
+                <a16:creationId xmlns:a16="http://schemas.microsoft.com/office/drawing/2014/main" id="{1A343845-0B29-4F40-AA0F-055A25494808}"/>
               </a:ext>
             </a:extLst>
           </p:cNvPr>
@@ -7963,14 +8817,19 @@
             <p:ph type="sldNum" sz="quarter" idx="12"/>
           </p:nvPr>
         </p:nvSpPr>
-        <p:spPr/>
+        <p:spPr>
+          <a:xfrm>
+            <a:off x="10363200" y="5578475"/>
+            <a:ext cx="1142245" cy="669925"/>
+          </a:xfrm>
+        </p:spPr>
         <p:txBody>
           <a:bodyPr/>
           <a:lstStyle/>
           <a:p>
             <a:r>
               <a:rPr lang="ro-RO" dirty="0"/>
-              <a:t>3</a:t>
+              <a:t>4</a:t>
             </a:r>
             <a:endParaRPr lang="en-US" dirty="0"/>
           </a:p>
@@ -7979,7 +8838,7 @@
     </p:spTree>
     <p:extLst>
       <p:ext uri="{BB962C8B-B14F-4D97-AF65-F5344CB8AC3E}">
-        <p14:creationId xmlns:p14="http://schemas.microsoft.com/office/powerpoint/2010/main" val="483427451"/>
+        <p14:creationId xmlns:p14="http://schemas.microsoft.com/office/powerpoint/2010/main" val="3791107911"/>
       </p:ext>
     </p:extLst>
   </p:cSld>
@@ -8052,26 +8911,8 @@
                 <a:latin typeface="Times New Roman" panose="02020603050405020304" pitchFamily="18" charset="0"/>
                 <a:cs typeface="Times New Roman" panose="02020603050405020304" pitchFamily="18" charset="0"/>
               </a:rPr>
-              <a:t>Tehnologii</a:t>
-            </a:r>
-            <a:r>
-              <a:rPr lang="en-US" sz="3200" cap="none" dirty="0">
-                <a:latin typeface="Times New Roman" panose="02020603050405020304" pitchFamily="18" charset="0"/>
-                <a:cs typeface="Times New Roman" panose="02020603050405020304" pitchFamily="18" charset="0"/>
-              </a:rPr>
-              <a:t> </a:t>
-            </a:r>
-            <a:r>
-              <a:rPr lang="en-US" sz="3200" cap="none" dirty="0" err="1">
-                <a:latin typeface="Times New Roman" panose="02020603050405020304" pitchFamily="18" charset="0"/>
-                <a:cs typeface="Times New Roman" panose="02020603050405020304" pitchFamily="18" charset="0"/>
-              </a:rPr>
-              <a:t>utilizate</a:t>
-            </a:r>
-            <a:endParaRPr lang="ro-RO" sz="3200" cap="none" dirty="0">
-              <a:latin typeface="Times New Roman" panose="02020603050405020304" pitchFamily="18" charset="0"/>
-              <a:cs typeface="Times New Roman" panose="02020603050405020304" pitchFamily="18" charset="0"/>
-            </a:endParaRPr>
+              <a:t>Contribuții</a:t>
+            </a:r>
           </a:p>
         </p:txBody>
       </p:sp>
@@ -8093,17 +8934,17 @@
         </p:nvSpPr>
         <p:spPr>
           <a:xfrm>
-            <a:off x="1513840" y="1904999"/>
-            <a:ext cx="8534400" cy="4434255"/>
+            <a:off x="1375312" y="1904999"/>
+            <a:ext cx="9441375" cy="4434255"/>
           </a:xfrm>
         </p:spPr>
         <p:txBody>
-          <a:bodyPr>
+          <a:bodyPr anchor="t">
             <a:normAutofit lnSpcReduction="10000"/>
           </a:bodyPr>
           <a:lstStyle/>
           <a:p>
-            <a:pPr algn="just">
+            <a:pPr>
               <a:buFont typeface="Arial" panose="020B0604020202020204" pitchFamily="34" charset="0"/>
               <a:buChar char="•"/>
             </a:pPr>
@@ -8115,7 +8956,7 @@
                 <a:latin typeface="Times New Roman" panose="02020603050405020304" pitchFamily="18" charset="0"/>
                 <a:cs typeface="Times New Roman" panose="02020603050405020304" pitchFamily="18" charset="0"/>
               </a:rPr>
-              <a:t>Tehnologi</a:t>
+              <a:t>Salvarea</a:t>
             </a:r>
             <a:r>
               <a:rPr lang="ro-RO" sz="2400" dirty="0">
@@ -8125,7 +8966,7 @@
                 <a:latin typeface="Times New Roman" panose="02020603050405020304" pitchFamily="18" charset="0"/>
                 <a:cs typeface="Times New Roman" panose="02020603050405020304" pitchFamily="18" charset="0"/>
               </a:rPr>
-              <a:t>e</a:t>
+              <a:t> într-un mod</a:t>
             </a:r>
             <a:r>
               <a:rPr lang="en-US" sz="2400" dirty="0">
@@ -8135,7 +8976,17 @@
                 <a:latin typeface="Times New Roman" panose="02020603050405020304" pitchFamily="18" charset="0"/>
                 <a:cs typeface="Times New Roman" panose="02020603050405020304" pitchFamily="18" charset="0"/>
               </a:rPr>
-              <a:t> principal</a:t>
+              <a:t> </a:t>
+            </a:r>
+            <a:r>
+              <a:rPr lang="en-US" sz="2400" dirty="0" err="1">
+                <a:solidFill>
+                  <a:schemeClr val="tx1"/>
+                </a:solidFill>
+                <a:latin typeface="Times New Roman" panose="02020603050405020304" pitchFamily="18" charset="0"/>
+                <a:cs typeface="Times New Roman" panose="02020603050405020304" pitchFamily="18" charset="0"/>
+              </a:rPr>
+              <a:t>sigur</a:t>
             </a:r>
             <a:r>
               <a:rPr lang="ro-RO" sz="2400" dirty="0">
@@ -8145,37 +8996,7 @@
                 <a:latin typeface="Times New Roman" panose="02020603050405020304" pitchFamily="18" charset="0"/>
                 <a:cs typeface="Times New Roman" panose="02020603050405020304" pitchFamily="18" charset="0"/>
               </a:rPr>
-              <a:t>ă</a:t>
-            </a:r>
-            <a:r>
-              <a:rPr lang="en-US" sz="2400" dirty="0">
-                <a:solidFill>
-                  <a:schemeClr val="tx1"/>
-                </a:solidFill>
-                <a:latin typeface="Times New Roman" panose="02020603050405020304" pitchFamily="18" charset="0"/>
-                <a:cs typeface="Times New Roman" panose="02020603050405020304" pitchFamily="18" charset="0"/>
-              </a:rPr>
-              <a:t>:</a:t>
-            </a:r>
-            <a:r>
-              <a:rPr lang="ro-RO" sz="2400" dirty="0">
-                <a:solidFill>
-                  <a:schemeClr val="tx1"/>
-                </a:solidFill>
-                <a:latin typeface="Times New Roman" panose="02020603050405020304" pitchFamily="18" charset="0"/>
-                <a:cs typeface="Times New Roman" panose="02020603050405020304" pitchFamily="18" charset="0"/>
-              </a:rPr>
-              <a:t> </a:t>
-            </a:r>
-            <a:r>
-              <a:rPr lang="ro-RO" sz="2400" dirty="0" err="1">
-                <a:solidFill>
-                  <a:schemeClr val="tx1"/>
-                </a:solidFill>
-                <a:latin typeface="Times New Roman" panose="02020603050405020304" pitchFamily="18" charset="0"/>
-                <a:cs typeface="Times New Roman" panose="02020603050405020304" pitchFamily="18" charset="0"/>
-              </a:rPr>
-              <a:t>ASP.NET</a:t>
+              <a:t> a datelor</a:t>
             </a:r>
             <a:endParaRPr lang="en-US" sz="2400" dirty="0">
               <a:solidFill>
@@ -8186,11 +9007,21 @@
             </a:endParaRPr>
           </a:p>
           <a:p>
-            <a:pPr algn="just">
+            <a:pPr>
               <a:buFont typeface="Arial" panose="020B0604020202020204" pitchFamily="34" charset="0"/>
               <a:buChar char="•"/>
             </a:pPr>
             <a:r>
+              <a:rPr lang="en-US" sz="2400" dirty="0">
+                <a:solidFill>
+                  <a:schemeClr val="tx1"/>
+                </a:solidFill>
+                <a:latin typeface="Times New Roman" panose="02020603050405020304" pitchFamily="18" charset="0"/>
+                <a:cs typeface="Times New Roman" panose="02020603050405020304" pitchFamily="18" charset="0"/>
+              </a:rPr>
+              <a:t>Exist</a:t>
+            </a:r>
+            <a:r>
               <a:rPr lang="ro-RO" sz="2400" dirty="0">
                 <a:solidFill>
                   <a:schemeClr val="tx1"/>
@@ -8198,7 +9029,17 @@
                 <a:latin typeface="Times New Roman" panose="02020603050405020304" pitchFamily="18" charset="0"/>
                 <a:cs typeface="Times New Roman" panose="02020603050405020304" pitchFamily="18" charset="0"/>
               </a:rPr>
-              <a:t>Baza de date</a:t>
+              <a:t>ă 2 tipuri de </a:t>
+            </a:r>
+            <a:r>
+              <a:rPr lang="ro-RO" sz="2400" dirty="0" err="1">
+                <a:solidFill>
+                  <a:schemeClr val="tx1"/>
+                </a:solidFill>
+                <a:latin typeface="Times New Roman" panose="02020603050405020304" pitchFamily="18" charset="0"/>
+                <a:cs typeface="Times New Roman" panose="02020603050405020304" pitchFamily="18" charset="0"/>
+              </a:rPr>
+              <a:t>utilizato</a:t>
             </a:r>
             <a:r>
               <a:rPr lang="en-US" sz="2400" dirty="0">
@@ -8208,7 +9049,293 @@
                 <a:latin typeface="Times New Roman" panose="02020603050405020304" pitchFamily="18" charset="0"/>
                 <a:cs typeface="Times New Roman" panose="02020603050405020304" pitchFamily="18" charset="0"/>
               </a:rPr>
-              <a:t>: SQL Server Express</a:t>
+              <a:t>r</a:t>
+            </a:r>
+            <a:r>
+              <a:rPr lang="ro-RO" sz="2400" dirty="0">
+                <a:solidFill>
+                  <a:schemeClr val="tx1"/>
+                </a:solidFill>
+                <a:latin typeface="Times New Roman" panose="02020603050405020304" pitchFamily="18" charset="0"/>
+                <a:cs typeface="Times New Roman" panose="02020603050405020304" pitchFamily="18" charset="0"/>
+              </a:rPr>
+              <a:t>i</a:t>
+            </a:r>
+            <a:r>
+              <a:rPr lang="en-US" sz="2400" dirty="0">
+                <a:solidFill>
+                  <a:schemeClr val="tx1"/>
+                </a:solidFill>
+                <a:latin typeface="Times New Roman" panose="02020603050405020304" pitchFamily="18" charset="0"/>
+                <a:cs typeface="Times New Roman" panose="02020603050405020304" pitchFamily="18" charset="0"/>
+              </a:rPr>
+              <a:t>: </a:t>
+            </a:r>
+            <a:r>
+              <a:rPr lang="en-US" sz="2400" dirty="0" err="1">
+                <a:solidFill>
+                  <a:schemeClr val="tx1"/>
+                </a:solidFill>
+                <a:latin typeface="Times New Roman" panose="02020603050405020304" pitchFamily="18" charset="0"/>
+                <a:cs typeface="Times New Roman" panose="02020603050405020304" pitchFamily="18" charset="0"/>
+              </a:rPr>
+              <a:t>normali</a:t>
+            </a:r>
+            <a:r>
+              <a:rPr lang="en-US" sz="2400" dirty="0">
+                <a:solidFill>
+                  <a:schemeClr val="tx1"/>
+                </a:solidFill>
+                <a:latin typeface="Times New Roman" panose="02020603050405020304" pitchFamily="18" charset="0"/>
+                <a:cs typeface="Times New Roman" panose="02020603050405020304" pitchFamily="18" charset="0"/>
+              </a:rPr>
+              <a:t> </a:t>
+            </a:r>
+            <a:r>
+              <a:rPr lang="ro-RO" sz="2400" dirty="0">
+                <a:solidFill>
+                  <a:schemeClr val="tx1"/>
+                </a:solidFill>
+                <a:latin typeface="Times New Roman" panose="02020603050405020304" pitchFamily="18" charset="0"/>
+                <a:cs typeface="Times New Roman" panose="02020603050405020304" pitchFamily="18" charset="0"/>
+              </a:rPr>
+              <a:t>și speciali</a:t>
+            </a:r>
+          </a:p>
+          <a:p>
+            <a:pPr>
+              <a:buFont typeface="Arial" panose="020B0604020202020204" pitchFamily="34" charset="0"/>
+              <a:buChar char="•"/>
+            </a:pPr>
+            <a:r>
+              <a:rPr lang="ro-RO" sz="2400" dirty="0">
+                <a:solidFill>
+                  <a:schemeClr val="tx1"/>
+                </a:solidFill>
+                <a:latin typeface="Times New Roman" panose="02020603050405020304" pitchFamily="18" charset="0"/>
+                <a:cs typeface="Times New Roman" panose="02020603050405020304" pitchFamily="18" charset="0"/>
+              </a:rPr>
+              <a:t>Se pot găsi doctori aparținând de diverse clinici</a:t>
+            </a:r>
+            <a:endParaRPr lang="en-US" sz="2400" dirty="0">
+              <a:solidFill>
+                <a:schemeClr val="tx1"/>
+              </a:solidFill>
+              <a:latin typeface="Times New Roman" panose="02020603050405020304" pitchFamily="18" charset="0"/>
+              <a:cs typeface="Times New Roman" panose="02020603050405020304" pitchFamily="18" charset="0"/>
+            </a:endParaRPr>
+          </a:p>
+          <a:p>
+            <a:pPr>
+              <a:buFont typeface="Arial" panose="020B0604020202020204" pitchFamily="34" charset="0"/>
+              <a:buChar char="•"/>
+            </a:pPr>
+            <a:r>
+              <a:rPr lang="ro-RO" sz="2400" dirty="0">
+                <a:solidFill>
+                  <a:schemeClr val="tx1"/>
+                </a:solidFill>
+                <a:latin typeface="Times New Roman" panose="02020603050405020304" pitchFamily="18" charset="0"/>
+                <a:cs typeface="Times New Roman" panose="02020603050405020304" pitchFamily="18" charset="0"/>
+              </a:rPr>
+              <a:t>Afișarea informațiilor în mod privat pentru fiecare utilizator în parte</a:t>
+            </a:r>
+          </a:p>
+          <a:p>
+            <a:pPr>
+              <a:buFont typeface="Arial" panose="020B0604020202020204" pitchFamily="34" charset="0"/>
+              <a:buChar char="•"/>
+            </a:pPr>
+            <a:r>
+              <a:rPr lang="ro-RO" sz="2400" dirty="0">
+                <a:solidFill>
+                  <a:schemeClr val="tx1"/>
+                </a:solidFill>
+                <a:latin typeface="Times New Roman" panose="02020603050405020304" pitchFamily="18" charset="0"/>
+                <a:cs typeface="Times New Roman" panose="02020603050405020304" pitchFamily="18" charset="0"/>
+              </a:rPr>
+              <a:t>Existența unei liste de medicamente</a:t>
+            </a:r>
+            <a:r>
+              <a:rPr lang="en-US" sz="2400" dirty="0">
+                <a:solidFill>
+                  <a:schemeClr val="tx1"/>
+                </a:solidFill>
+                <a:latin typeface="Times New Roman" panose="02020603050405020304" pitchFamily="18" charset="0"/>
+                <a:cs typeface="Times New Roman" panose="02020603050405020304" pitchFamily="18" charset="0"/>
+              </a:rPr>
+              <a:t>,</a:t>
+            </a:r>
+            <a:r>
+              <a:rPr lang="ro-RO" sz="2400" dirty="0">
+                <a:solidFill>
+                  <a:schemeClr val="tx1"/>
+                </a:solidFill>
+                <a:latin typeface="Times New Roman" panose="02020603050405020304" pitchFamily="18" charset="0"/>
+                <a:cs typeface="Times New Roman" panose="02020603050405020304" pitchFamily="18" charset="0"/>
+              </a:rPr>
+              <a:t> cu informații suplimentare</a:t>
+            </a:r>
+          </a:p>
+          <a:p>
+            <a:pPr>
+              <a:buFont typeface="Arial" panose="020B0604020202020204" pitchFamily="34" charset="0"/>
+              <a:buChar char="•"/>
+            </a:pPr>
+            <a:r>
+              <a:rPr lang="ro-RO" sz="2400" dirty="0">
+                <a:solidFill>
+                  <a:schemeClr val="tx1"/>
+                </a:solidFill>
+                <a:latin typeface="Times New Roman" panose="02020603050405020304" pitchFamily="18" charset="0"/>
+                <a:cs typeface="Times New Roman" panose="02020603050405020304" pitchFamily="18" charset="0"/>
+              </a:rPr>
+              <a:t>Secțiunea de Asistență (Întrebări și răspunsuri)</a:t>
+            </a:r>
+          </a:p>
+          <a:p>
+            <a:pPr>
+              <a:buFont typeface="Arial" panose="020B0604020202020204" pitchFamily="34" charset="0"/>
+              <a:buChar char="•"/>
+            </a:pPr>
+            <a:r>
+              <a:rPr lang="ro-RO" sz="2400" dirty="0" err="1">
+                <a:solidFill>
+                  <a:schemeClr val="tx1"/>
+                </a:solidFill>
+                <a:latin typeface="Times New Roman" panose="02020603050405020304" pitchFamily="18" charset="0"/>
+                <a:cs typeface="Times New Roman" panose="02020603050405020304" pitchFamily="18" charset="0"/>
+              </a:rPr>
+              <a:t>User</a:t>
+            </a:r>
+            <a:r>
+              <a:rPr lang="ro-RO" sz="2400" dirty="0">
+                <a:solidFill>
+                  <a:schemeClr val="tx1"/>
+                </a:solidFill>
+                <a:latin typeface="Times New Roman" panose="02020603050405020304" pitchFamily="18" charset="0"/>
+                <a:cs typeface="Times New Roman" panose="02020603050405020304" pitchFamily="18" charset="0"/>
+              </a:rPr>
+              <a:t> </a:t>
+            </a:r>
+            <a:r>
+              <a:rPr lang="ro-RO" sz="2400" dirty="0" err="1">
+                <a:solidFill>
+                  <a:schemeClr val="tx1"/>
+                </a:solidFill>
+                <a:latin typeface="Times New Roman" panose="02020603050405020304" pitchFamily="18" charset="0"/>
+                <a:cs typeface="Times New Roman" panose="02020603050405020304" pitchFamily="18" charset="0"/>
+              </a:rPr>
+              <a:t>friendly</a:t>
+            </a:r>
+            <a:endParaRPr lang="en-US" sz="2400" dirty="0">
+              <a:solidFill>
+                <a:schemeClr val="tx1"/>
+              </a:solidFill>
+              <a:latin typeface="Times New Roman" panose="02020603050405020304" pitchFamily="18" charset="0"/>
+              <a:cs typeface="Times New Roman" panose="02020603050405020304" pitchFamily="18" charset="0"/>
+            </a:endParaRPr>
+          </a:p>
+          <a:p>
+            <a:pPr>
+              <a:buFont typeface="Arial" panose="020B0604020202020204" pitchFamily="34" charset="0"/>
+              <a:buChar char="•"/>
+            </a:pPr>
+            <a:r>
+              <a:rPr lang="en-US" sz="2400" dirty="0" err="1">
+                <a:solidFill>
+                  <a:schemeClr val="tx1"/>
+                </a:solidFill>
+                <a:latin typeface="Times New Roman" panose="02020603050405020304" pitchFamily="18" charset="0"/>
+                <a:cs typeface="Times New Roman" panose="02020603050405020304" pitchFamily="18" charset="0"/>
+              </a:rPr>
+              <a:t>Navigabilitate</a:t>
+            </a:r>
+            <a:r>
+              <a:rPr lang="en-US" sz="2400" dirty="0">
+                <a:solidFill>
+                  <a:schemeClr val="tx1"/>
+                </a:solidFill>
+                <a:latin typeface="Times New Roman" panose="02020603050405020304" pitchFamily="18" charset="0"/>
+                <a:cs typeface="Times New Roman" panose="02020603050405020304" pitchFamily="18" charset="0"/>
+              </a:rPr>
+              <a:t> fluent</a:t>
+            </a:r>
+            <a:r>
+              <a:rPr lang="ro-RO" sz="2400" dirty="0">
+                <a:solidFill>
+                  <a:schemeClr val="tx1"/>
+                </a:solidFill>
+                <a:latin typeface="Times New Roman" panose="02020603050405020304" pitchFamily="18" charset="0"/>
+                <a:cs typeface="Times New Roman" panose="02020603050405020304" pitchFamily="18" charset="0"/>
+              </a:rPr>
+              <a:t>ă</a:t>
+            </a:r>
+          </a:p>
+          <a:p>
+            <a:pPr>
+              <a:buFont typeface="Arial" panose="020B0604020202020204" pitchFamily="34" charset="0"/>
+              <a:buChar char="•"/>
+            </a:pPr>
+            <a:r>
+              <a:rPr lang="ro-RO" sz="2400" dirty="0">
+                <a:solidFill>
+                  <a:schemeClr val="tx1"/>
+                </a:solidFill>
+                <a:latin typeface="Times New Roman" panose="02020603050405020304" pitchFamily="18" charset="0"/>
+                <a:cs typeface="Times New Roman" panose="02020603050405020304" pitchFamily="18" charset="0"/>
+              </a:rPr>
+              <a:t>Aplicație ușor de gestionat</a:t>
+            </a:r>
+            <a:r>
+              <a:rPr lang="en-US" sz="2400" dirty="0">
+                <a:solidFill>
+                  <a:schemeClr val="tx1"/>
+                </a:solidFill>
+                <a:latin typeface="Times New Roman" panose="02020603050405020304" pitchFamily="18" charset="0"/>
+                <a:cs typeface="Times New Roman" panose="02020603050405020304" pitchFamily="18" charset="0"/>
+              </a:rPr>
+              <a:t> (</a:t>
+            </a:r>
+            <a:r>
+              <a:rPr lang="en-US" sz="2400" dirty="0" err="1">
+                <a:solidFill>
+                  <a:schemeClr val="tx1"/>
+                </a:solidFill>
+                <a:latin typeface="Times New Roman" panose="02020603050405020304" pitchFamily="18" charset="0"/>
+                <a:cs typeface="Times New Roman" panose="02020603050405020304" pitchFamily="18" charset="0"/>
+              </a:rPr>
+              <a:t>monitorizarea</a:t>
+            </a:r>
+            <a:r>
+              <a:rPr lang="en-US" sz="2400" dirty="0">
+                <a:solidFill>
+                  <a:schemeClr val="tx1"/>
+                </a:solidFill>
+                <a:latin typeface="Times New Roman" panose="02020603050405020304" pitchFamily="18" charset="0"/>
+                <a:cs typeface="Times New Roman" panose="02020603050405020304" pitchFamily="18" charset="0"/>
+              </a:rPr>
+              <a:t> </a:t>
+            </a:r>
+            <a:r>
+              <a:rPr lang="en-US" sz="2400" dirty="0" err="1">
+                <a:solidFill>
+                  <a:schemeClr val="tx1"/>
+                </a:solidFill>
+                <a:latin typeface="Times New Roman" panose="02020603050405020304" pitchFamily="18" charset="0"/>
+                <a:cs typeface="Times New Roman" panose="02020603050405020304" pitchFamily="18" charset="0"/>
+              </a:rPr>
+              <a:t>datelor</a:t>
+            </a:r>
+            <a:r>
+              <a:rPr lang="en-US" sz="2400" dirty="0">
+                <a:solidFill>
+                  <a:schemeClr val="tx1"/>
+                </a:solidFill>
+                <a:latin typeface="Times New Roman" panose="02020603050405020304" pitchFamily="18" charset="0"/>
+                <a:cs typeface="Times New Roman" panose="02020603050405020304" pitchFamily="18" charset="0"/>
+              </a:rPr>
+              <a:t>)</a:t>
             </a:r>
             <a:endParaRPr lang="ro-RO" sz="2400" dirty="0">
               <a:solidFill>
@@ -8219,279 +9346,10 @@
             </a:endParaRPr>
           </a:p>
           <a:p>
-            <a:pPr algn="just">
+            <a:pPr>
               <a:buFont typeface="Arial" panose="020B0604020202020204" pitchFamily="34" charset="0"/>
               <a:buChar char="•"/>
             </a:pPr>
-            <a:r>
-              <a:rPr lang="ro-RO" sz="2400" dirty="0" err="1">
-                <a:solidFill>
-                  <a:schemeClr val="tx1"/>
-                </a:solidFill>
-                <a:latin typeface="Times New Roman" panose="02020603050405020304" pitchFamily="18" charset="0"/>
-                <a:cs typeface="Times New Roman" panose="02020603050405020304" pitchFamily="18" charset="0"/>
-              </a:rPr>
-              <a:t>Version</a:t>
-            </a:r>
-            <a:r>
-              <a:rPr lang="ro-RO" sz="2400" dirty="0">
-                <a:solidFill>
-                  <a:schemeClr val="tx1"/>
-                </a:solidFill>
-                <a:latin typeface="Times New Roman" panose="02020603050405020304" pitchFamily="18" charset="0"/>
-                <a:cs typeface="Times New Roman" panose="02020603050405020304" pitchFamily="18" charset="0"/>
-              </a:rPr>
-              <a:t> Control</a:t>
-            </a:r>
-            <a:r>
-              <a:rPr lang="en-US" sz="2400" dirty="0">
-                <a:solidFill>
-                  <a:schemeClr val="tx1"/>
-                </a:solidFill>
-                <a:latin typeface="Times New Roman" panose="02020603050405020304" pitchFamily="18" charset="0"/>
-                <a:cs typeface="Times New Roman" panose="02020603050405020304" pitchFamily="18" charset="0"/>
-              </a:rPr>
-              <a:t>:</a:t>
-            </a:r>
-            <a:r>
-              <a:rPr lang="ro-RO" sz="2400" dirty="0">
-                <a:solidFill>
-                  <a:schemeClr val="tx1"/>
-                </a:solidFill>
-                <a:latin typeface="Times New Roman" panose="02020603050405020304" pitchFamily="18" charset="0"/>
-                <a:cs typeface="Times New Roman" panose="02020603050405020304" pitchFamily="18" charset="0"/>
-              </a:rPr>
-              <a:t> </a:t>
-            </a:r>
-            <a:r>
-              <a:rPr lang="ro-RO" sz="2400" dirty="0" err="1">
-                <a:solidFill>
-                  <a:schemeClr val="tx1"/>
-                </a:solidFill>
-                <a:latin typeface="Times New Roman" panose="02020603050405020304" pitchFamily="18" charset="0"/>
-                <a:cs typeface="Times New Roman" panose="02020603050405020304" pitchFamily="18" charset="0"/>
-              </a:rPr>
-              <a:t>GitHub</a:t>
-            </a:r>
-            <a:r>
-              <a:rPr lang="ro-RO" sz="2400" dirty="0">
-                <a:solidFill>
-                  <a:schemeClr val="tx1"/>
-                </a:solidFill>
-                <a:latin typeface="Times New Roman" panose="02020603050405020304" pitchFamily="18" charset="0"/>
-                <a:cs typeface="Times New Roman" panose="02020603050405020304" pitchFamily="18" charset="0"/>
-              </a:rPr>
-              <a:t> </a:t>
-            </a:r>
-            <a:r>
-              <a:rPr lang="en-US" sz="2400" dirty="0">
-                <a:solidFill>
-                  <a:schemeClr val="tx1"/>
-                </a:solidFill>
-                <a:latin typeface="Times New Roman" panose="02020603050405020304" pitchFamily="18" charset="0"/>
-                <a:cs typeface="Times New Roman" panose="02020603050405020304" pitchFamily="18" charset="0"/>
-              </a:rPr>
-              <a:t>(</a:t>
-            </a:r>
-            <a:r>
-              <a:rPr lang="ro-RO" sz="2400" dirty="0" err="1">
-                <a:solidFill>
-                  <a:schemeClr val="tx1"/>
-                </a:solidFill>
-                <a:latin typeface="Times New Roman" panose="02020603050405020304" pitchFamily="18" charset="0"/>
-                <a:cs typeface="Times New Roman" panose="02020603050405020304" pitchFamily="18" charset="0"/>
-              </a:rPr>
-              <a:t>GitKraken</a:t>
-            </a:r>
-            <a:r>
-              <a:rPr lang="ro-RO" sz="2400" dirty="0">
-                <a:solidFill>
-                  <a:schemeClr val="tx1"/>
-                </a:solidFill>
-                <a:latin typeface="Times New Roman" panose="02020603050405020304" pitchFamily="18" charset="0"/>
-                <a:cs typeface="Times New Roman" panose="02020603050405020304" pitchFamily="18" charset="0"/>
-              </a:rPr>
-              <a:t>)</a:t>
-            </a:r>
-            <a:endParaRPr lang="en-US" sz="2400" dirty="0">
-              <a:solidFill>
-                <a:schemeClr val="tx1"/>
-              </a:solidFill>
-              <a:latin typeface="Times New Roman" panose="02020603050405020304" pitchFamily="18" charset="0"/>
-              <a:cs typeface="Times New Roman" panose="02020603050405020304" pitchFamily="18" charset="0"/>
-            </a:endParaRPr>
-          </a:p>
-          <a:p>
-            <a:pPr algn="just">
-              <a:buFont typeface="Arial" panose="020B0604020202020204" pitchFamily="34" charset="0"/>
-              <a:buChar char="•"/>
-            </a:pPr>
-            <a:r>
-              <a:rPr lang="ro-RO" sz="2400" dirty="0">
-                <a:solidFill>
-                  <a:schemeClr val="tx1"/>
-                </a:solidFill>
-                <a:latin typeface="Times New Roman" panose="02020603050405020304" pitchFamily="18" charset="0"/>
-                <a:cs typeface="Times New Roman" panose="02020603050405020304" pitchFamily="18" charset="0"/>
-              </a:rPr>
-              <a:t>Tehnologii secundare</a:t>
-            </a:r>
-            <a:r>
-              <a:rPr lang="en-US" sz="2400" dirty="0">
-                <a:solidFill>
-                  <a:schemeClr val="tx1"/>
-                </a:solidFill>
-                <a:latin typeface="Times New Roman" panose="02020603050405020304" pitchFamily="18" charset="0"/>
-                <a:cs typeface="Times New Roman" panose="02020603050405020304" pitchFamily="18" charset="0"/>
-              </a:rPr>
-              <a:t>: </a:t>
-            </a:r>
-          </a:p>
-          <a:p>
-            <a:pPr lvl="1" algn="just"/>
-            <a:r>
-              <a:rPr lang="ro-RO" sz="2400" dirty="0" err="1">
-                <a:solidFill>
-                  <a:schemeClr val="tx1"/>
-                </a:solidFill>
-                <a:latin typeface="Times New Roman" panose="02020603050405020304" pitchFamily="18" charset="0"/>
-                <a:cs typeface="Times New Roman" panose="02020603050405020304" pitchFamily="18" charset="0"/>
-              </a:rPr>
-              <a:t>HTML</a:t>
-            </a:r>
-            <a:endParaRPr lang="en-US" sz="2400" dirty="0">
-              <a:solidFill>
-                <a:schemeClr val="tx1"/>
-              </a:solidFill>
-              <a:latin typeface="Times New Roman" panose="02020603050405020304" pitchFamily="18" charset="0"/>
-              <a:cs typeface="Times New Roman" panose="02020603050405020304" pitchFamily="18" charset="0"/>
-            </a:endParaRPr>
-          </a:p>
-          <a:p>
-            <a:pPr lvl="1" algn="just"/>
-            <a:r>
-              <a:rPr lang="ro-RO" sz="2400" dirty="0">
-                <a:solidFill>
-                  <a:schemeClr val="tx1"/>
-                </a:solidFill>
-                <a:latin typeface="Times New Roman" panose="02020603050405020304" pitchFamily="18" charset="0"/>
-                <a:cs typeface="Times New Roman" panose="02020603050405020304" pitchFamily="18" charset="0"/>
-              </a:rPr>
-              <a:t>CSS</a:t>
-            </a:r>
-            <a:endParaRPr lang="en-US" sz="2400" dirty="0">
-              <a:solidFill>
-                <a:schemeClr val="tx1"/>
-              </a:solidFill>
-              <a:latin typeface="Times New Roman" panose="02020603050405020304" pitchFamily="18" charset="0"/>
-              <a:cs typeface="Times New Roman" panose="02020603050405020304" pitchFamily="18" charset="0"/>
-            </a:endParaRPr>
-          </a:p>
-          <a:p>
-            <a:pPr lvl="1" algn="just"/>
-            <a:r>
-              <a:rPr lang="ro-RO" sz="2400" dirty="0" err="1">
-                <a:solidFill>
-                  <a:schemeClr val="tx1"/>
-                </a:solidFill>
-                <a:latin typeface="Times New Roman" panose="02020603050405020304" pitchFamily="18" charset="0"/>
-                <a:cs typeface="Times New Roman" panose="02020603050405020304" pitchFamily="18" charset="0"/>
-              </a:rPr>
-              <a:t>JavaScript</a:t>
-            </a:r>
-            <a:endParaRPr lang="en-US" sz="2400" dirty="0">
-              <a:solidFill>
-                <a:schemeClr val="tx1"/>
-              </a:solidFill>
-              <a:latin typeface="Times New Roman" panose="02020603050405020304" pitchFamily="18" charset="0"/>
-              <a:cs typeface="Times New Roman" panose="02020603050405020304" pitchFamily="18" charset="0"/>
-            </a:endParaRPr>
-          </a:p>
-          <a:p>
-            <a:pPr lvl="1" algn="just"/>
-            <a:r>
-              <a:rPr lang="ro-RO" sz="2400" dirty="0" err="1">
-                <a:solidFill>
-                  <a:schemeClr val="tx1"/>
-                </a:solidFill>
-                <a:latin typeface="Times New Roman" panose="02020603050405020304" pitchFamily="18" charset="0"/>
-                <a:cs typeface="Times New Roman" panose="02020603050405020304" pitchFamily="18" charset="0"/>
-              </a:rPr>
-              <a:t>Bootstrap</a:t>
-            </a:r>
-            <a:endParaRPr lang="en-US" sz="2400" dirty="0">
-              <a:solidFill>
-                <a:schemeClr val="tx1"/>
-              </a:solidFill>
-              <a:latin typeface="Times New Roman" panose="02020603050405020304" pitchFamily="18" charset="0"/>
-              <a:cs typeface="Times New Roman" panose="02020603050405020304" pitchFamily="18" charset="0"/>
-            </a:endParaRPr>
-          </a:p>
-          <a:p>
-            <a:pPr algn="just">
-              <a:buFont typeface="Arial" panose="020B0604020202020204" pitchFamily="34" charset="0"/>
-              <a:buChar char="•"/>
-            </a:pPr>
-            <a:r>
-              <a:rPr lang="en-US" sz="2400" dirty="0">
-                <a:solidFill>
-                  <a:schemeClr val="tx1"/>
-                </a:solidFill>
-                <a:latin typeface="Times New Roman" panose="02020603050405020304" pitchFamily="18" charset="0"/>
-                <a:cs typeface="Times New Roman" panose="02020603050405020304" pitchFamily="18" charset="0"/>
-              </a:rPr>
-              <a:t>Logo </a:t>
-            </a:r>
-            <a:r>
-              <a:rPr lang="ro-RO" sz="2400" dirty="0">
-                <a:solidFill>
-                  <a:schemeClr val="tx1"/>
-                </a:solidFill>
-                <a:latin typeface="Times New Roman" panose="02020603050405020304" pitchFamily="18" charset="0"/>
-                <a:cs typeface="Times New Roman" panose="02020603050405020304" pitchFamily="18" charset="0"/>
-              </a:rPr>
-              <a:t>și </a:t>
-            </a:r>
-            <a:r>
-              <a:rPr lang="ro-RO" sz="2400" dirty="0" err="1">
-                <a:solidFill>
-                  <a:schemeClr val="tx1"/>
-                </a:solidFill>
-                <a:latin typeface="Times New Roman" panose="02020603050405020304" pitchFamily="18" charset="0"/>
-                <a:cs typeface="Times New Roman" panose="02020603050405020304" pitchFamily="18" charset="0"/>
-              </a:rPr>
-              <a:t>icons</a:t>
-            </a:r>
-            <a:r>
-              <a:rPr lang="en-US" sz="2400" dirty="0">
-                <a:solidFill>
-                  <a:schemeClr val="tx1"/>
-                </a:solidFill>
-                <a:latin typeface="Times New Roman" panose="02020603050405020304" pitchFamily="18" charset="0"/>
-                <a:cs typeface="Times New Roman" panose="02020603050405020304" pitchFamily="18" charset="0"/>
-              </a:rPr>
-              <a:t>: </a:t>
-            </a:r>
-            <a:r>
-              <a:rPr lang="ro-RO" sz="2400" dirty="0">
-                <a:solidFill>
-                  <a:schemeClr val="tx1"/>
-                </a:solidFill>
-                <a:latin typeface="Times New Roman" panose="02020603050405020304" pitchFamily="18" charset="0"/>
-                <a:cs typeface="Times New Roman" panose="02020603050405020304" pitchFamily="18" charset="0"/>
-              </a:rPr>
-              <a:t>Adobe </a:t>
-            </a:r>
-            <a:r>
-              <a:rPr lang="ro-RO" sz="2400" dirty="0" err="1">
-                <a:solidFill>
-                  <a:schemeClr val="tx1"/>
-                </a:solidFill>
-                <a:latin typeface="Times New Roman" panose="02020603050405020304" pitchFamily="18" charset="0"/>
-                <a:cs typeface="Times New Roman" panose="02020603050405020304" pitchFamily="18" charset="0"/>
-              </a:rPr>
-              <a:t>Illustrator</a:t>
-            </a:r>
             <a:endParaRPr lang="ro-RO" sz="2400" dirty="0">
               <a:solidFill>
                 <a:schemeClr val="tx1"/>
@@ -8500,6 +9358,19 @@
               <a:cs typeface="Times New Roman" panose="02020603050405020304" pitchFamily="18" charset="0"/>
             </a:endParaRPr>
           </a:p>
+          <a:p>
+            <a:pPr>
+              <a:buFont typeface="Arial" panose="020B0604020202020204" pitchFamily="34" charset="0"/>
+              <a:buChar char="•"/>
+            </a:pPr>
+            <a:endParaRPr lang="ro-RO" sz="2400" dirty="0">
+              <a:solidFill>
+                <a:schemeClr val="tx1"/>
+              </a:solidFill>
+              <a:latin typeface="Times New Roman" panose="02020603050405020304" pitchFamily="18" charset="0"/>
+              <a:cs typeface="Times New Roman" panose="02020603050405020304" pitchFamily="18" charset="0"/>
+            </a:endParaRPr>
+          </a:p>
         </p:txBody>
       </p:sp>
       <p:sp>
@@ -8507,7 +9378,7 @@
           <p:cNvPr id="6" name="Slide Number Placeholder 5">
             <a:extLst>
               <a:ext uri="{FF2B5EF4-FFF2-40B4-BE49-F238E27FC236}">
-                <a16:creationId xmlns:a16="http://schemas.microsoft.com/office/drawing/2014/main" id="{1A343845-0B29-4F40-AA0F-055A25494808}"/>
+                <a16:creationId xmlns:a16="http://schemas.microsoft.com/office/drawing/2014/main" id="{D1C60C3E-00A9-4360-B070-F8058FF9E61B}"/>
               </a:ext>
             </a:extLst>
           </p:cNvPr>
@@ -8518,19 +9389,14 @@
             <p:ph type="sldNum" sz="quarter" idx="12"/>
           </p:nvPr>
         </p:nvSpPr>
-        <p:spPr>
-          <a:xfrm>
-            <a:off x="10363200" y="5578475"/>
-            <a:ext cx="1142245" cy="669925"/>
-          </a:xfrm>
-        </p:spPr>
+        <p:spPr/>
         <p:txBody>
           <a:bodyPr/>
           <a:lstStyle/>
           <a:p>
             <a:r>
               <a:rPr lang="ro-RO" dirty="0"/>
-              <a:t>4</a:t>
+              <a:t>5</a:t>
             </a:r>
             <a:endParaRPr lang="en-US" dirty="0"/>
           </a:p>
@@ -8539,7 +9405,7 @@
     </p:spTree>
     <p:extLst>
       <p:ext uri="{BB962C8B-B14F-4D97-AF65-F5344CB8AC3E}">
-        <p14:creationId xmlns:p14="http://schemas.microsoft.com/office/powerpoint/2010/main" val="3791107911"/>
+        <p14:creationId xmlns:p14="http://schemas.microsoft.com/office/powerpoint/2010/main" val="3335911691"/>
       </p:ext>
     </p:extLst>
   </p:cSld>
@@ -8583,7 +9449,7 @@
           <p:cNvPr id="2" name="Title 1">
             <a:extLst>
               <a:ext uri="{FF2B5EF4-FFF2-40B4-BE49-F238E27FC236}">
-                <a16:creationId xmlns:a16="http://schemas.microsoft.com/office/drawing/2014/main" id="{DE1AB039-1E5E-40C6-B9D5-B0D5745D0DE1}"/>
+                <a16:creationId xmlns:a16="http://schemas.microsoft.com/office/drawing/2014/main" id="{EB351EDB-81AB-48ED-B327-A968CC61293A}"/>
               </a:ext>
             </a:extLst>
           </p:cNvPr>
@@ -8596,7 +9462,7 @@
         </p:nvSpPr>
         <p:spPr>
           <a:xfrm>
-            <a:off x="1828800" y="657012"/>
+            <a:off x="1828800" y="2675466"/>
             <a:ext cx="8534400" cy="1507067"/>
           </a:xfrm>
         </p:spPr>
@@ -8608,21 +9474,25 @@
           <a:p>
             <a:pPr algn="ctr"/>
             <a:r>
-              <a:rPr lang="ro-RO" sz="3200" cap="none" dirty="0">
-                <a:latin typeface="Times New Roman" panose="02020603050405020304" pitchFamily="18" charset="0"/>
-                <a:cs typeface="Times New Roman" panose="02020603050405020304" pitchFamily="18" charset="0"/>
-              </a:rPr>
-              <a:t>Contribuții</a:t>
-            </a:r>
-          </a:p>
-        </p:txBody>
-      </p:sp>
-      <p:sp>
-        <p:nvSpPr>
-          <p:cNvPr id="3" name="Content Placeholder 2">
+              <a:rPr lang="ro-RO" sz="8800" cap="none" dirty="0" err="1">
+                <a:latin typeface="Times New Roman" panose="02020603050405020304" pitchFamily="18" charset="0"/>
+                <a:cs typeface="Times New Roman" panose="02020603050405020304" pitchFamily="18" charset="0"/>
+              </a:rPr>
+              <a:t>Demo</a:t>
+            </a:r>
+            <a:endParaRPr lang="ro-RO" sz="8800" cap="none" dirty="0">
+              <a:latin typeface="Times New Roman" panose="02020603050405020304" pitchFamily="18" charset="0"/>
+              <a:cs typeface="Times New Roman" panose="02020603050405020304" pitchFamily="18" charset="0"/>
+            </a:endParaRPr>
+          </a:p>
+        </p:txBody>
+      </p:sp>
+      <p:sp>
+        <p:nvSpPr>
+          <p:cNvPr id="5" name="Slide Number Placeholder 4">
             <a:extLst>
               <a:ext uri="{FF2B5EF4-FFF2-40B4-BE49-F238E27FC236}">
-                <a16:creationId xmlns:a16="http://schemas.microsoft.com/office/drawing/2014/main" id="{58AE9B0E-6218-4211-8D36-5D131D5749DD}"/>
+                <a16:creationId xmlns:a16="http://schemas.microsoft.com/office/drawing/2014/main" id="{3C1B2175-FEA2-40C8-AB0B-EBFD1640A7D9}"/>
               </a:ext>
             </a:extLst>
           </p:cNvPr>
@@ -8630,240 +9500,162 @@
             <a:spLocks noGrp="1"/>
           </p:cNvSpPr>
           <p:nvPr>
-            <p:ph idx="1"/>
-          </p:nvPr>
+            <p:ph type="sldNum" sz="quarter" idx="12"/>
+          </p:nvPr>
+        </p:nvSpPr>
+        <p:spPr/>
+        <p:txBody>
+          <a:bodyPr/>
+          <a:lstStyle/>
+          <a:p>
+            <a:r>
+              <a:rPr lang="ro-RO" dirty="0"/>
+              <a:t>6</a:t>
+            </a:r>
+            <a:endParaRPr lang="en-US" dirty="0"/>
+          </a:p>
+        </p:txBody>
+      </p:sp>
+      <p:sp>
+        <p:nvSpPr>
+          <p:cNvPr id="3" name="TextBox 2">
+            <a:extLst>
+              <a:ext uri="{FF2B5EF4-FFF2-40B4-BE49-F238E27FC236}">
+                <a16:creationId xmlns:a16="http://schemas.microsoft.com/office/drawing/2014/main" id="{F7323618-52DA-48D3-8594-A9C8781E3237}"/>
+              </a:ext>
+            </a:extLst>
+          </p:cNvPr>
+          <p:cNvSpPr txBox="1"/>
+          <p:nvPr/>
         </p:nvSpPr>
         <p:spPr>
           <a:xfrm>
-            <a:off x="1513840" y="1904999"/>
-            <a:ext cx="9441375" cy="4434255"/>
+            <a:off x="3414963" y="4283240"/>
+            <a:ext cx="5362073" cy="830997"/>
           </a:xfrm>
+          <a:prstGeom prst="rect">
+            <a:avLst/>
+          </a:prstGeom>
+          <a:noFill/>
         </p:spPr>
         <p:txBody>
-          <a:bodyPr anchor="t">
-            <a:normAutofit/>
+          <a:bodyPr wrap="square" rtlCol="0">
+            <a:spAutoFit/>
           </a:bodyPr>
           <a:lstStyle/>
           <a:p>
-            <a:pPr algn="just">
-              <a:buFont typeface="Arial" panose="020B0604020202020204" pitchFamily="34" charset="0"/>
-              <a:buChar char="•"/>
-            </a:pPr>
+            <a:r>
+              <a:rPr lang="en-US" sz="2400" dirty="0">
+                <a:latin typeface="Times New Roman" panose="02020603050405020304" pitchFamily="18" charset="0"/>
+                <a:cs typeface="Times New Roman" panose="02020603050405020304" pitchFamily="18" charset="0"/>
+              </a:rPr>
+              <a:t>Link: </a:t>
+            </a:r>
+            <a:r>
+              <a:rPr lang="en-US" sz="2400" dirty="0">
+                <a:latin typeface="Times New Roman" panose="02020603050405020304" pitchFamily="18" charset="0"/>
+                <a:cs typeface="Times New Roman" panose="02020603050405020304" pitchFamily="18" charset="0"/>
+                <a:hlinkClick r:id="rId3"/>
+              </a:rPr>
+              <a:t>https://</a:t>
+            </a:r>
+            <a:r>
+              <a:rPr lang="en-US" sz="2400" dirty="0" err="1">
+                <a:latin typeface="Times New Roman" panose="02020603050405020304" pitchFamily="18" charset="0"/>
+                <a:cs typeface="Times New Roman" panose="02020603050405020304" pitchFamily="18" charset="0"/>
+                <a:hlinkClick r:id="rId3"/>
+              </a:rPr>
+              <a:t>localhost:44371</a:t>
+            </a:r>
+            <a:r>
+              <a:rPr lang="en-US" sz="2400" dirty="0">
+                <a:latin typeface="Times New Roman" panose="02020603050405020304" pitchFamily="18" charset="0"/>
+                <a:cs typeface="Times New Roman" panose="02020603050405020304" pitchFamily="18" charset="0"/>
+                <a:hlinkClick r:id="rId3"/>
+              </a:rPr>
+              <a:t>/</a:t>
+            </a:r>
+            <a:r>
+              <a:rPr lang="en-US" sz="2400" dirty="0">
+                <a:latin typeface="Times New Roman" panose="02020603050405020304" pitchFamily="18" charset="0"/>
+                <a:cs typeface="Times New Roman" panose="02020603050405020304" pitchFamily="18" charset="0"/>
+              </a:rPr>
+              <a:t> </a:t>
+            </a:r>
+          </a:p>
+          <a:p>
             <a:r>
               <a:rPr lang="ro-RO" sz="2400" dirty="0">
-                <a:solidFill>
-                  <a:schemeClr val="tx1"/>
-                </a:solidFill>
-                <a:latin typeface="Times New Roman" panose="02020603050405020304" pitchFamily="18" charset="0"/>
-                <a:cs typeface="Times New Roman" panose="02020603050405020304" pitchFamily="18" charset="0"/>
-              </a:rPr>
-              <a:t>Afișarea informațiilor în mod privat pentru fiecare utilizator în parte</a:t>
-            </a:r>
-          </a:p>
-          <a:p>
-            <a:pPr algn="just">
-              <a:buFont typeface="Arial" panose="020B0604020202020204" pitchFamily="34" charset="0"/>
-              <a:buChar char="•"/>
-            </a:pPr>
+                <a:latin typeface="Times New Roman" panose="02020603050405020304" pitchFamily="18" charset="0"/>
+                <a:cs typeface="Times New Roman" panose="02020603050405020304" pitchFamily="18" charset="0"/>
+              </a:rPr>
+              <a:t>Backup</a:t>
+            </a:r>
+            <a:r>
+              <a:rPr lang="en-US" sz="2400" dirty="0">
+                <a:latin typeface="Times New Roman" panose="02020603050405020304" pitchFamily="18" charset="0"/>
+                <a:cs typeface="Times New Roman" panose="02020603050405020304" pitchFamily="18" charset="0"/>
+              </a:rPr>
+              <a:t>: </a:t>
+            </a:r>
+            <a:r>
+              <a:rPr lang="ro-RO" sz="2400" dirty="0" err="1">
+                <a:latin typeface="Times New Roman" panose="02020603050405020304" pitchFamily="18" charset="0"/>
+                <a:cs typeface="Times New Roman" panose="02020603050405020304" pitchFamily="18" charset="0"/>
+                <a:hlinkClick r:id="rId4"/>
+              </a:rPr>
+              <a:t>https</a:t>
+            </a:r>
             <a:r>
               <a:rPr lang="ro-RO" sz="2400" dirty="0">
-                <a:solidFill>
-                  <a:schemeClr val="tx1"/>
-                </a:solidFill>
-                <a:latin typeface="Times New Roman" panose="02020603050405020304" pitchFamily="18" charset="0"/>
-                <a:cs typeface="Times New Roman" panose="02020603050405020304" pitchFamily="18" charset="0"/>
-              </a:rPr>
-              <a:t>Lista cu toți Doctorii înregistrați</a:t>
-            </a:r>
-          </a:p>
-          <a:p>
-            <a:pPr algn="just">
-              <a:buFont typeface="Arial" panose="020B0604020202020204" pitchFamily="34" charset="0"/>
-              <a:buChar char="•"/>
-            </a:pPr>
+                <a:latin typeface="Times New Roman" panose="02020603050405020304" pitchFamily="18" charset="0"/>
+                <a:cs typeface="Times New Roman" panose="02020603050405020304" pitchFamily="18" charset="0"/>
+                <a:hlinkClick r:id="rId4"/>
+              </a:rPr>
+              <a:t>://</a:t>
+            </a:r>
+            <a:r>
+              <a:rPr lang="ro-RO" sz="2400" dirty="0" err="1">
+                <a:latin typeface="Times New Roman" panose="02020603050405020304" pitchFamily="18" charset="0"/>
+                <a:cs typeface="Times New Roman" panose="02020603050405020304" pitchFamily="18" charset="0"/>
+                <a:hlinkClick r:id="rId4"/>
+              </a:rPr>
+              <a:t>youtu.be</a:t>
+            </a:r>
             <a:r>
               <a:rPr lang="ro-RO" sz="2400" dirty="0">
-                <a:solidFill>
-                  <a:schemeClr val="tx1"/>
-                </a:solidFill>
-                <a:latin typeface="Times New Roman" panose="02020603050405020304" pitchFamily="18" charset="0"/>
-                <a:cs typeface="Times New Roman" panose="02020603050405020304" pitchFamily="18" charset="0"/>
-              </a:rPr>
-              <a:t>Existența unei liste de medicamente cu informații suplimentare</a:t>
-            </a:r>
-          </a:p>
-          <a:p>
-            <a:pPr algn="just">
-              <a:buFont typeface="Arial" panose="020B0604020202020204" pitchFamily="34" charset="0"/>
-              <a:buChar char="•"/>
-            </a:pPr>
-            <a:r>
-              <a:rPr lang="ro-RO" sz="2400" dirty="0">
-                <a:solidFill>
-                  <a:schemeClr val="tx1"/>
-                </a:solidFill>
-                <a:latin typeface="Times New Roman" panose="02020603050405020304" pitchFamily="18" charset="0"/>
-                <a:cs typeface="Times New Roman" panose="02020603050405020304" pitchFamily="18" charset="0"/>
-              </a:rPr>
-              <a:t>Secțiunea de Asistență (Întrebări și răspunsuri)</a:t>
-            </a:r>
-          </a:p>
-          <a:p>
-            <a:pPr algn="just">
-              <a:buFont typeface="Arial" panose="020B0604020202020204" pitchFamily="34" charset="0"/>
-              <a:buChar char="•"/>
-            </a:pPr>
+                <a:latin typeface="Times New Roman" panose="02020603050405020304" pitchFamily="18" charset="0"/>
+                <a:cs typeface="Times New Roman" panose="02020603050405020304" pitchFamily="18" charset="0"/>
+                <a:hlinkClick r:id="rId4"/>
+              </a:rPr>
+              <a:t>/</a:t>
+            </a:r>
             <a:r>
               <a:rPr lang="ro-RO" sz="2400" dirty="0" err="1">
-                <a:solidFill>
-                  <a:schemeClr val="tx1"/>
-                </a:solidFill>
-                <a:latin typeface="Times New Roman" panose="02020603050405020304" pitchFamily="18" charset="0"/>
-                <a:cs typeface="Times New Roman" panose="02020603050405020304" pitchFamily="18" charset="0"/>
-              </a:rPr>
-              <a:t>User</a:t>
-            </a:r>
-            <a:r>
-              <a:rPr lang="ro-RO" sz="2400" dirty="0">
-                <a:solidFill>
-                  <a:schemeClr val="tx1"/>
-                </a:solidFill>
+                <a:latin typeface="Times New Roman" panose="02020603050405020304" pitchFamily="18" charset="0"/>
+                <a:cs typeface="Times New Roman" panose="02020603050405020304" pitchFamily="18" charset="0"/>
+                <a:hlinkClick r:id="rId4"/>
+              </a:rPr>
+              <a:t>3wNYpVMhC1I</a:t>
+            </a:r>
+            <a:r>
+              <a:rPr lang="en-US" sz="2400" dirty="0">
                 <a:latin typeface="Times New Roman" panose="02020603050405020304" pitchFamily="18" charset="0"/>
                 <a:cs typeface="Times New Roman" panose="02020603050405020304" pitchFamily="18" charset="0"/>
               </a:rPr>
               <a:t> </a:t>
             </a:r>
-            <a:r>
-              <a:rPr lang="ro-RO" sz="2400" dirty="0" err="1">
-                <a:solidFill>
-                  <a:schemeClr val="tx1"/>
-                </a:solidFill>
-                <a:latin typeface="Times New Roman" panose="02020603050405020304" pitchFamily="18" charset="0"/>
-                <a:cs typeface="Times New Roman" panose="02020603050405020304" pitchFamily="18" charset="0"/>
-              </a:rPr>
-              <a:t>friendly</a:t>
-            </a:r>
-            <a:endParaRPr lang="en-US" sz="2400" dirty="0">
-              <a:solidFill>
-                <a:schemeClr val="tx1"/>
-              </a:solidFill>
+            <a:endParaRPr lang="ro-RO" sz="2400" dirty="0">
               <a:latin typeface="Times New Roman" panose="02020603050405020304" pitchFamily="18" charset="0"/>
               <a:cs typeface="Times New Roman" panose="02020603050405020304" pitchFamily="18" charset="0"/>
             </a:endParaRPr>
           </a:p>
-          <a:p>
-            <a:pPr algn="just">
-              <a:buFont typeface="Arial" panose="020B0604020202020204" pitchFamily="34" charset="0"/>
-              <a:buChar char="•"/>
-            </a:pPr>
-            <a:r>
-              <a:rPr lang="en-US" sz="2400" dirty="0" err="1">
-                <a:solidFill>
-                  <a:schemeClr val="tx1"/>
-                </a:solidFill>
-                <a:latin typeface="Times New Roman" panose="02020603050405020304" pitchFamily="18" charset="0"/>
-                <a:cs typeface="Times New Roman" panose="02020603050405020304" pitchFamily="18" charset="0"/>
-              </a:rPr>
-              <a:t>Navigabilitate</a:t>
-            </a:r>
-            <a:r>
-              <a:rPr lang="en-US" sz="2400" dirty="0">
-                <a:solidFill>
-                  <a:schemeClr val="tx1"/>
-                </a:solidFill>
-                <a:latin typeface="Times New Roman" panose="02020603050405020304" pitchFamily="18" charset="0"/>
-                <a:cs typeface="Times New Roman" panose="02020603050405020304" pitchFamily="18" charset="0"/>
-              </a:rPr>
-              <a:t> fluent</a:t>
-            </a:r>
-            <a:r>
-              <a:rPr lang="ro-RO" sz="2400" dirty="0">
-                <a:solidFill>
-                  <a:schemeClr val="tx1"/>
-                </a:solidFill>
-                <a:latin typeface="Times New Roman" panose="02020603050405020304" pitchFamily="18" charset="0"/>
-                <a:cs typeface="Times New Roman" panose="02020603050405020304" pitchFamily="18" charset="0"/>
-              </a:rPr>
-              <a:t>ă</a:t>
-            </a:r>
-          </a:p>
-          <a:p>
-            <a:pPr algn="just">
-              <a:buFont typeface="Arial" panose="020B0604020202020204" pitchFamily="34" charset="0"/>
-              <a:buChar char="•"/>
-            </a:pPr>
-            <a:r>
-              <a:rPr lang="ro-RO" sz="2400" dirty="0">
-                <a:solidFill>
-                  <a:schemeClr val="tx1"/>
-                </a:solidFill>
-                <a:latin typeface="Times New Roman" panose="02020603050405020304" pitchFamily="18" charset="0"/>
-                <a:cs typeface="Times New Roman" panose="02020603050405020304" pitchFamily="18" charset="0"/>
-              </a:rPr>
-              <a:t>Aplicație ușor de gestionat</a:t>
-            </a:r>
-          </a:p>
-          <a:p>
-            <a:pPr algn="just">
-              <a:buFont typeface="Arial" panose="020B0604020202020204" pitchFamily="34" charset="0"/>
-              <a:buChar char="•"/>
-            </a:pPr>
-            <a:endParaRPr lang="ro-RO" sz="2400" dirty="0">
-              <a:solidFill>
-                <a:schemeClr val="tx1"/>
-              </a:solidFill>
-              <a:latin typeface="Times New Roman" panose="02020603050405020304" pitchFamily="18" charset="0"/>
-              <a:cs typeface="Times New Roman" panose="02020603050405020304" pitchFamily="18" charset="0"/>
-            </a:endParaRPr>
-          </a:p>
-          <a:p>
-            <a:pPr algn="just">
-              <a:buFont typeface="Arial" panose="020B0604020202020204" pitchFamily="34" charset="0"/>
-              <a:buChar char="•"/>
-            </a:pPr>
-            <a:endParaRPr lang="ro-RO" sz="2400" dirty="0">
-              <a:solidFill>
-                <a:schemeClr val="tx1"/>
-              </a:solidFill>
-              <a:latin typeface="Times New Roman" panose="02020603050405020304" pitchFamily="18" charset="0"/>
-              <a:cs typeface="Times New Roman" panose="02020603050405020304" pitchFamily="18" charset="0"/>
-            </a:endParaRPr>
-          </a:p>
-        </p:txBody>
-      </p:sp>
-      <p:sp>
-        <p:nvSpPr>
-          <p:cNvPr id="6" name="Slide Number Placeholder 5">
-            <a:extLst>
-              <a:ext uri="{FF2B5EF4-FFF2-40B4-BE49-F238E27FC236}">
-                <a16:creationId xmlns:a16="http://schemas.microsoft.com/office/drawing/2014/main" id="{D1C60C3E-00A9-4360-B070-F8058FF9E61B}"/>
-              </a:ext>
-            </a:extLst>
-          </p:cNvPr>
-          <p:cNvSpPr>
-            <a:spLocks noGrp="1"/>
-          </p:cNvSpPr>
-          <p:nvPr>
-            <p:ph type="sldNum" sz="quarter" idx="12"/>
-          </p:nvPr>
-        </p:nvSpPr>
-        <p:spPr/>
-        <p:txBody>
-          <a:bodyPr/>
-          <a:lstStyle/>
-          <a:p>
-            <a:r>
-              <a:rPr lang="ro-RO" dirty="0"/>
-              <a:t>5</a:t>
-            </a:r>
-            <a:endParaRPr lang="en-US" dirty="0"/>
-          </a:p>
         </p:txBody>
       </p:sp>
     </p:spTree>
     <p:extLst>
       <p:ext uri="{BB962C8B-B14F-4D97-AF65-F5344CB8AC3E}">
-        <p14:creationId xmlns:p14="http://schemas.microsoft.com/office/powerpoint/2010/main" val="3335911691"/>
+        <p14:creationId xmlns:p14="http://schemas.microsoft.com/office/powerpoint/2010/main" val="2567799820"/>
       </p:ext>
     </p:extLst>
   </p:cSld>
@@ -8907,7 +9699,7 @@
           <p:cNvPr id="2" name="Title 1">
             <a:extLst>
               <a:ext uri="{FF2B5EF4-FFF2-40B4-BE49-F238E27FC236}">
-                <a16:creationId xmlns:a16="http://schemas.microsoft.com/office/drawing/2014/main" id="{EB351EDB-81AB-48ED-B327-A968CC61293A}"/>
+                <a16:creationId xmlns:a16="http://schemas.microsoft.com/office/drawing/2014/main" id="{DE1AB039-1E5E-40C6-B9D5-B0D5745D0DE1}"/>
               </a:ext>
             </a:extLst>
           </p:cNvPr>
@@ -8920,7 +9712,7 @@
         </p:nvSpPr>
         <p:spPr>
           <a:xfrm>
-            <a:off x="1828800" y="2675466"/>
+            <a:off x="1828800" y="657012"/>
             <a:ext cx="8534400" cy="1507067"/>
           </a:xfrm>
         </p:spPr>
@@ -8932,13 +9724,13 @@
           <a:p>
             <a:pPr algn="ctr"/>
             <a:r>
-              <a:rPr lang="ro-RO" sz="8800" cap="none" dirty="0" err="1">
-                <a:latin typeface="Times New Roman" panose="02020603050405020304" pitchFamily="18" charset="0"/>
-                <a:cs typeface="Times New Roman" panose="02020603050405020304" pitchFamily="18" charset="0"/>
-              </a:rPr>
-              <a:t>Demo</a:t>
-            </a:r>
-            <a:endParaRPr lang="ro-RO" sz="8800" cap="none" dirty="0">
+              <a:rPr lang="en-US" sz="3200" cap="none" dirty="0" err="1">
+                <a:latin typeface="Times New Roman" panose="02020603050405020304" pitchFamily="18" charset="0"/>
+                <a:cs typeface="Times New Roman" panose="02020603050405020304" pitchFamily="18" charset="0"/>
+              </a:rPr>
+              <a:t>Concluzii</a:t>
+            </a:r>
+            <a:endParaRPr lang="ro-RO" sz="3200" cap="none" dirty="0">
               <a:latin typeface="Times New Roman" panose="02020603050405020304" pitchFamily="18" charset="0"/>
               <a:cs typeface="Times New Roman" panose="02020603050405020304" pitchFamily="18" charset="0"/>
             </a:endParaRPr>
@@ -8947,10 +9739,10 @@
       </p:sp>
       <p:sp>
         <p:nvSpPr>
-          <p:cNvPr id="5" name="Slide Number Placeholder 4">
+          <p:cNvPr id="3" name="Content Placeholder 2">
             <a:extLst>
               <a:ext uri="{FF2B5EF4-FFF2-40B4-BE49-F238E27FC236}">
-                <a16:creationId xmlns:a16="http://schemas.microsoft.com/office/drawing/2014/main" id="{3C1B2175-FEA2-40C8-AB0B-EBFD1640A7D9}"/>
+                <a16:creationId xmlns:a16="http://schemas.microsoft.com/office/drawing/2014/main" id="{58AE9B0E-6218-4211-8D36-5D131D5749DD}"/>
               </a:ext>
             </a:extLst>
           </p:cNvPr>
@@ -8958,6 +9750,135 @@
             <a:spLocks noGrp="1"/>
           </p:cNvSpPr>
           <p:nvPr>
+            <p:ph idx="1"/>
+          </p:nvPr>
+        </p:nvSpPr>
+        <p:spPr>
+          <a:xfrm>
+            <a:off x="1513840" y="1904999"/>
+            <a:ext cx="9441375" cy="4434255"/>
+          </a:xfrm>
+        </p:spPr>
+        <p:txBody>
+          <a:bodyPr anchor="t">
+            <a:normAutofit/>
+          </a:bodyPr>
+          <a:lstStyle/>
+          <a:p>
+            <a:pPr marL="0" indent="0">
+              <a:buNone/>
+            </a:pPr>
+            <a:r>
+              <a:rPr lang="ro-RO" sz="2400" dirty="0">
+                <a:solidFill>
+                  <a:schemeClr val="tx1"/>
+                </a:solidFill>
+                <a:latin typeface="Times New Roman" panose="02020603050405020304" pitchFamily="18" charset="0"/>
+                <a:cs typeface="Times New Roman" panose="02020603050405020304" pitchFamily="18" charset="0"/>
+              </a:rPr>
+              <a:t>  </a:t>
+            </a:r>
+            <a:r>
+              <a:rPr lang="ro-RO" sz="2400" b="1" dirty="0" err="1">
+                <a:solidFill>
+                  <a:schemeClr val="tx1"/>
+                </a:solidFill>
+                <a:latin typeface="Times New Roman" panose="02020603050405020304" pitchFamily="18" charset="0"/>
+                <a:cs typeface="Times New Roman" panose="02020603050405020304" pitchFamily="18" charset="0"/>
+              </a:rPr>
+              <a:t>MediArch</a:t>
+            </a:r>
+            <a:r>
+              <a:rPr lang="ro-RO" sz="2400" dirty="0">
+                <a:solidFill>
+                  <a:schemeClr val="tx1"/>
+                </a:solidFill>
+                <a:latin typeface="Times New Roman" panose="02020603050405020304" pitchFamily="18" charset="0"/>
+                <a:cs typeface="Times New Roman" panose="02020603050405020304" pitchFamily="18" charset="0"/>
+              </a:rPr>
+              <a:t> este o aplicație web, conturată pe domeniul medical, care va ține la loc sigur toate datele din istoricul medical al unei persoane.</a:t>
+            </a:r>
+          </a:p>
+          <a:p>
+            <a:pPr marL="0" indent="0">
+              <a:buNone/>
+            </a:pPr>
+            <a:r>
+              <a:rPr lang="ro-RO" sz="2400" dirty="0">
+                <a:solidFill>
+                  <a:schemeClr val="tx1"/>
+                </a:solidFill>
+                <a:latin typeface="Times New Roman" panose="02020603050405020304" pitchFamily="18" charset="0"/>
+                <a:cs typeface="Times New Roman" panose="02020603050405020304" pitchFamily="18" charset="0"/>
+              </a:rPr>
+              <a:t>  Poate fi utilizată de doctori aparținând de diverse clinici.</a:t>
+            </a:r>
+          </a:p>
+          <a:p>
+            <a:pPr marL="0" indent="0">
+              <a:buNone/>
+            </a:pPr>
+            <a:r>
+              <a:rPr lang="ro-RO" sz="2400" dirty="0">
+                <a:solidFill>
+                  <a:schemeClr val="tx1"/>
+                </a:solidFill>
+                <a:latin typeface="Times New Roman" panose="02020603050405020304" pitchFamily="18" charset="0"/>
+                <a:cs typeface="Times New Roman" panose="02020603050405020304" pitchFamily="18" charset="0"/>
+              </a:rPr>
+              <a:t>  A reprezentat o provocare dusă la bun sfârșit.</a:t>
+            </a:r>
+          </a:p>
+          <a:p>
+            <a:pPr marL="0" indent="0">
+              <a:buNone/>
+            </a:pPr>
+            <a:r>
+              <a:rPr lang="ro-RO" sz="2400" dirty="0">
+                <a:solidFill>
+                  <a:schemeClr val="tx1"/>
+                </a:solidFill>
+                <a:latin typeface="Times New Roman" panose="02020603050405020304" pitchFamily="18" charset="0"/>
+                <a:cs typeface="Times New Roman" panose="02020603050405020304" pitchFamily="18" charset="0"/>
+              </a:rPr>
+              <a:t> </a:t>
+            </a:r>
+            <a:r>
+              <a:rPr lang="en-US" sz="2400" dirty="0">
+                <a:solidFill>
+                  <a:schemeClr val="tx1"/>
+                </a:solidFill>
+                <a:latin typeface="Times New Roman" panose="02020603050405020304" pitchFamily="18" charset="0"/>
+                <a:cs typeface="Times New Roman" panose="02020603050405020304" pitchFamily="18" charset="0"/>
+              </a:rPr>
+              <a:t> </a:t>
+            </a:r>
+            <a:r>
+              <a:rPr lang="ro-RO" sz="2400" dirty="0">
+                <a:solidFill>
+                  <a:schemeClr val="tx1"/>
+                </a:solidFill>
+                <a:latin typeface="Times New Roman" panose="02020603050405020304" pitchFamily="18" charset="0"/>
+                <a:cs typeface="Times New Roman" panose="02020603050405020304" pitchFamily="18" charset="0"/>
+              </a:rPr>
+              <a:t>Consider că această aplicație va ajuta extrem de mulți oameni pe viitor.</a:t>
+            </a:r>
+          </a:p>
+        </p:txBody>
+      </p:sp>
+      <p:sp>
+        <p:nvSpPr>
+          <p:cNvPr id="6" name="Slide Number Placeholder 5">
+            <a:extLst>
+              <a:ext uri="{FF2B5EF4-FFF2-40B4-BE49-F238E27FC236}">
+                <a16:creationId xmlns:a16="http://schemas.microsoft.com/office/drawing/2014/main" id="{86BADD99-1D18-428C-8A7A-66E14AA64E4E}"/>
+              </a:ext>
+            </a:extLst>
+          </p:cNvPr>
+          <p:cNvSpPr>
+            <a:spLocks noGrp="1"/>
+          </p:cNvSpPr>
+          <p:nvPr>
             <p:ph type="sldNum" sz="quarter" idx="12"/>
           </p:nvPr>
         </p:nvSpPr>
@@ -8968,7 +9889,7 @@
           <a:p>
             <a:r>
               <a:rPr lang="ro-RO" dirty="0"/>
-              <a:t>6</a:t>
+              <a:t>7</a:t>
             </a:r>
             <a:endParaRPr lang="en-US" dirty="0"/>
           </a:p>
@@ -8977,7 +9898,7 @@
     </p:spTree>
     <p:extLst>
       <p:ext uri="{BB962C8B-B14F-4D97-AF65-F5344CB8AC3E}">
-        <p14:creationId xmlns:p14="http://schemas.microsoft.com/office/powerpoint/2010/main" val="2567799820"/>
+        <p14:creationId xmlns:p14="http://schemas.microsoft.com/office/powerpoint/2010/main" val="900295600"/>
       </p:ext>
     </p:extLst>
   </p:cSld>
@@ -9021,7 +9942,7 @@
           <p:cNvPr id="2" name="Title 1">
             <a:extLst>
               <a:ext uri="{FF2B5EF4-FFF2-40B4-BE49-F238E27FC236}">
-                <a16:creationId xmlns:a16="http://schemas.microsoft.com/office/drawing/2014/main" id="{DE1AB039-1E5E-40C6-B9D5-B0D5745D0DE1}"/>
+                <a16:creationId xmlns:a16="http://schemas.microsoft.com/office/drawing/2014/main" id="{EB351EDB-81AB-48ED-B327-A968CC61293A}"/>
               </a:ext>
             </a:extLst>
           </p:cNvPr>
@@ -9034,7 +9955,7 @@
         </p:nvSpPr>
         <p:spPr>
           <a:xfrm>
-            <a:off x="1828800" y="657012"/>
+            <a:off x="1828800" y="2675466"/>
             <a:ext cx="8534400" cy="1507067"/>
           </a:xfrm>
         </p:spPr>
@@ -9046,13 +9967,13 @@
           <a:p>
             <a:pPr algn="ctr"/>
             <a:r>
-              <a:rPr lang="en-US" sz="3200" cap="none" dirty="0" err="1">
-                <a:latin typeface="Times New Roman" panose="02020603050405020304" pitchFamily="18" charset="0"/>
-                <a:cs typeface="Times New Roman" panose="02020603050405020304" pitchFamily="18" charset="0"/>
-              </a:rPr>
-              <a:t>Concluzii</a:t>
-            </a:r>
-            <a:endParaRPr lang="ro-RO" sz="3200" cap="none" dirty="0">
+              <a:rPr lang="en-US" sz="8800" cap="none" dirty="0">
+                <a:latin typeface="Times New Roman" panose="02020603050405020304" pitchFamily="18" charset="0"/>
+                <a:cs typeface="Times New Roman" panose="02020603050405020304" pitchFamily="18" charset="0"/>
+              </a:rPr>
+              <a:t>Q&amp;A</a:t>
+            </a:r>
+            <a:endParaRPr lang="ro-RO" sz="8800" cap="none" dirty="0">
               <a:latin typeface="Times New Roman" panose="02020603050405020304" pitchFamily="18" charset="0"/>
               <a:cs typeface="Times New Roman" panose="02020603050405020304" pitchFamily="18" charset="0"/>
             </a:endParaRPr>
@@ -9061,10 +9982,10 @@
       </p:sp>
       <p:sp>
         <p:nvSpPr>
-          <p:cNvPr id="3" name="Content Placeholder 2">
+          <p:cNvPr id="5" name="Slide Number Placeholder 4">
             <a:extLst>
               <a:ext uri="{FF2B5EF4-FFF2-40B4-BE49-F238E27FC236}">
-                <a16:creationId xmlns:a16="http://schemas.microsoft.com/office/drawing/2014/main" id="{58AE9B0E-6218-4211-8D36-5D131D5749DD}"/>
+                <a16:creationId xmlns:a16="http://schemas.microsoft.com/office/drawing/2014/main" id="{3C1B2175-FEA2-40C8-AB0B-EBFD1640A7D9}"/>
               </a:ext>
             </a:extLst>
           </p:cNvPr>
@@ -9072,132 +9993,6 @@
             <a:spLocks noGrp="1"/>
           </p:cNvSpPr>
           <p:nvPr>
-            <p:ph idx="1"/>
-          </p:nvPr>
-        </p:nvSpPr>
-        <p:spPr>
-          <a:xfrm>
-            <a:off x="1513840" y="1904999"/>
-            <a:ext cx="9441375" cy="4434255"/>
-          </a:xfrm>
-        </p:spPr>
-        <p:txBody>
-          <a:bodyPr anchor="t">
-            <a:normAutofit/>
-          </a:bodyPr>
-          <a:lstStyle/>
-          <a:p>
-            <a:pPr marL="0" indent="0">
-              <a:buNone/>
-            </a:pPr>
-            <a:r>
-              <a:rPr lang="ro-RO" sz="2400" dirty="0">
-                <a:solidFill>
-                  <a:schemeClr val="tx1"/>
-                </a:solidFill>
-                <a:latin typeface="Times New Roman" panose="02020603050405020304" pitchFamily="18" charset="0"/>
-                <a:cs typeface="Times New Roman" panose="02020603050405020304" pitchFamily="18" charset="0"/>
-              </a:rPr>
-              <a:t>  </a:t>
-            </a:r>
-            <a:r>
-              <a:rPr lang="ro-RO" sz="2400" b="1" dirty="0" err="1">
-                <a:solidFill>
-                  <a:schemeClr val="tx1"/>
-                </a:solidFill>
-                <a:latin typeface="Times New Roman" panose="02020603050405020304" pitchFamily="18" charset="0"/>
-                <a:cs typeface="Times New Roman" panose="02020603050405020304" pitchFamily="18" charset="0"/>
-              </a:rPr>
-              <a:t>MediArch</a:t>
-            </a:r>
-            <a:r>
-              <a:rPr lang="ro-RO" sz="2400" dirty="0">
-                <a:solidFill>
-                  <a:schemeClr val="tx1"/>
-                </a:solidFill>
-                <a:latin typeface="Times New Roman" panose="02020603050405020304" pitchFamily="18" charset="0"/>
-                <a:cs typeface="Times New Roman" panose="02020603050405020304" pitchFamily="18" charset="0"/>
-              </a:rPr>
-              <a:t> este o aplicație web, conturată pe domeniul medical, care va ține la loc sigur toate datele din istoricul medical al unei persoane.</a:t>
-            </a:r>
-          </a:p>
-          <a:p>
-            <a:pPr marL="0" indent="0">
-              <a:buNone/>
-            </a:pPr>
-            <a:r>
-              <a:rPr lang="ro-RO" sz="2400" dirty="0">
-                <a:solidFill>
-                  <a:schemeClr val="tx1"/>
-                </a:solidFill>
-                <a:latin typeface="Times New Roman" panose="02020603050405020304" pitchFamily="18" charset="0"/>
-                <a:cs typeface="Times New Roman" panose="02020603050405020304" pitchFamily="18" charset="0"/>
-              </a:rPr>
-              <a:t>  Poate fi utilizată de doctori aparținând de diverse clinici.</a:t>
-            </a:r>
-          </a:p>
-          <a:p>
-            <a:pPr marL="0" indent="0">
-              <a:buNone/>
-            </a:pPr>
-            <a:r>
-              <a:rPr lang="ro-RO" sz="2400" dirty="0">
-                <a:solidFill>
-                  <a:schemeClr val="tx1"/>
-                </a:solidFill>
-                <a:latin typeface="Times New Roman" panose="02020603050405020304" pitchFamily="18" charset="0"/>
-                <a:cs typeface="Times New Roman" panose="02020603050405020304" pitchFamily="18" charset="0"/>
-              </a:rPr>
-              <a:t>  A reprezentat o provocare dusă la bun sfârșit.</a:t>
-            </a:r>
-            <a:endParaRPr lang="en-US" sz="2400" dirty="0">
-              <a:solidFill>
-                <a:schemeClr val="tx1"/>
-              </a:solidFill>
-              <a:latin typeface="Times New Roman" panose="02020603050405020304" pitchFamily="18" charset="0"/>
-              <a:cs typeface="Times New Roman" panose="02020603050405020304" pitchFamily="18" charset="0"/>
-            </a:endParaRPr>
-          </a:p>
-          <a:p>
-            <a:pPr marL="0" indent="0">
-              <a:buNone/>
-            </a:pPr>
-            <a:r>
-              <a:rPr lang="en-US" sz="2400" dirty="0">
-                <a:solidFill>
-                  <a:schemeClr val="tx1"/>
-                </a:solidFill>
-                <a:latin typeface="Times New Roman" panose="02020603050405020304" pitchFamily="18" charset="0"/>
-                <a:cs typeface="Times New Roman" panose="02020603050405020304" pitchFamily="18" charset="0"/>
-              </a:rPr>
-              <a:t>  </a:t>
-            </a:r>
-            <a:r>
-              <a:rPr lang="ro-RO" sz="2400" dirty="0">
-                <a:solidFill>
-                  <a:schemeClr val="tx1"/>
-                </a:solidFill>
-                <a:latin typeface="Times New Roman" panose="02020603050405020304" pitchFamily="18" charset="0"/>
-                <a:cs typeface="Times New Roman" panose="02020603050405020304" pitchFamily="18" charset="0"/>
-              </a:rPr>
-              <a:t>Consider că această aplicație va ajuta extrem de mulți oameni pe viitor.</a:t>
-            </a:r>
-          </a:p>
-        </p:txBody>
-      </p:sp>
-      <p:sp>
-        <p:nvSpPr>
-          <p:cNvPr id="6" name="Slide Number Placeholder 5">
-            <a:extLst>
-              <a:ext uri="{FF2B5EF4-FFF2-40B4-BE49-F238E27FC236}">
-                <a16:creationId xmlns:a16="http://schemas.microsoft.com/office/drawing/2014/main" id="{86BADD99-1D18-428C-8A7A-66E14AA64E4E}"/>
-              </a:ext>
-            </a:extLst>
-          </p:cNvPr>
-          <p:cNvSpPr>
-            <a:spLocks noGrp="1"/>
-          </p:cNvSpPr>
-          <p:nvPr>
             <p:ph type="sldNum" sz="quarter" idx="12"/>
           </p:nvPr>
         </p:nvSpPr>
@@ -9207,17 +10002,16 @@
           <a:lstStyle/>
           <a:p>
             <a:r>
-              <a:rPr lang="ro-RO" dirty="0"/>
-              <a:t>7</a:t>
-            </a:r>
-            <a:endParaRPr lang="en-US" dirty="0"/>
+              <a:rPr lang="en-US" dirty="0"/>
+              <a:t>8</a:t>
+            </a:r>
           </a:p>
         </p:txBody>
       </p:sp>
     </p:spTree>
     <p:extLst>
       <p:ext uri="{BB962C8B-B14F-4D97-AF65-F5344CB8AC3E}">
-        <p14:creationId xmlns:p14="http://schemas.microsoft.com/office/powerpoint/2010/main" val="900295600"/>
+        <p14:creationId xmlns:p14="http://schemas.microsoft.com/office/powerpoint/2010/main" val="3638393348"/>
       </p:ext>
     </p:extLst>
   </p:cSld>
@@ -9311,16 +10105,20 @@
             <p:ph type="sldNum" sz="quarter" idx="12"/>
           </p:nvPr>
         </p:nvSpPr>
-        <p:spPr/>
+        <p:spPr>
+          <a:xfrm>
+            <a:off x="10363200" y="5578475"/>
+            <a:ext cx="1142245" cy="669925"/>
+          </a:xfrm>
+        </p:spPr>
         <p:txBody>
           <a:bodyPr/>
           <a:lstStyle/>
           <a:p>
             <a:r>
-              <a:rPr lang="ro-RO" dirty="0"/>
-              <a:t>8</a:t>
-            </a:r>
-            <a:endParaRPr lang="en-US" dirty="0"/>
+              <a:rPr lang="en-US" dirty="0"/>
+              <a:t>9</a:t>
+            </a:r>
           </a:p>
         </p:txBody>
       </p:sp>
